--- a/pics/2020-10-02-RBM/pics.pptx
+++ b/pics/2020-10-02-RBM/pics.pptx
@@ -6,6 +6,7 @@
   </p:sldMasterIdLst>
   <p:sldIdLst>
     <p:sldId id="256" r:id="rId2"/>
+    <p:sldId id="257" r:id="rId3"/>
   </p:sldIdLst>
   <p:sldSz cx="12192000" cy="6858000"/>
   <p:notesSz cx="6858000" cy="9144000"/>
@@ -129,7 +130,7 @@
           <p:cNvPr id="2" name="제목 1">
             <a:extLst>
               <a:ext uri="{FF2B5EF4-FFF2-40B4-BE49-F238E27FC236}">
-                <a16:creationId xmlns:a16="http://schemas.microsoft.com/office/drawing/2014/main" id="{2F8B0960-FA6D-43C5-960C-B8037C5BDCE7}"/>
+                <a16:creationId xmlns:a16="http://schemas.microsoft.com/office/drawing/2014/main" xmlns="" id="{2F8B0960-FA6D-43C5-960C-B8037C5BDCE7}"/>
               </a:ext>
             </a:extLst>
           </p:cNvPr>
@@ -166,7 +167,7 @@
           <p:cNvPr id="3" name="부제목 2">
             <a:extLst>
               <a:ext uri="{FF2B5EF4-FFF2-40B4-BE49-F238E27FC236}">
-                <a16:creationId xmlns:a16="http://schemas.microsoft.com/office/drawing/2014/main" id="{45899A66-4557-4A38-B81C-1843C52993B2}"/>
+                <a16:creationId xmlns:a16="http://schemas.microsoft.com/office/drawing/2014/main" xmlns="" id="{45899A66-4557-4A38-B81C-1843C52993B2}"/>
               </a:ext>
             </a:extLst>
           </p:cNvPr>
@@ -236,7 +237,7 @@
           <p:cNvPr id="4" name="날짜 개체 틀 3">
             <a:extLst>
               <a:ext uri="{FF2B5EF4-FFF2-40B4-BE49-F238E27FC236}">
-                <a16:creationId xmlns:a16="http://schemas.microsoft.com/office/drawing/2014/main" id="{48CD369C-FE7C-4AB5-B86C-44A5A53C15AC}"/>
+                <a16:creationId xmlns:a16="http://schemas.microsoft.com/office/drawing/2014/main" xmlns="" id="{48CD369C-FE7C-4AB5-B86C-44A5A53C15AC}"/>
               </a:ext>
             </a:extLst>
           </p:cNvPr>
@@ -254,7 +255,7 @@
           <a:p>
             <a:fld id="{926C6624-517B-483E-A64D-9C8CB655B369}" type="datetimeFigureOut">
               <a:rPr lang="ko-KR" altLang="en-US" smtClean="0"/>
-              <a:t>2020-10-01</a:t>
+              <a:t>2020-10-06</a:t>
             </a:fld>
             <a:endParaRPr lang="ko-KR" altLang="en-US"/>
           </a:p>
@@ -265,7 +266,7 @@
           <p:cNvPr id="5" name="바닥글 개체 틀 4">
             <a:extLst>
               <a:ext uri="{FF2B5EF4-FFF2-40B4-BE49-F238E27FC236}">
-                <a16:creationId xmlns:a16="http://schemas.microsoft.com/office/drawing/2014/main" id="{FC5391CB-8EF5-4BFF-AA4A-C802A7B16209}"/>
+                <a16:creationId xmlns:a16="http://schemas.microsoft.com/office/drawing/2014/main" xmlns="" id="{FC5391CB-8EF5-4BFF-AA4A-C802A7B16209}"/>
               </a:ext>
             </a:extLst>
           </p:cNvPr>
@@ -290,7 +291,7 @@
           <p:cNvPr id="6" name="슬라이드 번호 개체 틀 5">
             <a:extLst>
               <a:ext uri="{FF2B5EF4-FFF2-40B4-BE49-F238E27FC236}">
-                <a16:creationId xmlns:a16="http://schemas.microsoft.com/office/drawing/2014/main" id="{36FF6C47-36DC-405C-93D7-13BAEA1D33BA}"/>
+                <a16:creationId xmlns:a16="http://schemas.microsoft.com/office/drawing/2014/main" xmlns="" id="{36FF6C47-36DC-405C-93D7-13BAEA1D33BA}"/>
               </a:ext>
             </a:extLst>
           </p:cNvPr>
@@ -349,7 +350,7 @@
           <p:cNvPr id="2" name="제목 1">
             <a:extLst>
               <a:ext uri="{FF2B5EF4-FFF2-40B4-BE49-F238E27FC236}">
-                <a16:creationId xmlns:a16="http://schemas.microsoft.com/office/drawing/2014/main" id="{BFC75D8B-DE30-486C-8314-3EFB8E7E4C64}"/>
+                <a16:creationId xmlns:a16="http://schemas.microsoft.com/office/drawing/2014/main" xmlns="" id="{BFC75D8B-DE30-486C-8314-3EFB8E7E4C64}"/>
               </a:ext>
             </a:extLst>
           </p:cNvPr>
@@ -377,7 +378,7 @@
           <p:cNvPr id="3" name="세로 텍스트 개체 틀 2">
             <a:extLst>
               <a:ext uri="{FF2B5EF4-FFF2-40B4-BE49-F238E27FC236}">
-                <a16:creationId xmlns:a16="http://schemas.microsoft.com/office/drawing/2014/main" id="{69D4C395-8B40-4B07-8332-2EB8F02F3965}"/>
+                <a16:creationId xmlns:a16="http://schemas.microsoft.com/office/drawing/2014/main" xmlns="" id="{69D4C395-8B40-4B07-8332-2EB8F02F3965}"/>
               </a:ext>
             </a:extLst>
           </p:cNvPr>
@@ -434,7 +435,7 @@
           <p:cNvPr id="4" name="날짜 개체 틀 3">
             <a:extLst>
               <a:ext uri="{FF2B5EF4-FFF2-40B4-BE49-F238E27FC236}">
-                <a16:creationId xmlns:a16="http://schemas.microsoft.com/office/drawing/2014/main" id="{D15E3B5C-B17F-4041-814F-C75BA03DFEDC}"/>
+                <a16:creationId xmlns:a16="http://schemas.microsoft.com/office/drawing/2014/main" xmlns="" id="{D15E3B5C-B17F-4041-814F-C75BA03DFEDC}"/>
               </a:ext>
             </a:extLst>
           </p:cNvPr>
@@ -452,7 +453,7 @@
           <a:p>
             <a:fld id="{926C6624-517B-483E-A64D-9C8CB655B369}" type="datetimeFigureOut">
               <a:rPr lang="ko-KR" altLang="en-US" smtClean="0"/>
-              <a:t>2020-10-01</a:t>
+              <a:t>2020-10-06</a:t>
             </a:fld>
             <a:endParaRPr lang="ko-KR" altLang="en-US"/>
           </a:p>
@@ -463,7 +464,7 @@
           <p:cNvPr id="5" name="바닥글 개체 틀 4">
             <a:extLst>
               <a:ext uri="{FF2B5EF4-FFF2-40B4-BE49-F238E27FC236}">
-                <a16:creationId xmlns:a16="http://schemas.microsoft.com/office/drawing/2014/main" id="{07854CE2-705F-436B-A5D2-1F626546BC29}"/>
+                <a16:creationId xmlns:a16="http://schemas.microsoft.com/office/drawing/2014/main" xmlns="" id="{07854CE2-705F-436B-A5D2-1F626546BC29}"/>
               </a:ext>
             </a:extLst>
           </p:cNvPr>
@@ -488,7 +489,7 @@
           <p:cNvPr id="6" name="슬라이드 번호 개체 틀 5">
             <a:extLst>
               <a:ext uri="{FF2B5EF4-FFF2-40B4-BE49-F238E27FC236}">
-                <a16:creationId xmlns:a16="http://schemas.microsoft.com/office/drawing/2014/main" id="{69BA8D0D-2AF7-482A-AC1A-E793F14DECB9}"/>
+                <a16:creationId xmlns:a16="http://schemas.microsoft.com/office/drawing/2014/main" xmlns="" id="{69BA8D0D-2AF7-482A-AC1A-E793F14DECB9}"/>
               </a:ext>
             </a:extLst>
           </p:cNvPr>
@@ -547,7 +548,7 @@
           <p:cNvPr id="2" name="세로 제목 1">
             <a:extLst>
               <a:ext uri="{FF2B5EF4-FFF2-40B4-BE49-F238E27FC236}">
-                <a16:creationId xmlns:a16="http://schemas.microsoft.com/office/drawing/2014/main" id="{905B8183-C570-46E7-983E-1B0D17991727}"/>
+                <a16:creationId xmlns:a16="http://schemas.microsoft.com/office/drawing/2014/main" xmlns="" id="{905B8183-C570-46E7-983E-1B0D17991727}"/>
               </a:ext>
             </a:extLst>
           </p:cNvPr>
@@ -580,7 +581,7 @@
           <p:cNvPr id="3" name="세로 텍스트 개체 틀 2">
             <a:extLst>
               <a:ext uri="{FF2B5EF4-FFF2-40B4-BE49-F238E27FC236}">
-                <a16:creationId xmlns:a16="http://schemas.microsoft.com/office/drawing/2014/main" id="{4F7401A0-E080-41AF-A76B-B8BD13C65F79}"/>
+                <a16:creationId xmlns:a16="http://schemas.microsoft.com/office/drawing/2014/main" xmlns="" id="{4F7401A0-E080-41AF-A76B-B8BD13C65F79}"/>
               </a:ext>
             </a:extLst>
           </p:cNvPr>
@@ -642,7 +643,7 @@
           <p:cNvPr id="4" name="날짜 개체 틀 3">
             <a:extLst>
               <a:ext uri="{FF2B5EF4-FFF2-40B4-BE49-F238E27FC236}">
-                <a16:creationId xmlns:a16="http://schemas.microsoft.com/office/drawing/2014/main" id="{9DCFF2C8-14C5-4A17-A38F-0392599D884C}"/>
+                <a16:creationId xmlns:a16="http://schemas.microsoft.com/office/drawing/2014/main" xmlns="" id="{9DCFF2C8-14C5-4A17-A38F-0392599D884C}"/>
               </a:ext>
             </a:extLst>
           </p:cNvPr>
@@ -660,7 +661,7 @@
           <a:p>
             <a:fld id="{926C6624-517B-483E-A64D-9C8CB655B369}" type="datetimeFigureOut">
               <a:rPr lang="ko-KR" altLang="en-US" smtClean="0"/>
-              <a:t>2020-10-01</a:t>
+              <a:t>2020-10-06</a:t>
             </a:fld>
             <a:endParaRPr lang="ko-KR" altLang="en-US"/>
           </a:p>
@@ -671,7 +672,7 @@
           <p:cNvPr id="5" name="바닥글 개체 틀 4">
             <a:extLst>
               <a:ext uri="{FF2B5EF4-FFF2-40B4-BE49-F238E27FC236}">
-                <a16:creationId xmlns:a16="http://schemas.microsoft.com/office/drawing/2014/main" id="{7FAC5FFA-3A6E-490B-92ED-DA3F23D7C599}"/>
+                <a16:creationId xmlns:a16="http://schemas.microsoft.com/office/drawing/2014/main" xmlns="" id="{7FAC5FFA-3A6E-490B-92ED-DA3F23D7C599}"/>
               </a:ext>
             </a:extLst>
           </p:cNvPr>
@@ -696,7 +697,7 @@
           <p:cNvPr id="6" name="슬라이드 번호 개체 틀 5">
             <a:extLst>
               <a:ext uri="{FF2B5EF4-FFF2-40B4-BE49-F238E27FC236}">
-                <a16:creationId xmlns:a16="http://schemas.microsoft.com/office/drawing/2014/main" id="{7D1F9EC8-C259-4D1D-AE0B-CAAB543D5913}"/>
+                <a16:creationId xmlns:a16="http://schemas.microsoft.com/office/drawing/2014/main" xmlns="" id="{7D1F9EC8-C259-4D1D-AE0B-CAAB543D5913}"/>
               </a:ext>
             </a:extLst>
           </p:cNvPr>
@@ -755,7 +756,7 @@
           <p:cNvPr id="2" name="제목 1">
             <a:extLst>
               <a:ext uri="{FF2B5EF4-FFF2-40B4-BE49-F238E27FC236}">
-                <a16:creationId xmlns:a16="http://schemas.microsoft.com/office/drawing/2014/main" id="{7BB12028-DEC3-48AA-9892-C37A24785F76}"/>
+                <a16:creationId xmlns:a16="http://schemas.microsoft.com/office/drawing/2014/main" xmlns="" id="{7BB12028-DEC3-48AA-9892-C37A24785F76}"/>
               </a:ext>
             </a:extLst>
           </p:cNvPr>
@@ -783,7 +784,7 @@
           <p:cNvPr id="3" name="내용 개체 틀 2">
             <a:extLst>
               <a:ext uri="{FF2B5EF4-FFF2-40B4-BE49-F238E27FC236}">
-                <a16:creationId xmlns:a16="http://schemas.microsoft.com/office/drawing/2014/main" id="{1E1D78A9-F0AF-402B-9ED8-F0B45E2A5491}"/>
+                <a16:creationId xmlns:a16="http://schemas.microsoft.com/office/drawing/2014/main" xmlns="" id="{1E1D78A9-F0AF-402B-9ED8-F0B45E2A5491}"/>
               </a:ext>
             </a:extLst>
           </p:cNvPr>
@@ -840,7 +841,7 @@
           <p:cNvPr id="4" name="날짜 개체 틀 3">
             <a:extLst>
               <a:ext uri="{FF2B5EF4-FFF2-40B4-BE49-F238E27FC236}">
-                <a16:creationId xmlns:a16="http://schemas.microsoft.com/office/drawing/2014/main" id="{E18EEF75-54C1-40F0-9AE7-C2D0BF0F657A}"/>
+                <a16:creationId xmlns:a16="http://schemas.microsoft.com/office/drawing/2014/main" xmlns="" id="{E18EEF75-54C1-40F0-9AE7-C2D0BF0F657A}"/>
               </a:ext>
             </a:extLst>
           </p:cNvPr>
@@ -858,7 +859,7 @@
           <a:p>
             <a:fld id="{926C6624-517B-483E-A64D-9C8CB655B369}" type="datetimeFigureOut">
               <a:rPr lang="ko-KR" altLang="en-US" smtClean="0"/>
-              <a:t>2020-10-01</a:t>
+              <a:t>2020-10-06</a:t>
             </a:fld>
             <a:endParaRPr lang="ko-KR" altLang="en-US"/>
           </a:p>
@@ -869,7 +870,7 @@
           <p:cNvPr id="5" name="바닥글 개체 틀 4">
             <a:extLst>
               <a:ext uri="{FF2B5EF4-FFF2-40B4-BE49-F238E27FC236}">
-                <a16:creationId xmlns:a16="http://schemas.microsoft.com/office/drawing/2014/main" id="{498BFD9C-F2EF-4F25-BDE7-7D562B2F1AF0}"/>
+                <a16:creationId xmlns:a16="http://schemas.microsoft.com/office/drawing/2014/main" xmlns="" id="{498BFD9C-F2EF-4F25-BDE7-7D562B2F1AF0}"/>
               </a:ext>
             </a:extLst>
           </p:cNvPr>
@@ -894,7 +895,7 @@
           <p:cNvPr id="6" name="슬라이드 번호 개체 틀 5">
             <a:extLst>
               <a:ext uri="{FF2B5EF4-FFF2-40B4-BE49-F238E27FC236}">
-                <a16:creationId xmlns:a16="http://schemas.microsoft.com/office/drawing/2014/main" id="{2622B2F4-22EA-4A83-AFA2-D794661991D5}"/>
+                <a16:creationId xmlns:a16="http://schemas.microsoft.com/office/drawing/2014/main" xmlns="" id="{2622B2F4-22EA-4A83-AFA2-D794661991D5}"/>
               </a:ext>
             </a:extLst>
           </p:cNvPr>
@@ -953,7 +954,7 @@
           <p:cNvPr id="2" name="제목 1">
             <a:extLst>
               <a:ext uri="{FF2B5EF4-FFF2-40B4-BE49-F238E27FC236}">
-                <a16:creationId xmlns:a16="http://schemas.microsoft.com/office/drawing/2014/main" id="{FA3A4745-F8D0-45B3-88C0-B3166BF984D9}"/>
+                <a16:creationId xmlns:a16="http://schemas.microsoft.com/office/drawing/2014/main" xmlns="" id="{FA3A4745-F8D0-45B3-88C0-B3166BF984D9}"/>
               </a:ext>
             </a:extLst>
           </p:cNvPr>
@@ -990,7 +991,7 @@
           <p:cNvPr id="3" name="텍스트 개체 틀 2">
             <a:extLst>
               <a:ext uri="{FF2B5EF4-FFF2-40B4-BE49-F238E27FC236}">
-                <a16:creationId xmlns:a16="http://schemas.microsoft.com/office/drawing/2014/main" id="{D48A2772-7BDF-4CA7-8377-E0B5C2E8AB3B}"/>
+                <a16:creationId xmlns:a16="http://schemas.microsoft.com/office/drawing/2014/main" xmlns="" id="{D48A2772-7BDF-4CA7-8377-E0B5C2E8AB3B}"/>
               </a:ext>
             </a:extLst>
           </p:cNvPr>
@@ -1115,7 +1116,7 @@
           <p:cNvPr id="4" name="날짜 개체 틀 3">
             <a:extLst>
               <a:ext uri="{FF2B5EF4-FFF2-40B4-BE49-F238E27FC236}">
-                <a16:creationId xmlns:a16="http://schemas.microsoft.com/office/drawing/2014/main" id="{D2286282-8969-41A5-AE3F-A3BA51A0711A}"/>
+                <a16:creationId xmlns:a16="http://schemas.microsoft.com/office/drawing/2014/main" xmlns="" id="{D2286282-8969-41A5-AE3F-A3BA51A0711A}"/>
               </a:ext>
             </a:extLst>
           </p:cNvPr>
@@ -1133,7 +1134,7 @@
           <a:p>
             <a:fld id="{926C6624-517B-483E-A64D-9C8CB655B369}" type="datetimeFigureOut">
               <a:rPr lang="ko-KR" altLang="en-US" smtClean="0"/>
-              <a:t>2020-10-01</a:t>
+              <a:t>2020-10-06</a:t>
             </a:fld>
             <a:endParaRPr lang="ko-KR" altLang="en-US"/>
           </a:p>
@@ -1144,7 +1145,7 @@
           <p:cNvPr id="5" name="바닥글 개체 틀 4">
             <a:extLst>
               <a:ext uri="{FF2B5EF4-FFF2-40B4-BE49-F238E27FC236}">
-                <a16:creationId xmlns:a16="http://schemas.microsoft.com/office/drawing/2014/main" id="{E032E720-D628-4489-94D9-D6E20A03FACA}"/>
+                <a16:creationId xmlns:a16="http://schemas.microsoft.com/office/drawing/2014/main" xmlns="" id="{E032E720-D628-4489-94D9-D6E20A03FACA}"/>
               </a:ext>
             </a:extLst>
           </p:cNvPr>
@@ -1169,7 +1170,7 @@
           <p:cNvPr id="6" name="슬라이드 번호 개체 틀 5">
             <a:extLst>
               <a:ext uri="{FF2B5EF4-FFF2-40B4-BE49-F238E27FC236}">
-                <a16:creationId xmlns:a16="http://schemas.microsoft.com/office/drawing/2014/main" id="{4E241C61-BFEB-4414-9062-734ED0796B61}"/>
+                <a16:creationId xmlns:a16="http://schemas.microsoft.com/office/drawing/2014/main" xmlns="" id="{4E241C61-BFEB-4414-9062-734ED0796B61}"/>
               </a:ext>
             </a:extLst>
           </p:cNvPr>
@@ -1228,7 +1229,7 @@
           <p:cNvPr id="2" name="제목 1">
             <a:extLst>
               <a:ext uri="{FF2B5EF4-FFF2-40B4-BE49-F238E27FC236}">
-                <a16:creationId xmlns:a16="http://schemas.microsoft.com/office/drawing/2014/main" id="{2649DAF8-A891-48F2-9EFB-9A2227B38102}"/>
+                <a16:creationId xmlns:a16="http://schemas.microsoft.com/office/drawing/2014/main" xmlns="" id="{2649DAF8-A891-48F2-9EFB-9A2227B38102}"/>
               </a:ext>
             </a:extLst>
           </p:cNvPr>
@@ -1256,7 +1257,7 @@
           <p:cNvPr id="3" name="내용 개체 틀 2">
             <a:extLst>
               <a:ext uri="{FF2B5EF4-FFF2-40B4-BE49-F238E27FC236}">
-                <a16:creationId xmlns:a16="http://schemas.microsoft.com/office/drawing/2014/main" id="{C2C2A466-CA71-4062-88AF-2EDACA54E648}"/>
+                <a16:creationId xmlns:a16="http://schemas.microsoft.com/office/drawing/2014/main" xmlns="" id="{C2C2A466-CA71-4062-88AF-2EDACA54E648}"/>
               </a:ext>
             </a:extLst>
           </p:cNvPr>
@@ -1318,7 +1319,7 @@
           <p:cNvPr id="4" name="내용 개체 틀 3">
             <a:extLst>
               <a:ext uri="{FF2B5EF4-FFF2-40B4-BE49-F238E27FC236}">
-                <a16:creationId xmlns:a16="http://schemas.microsoft.com/office/drawing/2014/main" id="{9663E552-361A-4F7F-84A4-D386F6A4BD30}"/>
+                <a16:creationId xmlns:a16="http://schemas.microsoft.com/office/drawing/2014/main" xmlns="" id="{9663E552-361A-4F7F-84A4-D386F6A4BD30}"/>
               </a:ext>
             </a:extLst>
           </p:cNvPr>
@@ -1380,7 +1381,7 @@
           <p:cNvPr id="5" name="날짜 개체 틀 4">
             <a:extLst>
               <a:ext uri="{FF2B5EF4-FFF2-40B4-BE49-F238E27FC236}">
-                <a16:creationId xmlns:a16="http://schemas.microsoft.com/office/drawing/2014/main" id="{5AB60D71-DAD8-4F9E-9F99-755FBBB5145D}"/>
+                <a16:creationId xmlns:a16="http://schemas.microsoft.com/office/drawing/2014/main" xmlns="" id="{5AB60D71-DAD8-4F9E-9F99-755FBBB5145D}"/>
               </a:ext>
             </a:extLst>
           </p:cNvPr>
@@ -1398,7 +1399,7 @@
           <a:p>
             <a:fld id="{926C6624-517B-483E-A64D-9C8CB655B369}" type="datetimeFigureOut">
               <a:rPr lang="ko-KR" altLang="en-US" smtClean="0"/>
-              <a:t>2020-10-01</a:t>
+              <a:t>2020-10-06</a:t>
             </a:fld>
             <a:endParaRPr lang="ko-KR" altLang="en-US"/>
           </a:p>
@@ -1409,7 +1410,7 @@
           <p:cNvPr id="6" name="바닥글 개체 틀 5">
             <a:extLst>
               <a:ext uri="{FF2B5EF4-FFF2-40B4-BE49-F238E27FC236}">
-                <a16:creationId xmlns:a16="http://schemas.microsoft.com/office/drawing/2014/main" id="{BA9CBACB-786C-4517-9AEC-A658C8AAE95D}"/>
+                <a16:creationId xmlns:a16="http://schemas.microsoft.com/office/drawing/2014/main" xmlns="" id="{BA9CBACB-786C-4517-9AEC-A658C8AAE95D}"/>
               </a:ext>
             </a:extLst>
           </p:cNvPr>
@@ -1434,7 +1435,7 @@
           <p:cNvPr id="7" name="슬라이드 번호 개체 틀 6">
             <a:extLst>
               <a:ext uri="{FF2B5EF4-FFF2-40B4-BE49-F238E27FC236}">
-                <a16:creationId xmlns:a16="http://schemas.microsoft.com/office/drawing/2014/main" id="{DB4EF6C0-523E-43F2-A01B-CC1A4B23F407}"/>
+                <a16:creationId xmlns:a16="http://schemas.microsoft.com/office/drawing/2014/main" xmlns="" id="{DB4EF6C0-523E-43F2-A01B-CC1A4B23F407}"/>
               </a:ext>
             </a:extLst>
           </p:cNvPr>
@@ -1493,7 +1494,7 @@
           <p:cNvPr id="2" name="제목 1">
             <a:extLst>
               <a:ext uri="{FF2B5EF4-FFF2-40B4-BE49-F238E27FC236}">
-                <a16:creationId xmlns:a16="http://schemas.microsoft.com/office/drawing/2014/main" id="{C6880BE8-1F64-490B-86CF-6CD5E77B0FFD}"/>
+                <a16:creationId xmlns:a16="http://schemas.microsoft.com/office/drawing/2014/main" xmlns="" id="{C6880BE8-1F64-490B-86CF-6CD5E77B0FFD}"/>
               </a:ext>
             </a:extLst>
           </p:cNvPr>
@@ -1526,7 +1527,7 @@
           <p:cNvPr id="3" name="텍스트 개체 틀 2">
             <a:extLst>
               <a:ext uri="{FF2B5EF4-FFF2-40B4-BE49-F238E27FC236}">
-                <a16:creationId xmlns:a16="http://schemas.microsoft.com/office/drawing/2014/main" id="{DC4CFD8A-8D4A-4C24-AF38-C30B8C5676E8}"/>
+                <a16:creationId xmlns:a16="http://schemas.microsoft.com/office/drawing/2014/main" xmlns="" id="{DC4CFD8A-8D4A-4C24-AF38-C30B8C5676E8}"/>
               </a:ext>
             </a:extLst>
           </p:cNvPr>
@@ -1597,7 +1598,7 @@
           <p:cNvPr id="4" name="내용 개체 틀 3">
             <a:extLst>
               <a:ext uri="{FF2B5EF4-FFF2-40B4-BE49-F238E27FC236}">
-                <a16:creationId xmlns:a16="http://schemas.microsoft.com/office/drawing/2014/main" id="{744C9A7A-62D6-4BE0-8CA3-9EAB5AD5416C}"/>
+                <a16:creationId xmlns:a16="http://schemas.microsoft.com/office/drawing/2014/main" xmlns="" id="{744C9A7A-62D6-4BE0-8CA3-9EAB5AD5416C}"/>
               </a:ext>
             </a:extLst>
           </p:cNvPr>
@@ -1659,7 +1660,7 @@
           <p:cNvPr id="5" name="텍스트 개체 틀 4">
             <a:extLst>
               <a:ext uri="{FF2B5EF4-FFF2-40B4-BE49-F238E27FC236}">
-                <a16:creationId xmlns:a16="http://schemas.microsoft.com/office/drawing/2014/main" id="{8552D069-56E6-4760-8BD3-A5D64FCEBCFD}"/>
+                <a16:creationId xmlns:a16="http://schemas.microsoft.com/office/drawing/2014/main" xmlns="" id="{8552D069-56E6-4760-8BD3-A5D64FCEBCFD}"/>
               </a:ext>
             </a:extLst>
           </p:cNvPr>
@@ -1730,7 +1731,7 @@
           <p:cNvPr id="6" name="내용 개체 틀 5">
             <a:extLst>
               <a:ext uri="{FF2B5EF4-FFF2-40B4-BE49-F238E27FC236}">
-                <a16:creationId xmlns:a16="http://schemas.microsoft.com/office/drawing/2014/main" id="{C8F31DE3-9ECB-4559-849E-24AF36C85F4C}"/>
+                <a16:creationId xmlns:a16="http://schemas.microsoft.com/office/drawing/2014/main" xmlns="" id="{C8F31DE3-9ECB-4559-849E-24AF36C85F4C}"/>
               </a:ext>
             </a:extLst>
           </p:cNvPr>
@@ -1792,7 +1793,7 @@
           <p:cNvPr id="7" name="날짜 개체 틀 6">
             <a:extLst>
               <a:ext uri="{FF2B5EF4-FFF2-40B4-BE49-F238E27FC236}">
-                <a16:creationId xmlns:a16="http://schemas.microsoft.com/office/drawing/2014/main" id="{96E44F2C-EF2E-4249-856E-B8C54EF57A1D}"/>
+                <a16:creationId xmlns:a16="http://schemas.microsoft.com/office/drawing/2014/main" xmlns="" id="{96E44F2C-EF2E-4249-856E-B8C54EF57A1D}"/>
               </a:ext>
             </a:extLst>
           </p:cNvPr>
@@ -1810,7 +1811,7 @@
           <a:p>
             <a:fld id="{926C6624-517B-483E-A64D-9C8CB655B369}" type="datetimeFigureOut">
               <a:rPr lang="ko-KR" altLang="en-US" smtClean="0"/>
-              <a:t>2020-10-01</a:t>
+              <a:t>2020-10-06</a:t>
             </a:fld>
             <a:endParaRPr lang="ko-KR" altLang="en-US"/>
           </a:p>
@@ -1821,7 +1822,7 @@
           <p:cNvPr id="8" name="바닥글 개체 틀 7">
             <a:extLst>
               <a:ext uri="{FF2B5EF4-FFF2-40B4-BE49-F238E27FC236}">
-                <a16:creationId xmlns:a16="http://schemas.microsoft.com/office/drawing/2014/main" id="{298212B4-977A-45AF-85FE-CD3672464232}"/>
+                <a16:creationId xmlns:a16="http://schemas.microsoft.com/office/drawing/2014/main" xmlns="" id="{298212B4-977A-45AF-85FE-CD3672464232}"/>
               </a:ext>
             </a:extLst>
           </p:cNvPr>
@@ -1846,7 +1847,7 @@
           <p:cNvPr id="9" name="슬라이드 번호 개체 틀 8">
             <a:extLst>
               <a:ext uri="{FF2B5EF4-FFF2-40B4-BE49-F238E27FC236}">
-                <a16:creationId xmlns:a16="http://schemas.microsoft.com/office/drawing/2014/main" id="{30EB298C-D5B5-4C2B-9D70-41D0C47AAAF0}"/>
+                <a16:creationId xmlns:a16="http://schemas.microsoft.com/office/drawing/2014/main" xmlns="" id="{30EB298C-D5B5-4C2B-9D70-41D0C47AAAF0}"/>
               </a:ext>
             </a:extLst>
           </p:cNvPr>
@@ -1905,7 +1906,7 @@
           <p:cNvPr id="2" name="제목 1">
             <a:extLst>
               <a:ext uri="{FF2B5EF4-FFF2-40B4-BE49-F238E27FC236}">
-                <a16:creationId xmlns:a16="http://schemas.microsoft.com/office/drawing/2014/main" id="{F49A505A-E8D1-4E2A-98F8-1CB671980F00}"/>
+                <a16:creationId xmlns:a16="http://schemas.microsoft.com/office/drawing/2014/main" xmlns="" id="{F49A505A-E8D1-4E2A-98F8-1CB671980F00}"/>
               </a:ext>
             </a:extLst>
           </p:cNvPr>
@@ -1933,7 +1934,7 @@
           <p:cNvPr id="3" name="날짜 개체 틀 2">
             <a:extLst>
               <a:ext uri="{FF2B5EF4-FFF2-40B4-BE49-F238E27FC236}">
-                <a16:creationId xmlns:a16="http://schemas.microsoft.com/office/drawing/2014/main" id="{6348B131-FD57-4ADC-BE1F-C9F3F76617D4}"/>
+                <a16:creationId xmlns:a16="http://schemas.microsoft.com/office/drawing/2014/main" xmlns="" id="{6348B131-FD57-4ADC-BE1F-C9F3F76617D4}"/>
               </a:ext>
             </a:extLst>
           </p:cNvPr>
@@ -1951,7 +1952,7 @@
           <a:p>
             <a:fld id="{926C6624-517B-483E-A64D-9C8CB655B369}" type="datetimeFigureOut">
               <a:rPr lang="ko-KR" altLang="en-US" smtClean="0"/>
-              <a:t>2020-10-01</a:t>
+              <a:t>2020-10-06</a:t>
             </a:fld>
             <a:endParaRPr lang="ko-KR" altLang="en-US"/>
           </a:p>
@@ -1962,7 +1963,7 @@
           <p:cNvPr id="4" name="바닥글 개체 틀 3">
             <a:extLst>
               <a:ext uri="{FF2B5EF4-FFF2-40B4-BE49-F238E27FC236}">
-                <a16:creationId xmlns:a16="http://schemas.microsoft.com/office/drawing/2014/main" id="{B4D53CD0-667A-4511-8A8B-42D29873BDF6}"/>
+                <a16:creationId xmlns:a16="http://schemas.microsoft.com/office/drawing/2014/main" xmlns="" id="{B4D53CD0-667A-4511-8A8B-42D29873BDF6}"/>
               </a:ext>
             </a:extLst>
           </p:cNvPr>
@@ -1987,7 +1988,7 @@
           <p:cNvPr id="5" name="슬라이드 번호 개체 틀 4">
             <a:extLst>
               <a:ext uri="{FF2B5EF4-FFF2-40B4-BE49-F238E27FC236}">
-                <a16:creationId xmlns:a16="http://schemas.microsoft.com/office/drawing/2014/main" id="{DA5B2520-1BC8-45C9-9DC3-AE17D56C91B3}"/>
+                <a16:creationId xmlns:a16="http://schemas.microsoft.com/office/drawing/2014/main" xmlns="" id="{DA5B2520-1BC8-45C9-9DC3-AE17D56C91B3}"/>
               </a:ext>
             </a:extLst>
           </p:cNvPr>
@@ -2046,7 +2047,7 @@
           <p:cNvPr id="2" name="날짜 개체 틀 1">
             <a:extLst>
               <a:ext uri="{FF2B5EF4-FFF2-40B4-BE49-F238E27FC236}">
-                <a16:creationId xmlns:a16="http://schemas.microsoft.com/office/drawing/2014/main" id="{36B2FB37-DAA5-4CDD-A69B-F909FB9962BA}"/>
+                <a16:creationId xmlns:a16="http://schemas.microsoft.com/office/drawing/2014/main" xmlns="" id="{36B2FB37-DAA5-4CDD-A69B-F909FB9962BA}"/>
               </a:ext>
             </a:extLst>
           </p:cNvPr>
@@ -2064,7 +2065,7 @@
           <a:p>
             <a:fld id="{926C6624-517B-483E-A64D-9C8CB655B369}" type="datetimeFigureOut">
               <a:rPr lang="ko-KR" altLang="en-US" smtClean="0"/>
-              <a:t>2020-10-01</a:t>
+              <a:t>2020-10-06</a:t>
             </a:fld>
             <a:endParaRPr lang="ko-KR" altLang="en-US"/>
           </a:p>
@@ -2075,7 +2076,7 @@
           <p:cNvPr id="3" name="바닥글 개체 틀 2">
             <a:extLst>
               <a:ext uri="{FF2B5EF4-FFF2-40B4-BE49-F238E27FC236}">
-                <a16:creationId xmlns:a16="http://schemas.microsoft.com/office/drawing/2014/main" id="{FD47DE70-2F08-43C4-8E6B-354B11B49CC2}"/>
+                <a16:creationId xmlns:a16="http://schemas.microsoft.com/office/drawing/2014/main" xmlns="" id="{FD47DE70-2F08-43C4-8E6B-354B11B49CC2}"/>
               </a:ext>
             </a:extLst>
           </p:cNvPr>
@@ -2100,7 +2101,7 @@
           <p:cNvPr id="4" name="슬라이드 번호 개체 틀 3">
             <a:extLst>
               <a:ext uri="{FF2B5EF4-FFF2-40B4-BE49-F238E27FC236}">
-                <a16:creationId xmlns:a16="http://schemas.microsoft.com/office/drawing/2014/main" id="{46C6F601-3852-4479-84C9-729B9B2A5C37}"/>
+                <a16:creationId xmlns:a16="http://schemas.microsoft.com/office/drawing/2014/main" xmlns="" id="{46C6F601-3852-4479-84C9-729B9B2A5C37}"/>
               </a:ext>
             </a:extLst>
           </p:cNvPr>
@@ -2159,7 +2160,7 @@
           <p:cNvPr id="2" name="제목 1">
             <a:extLst>
               <a:ext uri="{FF2B5EF4-FFF2-40B4-BE49-F238E27FC236}">
-                <a16:creationId xmlns:a16="http://schemas.microsoft.com/office/drawing/2014/main" id="{B7D789DC-7637-42C6-BBA9-DF83111D8B75}"/>
+                <a16:creationId xmlns:a16="http://schemas.microsoft.com/office/drawing/2014/main" xmlns="" id="{B7D789DC-7637-42C6-BBA9-DF83111D8B75}"/>
               </a:ext>
             </a:extLst>
           </p:cNvPr>
@@ -2196,7 +2197,7 @@
           <p:cNvPr id="3" name="내용 개체 틀 2">
             <a:extLst>
               <a:ext uri="{FF2B5EF4-FFF2-40B4-BE49-F238E27FC236}">
-                <a16:creationId xmlns:a16="http://schemas.microsoft.com/office/drawing/2014/main" id="{3EF843E6-131F-4824-AC5A-8AA65A955EBF}"/>
+                <a16:creationId xmlns:a16="http://schemas.microsoft.com/office/drawing/2014/main" xmlns="" id="{3EF843E6-131F-4824-AC5A-8AA65A955EBF}"/>
               </a:ext>
             </a:extLst>
           </p:cNvPr>
@@ -2286,7 +2287,7 @@
           <p:cNvPr id="4" name="텍스트 개체 틀 3">
             <a:extLst>
               <a:ext uri="{FF2B5EF4-FFF2-40B4-BE49-F238E27FC236}">
-                <a16:creationId xmlns:a16="http://schemas.microsoft.com/office/drawing/2014/main" id="{338CF5A6-BF01-48C1-AFF8-5DBCF98A8FF0}"/>
+                <a16:creationId xmlns:a16="http://schemas.microsoft.com/office/drawing/2014/main" xmlns="" id="{338CF5A6-BF01-48C1-AFF8-5DBCF98A8FF0}"/>
               </a:ext>
             </a:extLst>
           </p:cNvPr>
@@ -2357,7 +2358,7 @@
           <p:cNvPr id="5" name="날짜 개체 틀 4">
             <a:extLst>
               <a:ext uri="{FF2B5EF4-FFF2-40B4-BE49-F238E27FC236}">
-                <a16:creationId xmlns:a16="http://schemas.microsoft.com/office/drawing/2014/main" id="{04E323EA-0D15-4D75-BA6A-119F9D6F1458}"/>
+                <a16:creationId xmlns:a16="http://schemas.microsoft.com/office/drawing/2014/main" xmlns="" id="{04E323EA-0D15-4D75-BA6A-119F9D6F1458}"/>
               </a:ext>
             </a:extLst>
           </p:cNvPr>
@@ -2375,7 +2376,7 @@
           <a:p>
             <a:fld id="{926C6624-517B-483E-A64D-9C8CB655B369}" type="datetimeFigureOut">
               <a:rPr lang="ko-KR" altLang="en-US" smtClean="0"/>
-              <a:t>2020-10-01</a:t>
+              <a:t>2020-10-06</a:t>
             </a:fld>
             <a:endParaRPr lang="ko-KR" altLang="en-US"/>
           </a:p>
@@ -2386,7 +2387,7 @@
           <p:cNvPr id="6" name="바닥글 개체 틀 5">
             <a:extLst>
               <a:ext uri="{FF2B5EF4-FFF2-40B4-BE49-F238E27FC236}">
-                <a16:creationId xmlns:a16="http://schemas.microsoft.com/office/drawing/2014/main" id="{B5C57742-BA3E-4CC3-8F6C-9EF14E7C0C3B}"/>
+                <a16:creationId xmlns:a16="http://schemas.microsoft.com/office/drawing/2014/main" xmlns="" id="{B5C57742-BA3E-4CC3-8F6C-9EF14E7C0C3B}"/>
               </a:ext>
             </a:extLst>
           </p:cNvPr>
@@ -2411,7 +2412,7 @@
           <p:cNvPr id="7" name="슬라이드 번호 개체 틀 6">
             <a:extLst>
               <a:ext uri="{FF2B5EF4-FFF2-40B4-BE49-F238E27FC236}">
-                <a16:creationId xmlns:a16="http://schemas.microsoft.com/office/drawing/2014/main" id="{1B3CC5D2-F981-4B96-A79A-F30F0B0E1BAC}"/>
+                <a16:creationId xmlns:a16="http://schemas.microsoft.com/office/drawing/2014/main" xmlns="" id="{1B3CC5D2-F981-4B96-A79A-F30F0B0E1BAC}"/>
               </a:ext>
             </a:extLst>
           </p:cNvPr>
@@ -2470,7 +2471,7 @@
           <p:cNvPr id="2" name="제목 1">
             <a:extLst>
               <a:ext uri="{FF2B5EF4-FFF2-40B4-BE49-F238E27FC236}">
-                <a16:creationId xmlns:a16="http://schemas.microsoft.com/office/drawing/2014/main" id="{59FEDDA3-A5E2-4F2F-9593-0476F2ABCF7F}"/>
+                <a16:creationId xmlns:a16="http://schemas.microsoft.com/office/drawing/2014/main" xmlns="" id="{59FEDDA3-A5E2-4F2F-9593-0476F2ABCF7F}"/>
               </a:ext>
             </a:extLst>
           </p:cNvPr>
@@ -2507,7 +2508,7 @@
           <p:cNvPr id="3" name="그림 개체 틀 2">
             <a:extLst>
               <a:ext uri="{FF2B5EF4-FFF2-40B4-BE49-F238E27FC236}">
-                <a16:creationId xmlns:a16="http://schemas.microsoft.com/office/drawing/2014/main" id="{042D17C4-7759-4C13-94F2-5B7739DDA942}"/>
+                <a16:creationId xmlns:a16="http://schemas.microsoft.com/office/drawing/2014/main" xmlns="" id="{042D17C4-7759-4C13-94F2-5B7739DDA942}"/>
               </a:ext>
             </a:extLst>
           </p:cNvPr>
@@ -2574,7 +2575,7 @@
           <p:cNvPr id="4" name="텍스트 개체 틀 3">
             <a:extLst>
               <a:ext uri="{FF2B5EF4-FFF2-40B4-BE49-F238E27FC236}">
-                <a16:creationId xmlns:a16="http://schemas.microsoft.com/office/drawing/2014/main" id="{6F711244-45BA-44BA-9BE9-A168D6DF5D6C}"/>
+                <a16:creationId xmlns:a16="http://schemas.microsoft.com/office/drawing/2014/main" xmlns="" id="{6F711244-45BA-44BA-9BE9-A168D6DF5D6C}"/>
               </a:ext>
             </a:extLst>
           </p:cNvPr>
@@ -2645,7 +2646,7 @@
           <p:cNvPr id="5" name="날짜 개체 틀 4">
             <a:extLst>
               <a:ext uri="{FF2B5EF4-FFF2-40B4-BE49-F238E27FC236}">
-                <a16:creationId xmlns:a16="http://schemas.microsoft.com/office/drawing/2014/main" id="{C5E6D033-D039-4E25-81D7-D1F709DC5842}"/>
+                <a16:creationId xmlns:a16="http://schemas.microsoft.com/office/drawing/2014/main" xmlns="" id="{C5E6D033-D039-4E25-81D7-D1F709DC5842}"/>
               </a:ext>
             </a:extLst>
           </p:cNvPr>
@@ -2663,7 +2664,7 @@
           <a:p>
             <a:fld id="{926C6624-517B-483E-A64D-9C8CB655B369}" type="datetimeFigureOut">
               <a:rPr lang="ko-KR" altLang="en-US" smtClean="0"/>
-              <a:t>2020-10-01</a:t>
+              <a:t>2020-10-06</a:t>
             </a:fld>
             <a:endParaRPr lang="ko-KR" altLang="en-US"/>
           </a:p>
@@ -2674,7 +2675,7 @@
           <p:cNvPr id="6" name="바닥글 개체 틀 5">
             <a:extLst>
               <a:ext uri="{FF2B5EF4-FFF2-40B4-BE49-F238E27FC236}">
-                <a16:creationId xmlns:a16="http://schemas.microsoft.com/office/drawing/2014/main" id="{714313D8-F821-47B2-B256-60D9B1D714F8}"/>
+                <a16:creationId xmlns:a16="http://schemas.microsoft.com/office/drawing/2014/main" xmlns="" id="{714313D8-F821-47B2-B256-60D9B1D714F8}"/>
               </a:ext>
             </a:extLst>
           </p:cNvPr>
@@ -2699,7 +2700,7 @@
           <p:cNvPr id="7" name="슬라이드 번호 개체 틀 6">
             <a:extLst>
               <a:ext uri="{FF2B5EF4-FFF2-40B4-BE49-F238E27FC236}">
-                <a16:creationId xmlns:a16="http://schemas.microsoft.com/office/drawing/2014/main" id="{5F834F32-DC34-4568-82EF-F1AD9A08EB05}"/>
+                <a16:creationId xmlns:a16="http://schemas.microsoft.com/office/drawing/2014/main" xmlns="" id="{5F834F32-DC34-4568-82EF-F1AD9A08EB05}"/>
               </a:ext>
             </a:extLst>
           </p:cNvPr>
@@ -2763,7 +2764,7 @@
           <p:cNvPr id="2" name="제목 개체 틀 1">
             <a:extLst>
               <a:ext uri="{FF2B5EF4-FFF2-40B4-BE49-F238E27FC236}">
-                <a16:creationId xmlns:a16="http://schemas.microsoft.com/office/drawing/2014/main" id="{71934781-F86A-4744-B3C9-4A6EAA2D0C75}"/>
+                <a16:creationId xmlns:a16="http://schemas.microsoft.com/office/drawing/2014/main" xmlns="" id="{71934781-F86A-4744-B3C9-4A6EAA2D0C75}"/>
               </a:ext>
             </a:extLst>
           </p:cNvPr>
@@ -2801,7 +2802,7 @@
           <p:cNvPr id="3" name="텍스트 개체 틀 2">
             <a:extLst>
               <a:ext uri="{FF2B5EF4-FFF2-40B4-BE49-F238E27FC236}">
-                <a16:creationId xmlns:a16="http://schemas.microsoft.com/office/drawing/2014/main" id="{42434676-4180-4161-9853-5915AA3E2C72}"/>
+                <a16:creationId xmlns:a16="http://schemas.microsoft.com/office/drawing/2014/main" xmlns="" id="{42434676-4180-4161-9853-5915AA3E2C72}"/>
               </a:ext>
             </a:extLst>
           </p:cNvPr>
@@ -2868,7 +2869,7 @@
           <p:cNvPr id="4" name="날짜 개체 틀 3">
             <a:extLst>
               <a:ext uri="{FF2B5EF4-FFF2-40B4-BE49-F238E27FC236}">
-                <a16:creationId xmlns:a16="http://schemas.microsoft.com/office/drawing/2014/main" id="{39CFC723-A9F0-405E-8D2E-68C27284606E}"/>
+                <a16:creationId xmlns:a16="http://schemas.microsoft.com/office/drawing/2014/main" xmlns="" id="{39CFC723-A9F0-405E-8D2E-68C27284606E}"/>
               </a:ext>
             </a:extLst>
           </p:cNvPr>
@@ -2904,7 +2905,7 @@
           <a:p>
             <a:fld id="{926C6624-517B-483E-A64D-9C8CB655B369}" type="datetimeFigureOut">
               <a:rPr lang="ko-KR" altLang="en-US" smtClean="0"/>
-              <a:t>2020-10-01</a:t>
+              <a:t>2020-10-06</a:t>
             </a:fld>
             <a:endParaRPr lang="ko-KR" altLang="en-US"/>
           </a:p>
@@ -2915,7 +2916,7 @@
           <p:cNvPr id="5" name="바닥글 개체 틀 4">
             <a:extLst>
               <a:ext uri="{FF2B5EF4-FFF2-40B4-BE49-F238E27FC236}">
-                <a16:creationId xmlns:a16="http://schemas.microsoft.com/office/drawing/2014/main" id="{C404C636-5CBC-46E3-BCD7-881283214072}"/>
+                <a16:creationId xmlns:a16="http://schemas.microsoft.com/office/drawing/2014/main" xmlns="" id="{C404C636-5CBC-46E3-BCD7-881283214072}"/>
               </a:ext>
             </a:extLst>
           </p:cNvPr>
@@ -2958,7 +2959,7 @@
           <p:cNvPr id="6" name="슬라이드 번호 개체 틀 5">
             <a:extLst>
               <a:ext uri="{FF2B5EF4-FFF2-40B4-BE49-F238E27FC236}">
-                <a16:creationId xmlns:a16="http://schemas.microsoft.com/office/drawing/2014/main" id="{48A46E9C-0AF2-4610-BF7C-1C6710DE791A}"/>
+                <a16:creationId xmlns:a16="http://schemas.microsoft.com/office/drawing/2014/main" xmlns="" id="{48A46E9C-0AF2-4610-BF7C-1C6710DE791A}"/>
               </a:ext>
             </a:extLst>
           </p:cNvPr>
@@ -3326,7 +3327,7 @@
           <p:cNvPr id="22" name="그룹 21">
             <a:extLst>
               <a:ext uri="{FF2B5EF4-FFF2-40B4-BE49-F238E27FC236}">
-                <a16:creationId xmlns:a16="http://schemas.microsoft.com/office/drawing/2014/main" id="{AB5BA01B-4BD7-44A4-B853-C312B75AF29E}"/>
+                <a16:creationId xmlns:a16="http://schemas.microsoft.com/office/drawing/2014/main" xmlns="" id="{AB5BA01B-4BD7-44A4-B853-C312B75AF29E}"/>
               </a:ext>
             </a:extLst>
           </p:cNvPr>
@@ -3346,7 +3347,7 @@
             <p:cNvPr id="4" name="모서리가 둥근 직사각형 3">
               <a:extLst>
                 <a:ext uri="{FF2B5EF4-FFF2-40B4-BE49-F238E27FC236}">
-                  <a16:creationId xmlns:a16="http://schemas.microsoft.com/office/drawing/2014/main" id="{4C175E72-DD6D-4047-9472-326AB722EE03}"/>
+                  <a16:creationId xmlns:a16="http://schemas.microsoft.com/office/drawing/2014/main" xmlns="" id="{4C175E72-DD6D-4047-9472-326AB722EE03}"/>
                 </a:ext>
               </a:extLst>
             </p:cNvPr>
@@ -3398,7 +3399,7 @@
             <p:cNvPr id="5" name="모서리가 둥근 직사각형 4">
               <a:extLst>
                 <a:ext uri="{FF2B5EF4-FFF2-40B4-BE49-F238E27FC236}">
-                  <a16:creationId xmlns:a16="http://schemas.microsoft.com/office/drawing/2014/main" id="{6A6EC401-98FA-4743-B06D-8BC1DC7EFE7E}"/>
+                  <a16:creationId xmlns:a16="http://schemas.microsoft.com/office/drawing/2014/main" xmlns="" id="{6A6EC401-98FA-4743-B06D-8BC1DC7EFE7E}"/>
                 </a:ext>
               </a:extLst>
             </p:cNvPr>
@@ -3450,7 +3451,7 @@
             <p:cNvPr id="6" name="타원 5">
               <a:extLst>
                 <a:ext uri="{FF2B5EF4-FFF2-40B4-BE49-F238E27FC236}">
-                  <a16:creationId xmlns:a16="http://schemas.microsoft.com/office/drawing/2014/main" id="{751CB917-43BB-4E2E-808C-280AA12FC8CB}"/>
+                  <a16:creationId xmlns:a16="http://schemas.microsoft.com/office/drawing/2014/main" xmlns="" id="{751CB917-43BB-4E2E-808C-280AA12FC8CB}"/>
                 </a:ext>
               </a:extLst>
             </p:cNvPr>
@@ -3502,7 +3503,7 @@
             <p:cNvPr id="7" name="타원 6">
               <a:extLst>
                 <a:ext uri="{FF2B5EF4-FFF2-40B4-BE49-F238E27FC236}">
-                  <a16:creationId xmlns:a16="http://schemas.microsoft.com/office/drawing/2014/main" id="{F0AEB657-B384-44CB-A4BE-B3AE6CE3EC10}"/>
+                  <a16:creationId xmlns:a16="http://schemas.microsoft.com/office/drawing/2014/main" xmlns="" id="{F0AEB657-B384-44CB-A4BE-B3AE6CE3EC10}"/>
                 </a:ext>
               </a:extLst>
             </p:cNvPr>
@@ -3554,7 +3555,7 @@
             <p:cNvPr id="8" name="타원 7">
               <a:extLst>
                 <a:ext uri="{FF2B5EF4-FFF2-40B4-BE49-F238E27FC236}">
-                  <a16:creationId xmlns:a16="http://schemas.microsoft.com/office/drawing/2014/main" id="{4E754D03-1ECC-409C-9A63-5729AE1BFB32}"/>
+                  <a16:creationId xmlns:a16="http://schemas.microsoft.com/office/drawing/2014/main" xmlns="" id="{4E754D03-1ECC-409C-9A63-5729AE1BFB32}"/>
                 </a:ext>
               </a:extLst>
             </p:cNvPr>
@@ -3606,7 +3607,7 @@
             <p:cNvPr id="9" name="타원 8">
               <a:extLst>
                 <a:ext uri="{FF2B5EF4-FFF2-40B4-BE49-F238E27FC236}">
-                  <a16:creationId xmlns:a16="http://schemas.microsoft.com/office/drawing/2014/main" id="{E12F435A-E87E-4EB8-A402-54EF32CB3D62}"/>
+                  <a16:creationId xmlns:a16="http://schemas.microsoft.com/office/drawing/2014/main" xmlns="" id="{E12F435A-E87E-4EB8-A402-54EF32CB3D62}"/>
                 </a:ext>
               </a:extLst>
             </p:cNvPr>
@@ -3658,7 +3659,7 @@
             <p:cNvPr id="10" name="타원 9">
               <a:extLst>
                 <a:ext uri="{FF2B5EF4-FFF2-40B4-BE49-F238E27FC236}">
-                  <a16:creationId xmlns:a16="http://schemas.microsoft.com/office/drawing/2014/main" id="{FCC3CE93-1E2E-409B-A213-0E6577DD4932}"/>
+                  <a16:creationId xmlns:a16="http://schemas.microsoft.com/office/drawing/2014/main" xmlns="" id="{FCC3CE93-1E2E-409B-A213-0E6577DD4932}"/>
                 </a:ext>
               </a:extLst>
             </p:cNvPr>
@@ -3710,7 +3711,7 @@
             <p:cNvPr id="11" name="타원 10">
               <a:extLst>
                 <a:ext uri="{FF2B5EF4-FFF2-40B4-BE49-F238E27FC236}">
-                  <a16:creationId xmlns:a16="http://schemas.microsoft.com/office/drawing/2014/main" id="{C6B3C21E-2B3A-4EF1-9576-68BC76E71E05}"/>
+                  <a16:creationId xmlns:a16="http://schemas.microsoft.com/office/drawing/2014/main" xmlns="" id="{C6B3C21E-2B3A-4EF1-9576-68BC76E71E05}"/>
                 </a:ext>
               </a:extLst>
             </p:cNvPr>
@@ -3762,7 +3763,7 @@
             <p:cNvPr id="12" name="타원 11">
               <a:extLst>
                 <a:ext uri="{FF2B5EF4-FFF2-40B4-BE49-F238E27FC236}">
-                  <a16:creationId xmlns:a16="http://schemas.microsoft.com/office/drawing/2014/main" id="{7AB750A5-C1AD-4C14-8709-A7DED16FECC6}"/>
+                  <a16:creationId xmlns:a16="http://schemas.microsoft.com/office/drawing/2014/main" xmlns="" id="{7AB750A5-C1AD-4C14-8709-A7DED16FECC6}"/>
                 </a:ext>
               </a:extLst>
             </p:cNvPr>
@@ -3814,7 +3815,7 @@
             <p:cNvPr id="13" name="타원 12">
               <a:extLst>
                 <a:ext uri="{FF2B5EF4-FFF2-40B4-BE49-F238E27FC236}">
-                  <a16:creationId xmlns:a16="http://schemas.microsoft.com/office/drawing/2014/main" id="{405327F0-54FB-4E62-81C8-8F4064A7D0EB}"/>
+                  <a16:creationId xmlns:a16="http://schemas.microsoft.com/office/drawing/2014/main" xmlns="" id="{405327F0-54FB-4E62-81C8-8F4064A7D0EB}"/>
                 </a:ext>
               </a:extLst>
             </p:cNvPr>
@@ -3866,7 +3867,7 @@
             <p:cNvPr id="14" name="타원 13">
               <a:extLst>
                 <a:ext uri="{FF2B5EF4-FFF2-40B4-BE49-F238E27FC236}">
-                  <a16:creationId xmlns:a16="http://schemas.microsoft.com/office/drawing/2014/main" id="{EF715E29-C393-47EE-B015-CE0C1D8BEBCB}"/>
+                  <a16:creationId xmlns:a16="http://schemas.microsoft.com/office/drawing/2014/main" xmlns="" id="{EF715E29-C393-47EE-B015-CE0C1D8BEBCB}"/>
                 </a:ext>
               </a:extLst>
             </p:cNvPr>
@@ -3918,7 +3919,7 @@
             <p:cNvPr id="15" name="타원 14">
               <a:extLst>
                 <a:ext uri="{FF2B5EF4-FFF2-40B4-BE49-F238E27FC236}">
-                  <a16:creationId xmlns:a16="http://schemas.microsoft.com/office/drawing/2014/main" id="{FBF382FC-A0A6-41DC-9B66-580BA69B89BC}"/>
+                  <a16:creationId xmlns:a16="http://schemas.microsoft.com/office/drawing/2014/main" xmlns="" id="{FBF382FC-A0A6-41DC-9B66-580BA69B89BC}"/>
                 </a:ext>
               </a:extLst>
             </p:cNvPr>
@@ -3970,7 +3971,7 @@
             <p:cNvPr id="16" name="타원 15">
               <a:extLst>
                 <a:ext uri="{FF2B5EF4-FFF2-40B4-BE49-F238E27FC236}">
-                  <a16:creationId xmlns:a16="http://schemas.microsoft.com/office/drawing/2014/main" id="{6876E574-1288-4911-A1B1-CD05242B0C69}"/>
+                  <a16:creationId xmlns:a16="http://schemas.microsoft.com/office/drawing/2014/main" xmlns="" id="{6876E574-1288-4911-A1B1-CD05242B0C69}"/>
                 </a:ext>
               </a:extLst>
             </p:cNvPr>
@@ -4022,7 +4023,7 @@
             <p:cNvPr id="17" name="타원 16">
               <a:extLst>
                 <a:ext uri="{FF2B5EF4-FFF2-40B4-BE49-F238E27FC236}">
-                  <a16:creationId xmlns:a16="http://schemas.microsoft.com/office/drawing/2014/main" id="{A9EDF57E-15C4-454C-A4CB-611F3A936838}"/>
+                  <a16:creationId xmlns:a16="http://schemas.microsoft.com/office/drawing/2014/main" xmlns="" id="{A9EDF57E-15C4-454C-A4CB-611F3A936838}"/>
                 </a:ext>
               </a:extLst>
             </p:cNvPr>
@@ -4074,7 +4075,7 @@
             <p:cNvPr id="18" name="TextBox 17">
               <a:extLst>
                 <a:ext uri="{FF2B5EF4-FFF2-40B4-BE49-F238E27FC236}">
-                  <a16:creationId xmlns:a16="http://schemas.microsoft.com/office/drawing/2014/main" id="{9E4BDB20-95A4-4E40-86E1-47C3C9A12DBB}"/>
+                  <a16:creationId xmlns:a16="http://schemas.microsoft.com/office/drawing/2014/main" xmlns="" id="{9E4BDB20-95A4-4E40-86E1-47C3C9A12DBB}"/>
                 </a:ext>
               </a:extLst>
             </p:cNvPr>
@@ -4110,7 +4111,7 @@
             <p:cNvPr id="19" name="TextBox 18">
               <a:extLst>
                 <a:ext uri="{FF2B5EF4-FFF2-40B4-BE49-F238E27FC236}">
-                  <a16:creationId xmlns:a16="http://schemas.microsoft.com/office/drawing/2014/main" id="{F3850DA9-09F8-4C63-82CB-E8048EE3C815}"/>
+                  <a16:creationId xmlns:a16="http://schemas.microsoft.com/office/drawing/2014/main" xmlns="" id="{F3850DA9-09F8-4C63-82CB-E8048EE3C815}"/>
                 </a:ext>
               </a:extLst>
             </p:cNvPr>
@@ -4146,7 +4147,7 @@
             <p:cNvPr id="20" name="직선 연결선 19">
               <a:extLst>
                 <a:ext uri="{FF2B5EF4-FFF2-40B4-BE49-F238E27FC236}">
-                  <a16:creationId xmlns:a16="http://schemas.microsoft.com/office/drawing/2014/main" id="{E02A8875-D1CB-4925-8F4D-172F01394007}"/>
+                  <a16:creationId xmlns:a16="http://schemas.microsoft.com/office/drawing/2014/main" xmlns="" id="{E02A8875-D1CB-4925-8F4D-172F01394007}"/>
                 </a:ext>
               </a:extLst>
             </p:cNvPr>
@@ -4185,7 +4186,7 @@
             <p:cNvPr id="21" name="TextBox 20">
               <a:extLst>
                 <a:ext uri="{FF2B5EF4-FFF2-40B4-BE49-F238E27FC236}">
-                  <a16:creationId xmlns:a16="http://schemas.microsoft.com/office/drawing/2014/main" id="{539ECFE7-1C54-4D3F-9F12-E5B50E6F0927}"/>
+                  <a16:creationId xmlns:a16="http://schemas.microsoft.com/office/drawing/2014/main" xmlns="" id="{539ECFE7-1C54-4D3F-9F12-E5B50E6F0927}"/>
                 </a:ext>
               </a:extLst>
             </p:cNvPr>
@@ -4221,6 +4222,100 @@
     <p:extLst>
       <p:ext uri="{BB962C8B-B14F-4D97-AF65-F5344CB8AC3E}">
         <p14:creationId xmlns:p14="http://schemas.microsoft.com/office/powerpoint/2010/main" val="506759532"/>
+      </p:ext>
+    </p:extLst>
+  </p:cSld>
+  <p:clrMapOvr>
+    <a:masterClrMapping/>
+  </p:clrMapOvr>
+</p:sld>
+</file>
+
+<file path=ppt/slides/slide2.xml><?xml version="1.0" encoding="utf-8"?>
+<p:sld xmlns:a="http://schemas.openxmlformats.org/drawingml/2006/main" xmlns:r="http://schemas.openxmlformats.org/officeDocument/2006/relationships" xmlns:p="http://schemas.openxmlformats.org/presentationml/2006/main">
+  <p:cSld>
+    <p:spTree>
+      <p:nvGrpSpPr>
+        <p:cNvPr id="1" name=""/>
+        <p:cNvGrpSpPr/>
+        <p:nvPr/>
+      </p:nvGrpSpPr>
+      <p:grpSpPr>
+        <a:xfrm>
+          <a:off x="0" y="0"/>
+          <a:ext cx="0" cy="0"/>
+          <a:chOff x="0" y="0"/>
+          <a:chExt cx="0" cy="0"/>
+        </a:xfrm>
+      </p:grpSpPr>
+      <p:pic>
+        <p:nvPicPr>
+          <p:cNvPr id="1026" name="Picture 2"/>
+          <p:cNvPicPr>
+            <a:picLocks noChangeAspect="1" noChangeArrowheads="1"/>
+          </p:cNvPicPr>
+          <p:nvPr/>
+        </p:nvPicPr>
+        <p:blipFill>
+          <a:blip r:embed="rId2">
+            <a:extLst>
+              <a:ext uri="{28A0092B-C50C-407E-A947-70E740481C1C}">
+                <a14:useLocalDpi xmlns:a14="http://schemas.microsoft.com/office/drawing/2010/main" val="0"/>
+              </a:ext>
+            </a:extLst>
+          </a:blip>
+          <a:srcRect/>
+          <a:stretch>
+            <a:fillRect/>
+          </a:stretch>
+        </p:blipFill>
+        <p:spPr bwMode="auto">
+          <a:xfrm>
+            <a:off x="3432175" y="1433513"/>
+            <a:ext cx="5324475" cy="3990975"/>
+          </a:xfrm>
+          <a:prstGeom prst="rect">
+            <a:avLst/>
+          </a:prstGeom>
+          <a:noFill/>
+          <a:ln>
+            <a:noFill/>
+          </a:ln>
+          <a:effectLst/>
+          <a:extLst>
+            <a:ext uri="{909E8E84-426E-40DD-AFC4-6F175D3DCCD1}">
+              <a14:hiddenFill xmlns:a14="http://schemas.microsoft.com/office/drawing/2010/main">
+                <a:solidFill>
+                  <a:schemeClr val="accent1"/>
+                </a:solidFill>
+              </a14:hiddenFill>
+            </a:ext>
+            <a:ext uri="{91240B29-F687-4F45-9708-019B960494DF}">
+              <a14:hiddenLine xmlns:a14="http://schemas.microsoft.com/office/drawing/2010/main" w="9525">
+                <a:solidFill>
+                  <a:schemeClr val="tx1"/>
+                </a:solidFill>
+                <a:miter lim="800000"/>
+                <a:headEnd/>
+                <a:tailEnd/>
+              </a14:hiddenLine>
+            </a:ext>
+            <a:ext uri="{AF507438-7753-43E0-B8FC-AC1667EBCBE1}">
+              <a14:hiddenEffects xmlns:a14="http://schemas.microsoft.com/office/drawing/2010/main">
+                <a:effectLst>
+                  <a:outerShdw dist="35921" dir="2700000" algn="ctr" rotWithShape="0">
+                    <a:schemeClr val="bg2"/>
+                  </a:outerShdw>
+                </a:effectLst>
+              </a14:hiddenEffects>
+            </a:ext>
+          </a:extLst>
+        </p:spPr>
+      </p:pic>
+    </p:spTree>
+    <p:extLst>
+      <p:ext uri="{BB962C8B-B14F-4D97-AF65-F5344CB8AC3E}">
+        <p14:creationId xmlns:p14="http://schemas.microsoft.com/office/powerpoint/2010/main" val="891040150"/>
       </p:ext>
     </p:extLst>
   </p:cSld>
@@ -4273,7 +4368,7 @@
     </a:clrScheme>
     <a:fontScheme name="Office">
       <a:majorFont>
-        <a:latin typeface="맑은 고딕" panose="020F0302020204030204"/>
+        <a:latin typeface="맑은 고딕"/>
         <a:ea typeface=""/>
         <a:cs typeface=""/>
         <a:font script="Jpan" typeface="游ゴシック Light"/>
@@ -4325,7 +4420,7 @@
         <a:font script="Tfng" typeface="Ebrima"/>
       </a:majorFont>
       <a:minorFont>
-        <a:latin typeface="맑은 고딕" panose="020F0502020204030204"/>
+        <a:latin typeface="맑은 고딕"/>
         <a:ea typeface=""/>
         <a:cs typeface=""/>
         <a:font script="Jpan" typeface="游ゴシック"/>
@@ -4519,7 +4614,7 @@
   <a:extraClrSchemeLst/>
   <a:extLst>
     <a:ext uri="{05A4C25C-085E-4340-85A3-A5531E510DB2}">
-      <thm15:themeFamily xmlns:thm15="http://schemas.microsoft.com/office/thememl/2012/main" name="Office Theme" id="{62F939B6-93AF-4DB8-9C6B-D6C7DFDC589F}" vid="{4A3C46E8-61CC-4603-A589-7422A47A8E4A}"/>
+      <thm15:themeFamily xmlns:thm15="http://schemas.microsoft.com/office/thememl/2012/main" xmlns="" name="Office Theme" id="{62F939B6-93AF-4DB8-9C6B-D6C7DFDC589F}" vid="{4A3C46E8-61CC-4603-A589-7422A47A8E4A}"/>
     </a:ext>
   </a:extLst>
 </a:theme>

--- a/pics/2020-10-02-RBM/pics.pptx
+++ b/pics/2020-10-02-RBM/pics.pptx
@@ -7,6 +7,7 @@
   <p:sldIdLst>
     <p:sldId id="256" r:id="rId2"/>
     <p:sldId id="257" r:id="rId3"/>
+    <p:sldId id="258" r:id="rId4"/>
   </p:sldIdLst>
   <p:sldSz cx="12192000" cy="6858000"/>
   <p:notesSz cx="6858000" cy="9144000"/>
@@ -130,7 +131,7 @@
           <p:cNvPr id="2" name="제목 1">
             <a:extLst>
               <a:ext uri="{FF2B5EF4-FFF2-40B4-BE49-F238E27FC236}">
-                <a16:creationId xmlns:a16="http://schemas.microsoft.com/office/drawing/2014/main" xmlns="" id="{2F8B0960-FA6D-43C5-960C-B8037C5BDCE7}"/>
+                <a16:creationId xmlns="" xmlns:a16="http://schemas.microsoft.com/office/drawing/2014/main" id="{2F8B0960-FA6D-43C5-960C-B8037C5BDCE7}"/>
               </a:ext>
             </a:extLst>
           </p:cNvPr>
@@ -167,7 +168,7 @@
           <p:cNvPr id="3" name="부제목 2">
             <a:extLst>
               <a:ext uri="{FF2B5EF4-FFF2-40B4-BE49-F238E27FC236}">
-                <a16:creationId xmlns:a16="http://schemas.microsoft.com/office/drawing/2014/main" xmlns="" id="{45899A66-4557-4A38-B81C-1843C52993B2}"/>
+                <a16:creationId xmlns="" xmlns:a16="http://schemas.microsoft.com/office/drawing/2014/main" id="{45899A66-4557-4A38-B81C-1843C52993B2}"/>
               </a:ext>
             </a:extLst>
           </p:cNvPr>
@@ -237,7 +238,7 @@
           <p:cNvPr id="4" name="날짜 개체 틀 3">
             <a:extLst>
               <a:ext uri="{FF2B5EF4-FFF2-40B4-BE49-F238E27FC236}">
-                <a16:creationId xmlns:a16="http://schemas.microsoft.com/office/drawing/2014/main" xmlns="" id="{48CD369C-FE7C-4AB5-B86C-44A5A53C15AC}"/>
+                <a16:creationId xmlns="" xmlns:a16="http://schemas.microsoft.com/office/drawing/2014/main" id="{48CD369C-FE7C-4AB5-B86C-44A5A53C15AC}"/>
               </a:ext>
             </a:extLst>
           </p:cNvPr>
@@ -266,7 +267,7 @@
           <p:cNvPr id="5" name="바닥글 개체 틀 4">
             <a:extLst>
               <a:ext uri="{FF2B5EF4-FFF2-40B4-BE49-F238E27FC236}">
-                <a16:creationId xmlns:a16="http://schemas.microsoft.com/office/drawing/2014/main" xmlns="" id="{FC5391CB-8EF5-4BFF-AA4A-C802A7B16209}"/>
+                <a16:creationId xmlns="" xmlns:a16="http://schemas.microsoft.com/office/drawing/2014/main" id="{FC5391CB-8EF5-4BFF-AA4A-C802A7B16209}"/>
               </a:ext>
             </a:extLst>
           </p:cNvPr>
@@ -291,7 +292,7 @@
           <p:cNvPr id="6" name="슬라이드 번호 개체 틀 5">
             <a:extLst>
               <a:ext uri="{FF2B5EF4-FFF2-40B4-BE49-F238E27FC236}">
-                <a16:creationId xmlns:a16="http://schemas.microsoft.com/office/drawing/2014/main" xmlns="" id="{36FF6C47-36DC-405C-93D7-13BAEA1D33BA}"/>
+                <a16:creationId xmlns="" xmlns:a16="http://schemas.microsoft.com/office/drawing/2014/main" id="{36FF6C47-36DC-405C-93D7-13BAEA1D33BA}"/>
               </a:ext>
             </a:extLst>
           </p:cNvPr>
@@ -350,7 +351,7 @@
           <p:cNvPr id="2" name="제목 1">
             <a:extLst>
               <a:ext uri="{FF2B5EF4-FFF2-40B4-BE49-F238E27FC236}">
-                <a16:creationId xmlns:a16="http://schemas.microsoft.com/office/drawing/2014/main" xmlns="" id="{BFC75D8B-DE30-486C-8314-3EFB8E7E4C64}"/>
+                <a16:creationId xmlns="" xmlns:a16="http://schemas.microsoft.com/office/drawing/2014/main" id="{BFC75D8B-DE30-486C-8314-3EFB8E7E4C64}"/>
               </a:ext>
             </a:extLst>
           </p:cNvPr>
@@ -378,7 +379,7 @@
           <p:cNvPr id="3" name="세로 텍스트 개체 틀 2">
             <a:extLst>
               <a:ext uri="{FF2B5EF4-FFF2-40B4-BE49-F238E27FC236}">
-                <a16:creationId xmlns:a16="http://schemas.microsoft.com/office/drawing/2014/main" xmlns="" id="{69D4C395-8B40-4B07-8332-2EB8F02F3965}"/>
+                <a16:creationId xmlns="" xmlns:a16="http://schemas.microsoft.com/office/drawing/2014/main" id="{69D4C395-8B40-4B07-8332-2EB8F02F3965}"/>
               </a:ext>
             </a:extLst>
           </p:cNvPr>
@@ -435,7 +436,7 @@
           <p:cNvPr id="4" name="날짜 개체 틀 3">
             <a:extLst>
               <a:ext uri="{FF2B5EF4-FFF2-40B4-BE49-F238E27FC236}">
-                <a16:creationId xmlns:a16="http://schemas.microsoft.com/office/drawing/2014/main" xmlns="" id="{D15E3B5C-B17F-4041-814F-C75BA03DFEDC}"/>
+                <a16:creationId xmlns="" xmlns:a16="http://schemas.microsoft.com/office/drawing/2014/main" id="{D15E3B5C-B17F-4041-814F-C75BA03DFEDC}"/>
               </a:ext>
             </a:extLst>
           </p:cNvPr>
@@ -464,7 +465,7 @@
           <p:cNvPr id="5" name="바닥글 개체 틀 4">
             <a:extLst>
               <a:ext uri="{FF2B5EF4-FFF2-40B4-BE49-F238E27FC236}">
-                <a16:creationId xmlns:a16="http://schemas.microsoft.com/office/drawing/2014/main" xmlns="" id="{07854CE2-705F-436B-A5D2-1F626546BC29}"/>
+                <a16:creationId xmlns="" xmlns:a16="http://schemas.microsoft.com/office/drawing/2014/main" id="{07854CE2-705F-436B-A5D2-1F626546BC29}"/>
               </a:ext>
             </a:extLst>
           </p:cNvPr>
@@ -489,7 +490,7 @@
           <p:cNvPr id="6" name="슬라이드 번호 개체 틀 5">
             <a:extLst>
               <a:ext uri="{FF2B5EF4-FFF2-40B4-BE49-F238E27FC236}">
-                <a16:creationId xmlns:a16="http://schemas.microsoft.com/office/drawing/2014/main" xmlns="" id="{69BA8D0D-2AF7-482A-AC1A-E793F14DECB9}"/>
+                <a16:creationId xmlns="" xmlns:a16="http://schemas.microsoft.com/office/drawing/2014/main" id="{69BA8D0D-2AF7-482A-AC1A-E793F14DECB9}"/>
               </a:ext>
             </a:extLst>
           </p:cNvPr>
@@ -548,7 +549,7 @@
           <p:cNvPr id="2" name="세로 제목 1">
             <a:extLst>
               <a:ext uri="{FF2B5EF4-FFF2-40B4-BE49-F238E27FC236}">
-                <a16:creationId xmlns:a16="http://schemas.microsoft.com/office/drawing/2014/main" xmlns="" id="{905B8183-C570-46E7-983E-1B0D17991727}"/>
+                <a16:creationId xmlns="" xmlns:a16="http://schemas.microsoft.com/office/drawing/2014/main" id="{905B8183-C570-46E7-983E-1B0D17991727}"/>
               </a:ext>
             </a:extLst>
           </p:cNvPr>
@@ -581,7 +582,7 @@
           <p:cNvPr id="3" name="세로 텍스트 개체 틀 2">
             <a:extLst>
               <a:ext uri="{FF2B5EF4-FFF2-40B4-BE49-F238E27FC236}">
-                <a16:creationId xmlns:a16="http://schemas.microsoft.com/office/drawing/2014/main" xmlns="" id="{4F7401A0-E080-41AF-A76B-B8BD13C65F79}"/>
+                <a16:creationId xmlns="" xmlns:a16="http://schemas.microsoft.com/office/drawing/2014/main" id="{4F7401A0-E080-41AF-A76B-B8BD13C65F79}"/>
               </a:ext>
             </a:extLst>
           </p:cNvPr>
@@ -643,7 +644,7 @@
           <p:cNvPr id="4" name="날짜 개체 틀 3">
             <a:extLst>
               <a:ext uri="{FF2B5EF4-FFF2-40B4-BE49-F238E27FC236}">
-                <a16:creationId xmlns:a16="http://schemas.microsoft.com/office/drawing/2014/main" xmlns="" id="{9DCFF2C8-14C5-4A17-A38F-0392599D884C}"/>
+                <a16:creationId xmlns="" xmlns:a16="http://schemas.microsoft.com/office/drawing/2014/main" id="{9DCFF2C8-14C5-4A17-A38F-0392599D884C}"/>
               </a:ext>
             </a:extLst>
           </p:cNvPr>
@@ -672,7 +673,7 @@
           <p:cNvPr id="5" name="바닥글 개체 틀 4">
             <a:extLst>
               <a:ext uri="{FF2B5EF4-FFF2-40B4-BE49-F238E27FC236}">
-                <a16:creationId xmlns:a16="http://schemas.microsoft.com/office/drawing/2014/main" xmlns="" id="{7FAC5FFA-3A6E-490B-92ED-DA3F23D7C599}"/>
+                <a16:creationId xmlns="" xmlns:a16="http://schemas.microsoft.com/office/drawing/2014/main" id="{7FAC5FFA-3A6E-490B-92ED-DA3F23D7C599}"/>
               </a:ext>
             </a:extLst>
           </p:cNvPr>
@@ -697,7 +698,7 @@
           <p:cNvPr id="6" name="슬라이드 번호 개체 틀 5">
             <a:extLst>
               <a:ext uri="{FF2B5EF4-FFF2-40B4-BE49-F238E27FC236}">
-                <a16:creationId xmlns:a16="http://schemas.microsoft.com/office/drawing/2014/main" xmlns="" id="{7D1F9EC8-C259-4D1D-AE0B-CAAB543D5913}"/>
+                <a16:creationId xmlns="" xmlns:a16="http://schemas.microsoft.com/office/drawing/2014/main" id="{7D1F9EC8-C259-4D1D-AE0B-CAAB543D5913}"/>
               </a:ext>
             </a:extLst>
           </p:cNvPr>
@@ -756,7 +757,7 @@
           <p:cNvPr id="2" name="제목 1">
             <a:extLst>
               <a:ext uri="{FF2B5EF4-FFF2-40B4-BE49-F238E27FC236}">
-                <a16:creationId xmlns:a16="http://schemas.microsoft.com/office/drawing/2014/main" xmlns="" id="{7BB12028-DEC3-48AA-9892-C37A24785F76}"/>
+                <a16:creationId xmlns="" xmlns:a16="http://schemas.microsoft.com/office/drawing/2014/main" id="{7BB12028-DEC3-48AA-9892-C37A24785F76}"/>
               </a:ext>
             </a:extLst>
           </p:cNvPr>
@@ -784,7 +785,7 @@
           <p:cNvPr id="3" name="내용 개체 틀 2">
             <a:extLst>
               <a:ext uri="{FF2B5EF4-FFF2-40B4-BE49-F238E27FC236}">
-                <a16:creationId xmlns:a16="http://schemas.microsoft.com/office/drawing/2014/main" xmlns="" id="{1E1D78A9-F0AF-402B-9ED8-F0B45E2A5491}"/>
+                <a16:creationId xmlns="" xmlns:a16="http://schemas.microsoft.com/office/drawing/2014/main" id="{1E1D78A9-F0AF-402B-9ED8-F0B45E2A5491}"/>
               </a:ext>
             </a:extLst>
           </p:cNvPr>
@@ -841,7 +842,7 @@
           <p:cNvPr id="4" name="날짜 개체 틀 3">
             <a:extLst>
               <a:ext uri="{FF2B5EF4-FFF2-40B4-BE49-F238E27FC236}">
-                <a16:creationId xmlns:a16="http://schemas.microsoft.com/office/drawing/2014/main" xmlns="" id="{E18EEF75-54C1-40F0-9AE7-C2D0BF0F657A}"/>
+                <a16:creationId xmlns="" xmlns:a16="http://schemas.microsoft.com/office/drawing/2014/main" id="{E18EEF75-54C1-40F0-9AE7-C2D0BF0F657A}"/>
               </a:ext>
             </a:extLst>
           </p:cNvPr>
@@ -870,7 +871,7 @@
           <p:cNvPr id="5" name="바닥글 개체 틀 4">
             <a:extLst>
               <a:ext uri="{FF2B5EF4-FFF2-40B4-BE49-F238E27FC236}">
-                <a16:creationId xmlns:a16="http://schemas.microsoft.com/office/drawing/2014/main" xmlns="" id="{498BFD9C-F2EF-4F25-BDE7-7D562B2F1AF0}"/>
+                <a16:creationId xmlns="" xmlns:a16="http://schemas.microsoft.com/office/drawing/2014/main" id="{498BFD9C-F2EF-4F25-BDE7-7D562B2F1AF0}"/>
               </a:ext>
             </a:extLst>
           </p:cNvPr>
@@ -895,7 +896,7 @@
           <p:cNvPr id="6" name="슬라이드 번호 개체 틀 5">
             <a:extLst>
               <a:ext uri="{FF2B5EF4-FFF2-40B4-BE49-F238E27FC236}">
-                <a16:creationId xmlns:a16="http://schemas.microsoft.com/office/drawing/2014/main" xmlns="" id="{2622B2F4-22EA-4A83-AFA2-D794661991D5}"/>
+                <a16:creationId xmlns="" xmlns:a16="http://schemas.microsoft.com/office/drawing/2014/main" id="{2622B2F4-22EA-4A83-AFA2-D794661991D5}"/>
               </a:ext>
             </a:extLst>
           </p:cNvPr>
@@ -954,7 +955,7 @@
           <p:cNvPr id="2" name="제목 1">
             <a:extLst>
               <a:ext uri="{FF2B5EF4-FFF2-40B4-BE49-F238E27FC236}">
-                <a16:creationId xmlns:a16="http://schemas.microsoft.com/office/drawing/2014/main" xmlns="" id="{FA3A4745-F8D0-45B3-88C0-B3166BF984D9}"/>
+                <a16:creationId xmlns="" xmlns:a16="http://schemas.microsoft.com/office/drawing/2014/main" id="{FA3A4745-F8D0-45B3-88C0-B3166BF984D9}"/>
               </a:ext>
             </a:extLst>
           </p:cNvPr>
@@ -991,7 +992,7 @@
           <p:cNvPr id="3" name="텍스트 개체 틀 2">
             <a:extLst>
               <a:ext uri="{FF2B5EF4-FFF2-40B4-BE49-F238E27FC236}">
-                <a16:creationId xmlns:a16="http://schemas.microsoft.com/office/drawing/2014/main" xmlns="" id="{D48A2772-7BDF-4CA7-8377-E0B5C2E8AB3B}"/>
+                <a16:creationId xmlns="" xmlns:a16="http://schemas.microsoft.com/office/drawing/2014/main" id="{D48A2772-7BDF-4CA7-8377-E0B5C2E8AB3B}"/>
               </a:ext>
             </a:extLst>
           </p:cNvPr>
@@ -1116,7 +1117,7 @@
           <p:cNvPr id="4" name="날짜 개체 틀 3">
             <a:extLst>
               <a:ext uri="{FF2B5EF4-FFF2-40B4-BE49-F238E27FC236}">
-                <a16:creationId xmlns:a16="http://schemas.microsoft.com/office/drawing/2014/main" xmlns="" id="{D2286282-8969-41A5-AE3F-A3BA51A0711A}"/>
+                <a16:creationId xmlns="" xmlns:a16="http://schemas.microsoft.com/office/drawing/2014/main" id="{D2286282-8969-41A5-AE3F-A3BA51A0711A}"/>
               </a:ext>
             </a:extLst>
           </p:cNvPr>
@@ -1145,7 +1146,7 @@
           <p:cNvPr id="5" name="바닥글 개체 틀 4">
             <a:extLst>
               <a:ext uri="{FF2B5EF4-FFF2-40B4-BE49-F238E27FC236}">
-                <a16:creationId xmlns:a16="http://schemas.microsoft.com/office/drawing/2014/main" xmlns="" id="{E032E720-D628-4489-94D9-D6E20A03FACA}"/>
+                <a16:creationId xmlns="" xmlns:a16="http://schemas.microsoft.com/office/drawing/2014/main" id="{E032E720-D628-4489-94D9-D6E20A03FACA}"/>
               </a:ext>
             </a:extLst>
           </p:cNvPr>
@@ -1170,7 +1171,7 @@
           <p:cNvPr id="6" name="슬라이드 번호 개체 틀 5">
             <a:extLst>
               <a:ext uri="{FF2B5EF4-FFF2-40B4-BE49-F238E27FC236}">
-                <a16:creationId xmlns:a16="http://schemas.microsoft.com/office/drawing/2014/main" xmlns="" id="{4E241C61-BFEB-4414-9062-734ED0796B61}"/>
+                <a16:creationId xmlns="" xmlns:a16="http://schemas.microsoft.com/office/drawing/2014/main" id="{4E241C61-BFEB-4414-9062-734ED0796B61}"/>
               </a:ext>
             </a:extLst>
           </p:cNvPr>
@@ -1229,7 +1230,7 @@
           <p:cNvPr id="2" name="제목 1">
             <a:extLst>
               <a:ext uri="{FF2B5EF4-FFF2-40B4-BE49-F238E27FC236}">
-                <a16:creationId xmlns:a16="http://schemas.microsoft.com/office/drawing/2014/main" xmlns="" id="{2649DAF8-A891-48F2-9EFB-9A2227B38102}"/>
+                <a16:creationId xmlns="" xmlns:a16="http://schemas.microsoft.com/office/drawing/2014/main" id="{2649DAF8-A891-48F2-9EFB-9A2227B38102}"/>
               </a:ext>
             </a:extLst>
           </p:cNvPr>
@@ -1257,7 +1258,7 @@
           <p:cNvPr id="3" name="내용 개체 틀 2">
             <a:extLst>
               <a:ext uri="{FF2B5EF4-FFF2-40B4-BE49-F238E27FC236}">
-                <a16:creationId xmlns:a16="http://schemas.microsoft.com/office/drawing/2014/main" xmlns="" id="{C2C2A466-CA71-4062-88AF-2EDACA54E648}"/>
+                <a16:creationId xmlns="" xmlns:a16="http://schemas.microsoft.com/office/drawing/2014/main" id="{C2C2A466-CA71-4062-88AF-2EDACA54E648}"/>
               </a:ext>
             </a:extLst>
           </p:cNvPr>
@@ -1319,7 +1320,7 @@
           <p:cNvPr id="4" name="내용 개체 틀 3">
             <a:extLst>
               <a:ext uri="{FF2B5EF4-FFF2-40B4-BE49-F238E27FC236}">
-                <a16:creationId xmlns:a16="http://schemas.microsoft.com/office/drawing/2014/main" xmlns="" id="{9663E552-361A-4F7F-84A4-D386F6A4BD30}"/>
+                <a16:creationId xmlns="" xmlns:a16="http://schemas.microsoft.com/office/drawing/2014/main" id="{9663E552-361A-4F7F-84A4-D386F6A4BD30}"/>
               </a:ext>
             </a:extLst>
           </p:cNvPr>
@@ -1381,7 +1382,7 @@
           <p:cNvPr id="5" name="날짜 개체 틀 4">
             <a:extLst>
               <a:ext uri="{FF2B5EF4-FFF2-40B4-BE49-F238E27FC236}">
-                <a16:creationId xmlns:a16="http://schemas.microsoft.com/office/drawing/2014/main" xmlns="" id="{5AB60D71-DAD8-4F9E-9F99-755FBBB5145D}"/>
+                <a16:creationId xmlns="" xmlns:a16="http://schemas.microsoft.com/office/drawing/2014/main" id="{5AB60D71-DAD8-4F9E-9F99-755FBBB5145D}"/>
               </a:ext>
             </a:extLst>
           </p:cNvPr>
@@ -1410,7 +1411,7 @@
           <p:cNvPr id="6" name="바닥글 개체 틀 5">
             <a:extLst>
               <a:ext uri="{FF2B5EF4-FFF2-40B4-BE49-F238E27FC236}">
-                <a16:creationId xmlns:a16="http://schemas.microsoft.com/office/drawing/2014/main" xmlns="" id="{BA9CBACB-786C-4517-9AEC-A658C8AAE95D}"/>
+                <a16:creationId xmlns="" xmlns:a16="http://schemas.microsoft.com/office/drawing/2014/main" id="{BA9CBACB-786C-4517-9AEC-A658C8AAE95D}"/>
               </a:ext>
             </a:extLst>
           </p:cNvPr>
@@ -1435,7 +1436,7 @@
           <p:cNvPr id="7" name="슬라이드 번호 개체 틀 6">
             <a:extLst>
               <a:ext uri="{FF2B5EF4-FFF2-40B4-BE49-F238E27FC236}">
-                <a16:creationId xmlns:a16="http://schemas.microsoft.com/office/drawing/2014/main" xmlns="" id="{DB4EF6C0-523E-43F2-A01B-CC1A4B23F407}"/>
+                <a16:creationId xmlns="" xmlns:a16="http://schemas.microsoft.com/office/drawing/2014/main" id="{DB4EF6C0-523E-43F2-A01B-CC1A4B23F407}"/>
               </a:ext>
             </a:extLst>
           </p:cNvPr>
@@ -1494,7 +1495,7 @@
           <p:cNvPr id="2" name="제목 1">
             <a:extLst>
               <a:ext uri="{FF2B5EF4-FFF2-40B4-BE49-F238E27FC236}">
-                <a16:creationId xmlns:a16="http://schemas.microsoft.com/office/drawing/2014/main" xmlns="" id="{C6880BE8-1F64-490B-86CF-6CD5E77B0FFD}"/>
+                <a16:creationId xmlns="" xmlns:a16="http://schemas.microsoft.com/office/drawing/2014/main" id="{C6880BE8-1F64-490B-86CF-6CD5E77B0FFD}"/>
               </a:ext>
             </a:extLst>
           </p:cNvPr>
@@ -1527,7 +1528,7 @@
           <p:cNvPr id="3" name="텍스트 개체 틀 2">
             <a:extLst>
               <a:ext uri="{FF2B5EF4-FFF2-40B4-BE49-F238E27FC236}">
-                <a16:creationId xmlns:a16="http://schemas.microsoft.com/office/drawing/2014/main" xmlns="" id="{DC4CFD8A-8D4A-4C24-AF38-C30B8C5676E8}"/>
+                <a16:creationId xmlns="" xmlns:a16="http://schemas.microsoft.com/office/drawing/2014/main" id="{DC4CFD8A-8D4A-4C24-AF38-C30B8C5676E8}"/>
               </a:ext>
             </a:extLst>
           </p:cNvPr>
@@ -1598,7 +1599,7 @@
           <p:cNvPr id="4" name="내용 개체 틀 3">
             <a:extLst>
               <a:ext uri="{FF2B5EF4-FFF2-40B4-BE49-F238E27FC236}">
-                <a16:creationId xmlns:a16="http://schemas.microsoft.com/office/drawing/2014/main" xmlns="" id="{744C9A7A-62D6-4BE0-8CA3-9EAB5AD5416C}"/>
+                <a16:creationId xmlns="" xmlns:a16="http://schemas.microsoft.com/office/drawing/2014/main" id="{744C9A7A-62D6-4BE0-8CA3-9EAB5AD5416C}"/>
               </a:ext>
             </a:extLst>
           </p:cNvPr>
@@ -1660,7 +1661,7 @@
           <p:cNvPr id="5" name="텍스트 개체 틀 4">
             <a:extLst>
               <a:ext uri="{FF2B5EF4-FFF2-40B4-BE49-F238E27FC236}">
-                <a16:creationId xmlns:a16="http://schemas.microsoft.com/office/drawing/2014/main" xmlns="" id="{8552D069-56E6-4760-8BD3-A5D64FCEBCFD}"/>
+                <a16:creationId xmlns="" xmlns:a16="http://schemas.microsoft.com/office/drawing/2014/main" id="{8552D069-56E6-4760-8BD3-A5D64FCEBCFD}"/>
               </a:ext>
             </a:extLst>
           </p:cNvPr>
@@ -1731,7 +1732,7 @@
           <p:cNvPr id="6" name="내용 개체 틀 5">
             <a:extLst>
               <a:ext uri="{FF2B5EF4-FFF2-40B4-BE49-F238E27FC236}">
-                <a16:creationId xmlns:a16="http://schemas.microsoft.com/office/drawing/2014/main" xmlns="" id="{C8F31DE3-9ECB-4559-849E-24AF36C85F4C}"/>
+                <a16:creationId xmlns="" xmlns:a16="http://schemas.microsoft.com/office/drawing/2014/main" id="{C8F31DE3-9ECB-4559-849E-24AF36C85F4C}"/>
               </a:ext>
             </a:extLst>
           </p:cNvPr>
@@ -1793,7 +1794,7 @@
           <p:cNvPr id="7" name="날짜 개체 틀 6">
             <a:extLst>
               <a:ext uri="{FF2B5EF4-FFF2-40B4-BE49-F238E27FC236}">
-                <a16:creationId xmlns:a16="http://schemas.microsoft.com/office/drawing/2014/main" xmlns="" id="{96E44F2C-EF2E-4249-856E-B8C54EF57A1D}"/>
+                <a16:creationId xmlns="" xmlns:a16="http://schemas.microsoft.com/office/drawing/2014/main" id="{96E44F2C-EF2E-4249-856E-B8C54EF57A1D}"/>
               </a:ext>
             </a:extLst>
           </p:cNvPr>
@@ -1822,7 +1823,7 @@
           <p:cNvPr id="8" name="바닥글 개체 틀 7">
             <a:extLst>
               <a:ext uri="{FF2B5EF4-FFF2-40B4-BE49-F238E27FC236}">
-                <a16:creationId xmlns:a16="http://schemas.microsoft.com/office/drawing/2014/main" xmlns="" id="{298212B4-977A-45AF-85FE-CD3672464232}"/>
+                <a16:creationId xmlns="" xmlns:a16="http://schemas.microsoft.com/office/drawing/2014/main" id="{298212B4-977A-45AF-85FE-CD3672464232}"/>
               </a:ext>
             </a:extLst>
           </p:cNvPr>
@@ -1847,7 +1848,7 @@
           <p:cNvPr id="9" name="슬라이드 번호 개체 틀 8">
             <a:extLst>
               <a:ext uri="{FF2B5EF4-FFF2-40B4-BE49-F238E27FC236}">
-                <a16:creationId xmlns:a16="http://schemas.microsoft.com/office/drawing/2014/main" xmlns="" id="{30EB298C-D5B5-4C2B-9D70-41D0C47AAAF0}"/>
+                <a16:creationId xmlns="" xmlns:a16="http://schemas.microsoft.com/office/drawing/2014/main" id="{30EB298C-D5B5-4C2B-9D70-41D0C47AAAF0}"/>
               </a:ext>
             </a:extLst>
           </p:cNvPr>
@@ -1906,7 +1907,7 @@
           <p:cNvPr id="2" name="제목 1">
             <a:extLst>
               <a:ext uri="{FF2B5EF4-FFF2-40B4-BE49-F238E27FC236}">
-                <a16:creationId xmlns:a16="http://schemas.microsoft.com/office/drawing/2014/main" xmlns="" id="{F49A505A-E8D1-4E2A-98F8-1CB671980F00}"/>
+                <a16:creationId xmlns="" xmlns:a16="http://schemas.microsoft.com/office/drawing/2014/main" id="{F49A505A-E8D1-4E2A-98F8-1CB671980F00}"/>
               </a:ext>
             </a:extLst>
           </p:cNvPr>
@@ -1934,7 +1935,7 @@
           <p:cNvPr id="3" name="날짜 개체 틀 2">
             <a:extLst>
               <a:ext uri="{FF2B5EF4-FFF2-40B4-BE49-F238E27FC236}">
-                <a16:creationId xmlns:a16="http://schemas.microsoft.com/office/drawing/2014/main" xmlns="" id="{6348B131-FD57-4ADC-BE1F-C9F3F76617D4}"/>
+                <a16:creationId xmlns="" xmlns:a16="http://schemas.microsoft.com/office/drawing/2014/main" id="{6348B131-FD57-4ADC-BE1F-C9F3F76617D4}"/>
               </a:ext>
             </a:extLst>
           </p:cNvPr>
@@ -1963,7 +1964,7 @@
           <p:cNvPr id="4" name="바닥글 개체 틀 3">
             <a:extLst>
               <a:ext uri="{FF2B5EF4-FFF2-40B4-BE49-F238E27FC236}">
-                <a16:creationId xmlns:a16="http://schemas.microsoft.com/office/drawing/2014/main" xmlns="" id="{B4D53CD0-667A-4511-8A8B-42D29873BDF6}"/>
+                <a16:creationId xmlns="" xmlns:a16="http://schemas.microsoft.com/office/drawing/2014/main" id="{B4D53CD0-667A-4511-8A8B-42D29873BDF6}"/>
               </a:ext>
             </a:extLst>
           </p:cNvPr>
@@ -1988,7 +1989,7 @@
           <p:cNvPr id="5" name="슬라이드 번호 개체 틀 4">
             <a:extLst>
               <a:ext uri="{FF2B5EF4-FFF2-40B4-BE49-F238E27FC236}">
-                <a16:creationId xmlns:a16="http://schemas.microsoft.com/office/drawing/2014/main" xmlns="" id="{DA5B2520-1BC8-45C9-9DC3-AE17D56C91B3}"/>
+                <a16:creationId xmlns="" xmlns:a16="http://schemas.microsoft.com/office/drawing/2014/main" id="{DA5B2520-1BC8-45C9-9DC3-AE17D56C91B3}"/>
               </a:ext>
             </a:extLst>
           </p:cNvPr>
@@ -2047,7 +2048,7 @@
           <p:cNvPr id="2" name="날짜 개체 틀 1">
             <a:extLst>
               <a:ext uri="{FF2B5EF4-FFF2-40B4-BE49-F238E27FC236}">
-                <a16:creationId xmlns:a16="http://schemas.microsoft.com/office/drawing/2014/main" xmlns="" id="{36B2FB37-DAA5-4CDD-A69B-F909FB9962BA}"/>
+                <a16:creationId xmlns="" xmlns:a16="http://schemas.microsoft.com/office/drawing/2014/main" id="{36B2FB37-DAA5-4CDD-A69B-F909FB9962BA}"/>
               </a:ext>
             </a:extLst>
           </p:cNvPr>
@@ -2076,7 +2077,7 @@
           <p:cNvPr id="3" name="바닥글 개체 틀 2">
             <a:extLst>
               <a:ext uri="{FF2B5EF4-FFF2-40B4-BE49-F238E27FC236}">
-                <a16:creationId xmlns:a16="http://schemas.microsoft.com/office/drawing/2014/main" xmlns="" id="{FD47DE70-2F08-43C4-8E6B-354B11B49CC2}"/>
+                <a16:creationId xmlns="" xmlns:a16="http://schemas.microsoft.com/office/drawing/2014/main" id="{FD47DE70-2F08-43C4-8E6B-354B11B49CC2}"/>
               </a:ext>
             </a:extLst>
           </p:cNvPr>
@@ -2101,7 +2102,7 @@
           <p:cNvPr id="4" name="슬라이드 번호 개체 틀 3">
             <a:extLst>
               <a:ext uri="{FF2B5EF4-FFF2-40B4-BE49-F238E27FC236}">
-                <a16:creationId xmlns:a16="http://schemas.microsoft.com/office/drawing/2014/main" xmlns="" id="{46C6F601-3852-4479-84C9-729B9B2A5C37}"/>
+                <a16:creationId xmlns="" xmlns:a16="http://schemas.microsoft.com/office/drawing/2014/main" id="{46C6F601-3852-4479-84C9-729B9B2A5C37}"/>
               </a:ext>
             </a:extLst>
           </p:cNvPr>
@@ -2160,7 +2161,7 @@
           <p:cNvPr id="2" name="제목 1">
             <a:extLst>
               <a:ext uri="{FF2B5EF4-FFF2-40B4-BE49-F238E27FC236}">
-                <a16:creationId xmlns:a16="http://schemas.microsoft.com/office/drawing/2014/main" xmlns="" id="{B7D789DC-7637-42C6-BBA9-DF83111D8B75}"/>
+                <a16:creationId xmlns="" xmlns:a16="http://schemas.microsoft.com/office/drawing/2014/main" id="{B7D789DC-7637-42C6-BBA9-DF83111D8B75}"/>
               </a:ext>
             </a:extLst>
           </p:cNvPr>
@@ -2197,7 +2198,7 @@
           <p:cNvPr id="3" name="내용 개체 틀 2">
             <a:extLst>
               <a:ext uri="{FF2B5EF4-FFF2-40B4-BE49-F238E27FC236}">
-                <a16:creationId xmlns:a16="http://schemas.microsoft.com/office/drawing/2014/main" xmlns="" id="{3EF843E6-131F-4824-AC5A-8AA65A955EBF}"/>
+                <a16:creationId xmlns="" xmlns:a16="http://schemas.microsoft.com/office/drawing/2014/main" id="{3EF843E6-131F-4824-AC5A-8AA65A955EBF}"/>
               </a:ext>
             </a:extLst>
           </p:cNvPr>
@@ -2287,7 +2288,7 @@
           <p:cNvPr id="4" name="텍스트 개체 틀 3">
             <a:extLst>
               <a:ext uri="{FF2B5EF4-FFF2-40B4-BE49-F238E27FC236}">
-                <a16:creationId xmlns:a16="http://schemas.microsoft.com/office/drawing/2014/main" xmlns="" id="{338CF5A6-BF01-48C1-AFF8-5DBCF98A8FF0}"/>
+                <a16:creationId xmlns="" xmlns:a16="http://schemas.microsoft.com/office/drawing/2014/main" id="{338CF5A6-BF01-48C1-AFF8-5DBCF98A8FF0}"/>
               </a:ext>
             </a:extLst>
           </p:cNvPr>
@@ -2358,7 +2359,7 @@
           <p:cNvPr id="5" name="날짜 개체 틀 4">
             <a:extLst>
               <a:ext uri="{FF2B5EF4-FFF2-40B4-BE49-F238E27FC236}">
-                <a16:creationId xmlns:a16="http://schemas.microsoft.com/office/drawing/2014/main" xmlns="" id="{04E323EA-0D15-4D75-BA6A-119F9D6F1458}"/>
+                <a16:creationId xmlns="" xmlns:a16="http://schemas.microsoft.com/office/drawing/2014/main" id="{04E323EA-0D15-4D75-BA6A-119F9D6F1458}"/>
               </a:ext>
             </a:extLst>
           </p:cNvPr>
@@ -2387,7 +2388,7 @@
           <p:cNvPr id="6" name="바닥글 개체 틀 5">
             <a:extLst>
               <a:ext uri="{FF2B5EF4-FFF2-40B4-BE49-F238E27FC236}">
-                <a16:creationId xmlns:a16="http://schemas.microsoft.com/office/drawing/2014/main" xmlns="" id="{B5C57742-BA3E-4CC3-8F6C-9EF14E7C0C3B}"/>
+                <a16:creationId xmlns="" xmlns:a16="http://schemas.microsoft.com/office/drawing/2014/main" id="{B5C57742-BA3E-4CC3-8F6C-9EF14E7C0C3B}"/>
               </a:ext>
             </a:extLst>
           </p:cNvPr>
@@ -2412,7 +2413,7 @@
           <p:cNvPr id="7" name="슬라이드 번호 개체 틀 6">
             <a:extLst>
               <a:ext uri="{FF2B5EF4-FFF2-40B4-BE49-F238E27FC236}">
-                <a16:creationId xmlns:a16="http://schemas.microsoft.com/office/drawing/2014/main" xmlns="" id="{1B3CC5D2-F981-4B96-A79A-F30F0B0E1BAC}"/>
+                <a16:creationId xmlns="" xmlns:a16="http://schemas.microsoft.com/office/drawing/2014/main" id="{1B3CC5D2-F981-4B96-A79A-F30F0B0E1BAC}"/>
               </a:ext>
             </a:extLst>
           </p:cNvPr>
@@ -2471,7 +2472,7 @@
           <p:cNvPr id="2" name="제목 1">
             <a:extLst>
               <a:ext uri="{FF2B5EF4-FFF2-40B4-BE49-F238E27FC236}">
-                <a16:creationId xmlns:a16="http://schemas.microsoft.com/office/drawing/2014/main" xmlns="" id="{59FEDDA3-A5E2-4F2F-9593-0476F2ABCF7F}"/>
+                <a16:creationId xmlns="" xmlns:a16="http://schemas.microsoft.com/office/drawing/2014/main" id="{59FEDDA3-A5E2-4F2F-9593-0476F2ABCF7F}"/>
               </a:ext>
             </a:extLst>
           </p:cNvPr>
@@ -2508,7 +2509,7 @@
           <p:cNvPr id="3" name="그림 개체 틀 2">
             <a:extLst>
               <a:ext uri="{FF2B5EF4-FFF2-40B4-BE49-F238E27FC236}">
-                <a16:creationId xmlns:a16="http://schemas.microsoft.com/office/drawing/2014/main" xmlns="" id="{042D17C4-7759-4C13-94F2-5B7739DDA942}"/>
+                <a16:creationId xmlns="" xmlns:a16="http://schemas.microsoft.com/office/drawing/2014/main" id="{042D17C4-7759-4C13-94F2-5B7739DDA942}"/>
               </a:ext>
             </a:extLst>
           </p:cNvPr>
@@ -2575,7 +2576,7 @@
           <p:cNvPr id="4" name="텍스트 개체 틀 3">
             <a:extLst>
               <a:ext uri="{FF2B5EF4-FFF2-40B4-BE49-F238E27FC236}">
-                <a16:creationId xmlns:a16="http://schemas.microsoft.com/office/drawing/2014/main" xmlns="" id="{6F711244-45BA-44BA-9BE9-A168D6DF5D6C}"/>
+                <a16:creationId xmlns="" xmlns:a16="http://schemas.microsoft.com/office/drawing/2014/main" id="{6F711244-45BA-44BA-9BE9-A168D6DF5D6C}"/>
               </a:ext>
             </a:extLst>
           </p:cNvPr>
@@ -2646,7 +2647,7 @@
           <p:cNvPr id="5" name="날짜 개체 틀 4">
             <a:extLst>
               <a:ext uri="{FF2B5EF4-FFF2-40B4-BE49-F238E27FC236}">
-                <a16:creationId xmlns:a16="http://schemas.microsoft.com/office/drawing/2014/main" xmlns="" id="{C5E6D033-D039-4E25-81D7-D1F709DC5842}"/>
+                <a16:creationId xmlns="" xmlns:a16="http://schemas.microsoft.com/office/drawing/2014/main" id="{C5E6D033-D039-4E25-81D7-D1F709DC5842}"/>
               </a:ext>
             </a:extLst>
           </p:cNvPr>
@@ -2675,7 +2676,7 @@
           <p:cNvPr id="6" name="바닥글 개체 틀 5">
             <a:extLst>
               <a:ext uri="{FF2B5EF4-FFF2-40B4-BE49-F238E27FC236}">
-                <a16:creationId xmlns:a16="http://schemas.microsoft.com/office/drawing/2014/main" xmlns="" id="{714313D8-F821-47B2-B256-60D9B1D714F8}"/>
+                <a16:creationId xmlns="" xmlns:a16="http://schemas.microsoft.com/office/drawing/2014/main" id="{714313D8-F821-47B2-B256-60D9B1D714F8}"/>
               </a:ext>
             </a:extLst>
           </p:cNvPr>
@@ -2700,7 +2701,7 @@
           <p:cNvPr id="7" name="슬라이드 번호 개체 틀 6">
             <a:extLst>
               <a:ext uri="{FF2B5EF4-FFF2-40B4-BE49-F238E27FC236}">
-                <a16:creationId xmlns:a16="http://schemas.microsoft.com/office/drawing/2014/main" xmlns="" id="{5F834F32-DC34-4568-82EF-F1AD9A08EB05}"/>
+                <a16:creationId xmlns="" xmlns:a16="http://schemas.microsoft.com/office/drawing/2014/main" id="{5F834F32-DC34-4568-82EF-F1AD9A08EB05}"/>
               </a:ext>
             </a:extLst>
           </p:cNvPr>
@@ -2764,7 +2765,7 @@
           <p:cNvPr id="2" name="제목 개체 틀 1">
             <a:extLst>
               <a:ext uri="{FF2B5EF4-FFF2-40B4-BE49-F238E27FC236}">
-                <a16:creationId xmlns:a16="http://schemas.microsoft.com/office/drawing/2014/main" xmlns="" id="{71934781-F86A-4744-B3C9-4A6EAA2D0C75}"/>
+                <a16:creationId xmlns="" xmlns:a16="http://schemas.microsoft.com/office/drawing/2014/main" id="{71934781-F86A-4744-B3C9-4A6EAA2D0C75}"/>
               </a:ext>
             </a:extLst>
           </p:cNvPr>
@@ -2802,7 +2803,7 @@
           <p:cNvPr id="3" name="텍스트 개체 틀 2">
             <a:extLst>
               <a:ext uri="{FF2B5EF4-FFF2-40B4-BE49-F238E27FC236}">
-                <a16:creationId xmlns:a16="http://schemas.microsoft.com/office/drawing/2014/main" xmlns="" id="{42434676-4180-4161-9853-5915AA3E2C72}"/>
+                <a16:creationId xmlns="" xmlns:a16="http://schemas.microsoft.com/office/drawing/2014/main" id="{42434676-4180-4161-9853-5915AA3E2C72}"/>
               </a:ext>
             </a:extLst>
           </p:cNvPr>
@@ -2869,7 +2870,7 @@
           <p:cNvPr id="4" name="날짜 개체 틀 3">
             <a:extLst>
               <a:ext uri="{FF2B5EF4-FFF2-40B4-BE49-F238E27FC236}">
-                <a16:creationId xmlns:a16="http://schemas.microsoft.com/office/drawing/2014/main" xmlns="" id="{39CFC723-A9F0-405E-8D2E-68C27284606E}"/>
+                <a16:creationId xmlns="" xmlns:a16="http://schemas.microsoft.com/office/drawing/2014/main" id="{39CFC723-A9F0-405E-8D2E-68C27284606E}"/>
               </a:ext>
             </a:extLst>
           </p:cNvPr>
@@ -2916,7 +2917,7 @@
           <p:cNvPr id="5" name="바닥글 개체 틀 4">
             <a:extLst>
               <a:ext uri="{FF2B5EF4-FFF2-40B4-BE49-F238E27FC236}">
-                <a16:creationId xmlns:a16="http://schemas.microsoft.com/office/drawing/2014/main" xmlns="" id="{C404C636-5CBC-46E3-BCD7-881283214072}"/>
+                <a16:creationId xmlns="" xmlns:a16="http://schemas.microsoft.com/office/drawing/2014/main" id="{C404C636-5CBC-46E3-BCD7-881283214072}"/>
               </a:ext>
             </a:extLst>
           </p:cNvPr>
@@ -2959,7 +2960,7 @@
           <p:cNvPr id="6" name="슬라이드 번호 개체 틀 5">
             <a:extLst>
               <a:ext uri="{FF2B5EF4-FFF2-40B4-BE49-F238E27FC236}">
-                <a16:creationId xmlns:a16="http://schemas.microsoft.com/office/drawing/2014/main" xmlns="" id="{48A46E9C-0AF2-4610-BF7C-1C6710DE791A}"/>
+                <a16:creationId xmlns="" xmlns:a16="http://schemas.microsoft.com/office/drawing/2014/main" id="{48A46E9C-0AF2-4610-BF7C-1C6710DE791A}"/>
               </a:ext>
             </a:extLst>
           </p:cNvPr>
@@ -3327,7 +3328,7 @@
           <p:cNvPr id="22" name="그룹 21">
             <a:extLst>
               <a:ext uri="{FF2B5EF4-FFF2-40B4-BE49-F238E27FC236}">
-                <a16:creationId xmlns:a16="http://schemas.microsoft.com/office/drawing/2014/main" xmlns="" id="{AB5BA01B-4BD7-44A4-B853-C312B75AF29E}"/>
+                <a16:creationId xmlns="" xmlns:a16="http://schemas.microsoft.com/office/drawing/2014/main" id="{AB5BA01B-4BD7-44A4-B853-C312B75AF29E}"/>
               </a:ext>
             </a:extLst>
           </p:cNvPr>
@@ -3347,7 +3348,7 @@
             <p:cNvPr id="4" name="모서리가 둥근 직사각형 3">
               <a:extLst>
                 <a:ext uri="{FF2B5EF4-FFF2-40B4-BE49-F238E27FC236}">
-                  <a16:creationId xmlns:a16="http://schemas.microsoft.com/office/drawing/2014/main" xmlns="" id="{4C175E72-DD6D-4047-9472-326AB722EE03}"/>
+                  <a16:creationId xmlns="" xmlns:a16="http://schemas.microsoft.com/office/drawing/2014/main" id="{4C175E72-DD6D-4047-9472-326AB722EE03}"/>
                 </a:ext>
               </a:extLst>
             </p:cNvPr>
@@ -3399,7 +3400,7 @@
             <p:cNvPr id="5" name="모서리가 둥근 직사각형 4">
               <a:extLst>
                 <a:ext uri="{FF2B5EF4-FFF2-40B4-BE49-F238E27FC236}">
-                  <a16:creationId xmlns:a16="http://schemas.microsoft.com/office/drawing/2014/main" xmlns="" id="{6A6EC401-98FA-4743-B06D-8BC1DC7EFE7E}"/>
+                  <a16:creationId xmlns="" xmlns:a16="http://schemas.microsoft.com/office/drawing/2014/main" id="{6A6EC401-98FA-4743-B06D-8BC1DC7EFE7E}"/>
                 </a:ext>
               </a:extLst>
             </p:cNvPr>
@@ -3451,7 +3452,7 @@
             <p:cNvPr id="6" name="타원 5">
               <a:extLst>
                 <a:ext uri="{FF2B5EF4-FFF2-40B4-BE49-F238E27FC236}">
-                  <a16:creationId xmlns:a16="http://schemas.microsoft.com/office/drawing/2014/main" xmlns="" id="{751CB917-43BB-4E2E-808C-280AA12FC8CB}"/>
+                  <a16:creationId xmlns="" xmlns:a16="http://schemas.microsoft.com/office/drawing/2014/main" id="{751CB917-43BB-4E2E-808C-280AA12FC8CB}"/>
                 </a:ext>
               </a:extLst>
             </p:cNvPr>
@@ -3503,7 +3504,7 @@
             <p:cNvPr id="7" name="타원 6">
               <a:extLst>
                 <a:ext uri="{FF2B5EF4-FFF2-40B4-BE49-F238E27FC236}">
-                  <a16:creationId xmlns:a16="http://schemas.microsoft.com/office/drawing/2014/main" xmlns="" id="{F0AEB657-B384-44CB-A4BE-B3AE6CE3EC10}"/>
+                  <a16:creationId xmlns="" xmlns:a16="http://schemas.microsoft.com/office/drawing/2014/main" id="{F0AEB657-B384-44CB-A4BE-B3AE6CE3EC10}"/>
                 </a:ext>
               </a:extLst>
             </p:cNvPr>
@@ -3555,7 +3556,7 @@
             <p:cNvPr id="8" name="타원 7">
               <a:extLst>
                 <a:ext uri="{FF2B5EF4-FFF2-40B4-BE49-F238E27FC236}">
-                  <a16:creationId xmlns:a16="http://schemas.microsoft.com/office/drawing/2014/main" xmlns="" id="{4E754D03-1ECC-409C-9A63-5729AE1BFB32}"/>
+                  <a16:creationId xmlns="" xmlns:a16="http://schemas.microsoft.com/office/drawing/2014/main" id="{4E754D03-1ECC-409C-9A63-5729AE1BFB32}"/>
                 </a:ext>
               </a:extLst>
             </p:cNvPr>
@@ -3607,7 +3608,7 @@
             <p:cNvPr id="9" name="타원 8">
               <a:extLst>
                 <a:ext uri="{FF2B5EF4-FFF2-40B4-BE49-F238E27FC236}">
-                  <a16:creationId xmlns:a16="http://schemas.microsoft.com/office/drawing/2014/main" xmlns="" id="{E12F435A-E87E-4EB8-A402-54EF32CB3D62}"/>
+                  <a16:creationId xmlns="" xmlns:a16="http://schemas.microsoft.com/office/drawing/2014/main" id="{E12F435A-E87E-4EB8-A402-54EF32CB3D62}"/>
                 </a:ext>
               </a:extLst>
             </p:cNvPr>
@@ -3659,7 +3660,7 @@
             <p:cNvPr id="10" name="타원 9">
               <a:extLst>
                 <a:ext uri="{FF2B5EF4-FFF2-40B4-BE49-F238E27FC236}">
-                  <a16:creationId xmlns:a16="http://schemas.microsoft.com/office/drawing/2014/main" xmlns="" id="{FCC3CE93-1E2E-409B-A213-0E6577DD4932}"/>
+                  <a16:creationId xmlns="" xmlns:a16="http://schemas.microsoft.com/office/drawing/2014/main" id="{FCC3CE93-1E2E-409B-A213-0E6577DD4932}"/>
                 </a:ext>
               </a:extLst>
             </p:cNvPr>
@@ -3711,7 +3712,7 @@
             <p:cNvPr id="11" name="타원 10">
               <a:extLst>
                 <a:ext uri="{FF2B5EF4-FFF2-40B4-BE49-F238E27FC236}">
-                  <a16:creationId xmlns:a16="http://schemas.microsoft.com/office/drawing/2014/main" xmlns="" id="{C6B3C21E-2B3A-4EF1-9576-68BC76E71E05}"/>
+                  <a16:creationId xmlns="" xmlns:a16="http://schemas.microsoft.com/office/drawing/2014/main" id="{C6B3C21E-2B3A-4EF1-9576-68BC76E71E05}"/>
                 </a:ext>
               </a:extLst>
             </p:cNvPr>
@@ -3763,7 +3764,7 @@
             <p:cNvPr id="12" name="타원 11">
               <a:extLst>
                 <a:ext uri="{FF2B5EF4-FFF2-40B4-BE49-F238E27FC236}">
-                  <a16:creationId xmlns:a16="http://schemas.microsoft.com/office/drawing/2014/main" xmlns="" id="{7AB750A5-C1AD-4C14-8709-A7DED16FECC6}"/>
+                  <a16:creationId xmlns="" xmlns:a16="http://schemas.microsoft.com/office/drawing/2014/main" id="{7AB750A5-C1AD-4C14-8709-A7DED16FECC6}"/>
                 </a:ext>
               </a:extLst>
             </p:cNvPr>
@@ -3815,7 +3816,7 @@
             <p:cNvPr id="13" name="타원 12">
               <a:extLst>
                 <a:ext uri="{FF2B5EF4-FFF2-40B4-BE49-F238E27FC236}">
-                  <a16:creationId xmlns:a16="http://schemas.microsoft.com/office/drawing/2014/main" xmlns="" id="{405327F0-54FB-4E62-81C8-8F4064A7D0EB}"/>
+                  <a16:creationId xmlns="" xmlns:a16="http://schemas.microsoft.com/office/drawing/2014/main" id="{405327F0-54FB-4E62-81C8-8F4064A7D0EB}"/>
                 </a:ext>
               </a:extLst>
             </p:cNvPr>
@@ -3867,7 +3868,7 @@
             <p:cNvPr id="14" name="타원 13">
               <a:extLst>
                 <a:ext uri="{FF2B5EF4-FFF2-40B4-BE49-F238E27FC236}">
-                  <a16:creationId xmlns:a16="http://schemas.microsoft.com/office/drawing/2014/main" xmlns="" id="{EF715E29-C393-47EE-B015-CE0C1D8BEBCB}"/>
+                  <a16:creationId xmlns="" xmlns:a16="http://schemas.microsoft.com/office/drawing/2014/main" id="{EF715E29-C393-47EE-B015-CE0C1D8BEBCB}"/>
                 </a:ext>
               </a:extLst>
             </p:cNvPr>
@@ -3919,7 +3920,7 @@
             <p:cNvPr id="15" name="타원 14">
               <a:extLst>
                 <a:ext uri="{FF2B5EF4-FFF2-40B4-BE49-F238E27FC236}">
-                  <a16:creationId xmlns:a16="http://schemas.microsoft.com/office/drawing/2014/main" xmlns="" id="{FBF382FC-A0A6-41DC-9B66-580BA69B89BC}"/>
+                  <a16:creationId xmlns="" xmlns:a16="http://schemas.microsoft.com/office/drawing/2014/main" id="{FBF382FC-A0A6-41DC-9B66-580BA69B89BC}"/>
                 </a:ext>
               </a:extLst>
             </p:cNvPr>
@@ -3971,7 +3972,7 @@
             <p:cNvPr id="16" name="타원 15">
               <a:extLst>
                 <a:ext uri="{FF2B5EF4-FFF2-40B4-BE49-F238E27FC236}">
-                  <a16:creationId xmlns:a16="http://schemas.microsoft.com/office/drawing/2014/main" xmlns="" id="{6876E574-1288-4911-A1B1-CD05242B0C69}"/>
+                  <a16:creationId xmlns="" xmlns:a16="http://schemas.microsoft.com/office/drawing/2014/main" id="{6876E574-1288-4911-A1B1-CD05242B0C69}"/>
                 </a:ext>
               </a:extLst>
             </p:cNvPr>
@@ -4023,7 +4024,7 @@
             <p:cNvPr id="17" name="타원 16">
               <a:extLst>
                 <a:ext uri="{FF2B5EF4-FFF2-40B4-BE49-F238E27FC236}">
-                  <a16:creationId xmlns:a16="http://schemas.microsoft.com/office/drawing/2014/main" xmlns="" id="{A9EDF57E-15C4-454C-A4CB-611F3A936838}"/>
+                  <a16:creationId xmlns="" xmlns:a16="http://schemas.microsoft.com/office/drawing/2014/main" id="{A9EDF57E-15C4-454C-A4CB-611F3A936838}"/>
                 </a:ext>
               </a:extLst>
             </p:cNvPr>
@@ -4075,7 +4076,7 @@
             <p:cNvPr id="18" name="TextBox 17">
               <a:extLst>
                 <a:ext uri="{FF2B5EF4-FFF2-40B4-BE49-F238E27FC236}">
-                  <a16:creationId xmlns:a16="http://schemas.microsoft.com/office/drawing/2014/main" xmlns="" id="{9E4BDB20-95A4-4E40-86E1-47C3C9A12DBB}"/>
+                  <a16:creationId xmlns="" xmlns:a16="http://schemas.microsoft.com/office/drawing/2014/main" id="{9E4BDB20-95A4-4E40-86E1-47C3C9A12DBB}"/>
                 </a:ext>
               </a:extLst>
             </p:cNvPr>
@@ -4111,7 +4112,7 @@
             <p:cNvPr id="19" name="TextBox 18">
               <a:extLst>
                 <a:ext uri="{FF2B5EF4-FFF2-40B4-BE49-F238E27FC236}">
-                  <a16:creationId xmlns:a16="http://schemas.microsoft.com/office/drawing/2014/main" xmlns="" id="{F3850DA9-09F8-4C63-82CB-E8048EE3C815}"/>
+                  <a16:creationId xmlns="" xmlns:a16="http://schemas.microsoft.com/office/drawing/2014/main" id="{F3850DA9-09F8-4C63-82CB-E8048EE3C815}"/>
                 </a:ext>
               </a:extLst>
             </p:cNvPr>
@@ -4147,7 +4148,7 @@
             <p:cNvPr id="20" name="직선 연결선 19">
               <a:extLst>
                 <a:ext uri="{FF2B5EF4-FFF2-40B4-BE49-F238E27FC236}">
-                  <a16:creationId xmlns:a16="http://schemas.microsoft.com/office/drawing/2014/main" xmlns="" id="{E02A8875-D1CB-4925-8F4D-172F01394007}"/>
+                  <a16:creationId xmlns="" xmlns:a16="http://schemas.microsoft.com/office/drawing/2014/main" id="{E02A8875-D1CB-4925-8F4D-172F01394007}"/>
                 </a:ext>
               </a:extLst>
             </p:cNvPr>
@@ -4186,7 +4187,7 @@
             <p:cNvPr id="21" name="TextBox 20">
               <a:extLst>
                 <a:ext uri="{FF2B5EF4-FFF2-40B4-BE49-F238E27FC236}">
-                  <a16:creationId xmlns:a16="http://schemas.microsoft.com/office/drawing/2014/main" xmlns="" id="{539ECFE7-1C54-4D3F-9F12-E5B50E6F0927}"/>
+                  <a16:creationId xmlns="" xmlns:a16="http://schemas.microsoft.com/office/drawing/2014/main" id="{539ECFE7-1C54-4D3F-9F12-E5B50E6F0927}"/>
                 </a:ext>
               </a:extLst>
             </p:cNvPr>
@@ -4316,6 +4317,178 @@
     <p:extLst>
       <p:ext uri="{BB962C8B-B14F-4D97-AF65-F5344CB8AC3E}">
         <p14:creationId xmlns:p14="http://schemas.microsoft.com/office/powerpoint/2010/main" val="891040150"/>
+      </p:ext>
+    </p:extLst>
+  </p:cSld>
+  <p:clrMapOvr>
+    <a:masterClrMapping/>
+  </p:clrMapOvr>
+</p:sld>
+</file>
+
+<file path=ppt/slides/slide3.xml><?xml version="1.0" encoding="utf-8"?>
+<p:sld xmlns:a="http://schemas.openxmlformats.org/drawingml/2006/main" xmlns:r="http://schemas.openxmlformats.org/officeDocument/2006/relationships" xmlns:p="http://schemas.openxmlformats.org/presentationml/2006/main">
+  <p:cSld>
+    <p:spTree>
+      <p:nvGrpSpPr>
+        <p:cNvPr id="1" name=""/>
+        <p:cNvGrpSpPr/>
+        <p:nvPr/>
+      </p:nvGrpSpPr>
+      <p:grpSpPr>
+        <a:xfrm>
+          <a:off x="0" y="0"/>
+          <a:ext cx="0" cy="0"/>
+          <a:chOff x="0" y="0"/>
+          <a:chExt cx="0" cy="0"/>
+        </a:xfrm>
+      </p:grpSpPr>
+      <p:pic>
+        <p:nvPicPr>
+          <p:cNvPr id="1026" name="Picture 2" descr="D:\프로그래밍_코드모음\gongdols\머신러닝\restricted_boltzmann_machine\real_testdata.png"/>
+          <p:cNvPicPr>
+            <a:picLocks noChangeAspect="1" noChangeArrowheads="1"/>
+          </p:cNvPicPr>
+          <p:nvPr/>
+        </p:nvPicPr>
+        <p:blipFill>
+          <a:blip r:embed="rId2">
+            <a:extLst>
+              <a:ext uri="{28A0092B-C50C-407E-A947-70E740481C1C}">
+                <a14:useLocalDpi xmlns:a14="http://schemas.microsoft.com/office/drawing/2010/main" val="0"/>
+              </a:ext>
+            </a:extLst>
+          </a:blip>
+          <a:srcRect/>
+          <a:stretch>
+            <a:fillRect/>
+          </a:stretch>
+        </p:blipFill>
+        <p:spPr bwMode="auto">
+          <a:xfrm>
+            <a:off x="3669627" y="2870994"/>
+            <a:ext cx="2212975" cy="1116012"/>
+          </a:xfrm>
+          <a:prstGeom prst="rect">
+            <a:avLst/>
+          </a:prstGeom>
+          <a:noFill/>
+          <a:extLst>
+            <a:ext uri="{909E8E84-426E-40DD-AFC4-6F175D3DCCD1}">
+              <a14:hiddenFill xmlns:a14="http://schemas.microsoft.com/office/drawing/2010/main">
+                <a:solidFill>
+                  <a:srgbClr val="FFFFFF"/>
+                </a:solidFill>
+              </a14:hiddenFill>
+            </a:ext>
+          </a:extLst>
+        </p:spPr>
+      </p:pic>
+      <p:pic>
+        <p:nvPicPr>
+          <p:cNvPr id="1027" name="Picture 3" descr="D:\프로그래밍_코드모음\gongdols\머신러닝\restricted_boltzmann_machine\generated_testdata.png"/>
+          <p:cNvPicPr>
+            <a:picLocks noChangeAspect="1" noChangeArrowheads="1"/>
+          </p:cNvPicPr>
+          <p:nvPr/>
+        </p:nvPicPr>
+        <p:blipFill>
+          <a:blip r:embed="rId3">
+            <a:extLst>
+              <a:ext uri="{28A0092B-C50C-407E-A947-70E740481C1C}">
+                <a14:useLocalDpi xmlns:a14="http://schemas.microsoft.com/office/drawing/2010/main" val="0"/>
+              </a:ext>
+            </a:extLst>
+          </a:blip>
+          <a:srcRect/>
+          <a:stretch>
+            <a:fillRect/>
+          </a:stretch>
+        </p:blipFill>
+        <p:spPr bwMode="auto">
+          <a:xfrm>
+            <a:off x="6309399" y="2870994"/>
+            <a:ext cx="2212975" cy="1116012"/>
+          </a:xfrm>
+          <a:prstGeom prst="rect">
+            <a:avLst/>
+          </a:prstGeom>
+          <a:noFill/>
+          <a:extLst>
+            <a:ext uri="{909E8E84-426E-40DD-AFC4-6F175D3DCCD1}">
+              <a14:hiddenFill xmlns:a14="http://schemas.microsoft.com/office/drawing/2010/main">
+                <a:solidFill>
+                  <a:srgbClr val="FFFFFF"/>
+                </a:solidFill>
+              </a14:hiddenFill>
+            </a:ext>
+          </a:extLst>
+        </p:spPr>
+      </p:pic>
+      <p:sp>
+        <p:nvSpPr>
+          <p:cNvPr id="5" name="TextBox 4"/>
+          <p:cNvSpPr txBox="1"/>
+          <p:nvPr/>
+        </p:nvSpPr>
+        <p:spPr>
+          <a:xfrm>
+            <a:off x="4063031" y="2449896"/>
+            <a:ext cx="1428533" cy="369332"/>
+          </a:xfrm>
+          <a:prstGeom prst="rect">
+            <a:avLst/>
+          </a:prstGeom>
+          <a:noFill/>
+        </p:spPr>
+        <p:txBody>
+          <a:bodyPr wrap="none" rtlCol="0">
+            <a:spAutoFit/>
+          </a:bodyPr>
+          <a:lstStyle/>
+          <a:p>
+            <a:r>
+              <a:rPr lang="en-US" altLang="ko-KR" dirty="0" smtClean="0"/>
+              <a:t>&lt;real data&gt;</a:t>
+            </a:r>
+            <a:endParaRPr lang="ko-KR" altLang="en-US" dirty="0"/>
+          </a:p>
+        </p:txBody>
+      </p:sp>
+      <p:sp>
+        <p:nvSpPr>
+          <p:cNvPr id="8" name="TextBox 7"/>
+          <p:cNvSpPr txBox="1"/>
+          <p:nvPr/>
+        </p:nvSpPr>
+        <p:spPr>
+          <a:xfrm>
+            <a:off x="6339327" y="2449896"/>
+            <a:ext cx="2112758" cy="369332"/>
+          </a:xfrm>
+          <a:prstGeom prst="rect">
+            <a:avLst/>
+          </a:prstGeom>
+          <a:noFill/>
+        </p:spPr>
+        <p:txBody>
+          <a:bodyPr wrap="none" rtlCol="0">
+            <a:spAutoFit/>
+          </a:bodyPr>
+          <a:lstStyle/>
+          <a:p>
+            <a:r>
+              <a:rPr lang="en-US" altLang="ko-KR" dirty="0" smtClean="0"/>
+              <a:t>&lt;generated data&gt;</a:t>
+            </a:r>
+            <a:endParaRPr lang="ko-KR" altLang="en-US" dirty="0"/>
+          </a:p>
+        </p:txBody>
+      </p:sp>
+    </p:spTree>
+    <p:extLst>
+      <p:ext uri="{BB962C8B-B14F-4D97-AF65-F5344CB8AC3E}">
+        <p14:creationId xmlns:p14="http://schemas.microsoft.com/office/powerpoint/2010/main" val="4005052000"/>
       </p:ext>
     </p:extLst>
   </p:cSld>
@@ -4614,7 +4787,7 @@
   <a:extraClrSchemeLst/>
   <a:extLst>
     <a:ext uri="{05A4C25C-085E-4340-85A3-A5531E510DB2}">
-      <thm15:themeFamily xmlns:thm15="http://schemas.microsoft.com/office/thememl/2012/main" xmlns="" name="Office Theme" id="{62F939B6-93AF-4DB8-9C6B-D6C7DFDC589F}" vid="{4A3C46E8-61CC-4603-A589-7422A47A8E4A}"/>
+      <thm15:themeFamily xmlns="" xmlns:thm15="http://schemas.microsoft.com/office/thememl/2012/main" name="Office Theme" id="{62F939B6-93AF-4DB8-9C6B-D6C7DFDC589F}" vid="{4A3C46E8-61CC-4603-A589-7422A47A8E4A}"/>
     </a:ext>
   </a:extLst>
 </a:theme>

--- a/pics/2020-10-02-RBM/pics.pptx
+++ b/pics/2020-10-02-RBM/pics.pptx
@@ -7,7 +7,8 @@
   <p:sldIdLst>
     <p:sldId id="256" r:id="rId2"/>
     <p:sldId id="257" r:id="rId3"/>
-    <p:sldId id="258" r:id="rId4"/>
+    <p:sldId id="259" r:id="rId4"/>
+    <p:sldId id="258" r:id="rId5"/>
   </p:sldIdLst>
   <p:sldSz cx="12192000" cy="6858000"/>
   <p:notesSz cx="6858000" cy="9144000"/>
@@ -106,6 +107,22 @@
       </a:defRPr>
     </a:lvl9pPr>
   </p:defaultTextStyle>
+  <p:extLst>
+    <p:ext uri="{EFAFB233-063F-42B5-8137-9DF3F51BA10A}">
+      <p15:sldGuideLst xmlns:p15="http://schemas.microsoft.com/office/powerpoint/2012/main">
+        <p15:guide id="1" orient="horz" pos="2160">
+          <p15:clr>
+            <a:srgbClr val="A4A3A4"/>
+          </p15:clr>
+        </p15:guide>
+        <p15:guide id="2" pos="3840">
+          <p15:clr>
+            <a:srgbClr val="A4A3A4"/>
+          </p15:clr>
+        </p15:guide>
+      </p15:sldGuideLst>
+    </p:ext>
+  </p:extLst>
 </p:presentation>
 </file>
 
@@ -131,7 +148,7 @@
           <p:cNvPr id="2" name="제목 1">
             <a:extLst>
               <a:ext uri="{FF2B5EF4-FFF2-40B4-BE49-F238E27FC236}">
-                <a16:creationId xmlns="" xmlns:a16="http://schemas.microsoft.com/office/drawing/2014/main" id="{2F8B0960-FA6D-43C5-960C-B8037C5BDCE7}"/>
+                <a16:creationId xmlns:a16="http://schemas.microsoft.com/office/drawing/2014/main" id="{2F8B0960-FA6D-43C5-960C-B8037C5BDCE7}"/>
               </a:ext>
             </a:extLst>
           </p:cNvPr>
@@ -168,7 +185,7 @@
           <p:cNvPr id="3" name="부제목 2">
             <a:extLst>
               <a:ext uri="{FF2B5EF4-FFF2-40B4-BE49-F238E27FC236}">
-                <a16:creationId xmlns="" xmlns:a16="http://schemas.microsoft.com/office/drawing/2014/main" id="{45899A66-4557-4A38-B81C-1843C52993B2}"/>
+                <a16:creationId xmlns:a16="http://schemas.microsoft.com/office/drawing/2014/main" id="{45899A66-4557-4A38-B81C-1843C52993B2}"/>
               </a:ext>
             </a:extLst>
           </p:cNvPr>
@@ -238,7 +255,7 @@
           <p:cNvPr id="4" name="날짜 개체 틀 3">
             <a:extLst>
               <a:ext uri="{FF2B5EF4-FFF2-40B4-BE49-F238E27FC236}">
-                <a16:creationId xmlns="" xmlns:a16="http://schemas.microsoft.com/office/drawing/2014/main" id="{48CD369C-FE7C-4AB5-B86C-44A5A53C15AC}"/>
+                <a16:creationId xmlns:a16="http://schemas.microsoft.com/office/drawing/2014/main" id="{48CD369C-FE7C-4AB5-B86C-44A5A53C15AC}"/>
               </a:ext>
             </a:extLst>
           </p:cNvPr>
@@ -256,7 +273,7 @@
           <a:p>
             <a:fld id="{926C6624-517B-483E-A64D-9C8CB655B369}" type="datetimeFigureOut">
               <a:rPr lang="ko-KR" altLang="en-US" smtClean="0"/>
-              <a:t>2020-10-06</a:t>
+              <a:t>2020-10-10</a:t>
             </a:fld>
             <a:endParaRPr lang="ko-KR" altLang="en-US"/>
           </a:p>
@@ -267,7 +284,7 @@
           <p:cNvPr id="5" name="바닥글 개체 틀 4">
             <a:extLst>
               <a:ext uri="{FF2B5EF4-FFF2-40B4-BE49-F238E27FC236}">
-                <a16:creationId xmlns="" xmlns:a16="http://schemas.microsoft.com/office/drawing/2014/main" id="{FC5391CB-8EF5-4BFF-AA4A-C802A7B16209}"/>
+                <a16:creationId xmlns:a16="http://schemas.microsoft.com/office/drawing/2014/main" id="{FC5391CB-8EF5-4BFF-AA4A-C802A7B16209}"/>
               </a:ext>
             </a:extLst>
           </p:cNvPr>
@@ -292,7 +309,7 @@
           <p:cNvPr id="6" name="슬라이드 번호 개체 틀 5">
             <a:extLst>
               <a:ext uri="{FF2B5EF4-FFF2-40B4-BE49-F238E27FC236}">
-                <a16:creationId xmlns="" xmlns:a16="http://schemas.microsoft.com/office/drawing/2014/main" id="{36FF6C47-36DC-405C-93D7-13BAEA1D33BA}"/>
+                <a16:creationId xmlns:a16="http://schemas.microsoft.com/office/drawing/2014/main" id="{36FF6C47-36DC-405C-93D7-13BAEA1D33BA}"/>
               </a:ext>
             </a:extLst>
           </p:cNvPr>
@@ -351,7 +368,7 @@
           <p:cNvPr id="2" name="제목 1">
             <a:extLst>
               <a:ext uri="{FF2B5EF4-FFF2-40B4-BE49-F238E27FC236}">
-                <a16:creationId xmlns="" xmlns:a16="http://schemas.microsoft.com/office/drawing/2014/main" id="{BFC75D8B-DE30-486C-8314-3EFB8E7E4C64}"/>
+                <a16:creationId xmlns:a16="http://schemas.microsoft.com/office/drawing/2014/main" id="{BFC75D8B-DE30-486C-8314-3EFB8E7E4C64}"/>
               </a:ext>
             </a:extLst>
           </p:cNvPr>
@@ -379,7 +396,7 @@
           <p:cNvPr id="3" name="세로 텍스트 개체 틀 2">
             <a:extLst>
               <a:ext uri="{FF2B5EF4-FFF2-40B4-BE49-F238E27FC236}">
-                <a16:creationId xmlns="" xmlns:a16="http://schemas.microsoft.com/office/drawing/2014/main" id="{69D4C395-8B40-4B07-8332-2EB8F02F3965}"/>
+                <a16:creationId xmlns:a16="http://schemas.microsoft.com/office/drawing/2014/main" id="{69D4C395-8B40-4B07-8332-2EB8F02F3965}"/>
               </a:ext>
             </a:extLst>
           </p:cNvPr>
@@ -436,7 +453,7 @@
           <p:cNvPr id="4" name="날짜 개체 틀 3">
             <a:extLst>
               <a:ext uri="{FF2B5EF4-FFF2-40B4-BE49-F238E27FC236}">
-                <a16:creationId xmlns="" xmlns:a16="http://schemas.microsoft.com/office/drawing/2014/main" id="{D15E3B5C-B17F-4041-814F-C75BA03DFEDC}"/>
+                <a16:creationId xmlns:a16="http://schemas.microsoft.com/office/drawing/2014/main" id="{D15E3B5C-B17F-4041-814F-C75BA03DFEDC}"/>
               </a:ext>
             </a:extLst>
           </p:cNvPr>
@@ -454,7 +471,7 @@
           <a:p>
             <a:fld id="{926C6624-517B-483E-A64D-9C8CB655B369}" type="datetimeFigureOut">
               <a:rPr lang="ko-KR" altLang="en-US" smtClean="0"/>
-              <a:t>2020-10-06</a:t>
+              <a:t>2020-10-10</a:t>
             </a:fld>
             <a:endParaRPr lang="ko-KR" altLang="en-US"/>
           </a:p>
@@ -465,7 +482,7 @@
           <p:cNvPr id="5" name="바닥글 개체 틀 4">
             <a:extLst>
               <a:ext uri="{FF2B5EF4-FFF2-40B4-BE49-F238E27FC236}">
-                <a16:creationId xmlns="" xmlns:a16="http://schemas.microsoft.com/office/drawing/2014/main" id="{07854CE2-705F-436B-A5D2-1F626546BC29}"/>
+                <a16:creationId xmlns:a16="http://schemas.microsoft.com/office/drawing/2014/main" id="{07854CE2-705F-436B-A5D2-1F626546BC29}"/>
               </a:ext>
             </a:extLst>
           </p:cNvPr>
@@ -490,7 +507,7 @@
           <p:cNvPr id="6" name="슬라이드 번호 개체 틀 5">
             <a:extLst>
               <a:ext uri="{FF2B5EF4-FFF2-40B4-BE49-F238E27FC236}">
-                <a16:creationId xmlns="" xmlns:a16="http://schemas.microsoft.com/office/drawing/2014/main" id="{69BA8D0D-2AF7-482A-AC1A-E793F14DECB9}"/>
+                <a16:creationId xmlns:a16="http://schemas.microsoft.com/office/drawing/2014/main" id="{69BA8D0D-2AF7-482A-AC1A-E793F14DECB9}"/>
               </a:ext>
             </a:extLst>
           </p:cNvPr>
@@ -549,7 +566,7 @@
           <p:cNvPr id="2" name="세로 제목 1">
             <a:extLst>
               <a:ext uri="{FF2B5EF4-FFF2-40B4-BE49-F238E27FC236}">
-                <a16:creationId xmlns="" xmlns:a16="http://schemas.microsoft.com/office/drawing/2014/main" id="{905B8183-C570-46E7-983E-1B0D17991727}"/>
+                <a16:creationId xmlns:a16="http://schemas.microsoft.com/office/drawing/2014/main" id="{905B8183-C570-46E7-983E-1B0D17991727}"/>
               </a:ext>
             </a:extLst>
           </p:cNvPr>
@@ -582,7 +599,7 @@
           <p:cNvPr id="3" name="세로 텍스트 개체 틀 2">
             <a:extLst>
               <a:ext uri="{FF2B5EF4-FFF2-40B4-BE49-F238E27FC236}">
-                <a16:creationId xmlns="" xmlns:a16="http://schemas.microsoft.com/office/drawing/2014/main" id="{4F7401A0-E080-41AF-A76B-B8BD13C65F79}"/>
+                <a16:creationId xmlns:a16="http://schemas.microsoft.com/office/drawing/2014/main" id="{4F7401A0-E080-41AF-A76B-B8BD13C65F79}"/>
               </a:ext>
             </a:extLst>
           </p:cNvPr>
@@ -644,7 +661,7 @@
           <p:cNvPr id="4" name="날짜 개체 틀 3">
             <a:extLst>
               <a:ext uri="{FF2B5EF4-FFF2-40B4-BE49-F238E27FC236}">
-                <a16:creationId xmlns="" xmlns:a16="http://schemas.microsoft.com/office/drawing/2014/main" id="{9DCFF2C8-14C5-4A17-A38F-0392599D884C}"/>
+                <a16:creationId xmlns:a16="http://schemas.microsoft.com/office/drawing/2014/main" id="{9DCFF2C8-14C5-4A17-A38F-0392599D884C}"/>
               </a:ext>
             </a:extLst>
           </p:cNvPr>
@@ -662,7 +679,7 @@
           <a:p>
             <a:fld id="{926C6624-517B-483E-A64D-9C8CB655B369}" type="datetimeFigureOut">
               <a:rPr lang="ko-KR" altLang="en-US" smtClean="0"/>
-              <a:t>2020-10-06</a:t>
+              <a:t>2020-10-10</a:t>
             </a:fld>
             <a:endParaRPr lang="ko-KR" altLang="en-US"/>
           </a:p>
@@ -673,7 +690,7 @@
           <p:cNvPr id="5" name="바닥글 개체 틀 4">
             <a:extLst>
               <a:ext uri="{FF2B5EF4-FFF2-40B4-BE49-F238E27FC236}">
-                <a16:creationId xmlns="" xmlns:a16="http://schemas.microsoft.com/office/drawing/2014/main" id="{7FAC5FFA-3A6E-490B-92ED-DA3F23D7C599}"/>
+                <a16:creationId xmlns:a16="http://schemas.microsoft.com/office/drawing/2014/main" id="{7FAC5FFA-3A6E-490B-92ED-DA3F23D7C599}"/>
               </a:ext>
             </a:extLst>
           </p:cNvPr>
@@ -698,7 +715,7 @@
           <p:cNvPr id="6" name="슬라이드 번호 개체 틀 5">
             <a:extLst>
               <a:ext uri="{FF2B5EF4-FFF2-40B4-BE49-F238E27FC236}">
-                <a16:creationId xmlns="" xmlns:a16="http://schemas.microsoft.com/office/drawing/2014/main" id="{7D1F9EC8-C259-4D1D-AE0B-CAAB543D5913}"/>
+                <a16:creationId xmlns:a16="http://schemas.microsoft.com/office/drawing/2014/main" id="{7D1F9EC8-C259-4D1D-AE0B-CAAB543D5913}"/>
               </a:ext>
             </a:extLst>
           </p:cNvPr>
@@ -757,7 +774,7 @@
           <p:cNvPr id="2" name="제목 1">
             <a:extLst>
               <a:ext uri="{FF2B5EF4-FFF2-40B4-BE49-F238E27FC236}">
-                <a16:creationId xmlns="" xmlns:a16="http://schemas.microsoft.com/office/drawing/2014/main" id="{7BB12028-DEC3-48AA-9892-C37A24785F76}"/>
+                <a16:creationId xmlns:a16="http://schemas.microsoft.com/office/drawing/2014/main" id="{7BB12028-DEC3-48AA-9892-C37A24785F76}"/>
               </a:ext>
             </a:extLst>
           </p:cNvPr>
@@ -785,7 +802,7 @@
           <p:cNvPr id="3" name="내용 개체 틀 2">
             <a:extLst>
               <a:ext uri="{FF2B5EF4-FFF2-40B4-BE49-F238E27FC236}">
-                <a16:creationId xmlns="" xmlns:a16="http://schemas.microsoft.com/office/drawing/2014/main" id="{1E1D78A9-F0AF-402B-9ED8-F0B45E2A5491}"/>
+                <a16:creationId xmlns:a16="http://schemas.microsoft.com/office/drawing/2014/main" id="{1E1D78A9-F0AF-402B-9ED8-F0B45E2A5491}"/>
               </a:ext>
             </a:extLst>
           </p:cNvPr>
@@ -842,7 +859,7 @@
           <p:cNvPr id="4" name="날짜 개체 틀 3">
             <a:extLst>
               <a:ext uri="{FF2B5EF4-FFF2-40B4-BE49-F238E27FC236}">
-                <a16:creationId xmlns="" xmlns:a16="http://schemas.microsoft.com/office/drawing/2014/main" id="{E18EEF75-54C1-40F0-9AE7-C2D0BF0F657A}"/>
+                <a16:creationId xmlns:a16="http://schemas.microsoft.com/office/drawing/2014/main" id="{E18EEF75-54C1-40F0-9AE7-C2D0BF0F657A}"/>
               </a:ext>
             </a:extLst>
           </p:cNvPr>
@@ -860,7 +877,7 @@
           <a:p>
             <a:fld id="{926C6624-517B-483E-A64D-9C8CB655B369}" type="datetimeFigureOut">
               <a:rPr lang="ko-KR" altLang="en-US" smtClean="0"/>
-              <a:t>2020-10-06</a:t>
+              <a:t>2020-10-10</a:t>
             </a:fld>
             <a:endParaRPr lang="ko-KR" altLang="en-US"/>
           </a:p>
@@ -871,7 +888,7 @@
           <p:cNvPr id="5" name="바닥글 개체 틀 4">
             <a:extLst>
               <a:ext uri="{FF2B5EF4-FFF2-40B4-BE49-F238E27FC236}">
-                <a16:creationId xmlns="" xmlns:a16="http://schemas.microsoft.com/office/drawing/2014/main" id="{498BFD9C-F2EF-4F25-BDE7-7D562B2F1AF0}"/>
+                <a16:creationId xmlns:a16="http://schemas.microsoft.com/office/drawing/2014/main" id="{498BFD9C-F2EF-4F25-BDE7-7D562B2F1AF0}"/>
               </a:ext>
             </a:extLst>
           </p:cNvPr>
@@ -896,7 +913,7 @@
           <p:cNvPr id="6" name="슬라이드 번호 개체 틀 5">
             <a:extLst>
               <a:ext uri="{FF2B5EF4-FFF2-40B4-BE49-F238E27FC236}">
-                <a16:creationId xmlns="" xmlns:a16="http://schemas.microsoft.com/office/drawing/2014/main" id="{2622B2F4-22EA-4A83-AFA2-D794661991D5}"/>
+                <a16:creationId xmlns:a16="http://schemas.microsoft.com/office/drawing/2014/main" id="{2622B2F4-22EA-4A83-AFA2-D794661991D5}"/>
               </a:ext>
             </a:extLst>
           </p:cNvPr>
@@ -955,7 +972,7 @@
           <p:cNvPr id="2" name="제목 1">
             <a:extLst>
               <a:ext uri="{FF2B5EF4-FFF2-40B4-BE49-F238E27FC236}">
-                <a16:creationId xmlns="" xmlns:a16="http://schemas.microsoft.com/office/drawing/2014/main" id="{FA3A4745-F8D0-45B3-88C0-B3166BF984D9}"/>
+                <a16:creationId xmlns:a16="http://schemas.microsoft.com/office/drawing/2014/main" id="{FA3A4745-F8D0-45B3-88C0-B3166BF984D9}"/>
               </a:ext>
             </a:extLst>
           </p:cNvPr>
@@ -992,7 +1009,7 @@
           <p:cNvPr id="3" name="텍스트 개체 틀 2">
             <a:extLst>
               <a:ext uri="{FF2B5EF4-FFF2-40B4-BE49-F238E27FC236}">
-                <a16:creationId xmlns="" xmlns:a16="http://schemas.microsoft.com/office/drawing/2014/main" id="{D48A2772-7BDF-4CA7-8377-E0B5C2E8AB3B}"/>
+                <a16:creationId xmlns:a16="http://schemas.microsoft.com/office/drawing/2014/main" id="{D48A2772-7BDF-4CA7-8377-E0B5C2E8AB3B}"/>
               </a:ext>
             </a:extLst>
           </p:cNvPr>
@@ -1117,7 +1134,7 @@
           <p:cNvPr id="4" name="날짜 개체 틀 3">
             <a:extLst>
               <a:ext uri="{FF2B5EF4-FFF2-40B4-BE49-F238E27FC236}">
-                <a16:creationId xmlns="" xmlns:a16="http://schemas.microsoft.com/office/drawing/2014/main" id="{D2286282-8969-41A5-AE3F-A3BA51A0711A}"/>
+                <a16:creationId xmlns:a16="http://schemas.microsoft.com/office/drawing/2014/main" id="{D2286282-8969-41A5-AE3F-A3BA51A0711A}"/>
               </a:ext>
             </a:extLst>
           </p:cNvPr>
@@ -1135,7 +1152,7 @@
           <a:p>
             <a:fld id="{926C6624-517B-483E-A64D-9C8CB655B369}" type="datetimeFigureOut">
               <a:rPr lang="ko-KR" altLang="en-US" smtClean="0"/>
-              <a:t>2020-10-06</a:t>
+              <a:t>2020-10-10</a:t>
             </a:fld>
             <a:endParaRPr lang="ko-KR" altLang="en-US"/>
           </a:p>
@@ -1146,7 +1163,7 @@
           <p:cNvPr id="5" name="바닥글 개체 틀 4">
             <a:extLst>
               <a:ext uri="{FF2B5EF4-FFF2-40B4-BE49-F238E27FC236}">
-                <a16:creationId xmlns="" xmlns:a16="http://schemas.microsoft.com/office/drawing/2014/main" id="{E032E720-D628-4489-94D9-D6E20A03FACA}"/>
+                <a16:creationId xmlns:a16="http://schemas.microsoft.com/office/drawing/2014/main" id="{E032E720-D628-4489-94D9-D6E20A03FACA}"/>
               </a:ext>
             </a:extLst>
           </p:cNvPr>
@@ -1171,7 +1188,7 @@
           <p:cNvPr id="6" name="슬라이드 번호 개체 틀 5">
             <a:extLst>
               <a:ext uri="{FF2B5EF4-FFF2-40B4-BE49-F238E27FC236}">
-                <a16:creationId xmlns="" xmlns:a16="http://schemas.microsoft.com/office/drawing/2014/main" id="{4E241C61-BFEB-4414-9062-734ED0796B61}"/>
+                <a16:creationId xmlns:a16="http://schemas.microsoft.com/office/drawing/2014/main" id="{4E241C61-BFEB-4414-9062-734ED0796B61}"/>
               </a:ext>
             </a:extLst>
           </p:cNvPr>
@@ -1230,7 +1247,7 @@
           <p:cNvPr id="2" name="제목 1">
             <a:extLst>
               <a:ext uri="{FF2B5EF4-FFF2-40B4-BE49-F238E27FC236}">
-                <a16:creationId xmlns="" xmlns:a16="http://schemas.microsoft.com/office/drawing/2014/main" id="{2649DAF8-A891-48F2-9EFB-9A2227B38102}"/>
+                <a16:creationId xmlns:a16="http://schemas.microsoft.com/office/drawing/2014/main" id="{2649DAF8-A891-48F2-9EFB-9A2227B38102}"/>
               </a:ext>
             </a:extLst>
           </p:cNvPr>
@@ -1258,7 +1275,7 @@
           <p:cNvPr id="3" name="내용 개체 틀 2">
             <a:extLst>
               <a:ext uri="{FF2B5EF4-FFF2-40B4-BE49-F238E27FC236}">
-                <a16:creationId xmlns="" xmlns:a16="http://schemas.microsoft.com/office/drawing/2014/main" id="{C2C2A466-CA71-4062-88AF-2EDACA54E648}"/>
+                <a16:creationId xmlns:a16="http://schemas.microsoft.com/office/drawing/2014/main" id="{C2C2A466-CA71-4062-88AF-2EDACA54E648}"/>
               </a:ext>
             </a:extLst>
           </p:cNvPr>
@@ -1320,7 +1337,7 @@
           <p:cNvPr id="4" name="내용 개체 틀 3">
             <a:extLst>
               <a:ext uri="{FF2B5EF4-FFF2-40B4-BE49-F238E27FC236}">
-                <a16:creationId xmlns="" xmlns:a16="http://schemas.microsoft.com/office/drawing/2014/main" id="{9663E552-361A-4F7F-84A4-D386F6A4BD30}"/>
+                <a16:creationId xmlns:a16="http://schemas.microsoft.com/office/drawing/2014/main" id="{9663E552-361A-4F7F-84A4-D386F6A4BD30}"/>
               </a:ext>
             </a:extLst>
           </p:cNvPr>
@@ -1382,7 +1399,7 @@
           <p:cNvPr id="5" name="날짜 개체 틀 4">
             <a:extLst>
               <a:ext uri="{FF2B5EF4-FFF2-40B4-BE49-F238E27FC236}">
-                <a16:creationId xmlns="" xmlns:a16="http://schemas.microsoft.com/office/drawing/2014/main" id="{5AB60D71-DAD8-4F9E-9F99-755FBBB5145D}"/>
+                <a16:creationId xmlns:a16="http://schemas.microsoft.com/office/drawing/2014/main" id="{5AB60D71-DAD8-4F9E-9F99-755FBBB5145D}"/>
               </a:ext>
             </a:extLst>
           </p:cNvPr>
@@ -1400,7 +1417,7 @@
           <a:p>
             <a:fld id="{926C6624-517B-483E-A64D-9C8CB655B369}" type="datetimeFigureOut">
               <a:rPr lang="ko-KR" altLang="en-US" smtClean="0"/>
-              <a:t>2020-10-06</a:t>
+              <a:t>2020-10-10</a:t>
             </a:fld>
             <a:endParaRPr lang="ko-KR" altLang="en-US"/>
           </a:p>
@@ -1411,7 +1428,7 @@
           <p:cNvPr id="6" name="바닥글 개체 틀 5">
             <a:extLst>
               <a:ext uri="{FF2B5EF4-FFF2-40B4-BE49-F238E27FC236}">
-                <a16:creationId xmlns="" xmlns:a16="http://schemas.microsoft.com/office/drawing/2014/main" id="{BA9CBACB-786C-4517-9AEC-A658C8AAE95D}"/>
+                <a16:creationId xmlns:a16="http://schemas.microsoft.com/office/drawing/2014/main" id="{BA9CBACB-786C-4517-9AEC-A658C8AAE95D}"/>
               </a:ext>
             </a:extLst>
           </p:cNvPr>
@@ -1436,7 +1453,7 @@
           <p:cNvPr id="7" name="슬라이드 번호 개체 틀 6">
             <a:extLst>
               <a:ext uri="{FF2B5EF4-FFF2-40B4-BE49-F238E27FC236}">
-                <a16:creationId xmlns="" xmlns:a16="http://schemas.microsoft.com/office/drawing/2014/main" id="{DB4EF6C0-523E-43F2-A01B-CC1A4B23F407}"/>
+                <a16:creationId xmlns:a16="http://schemas.microsoft.com/office/drawing/2014/main" id="{DB4EF6C0-523E-43F2-A01B-CC1A4B23F407}"/>
               </a:ext>
             </a:extLst>
           </p:cNvPr>
@@ -1495,7 +1512,7 @@
           <p:cNvPr id="2" name="제목 1">
             <a:extLst>
               <a:ext uri="{FF2B5EF4-FFF2-40B4-BE49-F238E27FC236}">
-                <a16:creationId xmlns="" xmlns:a16="http://schemas.microsoft.com/office/drawing/2014/main" id="{C6880BE8-1F64-490B-86CF-6CD5E77B0FFD}"/>
+                <a16:creationId xmlns:a16="http://schemas.microsoft.com/office/drawing/2014/main" id="{C6880BE8-1F64-490B-86CF-6CD5E77B0FFD}"/>
               </a:ext>
             </a:extLst>
           </p:cNvPr>
@@ -1528,7 +1545,7 @@
           <p:cNvPr id="3" name="텍스트 개체 틀 2">
             <a:extLst>
               <a:ext uri="{FF2B5EF4-FFF2-40B4-BE49-F238E27FC236}">
-                <a16:creationId xmlns="" xmlns:a16="http://schemas.microsoft.com/office/drawing/2014/main" id="{DC4CFD8A-8D4A-4C24-AF38-C30B8C5676E8}"/>
+                <a16:creationId xmlns:a16="http://schemas.microsoft.com/office/drawing/2014/main" id="{DC4CFD8A-8D4A-4C24-AF38-C30B8C5676E8}"/>
               </a:ext>
             </a:extLst>
           </p:cNvPr>
@@ -1599,7 +1616,7 @@
           <p:cNvPr id="4" name="내용 개체 틀 3">
             <a:extLst>
               <a:ext uri="{FF2B5EF4-FFF2-40B4-BE49-F238E27FC236}">
-                <a16:creationId xmlns="" xmlns:a16="http://schemas.microsoft.com/office/drawing/2014/main" id="{744C9A7A-62D6-4BE0-8CA3-9EAB5AD5416C}"/>
+                <a16:creationId xmlns:a16="http://schemas.microsoft.com/office/drawing/2014/main" id="{744C9A7A-62D6-4BE0-8CA3-9EAB5AD5416C}"/>
               </a:ext>
             </a:extLst>
           </p:cNvPr>
@@ -1661,7 +1678,7 @@
           <p:cNvPr id="5" name="텍스트 개체 틀 4">
             <a:extLst>
               <a:ext uri="{FF2B5EF4-FFF2-40B4-BE49-F238E27FC236}">
-                <a16:creationId xmlns="" xmlns:a16="http://schemas.microsoft.com/office/drawing/2014/main" id="{8552D069-56E6-4760-8BD3-A5D64FCEBCFD}"/>
+                <a16:creationId xmlns:a16="http://schemas.microsoft.com/office/drawing/2014/main" id="{8552D069-56E6-4760-8BD3-A5D64FCEBCFD}"/>
               </a:ext>
             </a:extLst>
           </p:cNvPr>
@@ -1732,7 +1749,7 @@
           <p:cNvPr id="6" name="내용 개체 틀 5">
             <a:extLst>
               <a:ext uri="{FF2B5EF4-FFF2-40B4-BE49-F238E27FC236}">
-                <a16:creationId xmlns="" xmlns:a16="http://schemas.microsoft.com/office/drawing/2014/main" id="{C8F31DE3-9ECB-4559-849E-24AF36C85F4C}"/>
+                <a16:creationId xmlns:a16="http://schemas.microsoft.com/office/drawing/2014/main" id="{C8F31DE3-9ECB-4559-849E-24AF36C85F4C}"/>
               </a:ext>
             </a:extLst>
           </p:cNvPr>
@@ -1794,7 +1811,7 @@
           <p:cNvPr id="7" name="날짜 개체 틀 6">
             <a:extLst>
               <a:ext uri="{FF2B5EF4-FFF2-40B4-BE49-F238E27FC236}">
-                <a16:creationId xmlns="" xmlns:a16="http://schemas.microsoft.com/office/drawing/2014/main" id="{96E44F2C-EF2E-4249-856E-B8C54EF57A1D}"/>
+                <a16:creationId xmlns:a16="http://schemas.microsoft.com/office/drawing/2014/main" id="{96E44F2C-EF2E-4249-856E-B8C54EF57A1D}"/>
               </a:ext>
             </a:extLst>
           </p:cNvPr>
@@ -1812,7 +1829,7 @@
           <a:p>
             <a:fld id="{926C6624-517B-483E-A64D-9C8CB655B369}" type="datetimeFigureOut">
               <a:rPr lang="ko-KR" altLang="en-US" smtClean="0"/>
-              <a:t>2020-10-06</a:t>
+              <a:t>2020-10-10</a:t>
             </a:fld>
             <a:endParaRPr lang="ko-KR" altLang="en-US"/>
           </a:p>
@@ -1823,7 +1840,7 @@
           <p:cNvPr id="8" name="바닥글 개체 틀 7">
             <a:extLst>
               <a:ext uri="{FF2B5EF4-FFF2-40B4-BE49-F238E27FC236}">
-                <a16:creationId xmlns="" xmlns:a16="http://schemas.microsoft.com/office/drawing/2014/main" id="{298212B4-977A-45AF-85FE-CD3672464232}"/>
+                <a16:creationId xmlns:a16="http://schemas.microsoft.com/office/drawing/2014/main" id="{298212B4-977A-45AF-85FE-CD3672464232}"/>
               </a:ext>
             </a:extLst>
           </p:cNvPr>
@@ -1848,7 +1865,7 @@
           <p:cNvPr id="9" name="슬라이드 번호 개체 틀 8">
             <a:extLst>
               <a:ext uri="{FF2B5EF4-FFF2-40B4-BE49-F238E27FC236}">
-                <a16:creationId xmlns="" xmlns:a16="http://schemas.microsoft.com/office/drawing/2014/main" id="{30EB298C-D5B5-4C2B-9D70-41D0C47AAAF0}"/>
+                <a16:creationId xmlns:a16="http://schemas.microsoft.com/office/drawing/2014/main" id="{30EB298C-D5B5-4C2B-9D70-41D0C47AAAF0}"/>
               </a:ext>
             </a:extLst>
           </p:cNvPr>
@@ -1907,7 +1924,7 @@
           <p:cNvPr id="2" name="제목 1">
             <a:extLst>
               <a:ext uri="{FF2B5EF4-FFF2-40B4-BE49-F238E27FC236}">
-                <a16:creationId xmlns="" xmlns:a16="http://schemas.microsoft.com/office/drawing/2014/main" id="{F49A505A-E8D1-4E2A-98F8-1CB671980F00}"/>
+                <a16:creationId xmlns:a16="http://schemas.microsoft.com/office/drawing/2014/main" id="{F49A505A-E8D1-4E2A-98F8-1CB671980F00}"/>
               </a:ext>
             </a:extLst>
           </p:cNvPr>
@@ -1935,7 +1952,7 @@
           <p:cNvPr id="3" name="날짜 개체 틀 2">
             <a:extLst>
               <a:ext uri="{FF2B5EF4-FFF2-40B4-BE49-F238E27FC236}">
-                <a16:creationId xmlns="" xmlns:a16="http://schemas.microsoft.com/office/drawing/2014/main" id="{6348B131-FD57-4ADC-BE1F-C9F3F76617D4}"/>
+                <a16:creationId xmlns:a16="http://schemas.microsoft.com/office/drawing/2014/main" id="{6348B131-FD57-4ADC-BE1F-C9F3F76617D4}"/>
               </a:ext>
             </a:extLst>
           </p:cNvPr>
@@ -1953,7 +1970,7 @@
           <a:p>
             <a:fld id="{926C6624-517B-483E-A64D-9C8CB655B369}" type="datetimeFigureOut">
               <a:rPr lang="ko-KR" altLang="en-US" smtClean="0"/>
-              <a:t>2020-10-06</a:t>
+              <a:t>2020-10-10</a:t>
             </a:fld>
             <a:endParaRPr lang="ko-KR" altLang="en-US"/>
           </a:p>
@@ -1964,7 +1981,7 @@
           <p:cNvPr id="4" name="바닥글 개체 틀 3">
             <a:extLst>
               <a:ext uri="{FF2B5EF4-FFF2-40B4-BE49-F238E27FC236}">
-                <a16:creationId xmlns="" xmlns:a16="http://schemas.microsoft.com/office/drawing/2014/main" id="{B4D53CD0-667A-4511-8A8B-42D29873BDF6}"/>
+                <a16:creationId xmlns:a16="http://schemas.microsoft.com/office/drawing/2014/main" id="{B4D53CD0-667A-4511-8A8B-42D29873BDF6}"/>
               </a:ext>
             </a:extLst>
           </p:cNvPr>
@@ -1989,7 +2006,7 @@
           <p:cNvPr id="5" name="슬라이드 번호 개체 틀 4">
             <a:extLst>
               <a:ext uri="{FF2B5EF4-FFF2-40B4-BE49-F238E27FC236}">
-                <a16:creationId xmlns="" xmlns:a16="http://schemas.microsoft.com/office/drawing/2014/main" id="{DA5B2520-1BC8-45C9-9DC3-AE17D56C91B3}"/>
+                <a16:creationId xmlns:a16="http://schemas.microsoft.com/office/drawing/2014/main" id="{DA5B2520-1BC8-45C9-9DC3-AE17D56C91B3}"/>
               </a:ext>
             </a:extLst>
           </p:cNvPr>
@@ -2048,7 +2065,7 @@
           <p:cNvPr id="2" name="날짜 개체 틀 1">
             <a:extLst>
               <a:ext uri="{FF2B5EF4-FFF2-40B4-BE49-F238E27FC236}">
-                <a16:creationId xmlns="" xmlns:a16="http://schemas.microsoft.com/office/drawing/2014/main" id="{36B2FB37-DAA5-4CDD-A69B-F909FB9962BA}"/>
+                <a16:creationId xmlns:a16="http://schemas.microsoft.com/office/drawing/2014/main" id="{36B2FB37-DAA5-4CDD-A69B-F909FB9962BA}"/>
               </a:ext>
             </a:extLst>
           </p:cNvPr>
@@ -2066,7 +2083,7 @@
           <a:p>
             <a:fld id="{926C6624-517B-483E-A64D-9C8CB655B369}" type="datetimeFigureOut">
               <a:rPr lang="ko-KR" altLang="en-US" smtClean="0"/>
-              <a:t>2020-10-06</a:t>
+              <a:t>2020-10-10</a:t>
             </a:fld>
             <a:endParaRPr lang="ko-KR" altLang="en-US"/>
           </a:p>
@@ -2077,7 +2094,7 @@
           <p:cNvPr id="3" name="바닥글 개체 틀 2">
             <a:extLst>
               <a:ext uri="{FF2B5EF4-FFF2-40B4-BE49-F238E27FC236}">
-                <a16:creationId xmlns="" xmlns:a16="http://schemas.microsoft.com/office/drawing/2014/main" id="{FD47DE70-2F08-43C4-8E6B-354B11B49CC2}"/>
+                <a16:creationId xmlns:a16="http://schemas.microsoft.com/office/drawing/2014/main" id="{FD47DE70-2F08-43C4-8E6B-354B11B49CC2}"/>
               </a:ext>
             </a:extLst>
           </p:cNvPr>
@@ -2102,7 +2119,7 @@
           <p:cNvPr id="4" name="슬라이드 번호 개체 틀 3">
             <a:extLst>
               <a:ext uri="{FF2B5EF4-FFF2-40B4-BE49-F238E27FC236}">
-                <a16:creationId xmlns="" xmlns:a16="http://schemas.microsoft.com/office/drawing/2014/main" id="{46C6F601-3852-4479-84C9-729B9B2A5C37}"/>
+                <a16:creationId xmlns:a16="http://schemas.microsoft.com/office/drawing/2014/main" id="{46C6F601-3852-4479-84C9-729B9B2A5C37}"/>
               </a:ext>
             </a:extLst>
           </p:cNvPr>
@@ -2161,7 +2178,7 @@
           <p:cNvPr id="2" name="제목 1">
             <a:extLst>
               <a:ext uri="{FF2B5EF4-FFF2-40B4-BE49-F238E27FC236}">
-                <a16:creationId xmlns="" xmlns:a16="http://schemas.microsoft.com/office/drawing/2014/main" id="{B7D789DC-7637-42C6-BBA9-DF83111D8B75}"/>
+                <a16:creationId xmlns:a16="http://schemas.microsoft.com/office/drawing/2014/main" id="{B7D789DC-7637-42C6-BBA9-DF83111D8B75}"/>
               </a:ext>
             </a:extLst>
           </p:cNvPr>
@@ -2198,7 +2215,7 @@
           <p:cNvPr id="3" name="내용 개체 틀 2">
             <a:extLst>
               <a:ext uri="{FF2B5EF4-FFF2-40B4-BE49-F238E27FC236}">
-                <a16:creationId xmlns="" xmlns:a16="http://schemas.microsoft.com/office/drawing/2014/main" id="{3EF843E6-131F-4824-AC5A-8AA65A955EBF}"/>
+                <a16:creationId xmlns:a16="http://schemas.microsoft.com/office/drawing/2014/main" id="{3EF843E6-131F-4824-AC5A-8AA65A955EBF}"/>
               </a:ext>
             </a:extLst>
           </p:cNvPr>
@@ -2288,7 +2305,7 @@
           <p:cNvPr id="4" name="텍스트 개체 틀 3">
             <a:extLst>
               <a:ext uri="{FF2B5EF4-FFF2-40B4-BE49-F238E27FC236}">
-                <a16:creationId xmlns="" xmlns:a16="http://schemas.microsoft.com/office/drawing/2014/main" id="{338CF5A6-BF01-48C1-AFF8-5DBCF98A8FF0}"/>
+                <a16:creationId xmlns:a16="http://schemas.microsoft.com/office/drawing/2014/main" id="{338CF5A6-BF01-48C1-AFF8-5DBCF98A8FF0}"/>
               </a:ext>
             </a:extLst>
           </p:cNvPr>
@@ -2359,7 +2376,7 @@
           <p:cNvPr id="5" name="날짜 개체 틀 4">
             <a:extLst>
               <a:ext uri="{FF2B5EF4-FFF2-40B4-BE49-F238E27FC236}">
-                <a16:creationId xmlns="" xmlns:a16="http://schemas.microsoft.com/office/drawing/2014/main" id="{04E323EA-0D15-4D75-BA6A-119F9D6F1458}"/>
+                <a16:creationId xmlns:a16="http://schemas.microsoft.com/office/drawing/2014/main" id="{04E323EA-0D15-4D75-BA6A-119F9D6F1458}"/>
               </a:ext>
             </a:extLst>
           </p:cNvPr>
@@ -2377,7 +2394,7 @@
           <a:p>
             <a:fld id="{926C6624-517B-483E-A64D-9C8CB655B369}" type="datetimeFigureOut">
               <a:rPr lang="ko-KR" altLang="en-US" smtClean="0"/>
-              <a:t>2020-10-06</a:t>
+              <a:t>2020-10-10</a:t>
             </a:fld>
             <a:endParaRPr lang="ko-KR" altLang="en-US"/>
           </a:p>
@@ -2388,7 +2405,7 @@
           <p:cNvPr id="6" name="바닥글 개체 틀 5">
             <a:extLst>
               <a:ext uri="{FF2B5EF4-FFF2-40B4-BE49-F238E27FC236}">
-                <a16:creationId xmlns="" xmlns:a16="http://schemas.microsoft.com/office/drawing/2014/main" id="{B5C57742-BA3E-4CC3-8F6C-9EF14E7C0C3B}"/>
+                <a16:creationId xmlns:a16="http://schemas.microsoft.com/office/drawing/2014/main" id="{B5C57742-BA3E-4CC3-8F6C-9EF14E7C0C3B}"/>
               </a:ext>
             </a:extLst>
           </p:cNvPr>
@@ -2413,7 +2430,7 @@
           <p:cNvPr id="7" name="슬라이드 번호 개체 틀 6">
             <a:extLst>
               <a:ext uri="{FF2B5EF4-FFF2-40B4-BE49-F238E27FC236}">
-                <a16:creationId xmlns="" xmlns:a16="http://schemas.microsoft.com/office/drawing/2014/main" id="{1B3CC5D2-F981-4B96-A79A-F30F0B0E1BAC}"/>
+                <a16:creationId xmlns:a16="http://schemas.microsoft.com/office/drawing/2014/main" id="{1B3CC5D2-F981-4B96-A79A-F30F0B0E1BAC}"/>
               </a:ext>
             </a:extLst>
           </p:cNvPr>
@@ -2472,7 +2489,7 @@
           <p:cNvPr id="2" name="제목 1">
             <a:extLst>
               <a:ext uri="{FF2B5EF4-FFF2-40B4-BE49-F238E27FC236}">
-                <a16:creationId xmlns="" xmlns:a16="http://schemas.microsoft.com/office/drawing/2014/main" id="{59FEDDA3-A5E2-4F2F-9593-0476F2ABCF7F}"/>
+                <a16:creationId xmlns:a16="http://schemas.microsoft.com/office/drawing/2014/main" id="{59FEDDA3-A5E2-4F2F-9593-0476F2ABCF7F}"/>
               </a:ext>
             </a:extLst>
           </p:cNvPr>
@@ -2509,7 +2526,7 @@
           <p:cNvPr id="3" name="그림 개체 틀 2">
             <a:extLst>
               <a:ext uri="{FF2B5EF4-FFF2-40B4-BE49-F238E27FC236}">
-                <a16:creationId xmlns="" xmlns:a16="http://schemas.microsoft.com/office/drawing/2014/main" id="{042D17C4-7759-4C13-94F2-5B7739DDA942}"/>
+                <a16:creationId xmlns:a16="http://schemas.microsoft.com/office/drawing/2014/main" id="{042D17C4-7759-4C13-94F2-5B7739DDA942}"/>
               </a:ext>
             </a:extLst>
           </p:cNvPr>
@@ -2576,7 +2593,7 @@
           <p:cNvPr id="4" name="텍스트 개체 틀 3">
             <a:extLst>
               <a:ext uri="{FF2B5EF4-FFF2-40B4-BE49-F238E27FC236}">
-                <a16:creationId xmlns="" xmlns:a16="http://schemas.microsoft.com/office/drawing/2014/main" id="{6F711244-45BA-44BA-9BE9-A168D6DF5D6C}"/>
+                <a16:creationId xmlns:a16="http://schemas.microsoft.com/office/drawing/2014/main" id="{6F711244-45BA-44BA-9BE9-A168D6DF5D6C}"/>
               </a:ext>
             </a:extLst>
           </p:cNvPr>
@@ -2647,7 +2664,7 @@
           <p:cNvPr id="5" name="날짜 개체 틀 4">
             <a:extLst>
               <a:ext uri="{FF2B5EF4-FFF2-40B4-BE49-F238E27FC236}">
-                <a16:creationId xmlns="" xmlns:a16="http://schemas.microsoft.com/office/drawing/2014/main" id="{C5E6D033-D039-4E25-81D7-D1F709DC5842}"/>
+                <a16:creationId xmlns:a16="http://schemas.microsoft.com/office/drawing/2014/main" id="{C5E6D033-D039-4E25-81D7-D1F709DC5842}"/>
               </a:ext>
             </a:extLst>
           </p:cNvPr>
@@ -2665,7 +2682,7 @@
           <a:p>
             <a:fld id="{926C6624-517B-483E-A64D-9C8CB655B369}" type="datetimeFigureOut">
               <a:rPr lang="ko-KR" altLang="en-US" smtClean="0"/>
-              <a:t>2020-10-06</a:t>
+              <a:t>2020-10-10</a:t>
             </a:fld>
             <a:endParaRPr lang="ko-KR" altLang="en-US"/>
           </a:p>
@@ -2676,7 +2693,7 @@
           <p:cNvPr id="6" name="바닥글 개체 틀 5">
             <a:extLst>
               <a:ext uri="{FF2B5EF4-FFF2-40B4-BE49-F238E27FC236}">
-                <a16:creationId xmlns="" xmlns:a16="http://schemas.microsoft.com/office/drawing/2014/main" id="{714313D8-F821-47B2-B256-60D9B1D714F8}"/>
+                <a16:creationId xmlns:a16="http://schemas.microsoft.com/office/drawing/2014/main" id="{714313D8-F821-47B2-B256-60D9B1D714F8}"/>
               </a:ext>
             </a:extLst>
           </p:cNvPr>
@@ -2701,7 +2718,7 @@
           <p:cNvPr id="7" name="슬라이드 번호 개체 틀 6">
             <a:extLst>
               <a:ext uri="{FF2B5EF4-FFF2-40B4-BE49-F238E27FC236}">
-                <a16:creationId xmlns="" xmlns:a16="http://schemas.microsoft.com/office/drawing/2014/main" id="{5F834F32-DC34-4568-82EF-F1AD9A08EB05}"/>
+                <a16:creationId xmlns:a16="http://schemas.microsoft.com/office/drawing/2014/main" id="{5F834F32-DC34-4568-82EF-F1AD9A08EB05}"/>
               </a:ext>
             </a:extLst>
           </p:cNvPr>
@@ -2765,7 +2782,7 @@
           <p:cNvPr id="2" name="제목 개체 틀 1">
             <a:extLst>
               <a:ext uri="{FF2B5EF4-FFF2-40B4-BE49-F238E27FC236}">
-                <a16:creationId xmlns="" xmlns:a16="http://schemas.microsoft.com/office/drawing/2014/main" id="{71934781-F86A-4744-B3C9-4A6EAA2D0C75}"/>
+                <a16:creationId xmlns:a16="http://schemas.microsoft.com/office/drawing/2014/main" id="{71934781-F86A-4744-B3C9-4A6EAA2D0C75}"/>
               </a:ext>
             </a:extLst>
           </p:cNvPr>
@@ -2803,7 +2820,7 @@
           <p:cNvPr id="3" name="텍스트 개체 틀 2">
             <a:extLst>
               <a:ext uri="{FF2B5EF4-FFF2-40B4-BE49-F238E27FC236}">
-                <a16:creationId xmlns="" xmlns:a16="http://schemas.microsoft.com/office/drawing/2014/main" id="{42434676-4180-4161-9853-5915AA3E2C72}"/>
+                <a16:creationId xmlns:a16="http://schemas.microsoft.com/office/drawing/2014/main" id="{42434676-4180-4161-9853-5915AA3E2C72}"/>
               </a:ext>
             </a:extLst>
           </p:cNvPr>
@@ -2870,7 +2887,7 @@
           <p:cNvPr id="4" name="날짜 개체 틀 3">
             <a:extLst>
               <a:ext uri="{FF2B5EF4-FFF2-40B4-BE49-F238E27FC236}">
-                <a16:creationId xmlns="" xmlns:a16="http://schemas.microsoft.com/office/drawing/2014/main" id="{39CFC723-A9F0-405E-8D2E-68C27284606E}"/>
+                <a16:creationId xmlns:a16="http://schemas.microsoft.com/office/drawing/2014/main" id="{39CFC723-A9F0-405E-8D2E-68C27284606E}"/>
               </a:ext>
             </a:extLst>
           </p:cNvPr>
@@ -2906,7 +2923,7 @@
           <a:p>
             <a:fld id="{926C6624-517B-483E-A64D-9C8CB655B369}" type="datetimeFigureOut">
               <a:rPr lang="ko-KR" altLang="en-US" smtClean="0"/>
-              <a:t>2020-10-06</a:t>
+              <a:t>2020-10-10</a:t>
             </a:fld>
             <a:endParaRPr lang="ko-KR" altLang="en-US"/>
           </a:p>
@@ -2917,7 +2934,7 @@
           <p:cNvPr id="5" name="바닥글 개체 틀 4">
             <a:extLst>
               <a:ext uri="{FF2B5EF4-FFF2-40B4-BE49-F238E27FC236}">
-                <a16:creationId xmlns="" xmlns:a16="http://schemas.microsoft.com/office/drawing/2014/main" id="{C404C636-5CBC-46E3-BCD7-881283214072}"/>
+                <a16:creationId xmlns:a16="http://schemas.microsoft.com/office/drawing/2014/main" id="{C404C636-5CBC-46E3-BCD7-881283214072}"/>
               </a:ext>
             </a:extLst>
           </p:cNvPr>
@@ -2960,7 +2977,7 @@
           <p:cNvPr id="6" name="슬라이드 번호 개체 틀 5">
             <a:extLst>
               <a:ext uri="{FF2B5EF4-FFF2-40B4-BE49-F238E27FC236}">
-                <a16:creationId xmlns="" xmlns:a16="http://schemas.microsoft.com/office/drawing/2014/main" id="{48A46E9C-0AF2-4610-BF7C-1C6710DE791A}"/>
+                <a16:creationId xmlns:a16="http://schemas.microsoft.com/office/drawing/2014/main" id="{48A46E9C-0AF2-4610-BF7C-1C6710DE791A}"/>
               </a:ext>
             </a:extLst>
           </p:cNvPr>
@@ -3328,7 +3345,7 @@
           <p:cNvPr id="22" name="그룹 21">
             <a:extLst>
               <a:ext uri="{FF2B5EF4-FFF2-40B4-BE49-F238E27FC236}">
-                <a16:creationId xmlns="" xmlns:a16="http://schemas.microsoft.com/office/drawing/2014/main" id="{AB5BA01B-4BD7-44A4-B853-C312B75AF29E}"/>
+                <a16:creationId xmlns:a16="http://schemas.microsoft.com/office/drawing/2014/main" id="{AB5BA01B-4BD7-44A4-B853-C312B75AF29E}"/>
               </a:ext>
             </a:extLst>
           </p:cNvPr>
@@ -3348,7 +3365,7 @@
             <p:cNvPr id="4" name="모서리가 둥근 직사각형 3">
               <a:extLst>
                 <a:ext uri="{FF2B5EF4-FFF2-40B4-BE49-F238E27FC236}">
-                  <a16:creationId xmlns="" xmlns:a16="http://schemas.microsoft.com/office/drawing/2014/main" id="{4C175E72-DD6D-4047-9472-326AB722EE03}"/>
+                  <a16:creationId xmlns:a16="http://schemas.microsoft.com/office/drawing/2014/main" id="{4C175E72-DD6D-4047-9472-326AB722EE03}"/>
                 </a:ext>
               </a:extLst>
             </p:cNvPr>
@@ -3400,7 +3417,7 @@
             <p:cNvPr id="5" name="모서리가 둥근 직사각형 4">
               <a:extLst>
                 <a:ext uri="{FF2B5EF4-FFF2-40B4-BE49-F238E27FC236}">
-                  <a16:creationId xmlns="" xmlns:a16="http://schemas.microsoft.com/office/drawing/2014/main" id="{6A6EC401-98FA-4743-B06D-8BC1DC7EFE7E}"/>
+                  <a16:creationId xmlns:a16="http://schemas.microsoft.com/office/drawing/2014/main" id="{6A6EC401-98FA-4743-B06D-8BC1DC7EFE7E}"/>
                 </a:ext>
               </a:extLst>
             </p:cNvPr>
@@ -3452,7 +3469,7 @@
             <p:cNvPr id="6" name="타원 5">
               <a:extLst>
                 <a:ext uri="{FF2B5EF4-FFF2-40B4-BE49-F238E27FC236}">
-                  <a16:creationId xmlns="" xmlns:a16="http://schemas.microsoft.com/office/drawing/2014/main" id="{751CB917-43BB-4E2E-808C-280AA12FC8CB}"/>
+                  <a16:creationId xmlns:a16="http://schemas.microsoft.com/office/drawing/2014/main" id="{751CB917-43BB-4E2E-808C-280AA12FC8CB}"/>
                 </a:ext>
               </a:extLst>
             </p:cNvPr>
@@ -3504,7 +3521,7 @@
             <p:cNvPr id="7" name="타원 6">
               <a:extLst>
                 <a:ext uri="{FF2B5EF4-FFF2-40B4-BE49-F238E27FC236}">
-                  <a16:creationId xmlns="" xmlns:a16="http://schemas.microsoft.com/office/drawing/2014/main" id="{F0AEB657-B384-44CB-A4BE-B3AE6CE3EC10}"/>
+                  <a16:creationId xmlns:a16="http://schemas.microsoft.com/office/drawing/2014/main" id="{F0AEB657-B384-44CB-A4BE-B3AE6CE3EC10}"/>
                 </a:ext>
               </a:extLst>
             </p:cNvPr>
@@ -3556,7 +3573,7 @@
             <p:cNvPr id="8" name="타원 7">
               <a:extLst>
                 <a:ext uri="{FF2B5EF4-FFF2-40B4-BE49-F238E27FC236}">
-                  <a16:creationId xmlns="" xmlns:a16="http://schemas.microsoft.com/office/drawing/2014/main" id="{4E754D03-1ECC-409C-9A63-5729AE1BFB32}"/>
+                  <a16:creationId xmlns:a16="http://schemas.microsoft.com/office/drawing/2014/main" id="{4E754D03-1ECC-409C-9A63-5729AE1BFB32}"/>
                 </a:ext>
               </a:extLst>
             </p:cNvPr>
@@ -3608,7 +3625,7 @@
             <p:cNvPr id="9" name="타원 8">
               <a:extLst>
                 <a:ext uri="{FF2B5EF4-FFF2-40B4-BE49-F238E27FC236}">
-                  <a16:creationId xmlns="" xmlns:a16="http://schemas.microsoft.com/office/drawing/2014/main" id="{E12F435A-E87E-4EB8-A402-54EF32CB3D62}"/>
+                  <a16:creationId xmlns:a16="http://schemas.microsoft.com/office/drawing/2014/main" id="{E12F435A-E87E-4EB8-A402-54EF32CB3D62}"/>
                 </a:ext>
               </a:extLst>
             </p:cNvPr>
@@ -3660,7 +3677,7 @@
             <p:cNvPr id="10" name="타원 9">
               <a:extLst>
                 <a:ext uri="{FF2B5EF4-FFF2-40B4-BE49-F238E27FC236}">
-                  <a16:creationId xmlns="" xmlns:a16="http://schemas.microsoft.com/office/drawing/2014/main" id="{FCC3CE93-1E2E-409B-A213-0E6577DD4932}"/>
+                  <a16:creationId xmlns:a16="http://schemas.microsoft.com/office/drawing/2014/main" id="{FCC3CE93-1E2E-409B-A213-0E6577DD4932}"/>
                 </a:ext>
               </a:extLst>
             </p:cNvPr>
@@ -3712,7 +3729,7 @@
             <p:cNvPr id="11" name="타원 10">
               <a:extLst>
                 <a:ext uri="{FF2B5EF4-FFF2-40B4-BE49-F238E27FC236}">
-                  <a16:creationId xmlns="" xmlns:a16="http://schemas.microsoft.com/office/drawing/2014/main" id="{C6B3C21E-2B3A-4EF1-9576-68BC76E71E05}"/>
+                  <a16:creationId xmlns:a16="http://schemas.microsoft.com/office/drawing/2014/main" id="{C6B3C21E-2B3A-4EF1-9576-68BC76E71E05}"/>
                 </a:ext>
               </a:extLst>
             </p:cNvPr>
@@ -3764,7 +3781,7 @@
             <p:cNvPr id="12" name="타원 11">
               <a:extLst>
                 <a:ext uri="{FF2B5EF4-FFF2-40B4-BE49-F238E27FC236}">
-                  <a16:creationId xmlns="" xmlns:a16="http://schemas.microsoft.com/office/drawing/2014/main" id="{7AB750A5-C1AD-4C14-8709-A7DED16FECC6}"/>
+                  <a16:creationId xmlns:a16="http://schemas.microsoft.com/office/drawing/2014/main" id="{7AB750A5-C1AD-4C14-8709-A7DED16FECC6}"/>
                 </a:ext>
               </a:extLst>
             </p:cNvPr>
@@ -3816,7 +3833,7 @@
             <p:cNvPr id="13" name="타원 12">
               <a:extLst>
                 <a:ext uri="{FF2B5EF4-FFF2-40B4-BE49-F238E27FC236}">
-                  <a16:creationId xmlns="" xmlns:a16="http://schemas.microsoft.com/office/drawing/2014/main" id="{405327F0-54FB-4E62-81C8-8F4064A7D0EB}"/>
+                  <a16:creationId xmlns:a16="http://schemas.microsoft.com/office/drawing/2014/main" id="{405327F0-54FB-4E62-81C8-8F4064A7D0EB}"/>
                 </a:ext>
               </a:extLst>
             </p:cNvPr>
@@ -3868,7 +3885,7 @@
             <p:cNvPr id="14" name="타원 13">
               <a:extLst>
                 <a:ext uri="{FF2B5EF4-FFF2-40B4-BE49-F238E27FC236}">
-                  <a16:creationId xmlns="" xmlns:a16="http://schemas.microsoft.com/office/drawing/2014/main" id="{EF715E29-C393-47EE-B015-CE0C1D8BEBCB}"/>
+                  <a16:creationId xmlns:a16="http://schemas.microsoft.com/office/drawing/2014/main" id="{EF715E29-C393-47EE-B015-CE0C1D8BEBCB}"/>
                 </a:ext>
               </a:extLst>
             </p:cNvPr>
@@ -3920,7 +3937,7 @@
             <p:cNvPr id="15" name="타원 14">
               <a:extLst>
                 <a:ext uri="{FF2B5EF4-FFF2-40B4-BE49-F238E27FC236}">
-                  <a16:creationId xmlns="" xmlns:a16="http://schemas.microsoft.com/office/drawing/2014/main" id="{FBF382FC-A0A6-41DC-9B66-580BA69B89BC}"/>
+                  <a16:creationId xmlns:a16="http://schemas.microsoft.com/office/drawing/2014/main" id="{FBF382FC-A0A6-41DC-9B66-580BA69B89BC}"/>
                 </a:ext>
               </a:extLst>
             </p:cNvPr>
@@ -3972,7 +3989,7 @@
             <p:cNvPr id="16" name="타원 15">
               <a:extLst>
                 <a:ext uri="{FF2B5EF4-FFF2-40B4-BE49-F238E27FC236}">
-                  <a16:creationId xmlns="" xmlns:a16="http://schemas.microsoft.com/office/drawing/2014/main" id="{6876E574-1288-4911-A1B1-CD05242B0C69}"/>
+                  <a16:creationId xmlns:a16="http://schemas.microsoft.com/office/drawing/2014/main" id="{6876E574-1288-4911-A1B1-CD05242B0C69}"/>
                 </a:ext>
               </a:extLst>
             </p:cNvPr>
@@ -4024,7 +4041,7 @@
             <p:cNvPr id="17" name="타원 16">
               <a:extLst>
                 <a:ext uri="{FF2B5EF4-FFF2-40B4-BE49-F238E27FC236}">
-                  <a16:creationId xmlns="" xmlns:a16="http://schemas.microsoft.com/office/drawing/2014/main" id="{A9EDF57E-15C4-454C-A4CB-611F3A936838}"/>
+                  <a16:creationId xmlns:a16="http://schemas.microsoft.com/office/drawing/2014/main" id="{A9EDF57E-15C4-454C-A4CB-611F3A936838}"/>
                 </a:ext>
               </a:extLst>
             </p:cNvPr>
@@ -4076,7 +4093,7 @@
             <p:cNvPr id="18" name="TextBox 17">
               <a:extLst>
                 <a:ext uri="{FF2B5EF4-FFF2-40B4-BE49-F238E27FC236}">
-                  <a16:creationId xmlns="" xmlns:a16="http://schemas.microsoft.com/office/drawing/2014/main" id="{9E4BDB20-95A4-4E40-86E1-47C3C9A12DBB}"/>
+                  <a16:creationId xmlns:a16="http://schemas.microsoft.com/office/drawing/2014/main" id="{9E4BDB20-95A4-4E40-86E1-47C3C9A12DBB}"/>
                 </a:ext>
               </a:extLst>
             </p:cNvPr>
@@ -4112,7 +4129,7 @@
             <p:cNvPr id="19" name="TextBox 18">
               <a:extLst>
                 <a:ext uri="{FF2B5EF4-FFF2-40B4-BE49-F238E27FC236}">
-                  <a16:creationId xmlns="" xmlns:a16="http://schemas.microsoft.com/office/drawing/2014/main" id="{F3850DA9-09F8-4C63-82CB-E8048EE3C815}"/>
+                  <a16:creationId xmlns:a16="http://schemas.microsoft.com/office/drawing/2014/main" id="{F3850DA9-09F8-4C63-82CB-E8048EE3C815}"/>
                 </a:ext>
               </a:extLst>
             </p:cNvPr>
@@ -4148,7 +4165,7 @@
             <p:cNvPr id="20" name="직선 연결선 19">
               <a:extLst>
                 <a:ext uri="{FF2B5EF4-FFF2-40B4-BE49-F238E27FC236}">
-                  <a16:creationId xmlns="" xmlns:a16="http://schemas.microsoft.com/office/drawing/2014/main" id="{E02A8875-D1CB-4925-8F4D-172F01394007}"/>
+                  <a16:creationId xmlns:a16="http://schemas.microsoft.com/office/drawing/2014/main" id="{E02A8875-D1CB-4925-8F4D-172F01394007}"/>
                 </a:ext>
               </a:extLst>
             </p:cNvPr>
@@ -4187,7 +4204,7 @@
             <p:cNvPr id="21" name="TextBox 20">
               <a:extLst>
                 <a:ext uri="{FF2B5EF4-FFF2-40B4-BE49-F238E27FC236}">
-                  <a16:creationId xmlns="" xmlns:a16="http://schemas.microsoft.com/office/drawing/2014/main" id="{539ECFE7-1C54-4D3F-9F12-E5B50E6F0927}"/>
+                  <a16:creationId xmlns:a16="http://schemas.microsoft.com/office/drawing/2014/main" id="{539ECFE7-1C54-4D3F-9F12-E5B50E6F0927}"/>
                 </a:ext>
               </a:extLst>
             </p:cNvPr>
@@ -4343,6 +4360,2530 @@
           <a:chExt cx="0" cy="0"/>
         </a:xfrm>
       </p:grpSpPr>
+      <p:sp>
+        <p:nvSpPr>
+          <p:cNvPr id="8" name="타원 7">
+            <a:extLst>
+              <a:ext uri="{FF2B5EF4-FFF2-40B4-BE49-F238E27FC236}">
+                <a16:creationId xmlns:a16="http://schemas.microsoft.com/office/drawing/2014/main" id="{92C3CD46-A46D-4887-A6DE-0E34BA0D9FEE}"/>
+              </a:ext>
+            </a:extLst>
+          </p:cNvPr>
+          <p:cNvSpPr/>
+          <p:nvPr/>
+        </p:nvSpPr>
+        <p:spPr>
+          <a:xfrm>
+            <a:off x="1388797" y="1494971"/>
+            <a:ext cx="679509" cy="679509"/>
+          </a:xfrm>
+          <a:prstGeom prst="ellipse">
+            <a:avLst/>
+          </a:prstGeom>
+          <a:noFill/>
+          <a:ln>
+            <a:solidFill>
+              <a:schemeClr val="tx1"/>
+            </a:solidFill>
+          </a:ln>
+        </p:spPr>
+        <p:style>
+          <a:lnRef idx="2">
+            <a:schemeClr val="accent1">
+              <a:shade val="50000"/>
+            </a:schemeClr>
+          </a:lnRef>
+          <a:fillRef idx="1">
+            <a:schemeClr val="accent1"/>
+          </a:fillRef>
+          <a:effectRef idx="0">
+            <a:schemeClr val="accent1"/>
+          </a:effectRef>
+          <a:fontRef idx="minor">
+            <a:schemeClr val="lt1"/>
+          </a:fontRef>
+        </p:style>
+        <p:txBody>
+          <a:bodyPr rtlCol="0" anchor="ctr"/>
+          <a:lstStyle/>
+          <a:p>
+            <a:pPr algn="ctr"/>
+            <a:endParaRPr lang="ko-KR" altLang="en-US"/>
+          </a:p>
+        </p:txBody>
+      </p:sp>
+      <p:sp>
+        <p:nvSpPr>
+          <p:cNvPr id="9" name="타원 8">
+            <a:extLst>
+              <a:ext uri="{FF2B5EF4-FFF2-40B4-BE49-F238E27FC236}">
+                <a16:creationId xmlns:a16="http://schemas.microsoft.com/office/drawing/2014/main" id="{C9CC177B-FFE7-4882-89A1-9A2CB8361F85}"/>
+              </a:ext>
+            </a:extLst>
+          </p:cNvPr>
+          <p:cNvSpPr/>
+          <p:nvPr/>
+        </p:nvSpPr>
+        <p:spPr>
+          <a:xfrm>
+            <a:off x="2407360" y="1494971"/>
+            <a:ext cx="679509" cy="679509"/>
+          </a:xfrm>
+          <a:prstGeom prst="ellipse">
+            <a:avLst/>
+          </a:prstGeom>
+          <a:noFill/>
+          <a:ln>
+            <a:solidFill>
+              <a:schemeClr val="tx1"/>
+            </a:solidFill>
+          </a:ln>
+        </p:spPr>
+        <p:style>
+          <a:lnRef idx="2">
+            <a:schemeClr val="accent1">
+              <a:shade val="50000"/>
+            </a:schemeClr>
+          </a:lnRef>
+          <a:fillRef idx="1">
+            <a:schemeClr val="accent1"/>
+          </a:fillRef>
+          <a:effectRef idx="0">
+            <a:schemeClr val="accent1"/>
+          </a:effectRef>
+          <a:fontRef idx="minor">
+            <a:schemeClr val="lt1"/>
+          </a:fontRef>
+        </p:style>
+        <p:txBody>
+          <a:bodyPr rtlCol="0" anchor="ctr"/>
+          <a:lstStyle/>
+          <a:p>
+            <a:pPr algn="ctr"/>
+            <a:endParaRPr lang="ko-KR" altLang="en-US"/>
+          </a:p>
+        </p:txBody>
+      </p:sp>
+      <p:sp>
+        <p:nvSpPr>
+          <p:cNvPr id="10" name="타원 9">
+            <a:extLst>
+              <a:ext uri="{FF2B5EF4-FFF2-40B4-BE49-F238E27FC236}">
+                <a16:creationId xmlns:a16="http://schemas.microsoft.com/office/drawing/2014/main" id="{4796DA32-CB5E-42D7-B7A5-0E7ED29F856D}"/>
+              </a:ext>
+            </a:extLst>
+          </p:cNvPr>
+          <p:cNvSpPr/>
+          <p:nvPr/>
+        </p:nvSpPr>
+        <p:spPr>
+          <a:xfrm>
+            <a:off x="3425923" y="1494971"/>
+            <a:ext cx="679509" cy="679509"/>
+          </a:xfrm>
+          <a:prstGeom prst="ellipse">
+            <a:avLst/>
+          </a:prstGeom>
+          <a:noFill/>
+          <a:ln>
+            <a:solidFill>
+              <a:schemeClr val="tx1"/>
+            </a:solidFill>
+          </a:ln>
+        </p:spPr>
+        <p:style>
+          <a:lnRef idx="2">
+            <a:schemeClr val="accent1">
+              <a:shade val="50000"/>
+            </a:schemeClr>
+          </a:lnRef>
+          <a:fillRef idx="1">
+            <a:schemeClr val="accent1"/>
+          </a:fillRef>
+          <a:effectRef idx="0">
+            <a:schemeClr val="accent1"/>
+          </a:effectRef>
+          <a:fontRef idx="minor">
+            <a:schemeClr val="lt1"/>
+          </a:fontRef>
+        </p:style>
+        <p:txBody>
+          <a:bodyPr rtlCol="0" anchor="ctr"/>
+          <a:lstStyle/>
+          <a:p>
+            <a:pPr algn="ctr"/>
+            <a:endParaRPr lang="ko-KR" altLang="en-US"/>
+          </a:p>
+        </p:txBody>
+      </p:sp>
+      <p:sp>
+        <p:nvSpPr>
+          <p:cNvPr id="11" name="타원 10">
+            <a:extLst>
+              <a:ext uri="{FF2B5EF4-FFF2-40B4-BE49-F238E27FC236}">
+                <a16:creationId xmlns:a16="http://schemas.microsoft.com/office/drawing/2014/main" id="{28032613-F5FF-468E-9DDD-7B14BB38EE9A}"/>
+              </a:ext>
+            </a:extLst>
+          </p:cNvPr>
+          <p:cNvSpPr/>
+          <p:nvPr/>
+        </p:nvSpPr>
+        <p:spPr>
+          <a:xfrm>
+            <a:off x="4444487" y="1494971"/>
+            <a:ext cx="679509" cy="679509"/>
+          </a:xfrm>
+          <a:prstGeom prst="ellipse">
+            <a:avLst/>
+          </a:prstGeom>
+          <a:noFill/>
+          <a:ln>
+            <a:solidFill>
+              <a:schemeClr val="tx1"/>
+            </a:solidFill>
+          </a:ln>
+        </p:spPr>
+        <p:style>
+          <a:lnRef idx="2">
+            <a:schemeClr val="accent1">
+              <a:shade val="50000"/>
+            </a:schemeClr>
+          </a:lnRef>
+          <a:fillRef idx="1">
+            <a:schemeClr val="accent1"/>
+          </a:fillRef>
+          <a:effectRef idx="0">
+            <a:schemeClr val="accent1"/>
+          </a:effectRef>
+          <a:fontRef idx="minor">
+            <a:schemeClr val="lt1"/>
+          </a:fontRef>
+        </p:style>
+        <p:txBody>
+          <a:bodyPr rtlCol="0" anchor="ctr"/>
+          <a:lstStyle/>
+          <a:p>
+            <a:pPr algn="ctr"/>
+            <a:endParaRPr lang="ko-KR" altLang="en-US"/>
+          </a:p>
+        </p:txBody>
+      </p:sp>
+      <p:sp>
+        <p:nvSpPr>
+          <p:cNvPr id="15" name="타원 14">
+            <a:extLst>
+              <a:ext uri="{FF2B5EF4-FFF2-40B4-BE49-F238E27FC236}">
+                <a16:creationId xmlns:a16="http://schemas.microsoft.com/office/drawing/2014/main" id="{C198E1B8-43D8-46AF-876F-4C2DEB56CA3F}"/>
+              </a:ext>
+            </a:extLst>
+          </p:cNvPr>
+          <p:cNvSpPr/>
+          <p:nvPr/>
+        </p:nvSpPr>
+        <p:spPr>
+          <a:xfrm>
+            <a:off x="1728551" y="3420861"/>
+            <a:ext cx="679509" cy="679509"/>
+          </a:xfrm>
+          <a:prstGeom prst="ellipse">
+            <a:avLst/>
+          </a:prstGeom>
+          <a:noFill/>
+          <a:ln>
+            <a:solidFill>
+              <a:schemeClr val="tx1"/>
+            </a:solidFill>
+          </a:ln>
+        </p:spPr>
+        <p:style>
+          <a:lnRef idx="2">
+            <a:schemeClr val="accent1">
+              <a:shade val="50000"/>
+            </a:schemeClr>
+          </a:lnRef>
+          <a:fillRef idx="1">
+            <a:schemeClr val="accent1"/>
+          </a:fillRef>
+          <a:effectRef idx="0">
+            <a:schemeClr val="accent1"/>
+          </a:effectRef>
+          <a:fontRef idx="minor">
+            <a:schemeClr val="lt1"/>
+          </a:fontRef>
+        </p:style>
+        <p:txBody>
+          <a:bodyPr rtlCol="0" anchor="ctr"/>
+          <a:lstStyle/>
+          <a:p>
+            <a:pPr algn="ctr"/>
+            <a:endParaRPr lang="ko-KR" altLang="en-US"/>
+          </a:p>
+        </p:txBody>
+      </p:sp>
+      <p:sp>
+        <p:nvSpPr>
+          <p:cNvPr id="16" name="타원 15">
+            <a:extLst>
+              <a:ext uri="{FF2B5EF4-FFF2-40B4-BE49-F238E27FC236}">
+                <a16:creationId xmlns:a16="http://schemas.microsoft.com/office/drawing/2014/main" id="{9D488C00-2D66-4D29-A819-1816D66839DD}"/>
+              </a:ext>
+            </a:extLst>
+          </p:cNvPr>
+          <p:cNvSpPr/>
+          <p:nvPr/>
+        </p:nvSpPr>
+        <p:spPr>
+          <a:xfrm>
+            <a:off x="2859054" y="3420861"/>
+            <a:ext cx="679509" cy="679509"/>
+          </a:xfrm>
+          <a:prstGeom prst="ellipse">
+            <a:avLst/>
+          </a:prstGeom>
+          <a:noFill/>
+          <a:ln>
+            <a:solidFill>
+              <a:schemeClr val="tx1"/>
+            </a:solidFill>
+          </a:ln>
+        </p:spPr>
+        <p:style>
+          <a:lnRef idx="2">
+            <a:schemeClr val="accent1">
+              <a:shade val="50000"/>
+            </a:schemeClr>
+          </a:lnRef>
+          <a:fillRef idx="1">
+            <a:schemeClr val="accent1"/>
+          </a:fillRef>
+          <a:effectRef idx="0">
+            <a:schemeClr val="accent1"/>
+          </a:effectRef>
+          <a:fontRef idx="minor">
+            <a:schemeClr val="lt1"/>
+          </a:fontRef>
+        </p:style>
+        <p:txBody>
+          <a:bodyPr rtlCol="0" anchor="ctr"/>
+          <a:lstStyle/>
+          <a:p>
+            <a:pPr algn="ctr"/>
+            <a:endParaRPr lang="ko-KR" altLang="en-US"/>
+          </a:p>
+        </p:txBody>
+      </p:sp>
+      <p:sp>
+        <p:nvSpPr>
+          <p:cNvPr id="17" name="타원 16">
+            <a:extLst>
+              <a:ext uri="{FF2B5EF4-FFF2-40B4-BE49-F238E27FC236}">
+                <a16:creationId xmlns:a16="http://schemas.microsoft.com/office/drawing/2014/main" id="{BB543E5E-540E-4EBF-8757-33B19886D5DC}"/>
+              </a:ext>
+            </a:extLst>
+          </p:cNvPr>
+          <p:cNvSpPr/>
+          <p:nvPr/>
+        </p:nvSpPr>
+        <p:spPr>
+          <a:xfrm>
+            <a:off x="3989558" y="3420861"/>
+            <a:ext cx="679509" cy="679509"/>
+          </a:xfrm>
+          <a:prstGeom prst="ellipse">
+            <a:avLst/>
+          </a:prstGeom>
+          <a:noFill/>
+          <a:ln>
+            <a:solidFill>
+              <a:schemeClr val="tx1"/>
+            </a:solidFill>
+          </a:ln>
+        </p:spPr>
+        <p:style>
+          <a:lnRef idx="2">
+            <a:schemeClr val="accent1">
+              <a:shade val="50000"/>
+            </a:schemeClr>
+          </a:lnRef>
+          <a:fillRef idx="1">
+            <a:schemeClr val="accent1"/>
+          </a:fillRef>
+          <a:effectRef idx="0">
+            <a:schemeClr val="accent1"/>
+          </a:effectRef>
+          <a:fontRef idx="minor">
+            <a:schemeClr val="lt1"/>
+          </a:fontRef>
+        </p:style>
+        <p:txBody>
+          <a:bodyPr rtlCol="0" anchor="ctr"/>
+          <a:lstStyle/>
+          <a:p>
+            <a:pPr algn="ctr"/>
+            <a:endParaRPr lang="ko-KR" altLang="en-US"/>
+          </a:p>
+        </p:txBody>
+      </p:sp>
+      <p:sp>
+        <p:nvSpPr>
+          <p:cNvPr id="20" name="TextBox 19">
+            <a:extLst>
+              <a:ext uri="{FF2B5EF4-FFF2-40B4-BE49-F238E27FC236}">
+                <a16:creationId xmlns:a16="http://schemas.microsoft.com/office/drawing/2014/main" id="{0C4332E1-830C-448A-8F6A-47B9020657CF}"/>
+              </a:ext>
+            </a:extLst>
+          </p:cNvPr>
+          <p:cNvSpPr txBox="1"/>
+          <p:nvPr/>
+        </p:nvSpPr>
+        <p:spPr>
+          <a:xfrm>
+            <a:off x="705029" y="1573114"/>
+            <a:ext cx="429652" cy="523220"/>
+          </a:xfrm>
+          <a:prstGeom prst="rect">
+            <a:avLst/>
+          </a:prstGeom>
+          <a:noFill/>
+        </p:spPr>
+        <p:txBody>
+          <a:bodyPr wrap="square" rtlCol="0">
+            <a:spAutoFit/>
+          </a:bodyPr>
+          <a:lstStyle/>
+          <a:p>
+            <a:r>
+              <a:rPr lang="en-US" altLang="ko-KR" sz="2800" dirty="0"/>
+              <a:t>h</a:t>
+            </a:r>
+            <a:endParaRPr lang="ko-KR" altLang="en-US" sz="2800" dirty="0"/>
+          </a:p>
+        </p:txBody>
+      </p:sp>
+      <p:sp>
+        <p:nvSpPr>
+          <p:cNvPr id="21" name="TextBox 20">
+            <a:extLst>
+              <a:ext uri="{FF2B5EF4-FFF2-40B4-BE49-F238E27FC236}">
+                <a16:creationId xmlns:a16="http://schemas.microsoft.com/office/drawing/2014/main" id="{7F32DED0-834D-446E-A436-BFB74095C0A8}"/>
+              </a:ext>
+            </a:extLst>
+          </p:cNvPr>
+          <p:cNvSpPr txBox="1"/>
+          <p:nvPr/>
+        </p:nvSpPr>
+        <p:spPr>
+          <a:xfrm>
+            <a:off x="1201307" y="3507394"/>
+            <a:ext cx="346570" cy="523220"/>
+          </a:xfrm>
+          <a:prstGeom prst="rect">
+            <a:avLst/>
+          </a:prstGeom>
+          <a:noFill/>
+        </p:spPr>
+        <p:txBody>
+          <a:bodyPr wrap="none" rtlCol="0">
+            <a:spAutoFit/>
+          </a:bodyPr>
+          <a:lstStyle/>
+          <a:p>
+            <a:r>
+              <a:rPr lang="en-US" altLang="ko-KR" sz="2800" dirty="0"/>
+              <a:t>v</a:t>
+            </a:r>
+            <a:endParaRPr lang="ko-KR" altLang="en-US" sz="2800" dirty="0"/>
+          </a:p>
+        </p:txBody>
+      </p:sp>
+      <p:cxnSp>
+        <p:nvCxnSpPr>
+          <p:cNvPr id="36" name="직선 화살표 연결선 35">
+            <a:extLst>
+              <a:ext uri="{FF2B5EF4-FFF2-40B4-BE49-F238E27FC236}">
+                <a16:creationId xmlns:a16="http://schemas.microsoft.com/office/drawing/2014/main" id="{82B6F821-1AF2-413E-8B99-59C1D6413D0E}"/>
+              </a:ext>
+            </a:extLst>
+          </p:cNvPr>
+          <p:cNvCxnSpPr>
+            <a:stCxn id="16" idx="0"/>
+            <a:endCxn id="8" idx="4"/>
+          </p:cNvCxnSpPr>
+          <p:nvPr/>
+        </p:nvCxnSpPr>
+        <p:spPr>
+          <a:xfrm flipH="1" flipV="1">
+            <a:off x="1728552" y="2174480"/>
+            <a:ext cx="1470257" cy="1246381"/>
+          </a:xfrm>
+          <a:prstGeom prst="straightConnector1">
+            <a:avLst/>
+          </a:prstGeom>
+          <a:ln w="38100">
+            <a:solidFill>
+              <a:schemeClr val="accent4"/>
+            </a:solidFill>
+            <a:tailEnd type="triangle"/>
+          </a:ln>
+        </p:spPr>
+        <p:style>
+          <a:lnRef idx="1">
+            <a:schemeClr val="accent1"/>
+          </a:lnRef>
+          <a:fillRef idx="0">
+            <a:schemeClr val="accent1"/>
+          </a:fillRef>
+          <a:effectRef idx="0">
+            <a:schemeClr val="accent1"/>
+          </a:effectRef>
+          <a:fontRef idx="minor">
+            <a:schemeClr val="tx1"/>
+          </a:fontRef>
+        </p:style>
+      </p:cxnSp>
+      <p:cxnSp>
+        <p:nvCxnSpPr>
+          <p:cNvPr id="38" name="직선 화살표 연결선 37">
+            <a:extLst>
+              <a:ext uri="{FF2B5EF4-FFF2-40B4-BE49-F238E27FC236}">
+                <a16:creationId xmlns:a16="http://schemas.microsoft.com/office/drawing/2014/main" id="{1A0B8DEB-397F-4EC7-987D-0933A09D9282}"/>
+              </a:ext>
+            </a:extLst>
+          </p:cNvPr>
+          <p:cNvCxnSpPr>
+            <a:stCxn id="16" idx="0"/>
+            <a:endCxn id="9" idx="4"/>
+          </p:cNvCxnSpPr>
+          <p:nvPr/>
+        </p:nvCxnSpPr>
+        <p:spPr>
+          <a:xfrm flipH="1" flipV="1">
+            <a:off x="2747115" y="2174480"/>
+            <a:ext cx="451694" cy="1246381"/>
+          </a:xfrm>
+          <a:prstGeom prst="straightConnector1">
+            <a:avLst/>
+          </a:prstGeom>
+          <a:ln w="38100">
+            <a:solidFill>
+              <a:schemeClr val="accent4"/>
+            </a:solidFill>
+            <a:tailEnd type="triangle"/>
+          </a:ln>
+        </p:spPr>
+        <p:style>
+          <a:lnRef idx="1">
+            <a:schemeClr val="accent1"/>
+          </a:lnRef>
+          <a:fillRef idx="0">
+            <a:schemeClr val="accent1"/>
+          </a:fillRef>
+          <a:effectRef idx="0">
+            <a:schemeClr val="accent1"/>
+          </a:effectRef>
+          <a:fontRef idx="minor">
+            <a:schemeClr val="tx1"/>
+          </a:fontRef>
+        </p:style>
+      </p:cxnSp>
+      <p:cxnSp>
+        <p:nvCxnSpPr>
+          <p:cNvPr id="40" name="직선 화살표 연결선 39">
+            <a:extLst>
+              <a:ext uri="{FF2B5EF4-FFF2-40B4-BE49-F238E27FC236}">
+                <a16:creationId xmlns:a16="http://schemas.microsoft.com/office/drawing/2014/main" id="{4B3113FD-B88E-495F-B03F-4B68F987EE7D}"/>
+              </a:ext>
+            </a:extLst>
+          </p:cNvPr>
+          <p:cNvCxnSpPr>
+            <a:stCxn id="16" idx="0"/>
+            <a:endCxn id="10" idx="4"/>
+          </p:cNvCxnSpPr>
+          <p:nvPr/>
+        </p:nvCxnSpPr>
+        <p:spPr>
+          <a:xfrm flipV="1">
+            <a:off x="3198809" y="2174480"/>
+            <a:ext cx="566869" cy="1246381"/>
+          </a:xfrm>
+          <a:prstGeom prst="straightConnector1">
+            <a:avLst/>
+          </a:prstGeom>
+          <a:ln w="38100">
+            <a:solidFill>
+              <a:schemeClr val="accent4"/>
+            </a:solidFill>
+            <a:tailEnd type="triangle"/>
+          </a:ln>
+        </p:spPr>
+        <p:style>
+          <a:lnRef idx="1">
+            <a:schemeClr val="accent1"/>
+          </a:lnRef>
+          <a:fillRef idx="0">
+            <a:schemeClr val="accent1"/>
+          </a:fillRef>
+          <a:effectRef idx="0">
+            <a:schemeClr val="accent1"/>
+          </a:effectRef>
+          <a:fontRef idx="minor">
+            <a:schemeClr val="tx1"/>
+          </a:fontRef>
+        </p:style>
+      </p:cxnSp>
+      <p:cxnSp>
+        <p:nvCxnSpPr>
+          <p:cNvPr id="42" name="직선 화살표 연결선 41">
+            <a:extLst>
+              <a:ext uri="{FF2B5EF4-FFF2-40B4-BE49-F238E27FC236}">
+                <a16:creationId xmlns:a16="http://schemas.microsoft.com/office/drawing/2014/main" id="{C2F7EA43-0BDE-4728-9DC0-0819989F4340}"/>
+              </a:ext>
+            </a:extLst>
+          </p:cNvPr>
+          <p:cNvCxnSpPr>
+            <a:stCxn id="16" idx="0"/>
+            <a:endCxn id="11" idx="4"/>
+          </p:cNvCxnSpPr>
+          <p:nvPr/>
+        </p:nvCxnSpPr>
+        <p:spPr>
+          <a:xfrm flipV="1">
+            <a:off x="3198809" y="2174480"/>
+            <a:ext cx="1585433" cy="1246381"/>
+          </a:xfrm>
+          <a:prstGeom prst="straightConnector1">
+            <a:avLst/>
+          </a:prstGeom>
+          <a:ln w="38100">
+            <a:solidFill>
+              <a:schemeClr val="accent4"/>
+            </a:solidFill>
+            <a:tailEnd type="triangle"/>
+          </a:ln>
+        </p:spPr>
+        <p:style>
+          <a:lnRef idx="1">
+            <a:schemeClr val="accent1"/>
+          </a:lnRef>
+          <a:fillRef idx="0">
+            <a:schemeClr val="accent1"/>
+          </a:fillRef>
+          <a:effectRef idx="0">
+            <a:schemeClr val="accent1"/>
+          </a:effectRef>
+          <a:fontRef idx="minor">
+            <a:schemeClr val="tx1"/>
+          </a:fontRef>
+        </p:style>
+      </p:cxnSp>
+      <p:cxnSp>
+        <p:nvCxnSpPr>
+          <p:cNvPr id="44" name="직선 화살표 연결선 43">
+            <a:extLst>
+              <a:ext uri="{FF2B5EF4-FFF2-40B4-BE49-F238E27FC236}">
+                <a16:creationId xmlns:a16="http://schemas.microsoft.com/office/drawing/2014/main" id="{51E10913-C401-4231-885D-0F2605D4DD7A}"/>
+              </a:ext>
+            </a:extLst>
+          </p:cNvPr>
+          <p:cNvCxnSpPr>
+            <a:stCxn id="17" idx="0"/>
+            <a:endCxn id="8" idx="4"/>
+          </p:cNvCxnSpPr>
+          <p:nvPr/>
+        </p:nvCxnSpPr>
+        <p:spPr>
+          <a:xfrm flipH="1" flipV="1">
+            <a:off x="1728552" y="2174480"/>
+            <a:ext cx="2600761" cy="1246381"/>
+          </a:xfrm>
+          <a:prstGeom prst="straightConnector1">
+            <a:avLst/>
+          </a:prstGeom>
+          <a:ln w="28575">
+            <a:solidFill>
+              <a:schemeClr val="accent4"/>
+            </a:solidFill>
+            <a:tailEnd type="triangle"/>
+          </a:ln>
+        </p:spPr>
+        <p:style>
+          <a:lnRef idx="1">
+            <a:schemeClr val="accent1"/>
+          </a:lnRef>
+          <a:fillRef idx="0">
+            <a:schemeClr val="accent1"/>
+          </a:fillRef>
+          <a:effectRef idx="0">
+            <a:schemeClr val="accent1"/>
+          </a:effectRef>
+          <a:fontRef idx="minor">
+            <a:schemeClr val="tx1"/>
+          </a:fontRef>
+        </p:style>
+      </p:cxnSp>
+      <p:cxnSp>
+        <p:nvCxnSpPr>
+          <p:cNvPr id="46" name="직선 화살표 연결선 45">
+            <a:extLst>
+              <a:ext uri="{FF2B5EF4-FFF2-40B4-BE49-F238E27FC236}">
+                <a16:creationId xmlns:a16="http://schemas.microsoft.com/office/drawing/2014/main" id="{45D754E6-BE57-46D7-BFAC-93BB46FCAA91}"/>
+              </a:ext>
+            </a:extLst>
+          </p:cNvPr>
+          <p:cNvCxnSpPr>
+            <a:stCxn id="17" idx="0"/>
+            <a:endCxn id="9" idx="4"/>
+          </p:cNvCxnSpPr>
+          <p:nvPr/>
+        </p:nvCxnSpPr>
+        <p:spPr>
+          <a:xfrm flipH="1" flipV="1">
+            <a:off x="2747115" y="2174480"/>
+            <a:ext cx="1582198" cy="1246381"/>
+          </a:xfrm>
+          <a:prstGeom prst="straightConnector1">
+            <a:avLst/>
+          </a:prstGeom>
+          <a:ln w="28575">
+            <a:solidFill>
+              <a:schemeClr val="accent4"/>
+            </a:solidFill>
+            <a:tailEnd type="triangle"/>
+          </a:ln>
+        </p:spPr>
+        <p:style>
+          <a:lnRef idx="1">
+            <a:schemeClr val="accent1"/>
+          </a:lnRef>
+          <a:fillRef idx="0">
+            <a:schemeClr val="accent1"/>
+          </a:fillRef>
+          <a:effectRef idx="0">
+            <a:schemeClr val="accent1"/>
+          </a:effectRef>
+          <a:fontRef idx="minor">
+            <a:schemeClr val="tx1"/>
+          </a:fontRef>
+        </p:style>
+      </p:cxnSp>
+      <p:cxnSp>
+        <p:nvCxnSpPr>
+          <p:cNvPr id="48" name="직선 화살표 연결선 47">
+            <a:extLst>
+              <a:ext uri="{FF2B5EF4-FFF2-40B4-BE49-F238E27FC236}">
+                <a16:creationId xmlns:a16="http://schemas.microsoft.com/office/drawing/2014/main" id="{03C0FCC2-9D7C-4D7A-9151-5D680F3DD842}"/>
+              </a:ext>
+            </a:extLst>
+          </p:cNvPr>
+          <p:cNvCxnSpPr>
+            <a:stCxn id="17" idx="0"/>
+            <a:endCxn id="10" idx="4"/>
+          </p:cNvCxnSpPr>
+          <p:nvPr/>
+        </p:nvCxnSpPr>
+        <p:spPr>
+          <a:xfrm flipH="1" flipV="1">
+            <a:off x="3765678" y="2174480"/>
+            <a:ext cx="563635" cy="1246381"/>
+          </a:xfrm>
+          <a:prstGeom prst="straightConnector1">
+            <a:avLst/>
+          </a:prstGeom>
+          <a:ln w="28575">
+            <a:solidFill>
+              <a:schemeClr val="accent4"/>
+            </a:solidFill>
+            <a:tailEnd type="triangle"/>
+          </a:ln>
+        </p:spPr>
+        <p:style>
+          <a:lnRef idx="1">
+            <a:schemeClr val="accent1"/>
+          </a:lnRef>
+          <a:fillRef idx="0">
+            <a:schemeClr val="accent1"/>
+          </a:fillRef>
+          <a:effectRef idx="0">
+            <a:schemeClr val="accent1"/>
+          </a:effectRef>
+          <a:fontRef idx="minor">
+            <a:schemeClr val="tx1"/>
+          </a:fontRef>
+        </p:style>
+      </p:cxnSp>
+      <p:cxnSp>
+        <p:nvCxnSpPr>
+          <p:cNvPr id="50" name="직선 화살표 연결선 49">
+            <a:extLst>
+              <a:ext uri="{FF2B5EF4-FFF2-40B4-BE49-F238E27FC236}">
+                <a16:creationId xmlns:a16="http://schemas.microsoft.com/office/drawing/2014/main" id="{57B059A0-BE9B-48C3-99A4-A0C23233377E}"/>
+              </a:ext>
+            </a:extLst>
+          </p:cNvPr>
+          <p:cNvCxnSpPr>
+            <a:stCxn id="17" idx="0"/>
+            <a:endCxn id="11" idx="4"/>
+          </p:cNvCxnSpPr>
+          <p:nvPr/>
+        </p:nvCxnSpPr>
+        <p:spPr>
+          <a:xfrm flipV="1">
+            <a:off x="4329313" y="2174480"/>
+            <a:ext cx="454929" cy="1246381"/>
+          </a:xfrm>
+          <a:prstGeom prst="straightConnector1">
+            <a:avLst/>
+          </a:prstGeom>
+          <a:ln w="28575">
+            <a:solidFill>
+              <a:schemeClr val="accent4"/>
+            </a:solidFill>
+            <a:tailEnd type="triangle"/>
+          </a:ln>
+        </p:spPr>
+        <p:style>
+          <a:lnRef idx="1">
+            <a:schemeClr val="accent1"/>
+          </a:lnRef>
+          <a:fillRef idx="0">
+            <a:schemeClr val="accent1"/>
+          </a:fillRef>
+          <a:effectRef idx="0">
+            <a:schemeClr val="accent1"/>
+          </a:effectRef>
+          <a:fontRef idx="minor">
+            <a:schemeClr val="tx1"/>
+          </a:fontRef>
+        </p:style>
+      </p:cxnSp>
+      <p:cxnSp>
+        <p:nvCxnSpPr>
+          <p:cNvPr id="25" name="직선 화살표 연결선 24">
+            <a:extLst>
+              <a:ext uri="{FF2B5EF4-FFF2-40B4-BE49-F238E27FC236}">
+                <a16:creationId xmlns:a16="http://schemas.microsoft.com/office/drawing/2014/main" id="{3D0FA0AB-9D0A-439A-954C-633542A02FA3}"/>
+              </a:ext>
+            </a:extLst>
+          </p:cNvPr>
+          <p:cNvCxnSpPr>
+            <a:stCxn id="15" idx="0"/>
+            <a:endCxn id="8" idx="4"/>
+          </p:cNvCxnSpPr>
+          <p:nvPr/>
+        </p:nvCxnSpPr>
+        <p:spPr>
+          <a:xfrm flipH="1" flipV="1">
+            <a:off x="1728552" y="2174480"/>
+            <a:ext cx="339754" cy="1246381"/>
+          </a:xfrm>
+          <a:prstGeom prst="straightConnector1">
+            <a:avLst/>
+          </a:prstGeom>
+          <a:ln w="38100">
+            <a:solidFill>
+              <a:srgbClr val="FF0000"/>
+            </a:solidFill>
+            <a:tailEnd type="triangle"/>
+          </a:ln>
+        </p:spPr>
+        <p:style>
+          <a:lnRef idx="1">
+            <a:schemeClr val="accent1"/>
+          </a:lnRef>
+          <a:fillRef idx="0">
+            <a:schemeClr val="accent1"/>
+          </a:fillRef>
+          <a:effectRef idx="0">
+            <a:schemeClr val="accent1"/>
+          </a:effectRef>
+          <a:fontRef idx="minor">
+            <a:schemeClr val="tx1"/>
+          </a:fontRef>
+        </p:style>
+      </p:cxnSp>
+      <p:cxnSp>
+        <p:nvCxnSpPr>
+          <p:cNvPr id="27" name="직선 화살표 연결선 26">
+            <a:extLst>
+              <a:ext uri="{FF2B5EF4-FFF2-40B4-BE49-F238E27FC236}">
+                <a16:creationId xmlns:a16="http://schemas.microsoft.com/office/drawing/2014/main" id="{35C5980E-9DFF-45A1-AD35-7C3D18BF89AC}"/>
+              </a:ext>
+            </a:extLst>
+          </p:cNvPr>
+          <p:cNvCxnSpPr>
+            <a:stCxn id="15" idx="0"/>
+            <a:endCxn id="9" idx="4"/>
+          </p:cNvCxnSpPr>
+          <p:nvPr/>
+        </p:nvCxnSpPr>
+        <p:spPr>
+          <a:xfrm flipV="1">
+            <a:off x="2068306" y="2174480"/>
+            <a:ext cx="678809" cy="1246381"/>
+          </a:xfrm>
+          <a:prstGeom prst="straightConnector1">
+            <a:avLst/>
+          </a:prstGeom>
+          <a:ln w="38100">
+            <a:solidFill>
+              <a:srgbClr val="FF0000"/>
+            </a:solidFill>
+            <a:tailEnd type="triangle"/>
+          </a:ln>
+        </p:spPr>
+        <p:style>
+          <a:lnRef idx="1">
+            <a:schemeClr val="accent1"/>
+          </a:lnRef>
+          <a:fillRef idx="0">
+            <a:schemeClr val="accent1"/>
+          </a:fillRef>
+          <a:effectRef idx="0">
+            <a:schemeClr val="accent1"/>
+          </a:effectRef>
+          <a:fontRef idx="minor">
+            <a:schemeClr val="tx1"/>
+          </a:fontRef>
+        </p:style>
+      </p:cxnSp>
+      <p:cxnSp>
+        <p:nvCxnSpPr>
+          <p:cNvPr id="29" name="직선 화살표 연결선 28">
+            <a:extLst>
+              <a:ext uri="{FF2B5EF4-FFF2-40B4-BE49-F238E27FC236}">
+                <a16:creationId xmlns:a16="http://schemas.microsoft.com/office/drawing/2014/main" id="{75ADD8B4-CCE5-471E-A731-E4DBD53EA71A}"/>
+              </a:ext>
+            </a:extLst>
+          </p:cNvPr>
+          <p:cNvCxnSpPr>
+            <a:cxnSpLocks/>
+            <a:stCxn id="15" idx="0"/>
+            <a:endCxn id="10" idx="4"/>
+          </p:cNvCxnSpPr>
+          <p:nvPr/>
+        </p:nvCxnSpPr>
+        <p:spPr>
+          <a:xfrm flipV="1">
+            <a:off x="2068306" y="2174480"/>
+            <a:ext cx="1697372" cy="1246381"/>
+          </a:xfrm>
+          <a:prstGeom prst="straightConnector1">
+            <a:avLst/>
+          </a:prstGeom>
+          <a:ln w="38100">
+            <a:solidFill>
+              <a:srgbClr val="FF0000"/>
+            </a:solidFill>
+            <a:tailEnd type="triangle"/>
+          </a:ln>
+        </p:spPr>
+        <p:style>
+          <a:lnRef idx="1">
+            <a:schemeClr val="accent1"/>
+          </a:lnRef>
+          <a:fillRef idx="0">
+            <a:schemeClr val="accent1"/>
+          </a:fillRef>
+          <a:effectRef idx="0">
+            <a:schemeClr val="accent1"/>
+          </a:effectRef>
+          <a:fontRef idx="minor">
+            <a:schemeClr val="tx1"/>
+          </a:fontRef>
+        </p:style>
+      </p:cxnSp>
+      <p:cxnSp>
+        <p:nvCxnSpPr>
+          <p:cNvPr id="32" name="직선 화살표 연결선 31">
+            <a:extLst>
+              <a:ext uri="{FF2B5EF4-FFF2-40B4-BE49-F238E27FC236}">
+                <a16:creationId xmlns:a16="http://schemas.microsoft.com/office/drawing/2014/main" id="{4764F30C-9E64-4E98-874A-626C1E35A21B}"/>
+              </a:ext>
+            </a:extLst>
+          </p:cNvPr>
+          <p:cNvCxnSpPr>
+            <a:cxnSpLocks/>
+            <a:stCxn id="15" idx="0"/>
+            <a:endCxn id="11" idx="4"/>
+          </p:cNvCxnSpPr>
+          <p:nvPr/>
+        </p:nvCxnSpPr>
+        <p:spPr>
+          <a:xfrm flipV="1">
+            <a:off x="2068306" y="2174480"/>
+            <a:ext cx="2715936" cy="1246381"/>
+          </a:xfrm>
+          <a:prstGeom prst="straightConnector1">
+            <a:avLst/>
+          </a:prstGeom>
+          <a:ln w="38100">
+            <a:solidFill>
+              <a:srgbClr val="FF0000"/>
+            </a:solidFill>
+            <a:tailEnd type="triangle"/>
+          </a:ln>
+        </p:spPr>
+        <p:style>
+          <a:lnRef idx="1">
+            <a:schemeClr val="accent1"/>
+          </a:lnRef>
+          <a:fillRef idx="0">
+            <a:schemeClr val="accent1"/>
+          </a:fillRef>
+          <a:effectRef idx="0">
+            <a:schemeClr val="accent1"/>
+          </a:effectRef>
+          <a:fontRef idx="minor">
+            <a:schemeClr val="tx1"/>
+          </a:fontRef>
+        </p:style>
+      </p:cxnSp>
+      <p:sp>
+        <p:nvSpPr>
+          <p:cNvPr id="51" name="타원 50">
+            <a:extLst>
+              <a:ext uri="{FF2B5EF4-FFF2-40B4-BE49-F238E27FC236}">
+                <a16:creationId xmlns:a16="http://schemas.microsoft.com/office/drawing/2014/main" id="{55CF92B2-3003-4B95-A37C-9F66D17D6FCF}"/>
+              </a:ext>
+            </a:extLst>
+          </p:cNvPr>
+          <p:cNvSpPr/>
+          <p:nvPr/>
+        </p:nvSpPr>
+        <p:spPr>
+          <a:xfrm>
+            <a:off x="7532303" y="1494971"/>
+            <a:ext cx="679509" cy="679509"/>
+          </a:xfrm>
+          <a:prstGeom prst="ellipse">
+            <a:avLst/>
+          </a:prstGeom>
+          <a:noFill/>
+          <a:ln>
+            <a:solidFill>
+              <a:schemeClr val="tx1"/>
+            </a:solidFill>
+          </a:ln>
+        </p:spPr>
+        <p:style>
+          <a:lnRef idx="2">
+            <a:schemeClr val="accent1">
+              <a:shade val="50000"/>
+            </a:schemeClr>
+          </a:lnRef>
+          <a:fillRef idx="1">
+            <a:schemeClr val="accent1"/>
+          </a:fillRef>
+          <a:effectRef idx="0">
+            <a:schemeClr val="accent1"/>
+          </a:effectRef>
+          <a:fontRef idx="minor">
+            <a:schemeClr val="lt1"/>
+          </a:fontRef>
+        </p:style>
+        <p:txBody>
+          <a:bodyPr rtlCol="0" anchor="ctr"/>
+          <a:lstStyle/>
+          <a:p>
+            <a:pPr algn="ctr"/>
+            <a:endParaRPr lang="ko-KR" altLang="en-US"/>
+          </a:p>
+        </p:txBody>
+      </p:sp>
+      <p:sp>
+        <p:nvSpPr>
+          <p:cNvPr id="52" name="타원 51">
+            <a:extLst>
+              <a:ext uri="{FF2B5EF4-FFF2-40B4-BE49-F238E27FC236}">
+                <a16:creationId xmlns:a16="http://schemas.microsoft.com/office/drawing/2014/main" id="{25789C46-4166-40F2-909A-3B4BDB2A7380}"/>
+              </a:ext>
+            </a:extLst>
+          </p:cNvPr>
+          <p:cNvSpPr/>
+          <p:nvPr/>
+        </p:nvSpPr>
+        <p:spPr>
+          <a:xfrm>
+            <a:off x="8550866" y="1494971"/>
+            <a:ext cx="679509" cy="679509"/>
+          </a:xfrm>
+          <a:prstGeom prst="ellipse">
+            <a:avLst/>
+          </a:prstGeom>
+          <a:noFill/>
+          <a:ln>
+            <a:solidFill>
+              <a:schemeClr val="tx1"/>
+            </a:solidFill>
+          </a:ln>
+        </p:spPr>
+        <p:style>
+          <a:lnRef idx="2">
+            <a:schemeClr val="accent1">
+              <a:shade val="50000"/>
+            </a:schemeClr>
+          </a:lnRef>
+          <a:fillRef idx="1">
+            <a:schemeClr val="accent1"/>
+          </a:fillRef>
+          <a:effectRef idx="0">
+            <a:schemeClr val="accent1"/>
+          </a:effectRef>
+          <a:fontRef idx="minor">
+            <a:schemeClr val="lt1"/>
+          </a:fontRef>
+        </p:style>
+        <p:txBody>
+          <a:bodyPr rtlCol="0" anchor="ctr"/>
+          <a:lstStyle/>
+          <a:p>
+            <a:pPr algn="ctr"/>
+            <a:endParaRPr lang="ko-KR" altLang="en-US"/>
+          </a:p>
+        </p:txBody>
+      </p:sp>
+      <p:sp>
+        <p:nvSpPr>
+          <p:cNvPr id="53" name="타원 52">
+            <a:extLst>
+              <a:ext uri="{FF2B5EF4-FFF2-40B4-BE49-F238E27FC236}">
+                <a16:creationId xmlns:a16="http://schemas.microsoft.com/office/drawing/2014/main" id="{DEC20875-17E6-47CD-9EE9-04AF3E6B8D2B}"/>
+              </a:ext>
+            </a:extLst>
+          </p:cNvPr>
+          <p:cNvSpPr/>
+          <p:nvPr/>
+        </p:nvSpPr>
+        <p:spPr>
+          <a:xfrm>
+            <a:off x="9569429" y="1494971"/>
+            <a:ext cx="679509" cy="679509"/>
+          </a:xfrm>
+          <a:prstGeom prst="ellipse">
+            <a:avLst/>
+          </a:prstGeom>
+          <a:noFill/>
+          <a:ln>
+            <a:solidFill>
+              <a:schemeClr val="tx1"/>
+            </a:solidFill>
+          </a:ln>
+        </p:spPr>
+        <p:style>
+          <a:lnRef idx="2">
+            <a:schemeClr val="accent1">
+              <a:shade val="50000"/>
+            </a:schemeClr>
+          </a:lnRef>
+          <a:fillRef idx="1">
+            <a:schemeClr val="accent1"/>
+          </a:fillRef>
+          <a:effectRef idx="0">
+            <a:schemeClr val="accent1"/>
+          </a:effectRef>
+          <a:fontRef idx="minor">
+            <a:schemeClr val="lt1"/>
+          </a:fontRef>
+        </p:style>
+        <p:txBody>
+          <a:bodyPr rtlCol="0" anchor="ctr"/>
+          <a:lstStyle/>
+          <a:p>
+            <a:pPr algn="ctr"/>
+            <a:endParaRPr lang="ko-KR" altLang="en-US"/>
+          </a:p>
+        </p:txBody>
+      </p:sp>
+      <p:sp>
+        <p:nvSpPr>
+          <p:cNvPr id="54" name="타원 53">
+            <a:extLst>
+              <a:ext uri="{FF2B5EF4-FFF2-40B4-BE49-F238E27FC236}">
+                <a16:creationId xmlns:a16="http://schemas.microsoft.com/office/drawing/2014/main" id="{E38B5DDF-70F3-405B-8C2D-6726DCABB7A2}"/>
+              </a:ext>
+            </a:extLst>
+          </p:cNvPr>
+          <p:cNvSpPr/>
+          <p:nvPr/>
+        </p:nvSpPr>
+        <p:spPr>
+          <a:xfrm>
+            <a:off x="10587993" y="1494971"/>
+            <a:ext cx="679509" cy="679509"/>
+          </a:xfrm>
+          <a:prstGeom prst="ellipse">
+            <a:avLst/>
+          </a:prstGeom>
+          <a:noFill/>
+          <a:ln>
+            <a:solidFill>
+              <a:schemeClr val="tx1"/>
+            </a:solidFill>
+          </a:ln>
+        </p:spPr>
+        <p:style>
+          <a:lnRef idx="2">
+            <a:schemeClr val="accent1">
+              <a:shade val="50000"/>
+            </a:schemeClr>
+          </a:lnRef>
+          <a:fillRef idx="1">
+            <a:schemeClr val="accent1"/>
+          </a:fillRef>
+          <a:effectRef idx="0">
+            <a:schemeClr val="accent1"/>
+          </a:effectRef>
+          <a:fontRef idx="minor">
+            <a:schemeClr val="lt1"/>
+          </a:fontRef>
+        </p:style>
+        <p:txBody>
+          <a:bodyPr rtlCol="0" anchor="ctr"/>
+          <a:lstStyle/>
+          <a:p>
+            <a:pPr algn="ctr"/>
+            <a:endParaRPr lang="ko-KR" altLang="en-US"/>
+          </a:p>
+        </p:txBody>
+      </p:sp>
+      <p:sp>
+        <p:nvSpPr>
+          <p:cNvPr id="55" name="타원 54">
+            <a:extLst>
+              <a:ext uri="{FF2B5EF4-FFF2-40B4-BE49-F238E27FC236}">
+                <a16:creationId xmlns:a16="http://schemas.microsoft.com/office/drawing/2014/main" id="{559BEA0F-447F-463E-8041-F2D946390DFA}"/>
+              </a:ext>
+            </a:extLst>
+          </p:cNvPr>
+          <p:cNvSpPr/>
+          <p:nvPr/>
+        </p:nvSpPr>
+        <p:spPr>
+          <a:xfrm>
+            <a:off x="7872057" y="3420861"/>
+            <a:ext cx="679509" cy="679509"/>
+          </a:xfrm>
+          <a:prstGeom prst="ellipse">
+            <a:avLst/>
+          </a:prstGeom>
+          <a:noFill/>
+          <a:ln>
+            <a:solidFill>
+              <a:schemeClr val="tx1"/>
+            </a:solidFill>
+          </a:ln>
+        </p:spPr>
+        <p:style>
+          <a:lnRef idx="2">
+            <a:schemeClr val="accent1">
+              <a:shade val="50000"/>
+            </a:schemeClr>
+          </a:lnRef>
+          <a:fillRef idx="1">
+            <a:schemeClr val="accent1"/>
+          </a:fillRef>
+          <a:effectRef idx="0">
+            <a:schemeClr val="accent1"/>
+          </a:effectRef>
+          <a:fontRef idx="minor">
+            <a:schemeClr val="lt1"/>
+          </a:fontRef>
+        </p:style>
+        <p:txBody>
+          <a:bodyPr rtlCol="0" anchor="ctr"/>
+          <a:lstStyle/>
+          <a:p>
+            <a:pPr algn="ctr"/>
+            <a:endParaRPr lang="ko-KR" altLang="en-US"/>
+          </a:p>
+        </p:txBody>
+      </p:sp>
+      <p:sp>
+        <p:nvSpPr>
+          <p:cNvPr id="56" name="타원 55">
+            <a:extLst>
+              <a:ext uri="{FF2B5EF4-FFF2-40B4-BE49-F238E27FC236}">
+                <a16:creationId xmlns:a16="http://schemas.microsoft.com/office/drawing/2014/main" id="{083E2E59-08D5-4B51-9E9A-9FB30AC4E907}"/>
+              </a:ext>
+            </a:extLst>
+          </p:cNvPr>
+          <p:cNvSpPr/>
+          <p:nvPr/>
+        </p:nvSpPr>
+        <p:spPr>
+          <a:xfrm>
+            <a:off x="9002560" y="3420861"/>
+            <a:ext cx="679509" cy="679509"/>
+          </a:xfrm>
+          <a:prstGeom prst="ellipse">
+            <a:avLst/>
+          </a:prstGeom>
+          <a:noFill/>
+          <a:ln>
+            <a:solidFill>
+              <a:schemeClr val="tx1"/>
+            </a:solidFill>
+          </a:ln>
+        </p:spPr>
+        <p:style>
+          <a:lnRef idx="2">
+            <a:schemeClr val="accent1">
+              <a:shade val="50000"/>
+            </a:schemeClr>
+          </a:lnRef>
+          <a:fillRef idx="1">
+            <a:schemeClr val="accent1"/>
+          </a:fillRef>
+          <a:effectRef idx="0">
+            <a:schemeClr val="accent1"/>
+          </a:effectRef>
+          <a:fontRef idx="minor">
+            <a:schemeClr val="lt1"/>
+          </a:fontRef>
+        </p:style>
+        <p:txBody>
+          <a:bodyPr rtlCol="0" anchor="ctr"/>
+          <a:lstStyle/>
+          <a:p>
+            <a:pPr algn="ctr"/>
+            <a:endParaRPr lang="ko-KR" altLang="en-US"/>
+          </a:p>
+        </p:txBody>
+      </p:sp>
+      <p:sp>
+        <p:nvSpPr>
+          <p:cNvPr id="57" name="타원 56">
+            <a:extLst>
+              <a:ext uri="{FF2B5EF4-FFF2-40B4-BE49-F238E27FC236}">
+                <a16:creationId xmlns:a16="http://schemas.microsoft.com/office/drawing/2014/main" id="{44FD43DC-A21B-4132-AF4B-680B18D8ED46}"/>
+              </a:ext>
+            </a:extLst>
+          </p:cNvPr>
+          <p:cNvSpPr/>
+          <p:nvPr/>
+        </p:nvSpPr>
+        <p:spPr>
+          <a:xfrm>
+            <a:off x="10133064" y="3420861"/>
+            <a:ext cx="679509" cy="679509"/>
+          </a:xfrm>
+          <a:prstGeom prst="ellipse">
+            <a:avLst/>
+          </a:prstGeom>
+          <a:noFill/>
+          <a:ln>
+            <a:solidFill>
+              <a:schemeClr val="tx1"/>
+            </a:solidFill>
+          </a:ln>
+        </p:spPr>
+        <p:style>
+          <a:lnRef idx="2">
+            <a:schemeClr val="accent1">
+              <a:shade val="50000"/>
+            </a:schemeClr>
+          </a:lnRef>
+          <a:fillRef idx="1">
+            <a:schemeClr val="accent1"/>
+          </a:fillRef>
+          <a:effectRef idx="0">
+            <a:schemeClr val="accent1"/>
+          </a:effectRef>
+          <a:fontRef idx="minor">
+            <a:schemeClr val="lt1"/>
+          </a:fontRef>
+        </p:style>
+        <p:txBody>
+          <a:bodyPr rtlCol="0" anchor="ctr"/>
+          <a:lstStyle/>
+          <a:p>
+            <a:pPr algn="ctr"/>
+            <a:endParaRPr lang="ko-KR" altLang="en-US"/>
+          </a:p>
+        </p:txBody>
+      </p:sp>
+      <p:sp>
+        <p:nvSpPr>
+          <p:cNvPr id="58" name="TextBox 57">
+            <a:extLst>
+              <a:ext uri="{FF2B5EF4-FFF2-40B4-BE49-F238E27FC236}">
+                <a16:creationId xmlns:a16="http://schemas.microsoft.com/office/drawing/2014/main" id="{299ECB3C-EB27-403F-B3BA-E9D81E79E2E5}"/>
+              </a:ext>
+            </a:extLst>
+          </p:cNvPr>
+          <p:cNvSpPr txBox="1"/>
+          <p:nvPr/>
+        </p:nvSpPr>
+        <p:spPr>
+          <a:xfrm>
+            <a:off x="6848535" y="1573114"/>
+            <a:ext cx="429652" cy="523220"/>
+          </a:xfrm>
+          <a:prstGeom prst="rect">
+            <a:avLst/>
+          </a:prstGeom>
+          <a:noFill/>
+        </p:spPr>
+        <p:txBody>
+          <a:bodyPr wrap="square" rtlCol="0">
+            <a:spAutoFit/>
+          </a:bodyPr>
+          <a:lstStyle/>
+          <a:p>
+            <a:r>
+              <a:rPr lang="en-US" altLang="ko-KR" sz="2800" dirty="0"/>
+              <a:t>h</a:t>
+            </a:r>
+            <a:endParaRPr lang="ko-KR" altLang="en-US" sz="2800" dirty="0"/>
+          </a:p>
+        </p:txBody>
+      </p:sp>
+      <p:sp>
+        <p:nvSpPr>
+          <p:cNvPr id="59" name="TextBox 58">
+            <a:extLst>
+              <a:ext uri="{FF2B5EF4-FFF2-40B4-BE49-F238E27FC236}">
+                <a16:creationId xmlns:a16="http://schemas.microsoft.com/office/drawing/2014/main" id="{1896B397-BE21-4709-A484-68FDC64E1316}"/>
+              </a:ext>
+            </a:extLst>
+          </p:cNvPr>
+          <p:cNvSpPr txBox="1"/>
+          <p:nvPr/>
+        </p:nvSpPr>
+        <p:spPr>
+          <a:xfrm>
+            <a:off x="7344813" y="3507394"/>
+            <a:ext cx="346570" cy="523220"/>
+          </a:xfrm>
+          <a:prstGeom prst="rect">
+            <a:avLst/>
+          </a:prstGeom>
+          <a:noFill/>
+        </p:spPr>
+        <p:txBody>
+          <a:bodyPr wrap="none" rtlCol="0">
+            <a:spAutoFit/>
+          </a:bodyPr>
+          <a:lstStyle/>
+          <a:p>
+            <a:r>
+              <a:rPr lang="en-US" altLang="ko-KR" sz="2800" dirty="0"/>
+              <a:t>v</a:t>
+            </a:r>
+            <a:endParaRPr lang="ko-KR" altLang="en-US" sz="2800" dirty="0"/>
+          </a:p>
+        </p:txBody>
+      </p:sp>
+      <p:cxnSp>
+        <p:nvCxnSpPr>
+          <p:cNvPr id="60" name="직선 화살표 연결선 59">
+            <a:extLst>
+              <a:ext uri="{FF2B5EF4-FFF2-40B4-BE49-F238E27FC236}">
+                <a16:creationId xmlns:a16="http://schemas.microsoft.com/office/drawing/2014/main" id="{40F68FCF-4639-4007-AE33-24D2795412F2}"/>
+              </a:ext>
+            </a:extLst>
+          </p:cNvPr>
+          <p:cNvCxnSpPr>
+            <a:cxnSpLocks/>
+            <a:endCxn id="51" idx="4"/>
+          </p:cNvCxnSpPr>
+          <p:nvPr/>
+        </p:nvCxnSpPr>
+        <p:spPr>
+          <a:xfrm flipH="1" flipV="1">
+            <a:off x="7872058" y="2174480"/>
+            <a:ext cx="1308562" cy="1246381"/>
+          </a:xfrm>
+          <a:prstGeom prst="straightConnector1">
+            <a:avLst/>
+          </a:prstGeom>
+          <a:ln w="38100">
+            <a:solidFill>
+              <a:schemeClr val="accent6"/>
+            </a:solidFill>
+            <a:headEnd type="triangle" w="med" len="med"/>
+            <a:tailEnd type="none" w="med" len="med"/>
+          </a:ln>
+        </p:spPr>
+        <p:style>
+          <a:lnRef idx="1">
+            <a:schemeClr val="accent1"/>
+          </a:lnRef>
+          <a:fillRef idx="0">
+            <a:schemeClr val="accent1"/>
+          </a:fillRef>
+          <a:effectRef idx="0">
+            <a:schemeClr val="accent1"/>
+          </a:effectRef>
+          <a:fontRef idx="minor">
+            <a:schemeClr val="tx1"/>
+          </a:fontRef>
+        </p:style>
+      </p:cxnSp>
+      <p:cxnSp>
+        <p:nvCxnSpPr>
+          <p:cNvPr id="61" name="직선 화살표 연결선 60">
+            <a:extLst>
+              <a:ext uri="{FF2B5EF4-FFF2-40B4-BE49-F238E27FC236}">
+                <a16:creationId xmlns:a16="http://schemas.microsoft.com/office/drawing/2014/main" id="{44C8DB64-BC20-41E0-9A0D-81B12785E27B}"/>
+              </a:ext>
+            </a:extLst>
+          </p:cNvPr>
+          <p:cNvCxnSpPr>
+            <a:cxnSpLocks/>
+            <a:endCxn id="52" idx="4"/>
+          </p:cNvCxnSpPr>
+          <p:nvPr/>
+        </p:nvCxnSpPr>
+        <p:spPr>
+          <a:xfrm flipH="1" flipV="1">
+            <a:off x="8890621" y="2174480"/>
+            <a:ext cx="388810" cy="1199112"/>
+          </a:xfrm>
+          <a:prstGeom prst="straightConnector1">
+            <a:avLst/>
+          </a:prstGeom>
+          <a:ln w="28575">
+            <a:solidFill>
+              <a:schemeClr val="accent5">
+                <a:lumMod val="40000"/>
+                <a:lumOff val="60000"/>
+              </a:schemeClr>
+            </a:solidFill>
+            <a:headEnd type="triangle" w="med" len="med"/>
+            <a:tailEnd type="none" w="med" len="med"/>
+          </a:ln>
+        </p:spPr>
+        <p:style>
+          <a:lnRef idx="1">
+            <a:schemeClr val="accent1"/>
+          </a:lnRef>
+          <a:fillRef idx="0">
+            <a:schemeClr val="accent1"/>
+          </a:fillRef>
+          <a:effectRef idx="0">
+            <a:schemeClr val="accent1"/>
+          </a:effectRef>
+          <a:fontRef idx="minor">
+            <a:schemeClr val="tx1"/>
+          </a:fontRef>
+        </p:style>
+      </p:cxnSp>
+      <p:cxnSp>
+        <p:nvCxnSpPr>
+          <p:cNvPr id="62" name="직선 화살표 연결선 61">
+            <a:extLst>
+              <a:ext uri="{FF2B5EF4-FFF2-40B4-BE49-F238E27FC236}">
+                <a16:creationId xmlns:a16="http://schemas.microsoft.com/office/drawing/2014/main" id="{EC45E839-076A-4BC8-9865-EED70428039A}"/>
+              </a:ext>
+            </a:extLst>
+          </p:cNvPr>
+          <p:cNvCxnSpPr>
+            <a:cxnSpLocks/>
+            <a:endCxn id="53" idx="4"/>
+          </p:cNvCxnSpPr>
+          <p:nvPr/>
+        </p:nvCxnSpPr>
+        <p:spPr>
+          <a:xfrm flipV="1">
+            <a:off x="9404500" y="2174480"/>
+            <a:ext cx="504684" cy="1199112"/>
+          </a:xfrm>
+          <a:prstGeom prst="straightConnector1">
+            <a:avLst/>
+          </a:prstGeom>
+          <a:ln w="28575">
+            <a:solidFill>
+              <a:schemeClr val="accent5">
+                <a:lumMod val="40000"/>
+                <a:lumOff val="60000"/>
+              </a:schemeClr>
+            </a:solidFill>
+            <a:headEnd type="triangle" w="med" len="med"/>
+            <a:tailEnd type="none" w="med" len="med"/>
+          </a:ln>
+        </p:spPr>
+        <p:style>
+          <a:lnRef idx="1">
+            <a:schemeClr val="accent1"/>
+          </a:lnRef>
+          <a:fillRef idx="0">
+            <a:schemeClr val="accent1"/>
+          </a:fillRef>
+          <a:effectRef idx="0">
+            <a:schemeClr val="accent1"/>
+          </a:effectRef>
+          <a:fontRef idx="minor">
+            <a:schemeClr val="tx1"/>
+          </a:fontRef>
+        </p:style>
+      </p:cxnSp>
+      <p:cxnSp>
+        <p:nvCxnSpPr>
+          <p:cNvPr id="63" name="직선 화살표 연결선 62">
+            <a:extLst>
+              <a:ext uri="{FF2B5EF4-FFF2-40B4-BE49-F238E27FC236}">
+                <a16:creationId xmlns:a16="http://schemas.microsoft.com/office/drawing/2014/main" id="{B4478FBF-58B7-413E-A7AB-AB6DEB14F9F3}"/>
+              </a:ext>
+            </a:extLst>
+          </p:cNvPr>
+          <p:cNvCxnSpPr>
+            <a:cxnSpLocks/>
+            <a:endCxn id="54" idx="4"/>
+          </p:cNvCxnSpPr>
+          <p:nvPr/>
+        </p:nvCxnSpPr>
+        <p:spPr>
+          <a:xfrm flipV="1">
+            <a:off x="9519674" y="2174480"/>
+            <a:ext cx="1408074" cy="1246381"/>
+          </a:xfrm>
+          <a:prstGeom prst="straightConnector1">
+            <a:avLst/>
+          </a:prstGeom>
+          <a:ln w="28575">
+            <a:solidFill>
+              <a:schemeClr val="accent5">
+                <a:lumMod val="40000"/>
+                <a:lumOff val="60000"/>
+              </a:schemeClr>
+            </a:solidFill>
+            <a:headEnd type="triangle" w="med" len="med"/>
+            <a:tailEnd type="none" w="med" len="med"/>
+          </a:ln>
+        </p:spPr>
+        <p:style>
+          <a:lnRef idx="1">
+            <a:schemeClr val="accent1"/>
+          </a:lnRef>
+          <a:fillRef idx="0">
+            <a:schemeClr val="accent1"/>
+          </a:fillRef>
+          <a:effectRef idx="0">
+            <a:schemeClr val="accent1"/>
+          </a:effectRef>
+          <a:fontRef idx="minor">
+            <a:schemeClr val="tx1"/>
+          </a:fontRef>
+        </p:style>
+      </p:cxnSp>
+      <p:cxnSp>
+        <p:nvCxnSpPr>
+          <p:cNvPr id="64" name="직선 화살표 연결선 63">
+            <a:extLst>
+              <a:ext uri="{FF2B5EF4-FFF2-40B4-BE49-F238E27FC236}">
+                <a16:creationId xmlns:a16="http://schemas.microsoft.com/office/drawing/2014/main" id="{6A8DB242-9214-4B14-AC1B-58EA04F4468E}"/>
+              </a:ext>
+            </a:extLst>
+          </p:cNvPr>
+          <p:cNvCxnSpPr>
+            <a:cxnSpLocks/>
+            <a:endCxn id="51" idx="4"/>
+          </p:cNvCxnSpPr>
+          <p:nvPr/>
+        </p:nvCxnSpPr>
+        <p:spPr>
+          <a:xfrm flipH="1" flipV="1">
+            <a:off x="7872058" y="2174480"/>
+            <a:ext cx="2455186" cy="1246381"/>
+          </a:xfrm>
+          <a:prstGeom prst="straightConnector1">
+            <a:avLst/>
+          </a:prstGeom>
+          <a:ln w="38100">
+            <a:solidFill>
+              <a:schemeClr val="accent6"/>
+            </a:solidFill>
+            <a:headEnd type="triangle" w="med" len="med"/>
+            <a:tailEnd type="none" w="med" len="med"/>
+          </a:ln>
+        </p:spPr>
+        <p:style>
+          <a:lnRef idx="1">
+            <a:schemeClr val="accent1"/>
+          </a:lnRef>
+          <a:fillRef idx="0">
+            <a:schemeClr val="accent1"/>
+          </a:fillRef>
+          <a:effectRef idx="0">
+            <a:schemeClr val="accent1"/>
+          </a:effectRef>
+          <a:fontRef idx="minor">
+            <a:schemeClr val="tx1"/>
+          </a:fontRef>
+        </p:style>
+      </p:cxnSp>
+      <p:cxnSp>
+        <p:nvCxnSpPr>
+          <p:cNvPr id="65" name="직선 화살표 연결선 64">
+            <a:extLst>
+              <a:ext uri="{FF2B5EF4-FFF2-40B4-BE49-F238E27FC236}">
+                <a16:creationId xmlns:a16="http://schemas.microsoft.com/office/drawing/2014/main" id="{0815E55E-449A-4E70-84CA-5688ECDBC220}"/>
+              </a:ext>
+            </a:extLst>
+          </p:cNvPr>
+          <p:cNvCxnSpPr>
+            <a:cxnSpLocks/>
+            <a:endCxn id="52" idx="4"/>
+          </p:cNvCxnSpPr>
+          <p:nvPr/>
+        </p:nvCxnSpPr>
+        <p:spPr>
+          <a:xfrm flipH="1" flipV="1">
+            <a:off x="8890621" y="2174480"/>
+            <a:ext cx="1516633" cy="1199112"/>
+          </a:xfrm>
+          <a:prstGeom prst="straightConnector1">
+            <a:avLst/>
+          </a:prstGeom>
+          <a:ln w="28575">
+            <a:solidFill>
+              <a:schemeClr val="accent5">
+                <a:lumMod val="40000"/>
+                <a:lumOff val="60000"/>
+              </a:schemeClr>
+            </a:solidFill>
+            <a:headEnd type="triangle" w="med" len="med"/>
+            <a:tailEnd type="none" w="med" len="med"/>
+          </a:ln>
+        </p:spPr>
+        <p:style>
+          <a:lnRef idx="1">
+            <a:schemeClr val="accent1"/>
+          </a:lnRef>
+          <a:fillRef idx="0">
+            <a:schemeClr val="accent1"/>
+          </a:fillRef>
+          <a:effectRef idx="0">
+            <a:schemeClr val="accent1"/>
+          </a:effectRef>
+          <a:fontRef idx="minor">
+            <a:schemeClr val="tx1"/>
+          </a:fontRef>
+        </p:style>
+      </p:cxnSp>
+      <p:cxnSp>
+        <p:nvCxnSpPr>
+          <p:cNvPr id="66" name="직선 화살표 연결선 65">
+            <a:extLst>
+              <a:ext uri="{FF2B5EF4-FFF2-40B4-BE49-F238E27FC236}">
+                <a16:creationId xmlns:a16="http://schemas.microsoft.com/office/drawing/2014/main" id="{7C6BB657-A8B9-445A-993A-A43D2C480F1C}"/>
+              </a:ext>
+            </a:extLst>
+          </p:cNvPr>
+          <p:cNvCxnSpPr>
+            <a:cxnSpLocks/>
+            <a:endCxn id="53" idx="4"/>
+          </p:cNvCxnSpPr>
+          <p:nvPr/>
+        </p:nvCxnSpPr>
+        <p:spPr>
+          <a:xfrm flipH="1" flipV="1">
+            <a:off x="9909184" y="2174480"/>
+            <a:ext cx="579996" cy="1199112"/>
+          </a:xfrm>
+          <a:prstGeom prst="straightConnector1">
+            <a:avLst/>
+          </a:prstGeom>
+          <a:ln w="28575">
+            <a:solidFill>
+              <a:schemeClr val="accent5">
+                <a:lumMod val="40000"/>
+                <a:lumOff val="60000"/>
+              </a:schemeClr>
+            </a:solidFill>
+            <a:headEnd type="triangle" w="med" len="med"/>
+            <a:tailEnd type="none" w="med" len="med"/>
+          </a:ln>
+        </p:spPr>
+        <p:style>
+          <a:lnRef idx="1">
+            <a:schemeClr val="accent1"/>
+          </a:lnRef>
+          <a:fillRef idx="0">
+            <a:schemeClr val="accent1"/>
+          </a:fillRef>
+          <a:effectRef idx="0">
+            <a:schemeClr val="accent1"/>
+          </a:effectRef>
+          <a:fontRef idx="minor">
+            <a:schemeClr val="tx1"/>
+          </a:fontRef>
+        </p:style>
+      </p:cxnSp>
+      <p:cxnSp>
+        <p:nvCxnSpPr>
+          <p:cNvPr id="67" name="직선 화살표 연결선 66">
+            <a:extLst>
+              <a:ext uri="{FF2B5EF4-FFF2-40B4-BE49-F238E27FC236}">
+                <a16:creationId xmlns:a16="http://schemas.microsoft.com/office/drawing/2014/main" id="{1839876D-C0A5-4C64-A2D3-D8453419F0DE}"/>
+              </a:ext>
+            </a:extLst>
+          </p:cNvPr>
+          <p:cNvCxnSpPr>
+            <a:cxnSpLocks/>
+            <a:endCxn id="54" idx="4"/>
+          </p:cNvCxnSpPr>
+          <p:nvPr/>
+        </p:nvCxnSpPr>
+        <p:spPr>
+          <a:xfrm flipV="1">
+            <a:off x="10551124" y="2174480"/>
+            <a:ext cx="376624" cy="1212447"/>
+          </a:xfrm>
+          <a:prstGeom prst="straightConnector1">
+            <a:avLst/>
+          </a:prstGeom>
+          <a:ln w="28575">
+            <a:solidFill>
+              <a:schemeClr val="accent5">
+                <a:lumMod val="40000"/>
+                <a:lumOff val="60000"/>
+              </a:schemeClr>
+            </a:solidFill>
+            <a:headEnd type="triangle" w="med" len="med"/>
+            <a:tailEnd type="none" w="med" len="med"/>
+          </a:ln>
+        </p:spPr>
+        <p:style>
+          <a:lnRef idx="1">
+            <a:schemeClr val="accent1"/>
+          </a:lnRef>
+          <a:fillRef idx="0">
+            <a:schemeClr val="accent1"/>
+          </a:fillRef>
+          <a:effectRef idx="0">
+            <a:schemeClr val="accent1"/>
+          </a:effectRef>
+          <a:fontRef idx="minor">
+            <a:schemeClr val="tx1"/>
+          </a:fontRef>
+        </p:style>
+      </p:cxnSp>
+      <p:cxnSp>
+        <p:nvCxnSpPr>
+          <p:cNvPr id="68" name="직선 화살표 연결선 67">
+            <a:extLst>
+              <a:ext uri="{FF2B5EF4-FFF2-40B4-BE49-F238E27FC236}">
+                <a16:creationId xmlns:a16="http://schemas.microsoft.com/office/drawing/2014/main" id="{FD429C9B-9089-43F6-9C1A-0269CCABF236}"/>
+              </a:ext>
+            </a:extLst>
+          </p:cNvPr>
+          <p:cNvCxnSpPr>
+            <a:cxnSpLocks/>
+            <a:endCxn id="51" idx="4"/>
+          </p:cNvCxnSpPr>
+          <p:nvPr/>
+        </p:nvCxnSpPr>
+        <p:spPr>
+          <a:xfrm flipH="1" flipV="1">
+            <a:off x="7872058" y="2174480"/>
+            <a:ext cx="224230" cy="1246381"/>
+          </a:xfrm>
+          <a:prstGeom prst="straightConnector1">
+            <a:avLst/>
+          </a:prstGeom>
+          <a:ln w="38100">
+            <a:solidFill>
+              <a:schemeClr val="accent6"/>
+            </a:solidFill>
+            <a:headEnd type="triangle" w="med" len="med"/>
+            <a:tailEnd type="none" w="med" len="med"/>
+          </a:ln>
+        </p:spPr>
+        <p:style>
+          <a:lnRef idx="1">
+            <a:schemeClr val="accent1"/>
+          </a:lnRef>
+          <a:fillRef idx="0">
+            <a:schemeClr val="accent1"/>
+          </a:fillRef>
+          <a:effectRef idx="0">
+            <a:schemeClr val="accent1"/>
+          </a:effectRef>
+          <a:fontRef idx="minor">
+            <a:schemeClr val="tx1"/>
+          </a:fontRef>
+        </p:style>
+      </p:cxnSp>
+      <p:cxnSp>
+        <p:nvCxnSpPr>
+          <p:cNvPr id="69" name="직선 화살표 연결선 68">
+            <a:extLst>
+              <a:ext uri="{FF2B5EF4-FFF2-40B4-BE49-F238E27FC236}">
+                <a16:creationId xmlns:a16="http://schemas.microsoft.com/office/drawing/2014/main" id="{45DC3BA0-F3B4-4FCB-A53C-69392FED7F4E}"/>
+              </a:ext>
+            </a:extLst>
+          </p:cNvPr>
+          <p:cNvCxnSpPr>
+            <a:cxnSpLocks/>
+            <a:endCxn id="52" idx="4"/>
+          </p:cNvCxnSpPr>
+          <p:nvPr/>
+        </p:nvCxnSpPr>
+        <p:spPr>
+          <a:xfrm flipV="1">
+            <a:off x="8221357" y="2174480"/>
+            <a:ext cx="669264" cy="1199112"/>
+          </a:xfrm>
+          <a:prstGeom prst="straightConnector1">
+            <a:avLst/>
+          </a:prstGeom>
+          <a:ln w="28575">
+            <a:solidFill>
+              <a:schemeClr val="accent5">
+                <a:lumMod val="40000"/>
+                <a:lumOff val="60000"/>
+              </a:schemeClr>
+            </a:solidFill>
+            <a:headEnd type="triangle" w="med" len="med"/>
+            <a:tailEnd type="none" w="med" len="med"/>
+          </a:ln>
+        </p:spPr>
+        <p:style>
+          <a:lnRef idx="1">
+            <a:schemeClr val="accent1"/>
+          </a:lnRef>
+          <a:fillRef idx="0">
+            <a:schemeClr val="accent1"/>
+          </a:fillRef>
+          <a:effectRef idx="0">
+            <a:schemeClr val="accent1"/>
+          </a:effectRef>
+          <a:fontRef idx="minor">
+            <a:schemeClr val="tx1"/>
+          </a:fontRef>
+        </p:style>
+      </p:cxnSp>
+      <p:cxnSp>
+        <p:nvCxnSpPr>
+          <p:cNvPr id="70" name="직선 화살표 연결선 69">
+            <a:extLst>
+              <a:ext uri="{FF2B5EF4-FFF2-40B4-BE49-F238E27FC236}">
+                <a16:creationId xmlns:a16="http://schemas.microsoft.com/office/drawing/2014/main" id="{7974E787-7F94-49DF-B8C2-CF236F022205}"/>
+              </a:ext>
+            </a:extLst>
+          </p:cNvPr>
+          <p:cNvCxnSpPr>
+            <a:cxnSpLocks/>
+            <a:endCxn id="53" idx="4"/>
+          </p:cNvCxnSpPr>
+          <p:nvPr/>
+        </p:nvCxnSpPr>
+        <p:spPr>
+          <a:xfrm flipV="1">
+            <a:off x="8323752" y="2174480"/>
+            <a:ext cx="1585432" cy="1246381"/>
+          </a:xfrm>
+          <a:prstGeom prst="straightConnector1">
+            <a:avLst/>
+          </a:prstGeom>
+          <a:ln w="28575">
+            <a:solidFill>
+              <a:schemeClr val="accent5">
+                <a:lumMod val="40000"/>
+                <a:lumOff val="60000"/>
+              </a:schemeClr>
+            </a:solidFill>
+            <a:headEnd type="triangle" w="med" len="med"/>
+            <a:tailEnd type="none" w="med" len="med"/>
+          </a:ln>
+        </p:spPr>
+        <p:style>
+          <a:lnRef idx="1">
+            <a:schemeClr val="accent1"/>
+          </a:lnRef>
+          <a:fillRef idx="0">
+            <a:schemeClr val="accent1"/>
+          </a:fillRef>
+          <a:effectRef idx="0">
+            <a:schemeClr val="accent1"/>
+          </a:effectRef>
+          <a:fontRef idx="minor">
+            <a:schemeClr val="tx1"/>
+          </a:fontRef>
+        </p:style>
+      </p:cxnSp>
+      <p:cxnSp>
+        <p:nvCxnSpPr>
+          <p:cNvPr id="71" name="직선 화살표 연결선 70">
+            <a:extLst>
+              <a:ext uri="{FF2B5EF4-FFF2-40B4-BE49-F238E27FC236}">
+                <a16:creationId xmlns:a16="http://schemas.microsoft.com/office/drawing/2014/main" id="{9163B53F-B8C6-44A1-B39D-CBB70A902D24}"/>
+              </a:ext>
+            </a:extLst>
+          </p:cNvPr>
+          <p:cNvCxnSpPr>
+            <a:cxnSpLocks/>
+            <a:stCxn id="55" idx="7"/>
+            <a:endCxn id="54" idx="4"/>
+          </p:cNvCxnSpPr>
+          <p:nvPr/>
+        </p:nvCxnSpPr>
+        <p:spPr>
+          <a:xfrm flipV="1">
+            <a:off x="8452054" y="2174480"/>
+            <a:ext cx="2475694" cy="1345893"/>
+          </a:xfrm>
+          <a:prstGeom prst="straightConnector1">
+            <a:avLst/>
+          </a:prstGeom>
+          <a:ln w="28575">
+            <a:solidFill>
+              <a:schemeClr val="accent5">
+                <a:lumMod val="40000"/>
+                <a:lumOff val="60000"/>
+              </a:schemeClr>
+            </a:solidFill>
+            <a:headEnd type="triangle" w="med" len="med"/>
+            <a:tailEnd type="none" w="med" len="med"/>
+          </a:ln>
+        </p:spPr>
+        <p:style>
+          <a:lnRef idx="1">
+            <a:schemeClr val="accent1"/>
+          </a:lnRef>
+          <a:fillRef idx="0">
+            <a:schemeClr val="accent1"/>
+          </a:fillRef>
+          <a:effectRef idx="0">
+            <a:schemeClr val="accent1"/>
+          </a:effectRef>
+          <a:fontRef idx="minor">
+            <a:schemeClr val="tx1"/>
+          </a:fontRef>
+        </p:style>
+      </p:cxnSp>
+      <p:sp>
+        <p:nvSpPr>
+          <p:cNvPr id="100" name="직사각형 99">
+            <a:extLst>
+              <a:ext uri="{FF2B5EF4-FFF2-40B4-BE49-F238E27FC236}">
+                <a16:creationId xmlns:a16="http://schemas.microsoft.com/office/drawing/2014/main" id="{D4AEBDB9-BE0E-4A11-AB54-1A6CE0E19871}"/>
+              </a:ext>
+            </a:extLst>
+          </p:cNvPr>
+          <p:cNvSpPr/>
+          <p:nvPr/>
+        </p:nvSpPr>
+        <p:spPr>
+          <a:xfrm>
+            <a:off x="326153" y="1029429"/>
+            <a:ext cx="5426550" cy="3426107"/>
+          </a:xfrm>
+          <a:prstGeom prst="rect">
+            <a:avLst/>
+          </a:prstGeom>
+          <a:noFill/>
+          <a:ln w="38100">
+            <a:solidFill>
+              <a:schemeClr val="tx1"/>
+            </a:solidFill>
+          </a:ln>
+        </p:spPr>
+        <p:style>
+          <a:lnRef idx="2">
+            <a:schemeClr val="accent1">
+              <a:shade val="50000"/>
+            </a:schemeClr>
+          </a:lnRef>
+          <a:fillRef idx="1">
+            <a:schemeClr val="accent1"/>
+          </a:fillRef>
+          <a:effectRef idx="0">
+            <a:schemeClr val="accent1"/>
+          </a:effectRef>
+          <a:fontRef idx="minor">
+            <a:schemeClr val="lt1"/>
+          </a:fontRef>
+        </p:style>
+        <p:txBody>
+          <a:bodyPr rtlCol="0" anchor="ctr"/>
+          <a:lstStyle/>
+          <a:p>
+            <a:pPr algn="ctr"/>
+            <a:endParaRPr lang="ko-KR" altLang="en-US"/>
+          </a:p>
+        </p:txBody>
+      </p:sp>
+      <p:sp>
+        <p:nvSpPr>
+          <p:cNvPr id="101" name="직사각형 100">
+            <a:extLst>
+              <a:ext uri="{FF2B5EF4-FFF2-40B4-BE49-F238E27FC236}">
+                <a16:creationId xmlns:a16="http://schemas.microsoft.com/office/drawing/2014/main" id="{5F9D68D5-B403-4778-B03D-578DF50DBAD7}"/>
+              </a:ext>
+            </a:extLst>
+          </p:cNvPr>
+          <p:cNvSpPr/>
+          <p:nvPr/>
+        </p:nvSpPr>
+        <p:spPr>
+          <a:xfrm>
+            <a:off x="6439297" y="1029429"/>
+            <a:ext cx="5426550" cy="3426107"/>
+          </a:xfrm>
+          <a:prstGeom prst="rect">
+            <a:avLst/>
+          </a:prstGeom>
+          <a:noFill/>
+          <a:ln w="38100">
+            <a:solidFill>
+              <a:schemeClr val="tx1"/>
+            </a:solidFill>
+          </a:ln>
+        </p:spPr>
+        <p:style>
+          <a:lnRef idx="2">
+            <a:schemeClr val="accent1">
+              <a:shade val="50000"/>
+            </a:schemeClr>
+          </a:lnRef>
+          <a:fillRef idx="1">
+            <a:schemeClr val="accent1"/>
+          </a:fillRef>
+          <a:effectRef idx="0">
+            <a:schemeClr val="accent1"/>
+          </a:effectRef>
+          <a:fontRef idx="minor">
+            <a:schemeClr val="lt1"/>
+          </a:fontRef>
+        </p:style>
+        <p:txBody>
+          <a:bodyPr rtlCol="0" anchor="ctr"/>
+          <a:lstStyle/>
+          <a:p>
+            <a:pPr algn="ctr"/>
+            <a:endParaRPr lang="ko-KR" altLang="en-US"/>
+          </a:p>
+        </p:txBody>
+      </p:sp>
+      <p:sp>
+        <p:nvSpPr>
+          <p:cNvPr id="102" name="TextBox 101">
+            <a:extLst>
+              <a:ext uri="{FF2B5EF4-FFF2-40B4-BE49-F238E27FC236}">
+                <a16:creationId xmlns:a16="http://schemas.microsoft.com/office/drawing/2014/main" id="{2484FC47-6926-4B76-B829-35A47F3199ED}"/>
+              </a:ext>
+            </a:extLst>
+          </p:cNvPr>
+          <p:cNvSpPr txBox="1"/>
+          <p:nvPr/>
+        </p:nvSpPr>
+        <p:spPr>
+          <a:xfrm>
+            <a:off x="2231790" y="488945"/>
+            <a:ext cx="1594283" cy="523220"/>
+          </a:xfrm>
+          <a:prstGeom prst="rect">
+            <a:avLst/>
+          </a:prstGeom>
+          <a:noFill/>
+        </p:spPr>
+        <p:txBody>
+          <a:bodyPr wrap="none" rtlCol="0">
+            <a:spAutoFit/>
+          </a:bodyPr>
+          <a:lstStyle/>
+          <a:p>
+            <a:r>
+              <a:rPr lang="en-US" altLang="ko-KR" sz="2800" b="1"/>
+              <a:t>Forward</a:t>
+            </a:r>
+            <a:endParaRPr lang="ko-KR" altLang="en-US" sz="2800" b="1" dirty="0"/>
+          </a:p>
+        </p:txBody>
+      </p:sp>
+      <p:sp>
+        <p:nvSpPr>
+          <p:cNvPr id="103" name="TextBox 102">
+            <a:extLst>
+              <a:ext uri="{FF2B5EF4-FFF2-40B4-BE49-F238E27FC236}">
+                <a16:creationId xmlns:a16="http://schemas.microsoft.com/office/drawing/2014/main" id="{17ABABB3-95D0-4FAC-A78E-FDD153F274BD}"/>
+              </a:ext>
+            </a:extLst>
+          </p:cNvPr>
+          <p:cNvSpPr txBox="1"/>
+          <p:nvPr/>
+        </p:nvSpPr>
+        <p:spPr>
+          <a:xfrm>
+            <a:off x="8355430" y="488945"/>
+            <a:ext cx="1827616" cy="523220"/>
+          </a:xfrm>
+          <a:prstGeom prst="rect">
+            <a:avLst/>
+          </a:prstGeom>
+          <a:noFill/>
+        </p:spPr>
+        <p:txBody>
+          <a:bodyPr wrap="none" rtlCol="0">
+            <a:spAutoFit/>
+          </a:bodyPr>
+          <a:lstStyle/>
+          <a:p>
+            <a:r>
+              <a:rPr lang="en-US" altLang="ko-KR" sz="2800" b="1"/>
+              <a:t>Backward</a:t>
+            </a:r>
+            <a:endParaRPr lang="ko-KR" altLang="en-US" sz="2800" b="1" dirty="0"/>
+          </a:p>
+        </p:txBody>
+      </p:sp>
+      <p:sp>
+        <p:nvSpPr>
+          <p:cNvPr id="106" name="직사각형 105">
+            <a:extLst>
+              <a:ext uri="{FF2B5EF4-FFF2-40B4-BE49-F238E27FC236}">
+                <a16:creationId xmlns:a16="http://schemas.microsoft.com/office/drawing/2014/main" id="{8EF9DA3E-E2A6-4A5D-8106-B3891ADBE03B}"/>
+              </a:ext>
+            </a:extLst>
+          </p:cNvPr>
+          <p:cNvSpPr/>
+          <p:nvPr/>
+        </p:nvSpPr>
+        <p:spPr>
+          <a:xfrm>
+            <a:off x="1007535" y="3264076"/>
+            <a:ext cx="4158668" cy="987616"/>
+          </a:xfrm>
+          <a:prstGeom prst="rect">
+            <a:avLst/>
+          </a:prstGeom>
+          <a:noFill/>
+          <a:ln w="57150">
+            <a:solidFill>
+              <a:schemeClr val="accent1"/>
+            </a:solidFill>
+          </a:ln>
+        </p:spPr>
+        <p:style>
+          <a:lnRef idx="2">
+            <a:schemeClr val="accent1">
+              <a:shade val="50000"/>
+            </a:schemeClr>
+          </a:lnRef>
+          <a:fillRef idx="1">
+            <a:schemeClr val="accent1"/>
+          </a:fillRef>
+          <a:effectRef idx="0">
+            <a:schemeClr val="accent1"/>
+          </a:effectRef>
+          <a:fontRef idx="minor">
+            <a:schemeClr val="lt1"/>
+          </a:fontRef>
+        </p:style>
+        <p:txBody>
+          <a:bodyPr rtlCol="0" anchor="ctr"/>
+          <a:lstStyle/>
+          <a:p>
+            <a:pPr algn="ctr"/>
+            <a:endParaRPr lang="ko-KR" altLang="en-US"/>
+          </a:p>
+        </p:txBody>
+      </p:sp>
+      <p:sp>
+        <p:nvSpPr>
+          <p:cNvPr id="107" name="직사각형 106">
+            <a:extLst>
+              <a:ext uri="{FF2B5EF4-FFF2-40B4-BE49-F238E27FC236}">
+                <a16:creationId xmlns:a16="http://schemas.microsoft.com/office/drawing/2014/main" id="{9F7FE6E1-DCE4-41E9-AA4B-BC59387570B5}"/>
+              </a:ext>
+            </a:extLst>
+          </p:cNvPr>
+          <p:cNvSpPr/>
+          <p:nvPr/>
+        </p:nvSpPr>
+        <p:spPr>
+          <a:xfrm>
+            <a:off x="7043163" y="3264076"/>
+            <a:ext cx="4158668" cy="987616"/>
+          </a:xfrm>
+          <a:prstGeom prst="rect">
+            <a:avLst/>
+          </a:prstGeom>
+          <a:noFill/>
+          <a:ln w="57150">
+            <a:solidFill>
+              <a:schemeClr val="accent1"/>
+            </a:solidFill>
+          </a:ln>
+        </p:spPr>
+        <p:style>
+          <a:lnRef idx="2">
+            <a:schemeClr val="accent1">
+              <a:shade val="50000"/>
+            </a:schemeClr>
+          </a:lnRef>
+          <a:fillRef idx="1">
+            <a:schemeClr val="accent1"/>
+          </a:fillRef>
+          <a:effectRef idx="0">
+            <a:schemeClr val="accent1"/>
+          </a:effectRef>
+          <a:fontRef idx="minor">
+            <a:schemeClr val="lt1"/>
+          </a:fontRef>
+        </p:style>
+        <p:txBody>
+          <a:bodyPr rtlCol="0" anchor="ctr"/>
+          <a:lstStyle/>
+          <a:p>
+            <a:pPr algn="ctr"/>
+            <a:endParaRPr lang="ko-KR" altLang="en-US"/>
+          </a:p>
+        </p:txBody>
+      </p:sp>
+      <p:cxnSp>
+        <p:nvCxnSpPr>
+          <p:cNvPr id="109" name="직선 화살표 연결선 108">
+            <a:extLst>
+              <a:ext uri="{FF2B5EF4-FFF2-40B4-BE49-F238E27FC236}">
+                <a16:creationId xmlns:a16="http://schemas.microsoft.com/office/drawing/2014/main" id="{27269B99-A155-44D7-A465-BFDBFBCFE25D}"/>
+              </a:ext>
+            </a:extLst>
+          </p:cNvPr>
+          <p:cNvCxnSpPr/>
+          <p:nvPr/>
+        </p:nvCxnSpPr>
+        <p:spPr>
+          <a:xfrm>
+            <a:off x="5752703" y="2096334"/>
+            <a:ext cx="686594" cy="0"/>
+          </a:xfrm>
+          <a:prstGeom prst="straightConnector1">
+            <a:avLst/>
+          </a:prstGeom>
+          <a:ln w="57150">
+            <a:solidFill>
+              <a:schemeClr val="tx1"/>
+            </a:solidFill>
+            <a:tailEnd type="triangle"/>
+          </a:ln>
+        </p:spPr>
+        <p:style>
+          <a:lnRef idx="1">
+            <a:schemeClr val="accent1"/>
+          </a:lnRef>
+          <a:fillRef idx="0">
+            <a:schemeClr val="accent1"/>
+          </a:fillRef>
+          <a:effectRef idx="0">
+            <a:schemeClr val="accent1"/>
+          </a:effectRef>
+          <a:fontRef idx="minor">
+            <a:schemeClr val="tx1"/>
+          </a:fontRef>
+        </p:style>
+      </p:cxnSp>
+      <p:cxnSp>
+        <p:nvCxnSpPr>
+          <p:cNvPr id="110" name="직선 화살표 연결선 109">
+            <a:extLst>
+              <a:ext uri="{FF2B5EF4-FFF2-40B4-BE49-F238E27FC236}">
+                <a16:creationId xmlns:a16="http://schemas.microsoft.com/office/drawing/2014/main" id="{F4D4AEED-5356-4D74-9FCE-BD4CCBEE1EE6}"/>
+              </a:ext>
+            </a:extLst>
+          </p:cNvPr>
+          <p:cNvCxnSpPr/>
+          <p:nvPr/>
+        </p:nvCxnSpPr>
+        <p:spPr>
+          <a:xfrm>
+            <a:off x="5752703" y="3264076"/>
+            <a:ext cx="686594" cy="0"/>
+          </a:xfrm>
+          <a:prstGeom prst="straightConnector1">
+            <a:avLst/>
+          </a:prstGeom>
+          <a:ln w="57150">
+            <a:solidFill>
+              <a:schemeClr val="tx1"/>
+            </a:solidFill>
+            <a:headEnd type="triangle" w="med" len="med"/>
+            <a:tailEnd type="none" w="med" len="med"/>
+          </a:ln>
+        </p:spPr>
+        <p:style>
+          <a:lnRef idx="1">
+            <a:schemeClr val="accent1"/>
+          </a:lnRef>
+          <a:fillRef idx="0">
+            <a:schemeClr val="accent1"/>
+          </a:fillRef>
+          <a:effectRef idx="0">
+            <a:schemeClr val="accent1"/>
+          </a:effectRef>
+          <a:fontRef idx="minor">
+            <a:schemeClr val="tx1"/>
+          </a:fontRef>
+        </p:style>
+      </p:cxnSp>
+      <p:cxnSp>
+        <p:nvCxnSpPr>
+          <p:cNvPr id="112" name="직선 화살표 연결선 111">
+            <a:extLst>
+              <a:ext uri="{FF2B5EF4-FFF2-40B4-BE49-F238E27FC236}">
+                <a16:creationId xmlns:a16="http://schemas.microsoft.com/office/drawing/2014/main" id="{495BD73B-7AB8-47BD-A960-E642817C3EB4}"/>
+              </a:ext>
+            </a:extLst>
+          </p:cNvPr>
+          <p:cNvCxnSpPr/>
+          <p:nvPr/>
+        </p:nvCxnSpPr>
+        <p:spPr>
+          <a:xfrm flipH="1" flipV="1">
+            <a:off x="3989558" y="4251692"/>
+            <a:ext cx="679509" cy="1199266"/>
+          </a:xfrm>
+          <a:prstGeom prst="straightConnector1">
+            <a:avLst/>
+          </a:prstGeom>
+          <a:ln w="57150">
+            <a:tailEnd type="triangle"/>
+          </a:ln>
+        </p:spPr>
+        <p:style>
+          <a:lnRef idx="1">
+            <a:schemeClr val="accent1"/>
+          </a:lnRef>
+          <a:fillRef idx="0">
+            <a:schemeClr val="accent1"/>
+          </a:fillRef>
+          <a:effectRef idx="0">
+            <a:schemeClr val="accent1"/>
+          </a:effectRef>
+          <a:fontRef idx="minor">
+            <a:schemeClr val="tx1"/>
+          </a:fontRef>
+        </p:style>
+      </p:cxnSp>
+      <p:sp>
+        <p:nvSpPr>
+          <p:cNvPr id="115" name="TextBox 114">
+            <a:extLst>
+              <a:ext uri="{FF2B5EF4-FFF2-40B4-BE49-F238E27FC236}">
+                <a16:creationId xmlns:a16="http://schemas.microsoft.com/office/drawing/2014/main" id="{F3277161-0A60-40C2-817E-3695F03620D8}"/>
+              </a:ext>
+            </a:extLst>
+          </p:cNvPr>
+          <p:cNvSpPr txBox="1"/>
+          <p:nvPr/>
+        </p:nvSpPr>
+        <p:spPr>
+          <a:xfrm>
+            <a:off x="2288294" y="5538058"/>
+            <a:ext cx="7276223" cy="830997"/>
+          </a:xfrm>
+          <a:prstGeom prst="rect">
+            <a:avLst/>
+          </a:prstGeom>
+          <a:noFill/>
+        </p:spPr>
+        <p:txBody>
+          <a:bodyPr wrap="none" rtlCol="0">
+            <a:spAutoFit/>
+          </a:bodyPr>
+          <a:lstStyle/>
+          <a:p>
+            <a:pPr algn="ctr"/>
+            <a:r>
+              <a:rPr lang="ko-KR" altLang="en-US" sz="2400" dirty="0"/>
+              <a:t>이 두 값이 같아질 때 까지 </a:t>
+            </a:r>
+            <a:r>
+              <a:rPr lang="en-US" altLang="ko-KR" sz="2400" dirty="0"/>
+              <a:t>Forward &lt;--&gt; Backward</a:t>
+            </a:r>
+          </a:p>
+          <a:p>
+            <a:pPr algn="ctr"/>
+            <a:r>
+              <a:rPr lang="ko-KR" altLang="en-US" sz="2400" dirty="0"/>
+              <a:t>반복하면서 </a:t>
+            </a:r>
+            <a:r>
+              <a:rPr lang="en-US" altLang="ko-KR" sz="2400" dirty="0"/>
+              <a:t>weight, bias </a:t>
+            </a:r>
+            <a:r>
+              <a:rPr lang="ko-KR" altLang="en-US" sz="2400" dirty="0"/>
+              <a:t>조정</a:t>
+            </a:r>
+          </a:p>
+        </p:txBody>
+      </p:sp>
+      <p:cxnSp>
+        <p:nvCxnSpPr>
+          <p:cNvPr id="116" name="직선 화살표 연결선 115">
+            <a:extLst>
+              <a:ext uri="{FF2B5EF4-FFF2-40B4-BE49-F238E27FC236}">
+                <a16:creationId xmlns:a16="http://schemas.microsoft.com/office/drawing/2014/main" id="{20DEDE60-4685-4C35-A12E-25F49829F0B5}"/>
+              </a:ext>
+            </a:extLst>
+          </p:cNvPr>
+          <p:cNvCxnSpPr>
+            <a:cxnSpLocks/>
+          </p:cNvCxnSpPr>
+          <p:nvPr/>
+        </p:nvCxnSpPr>
+        <p:spPr>
+          <a:xfrm flipV="1">
+            <a:off x="6978807" y="4251692"/>
+            <a:ext cx="679509" cy="1199266"/>
+          </a:xfrm>
+          <a:prstGeom prst="straightConnector1">
+            <a:avLst/>
+          </a:prstGeom>
+          <a:ln w="57150">
+            <a:tailEnd type="triangle"/>
+          </a:ln>
+        </p:spPr>
+        <p:style>
+          <a:lnRef idx="1">
+            <a:schemeClr val="accent1"/>
+          </a:lnRef>
+          <a:fillRef idx="0">
+            <a:schemeClr val="accent1"/>
+          </a:fillRef>
+          <a:effectRef idx="0">
+            <a:schemeClr val="accent1"/>
+          </a:effectRef>
+          <a:fontRef idx="minor">
+            <a:schemeClr val="tx1"/>
+          </a:fontRef>
+        </p:style>
+      </p:cxnSp>
+    </p:spTree>
+    <p:extLst>
+      <p:ext uri="{BB962C8B-B14F-4D97-AF65-F5344CB8AC3E}">
+        <p14:creationId xmlns:p14="http://schemas.microsoft.com/office/powerpoint/2010/main" val="2951369413"/>
+      </p:ext>
+    </p:extLst>
+  </p:cSld>
+  <p:clrMapOvr>
+    <a:masterClrMapping/>
+  </p:clrMapOvr>
+</p:sld>
+</file>
+
+<file path=ppt/slides/slide4.xml><?xml version="1.0" encoding="utf-8"?>
+<p:sld xmlns:a="http://schemas.openxmlformats.org/drawingml/2006/main" xmlns:r="http://schemas.openxmlformats.org/officeDocument/2006/relationships" xmlns:p="http://schemas.openxmlformats.org/presentationml/2006/main">
+  <p:cSld>
+    <p:spTree>
+      <p:nvGrpSpPr>
+        <p:cNvPr id="1" name=""/>
+        <p:cNvGrpSpPr/>
+        <p:nvPr/>
+      </p:nvGrpSpPr>
+      <p:grpSpPr>
+        <a:xfrm>
+          <a:off x="0" y="0"/>
+          <a:ext cx="0" cy="0"/>
+          <a:chOff x="0" y="0"/>
+          <a:chExt cx="0" cy="0"/>
+        </a:xfrm>
+      </p:grpSpPr>
       <p:pic>
         <p:nvPicPr>
           <p:cNvPr id="1026" name="Picture 2" descr="D:\프로그래밍_코드모음\gongdols\머신러닝\restricted_boltzmann_machine\real_testdata.png"/>
@@ -4448,7 +6989,7 @@
           <a:lstStyle/>
           <a:p>
             <a:r>
-              <a:rPr lang="en-US" altLang="ko-KR" dirty="0" smtClean="0"/>
+              <a:rPr lang="en-US" altLang="ko-KR" dirty="0"/>
               <a:t>&lt;real data&gt;</a:t>
             </a:r>
             <a:endParaRPr lang="ko-KR" altLang="en-US" dirty="0"/>
@@ -4478,7 +7019,7 @@
           <a:lstStyle/>
           <a:p>
             <a:r>
-              <a:rPr lang="en-US" altLang="ko-KR" dirty="0" smtClean="0"/>
+              <a:rPr lang="en-US" altLang="ko-KR" dirty="0"/>
               <a:t>&lt;generated data&gt;</a:t>
             </a:r>
             <a:endParaRPr lang="ko-KR" altLang="en-US" dirty="0"/>
@@ -4787,7 +7328,7 @@
   <a:extraClrSchemeLst/>
   <a:extLst>
     <a:ext uri="{05A4C25C-085E-4340-85A3-A5531E510DB2}">
-      <thm15:themeFamily xmlns="" xmlns:thm15="http://schemas.microsoft.com/office/thememl/2012/main" name="Office Theme" id="{62F939B6-93AF-4DB8-9C6B-D6C7DFDC589F}" vid="{4A3C46E8-61CC-4603-A589-7422A47A8E4A}"/>
+      <thm15:themeFamily xmlns:thm15="http://schemas.microsoft.com/office/thememl/2012/main" name="Office Theme" id="{62F939B6-93AF-4DB8-9C6B-D6C7DFDC589F}" vid="{4A3C46E8-61CC-4603-A589-7422A47A8E4A}"/>
     </a:ext>
   </a:extLst>
 </a:theme>

--- a/pics/2020-10-02-RBM/pics.pptx
+++ b/pics/2020-10-02-RBM/pics.pptx
@@ -7,8 +7,10 @@
   <p:sldIdLst>
     <p:sldId id="256" r:id="rId2"/>
     <p:sldId id="257" r:id="rId3"/>
-    <p:sldId id="259" r:id="rId4"/>
-    <p:sldId id="258" r:id="rId5"/>
+    <p:sldId id="260" r:id="rId4"/>
+    <p:sldId id="259" r:id="rId5"/>
+    <p:sldId id="261" r:id="rId6"/>
+    <p:sldId id="258" r:id="rId7"/>
   </p:sldIdLst>
   <p:sldSz cx="12192000" cy="6858000"/>
   <p:notesSz cx="6858000" cy="9144000"/>
@@ -273,7 +275,7 @@
           <a:p>
             <a:fld id="{926C6624-517B-483E-A64D-9C8CB655B369}" type="datetimeFigureOut">
               <a:rPr lang="ko-KR" altLang="en-US" smtClean="0"/>
-              <a:t>2020-10-10</a:t>
+              <a:t>2023-05-05</a:t>
             </a:fld>
             <a:endParaRPr lang="ko-KR" altLang="en-US"/>
           </a:p>
@@ -471,7 +473,7 @@
           <a:p>
             <a:fld id="{926C6624-517B-483E-A64D-9C8CB655B369}" type="datetimeFigureOut">
               <a:rPr lang="ko-KR" altLang="en-US" smtClean="0"/>
-              <a:t>2020-10-10</a:t>
+              <a:t>2023-05-05</a:t>
             </a:fld>
             <a:endParaRPr lang="ko-KR" altLang="en-US"/>
           </a:p>
@@ -679,7 +681,7 @@
           <a:p>
             <a:fld id="{926C6624-517B-483E-A64D-9C8CB655B369}" type="datetimeFigureOut">
               <a:rPr lang="ko-KR" altLang="en-US" smtClean="0"/>
-              <a:t>2020-10-10</a:t>
+              <a:t>2023-05-05</a:t>
             </a:fld>
             <a:endParaRPr lang="ko-KR" altLang="en-US"/>
           </a:p>
@@ -877,7 +879,7 @@
           <a:p>
             <a:fld id="{926C6624-517B-483E-A64D-9C8CB655B369}" type="datetimeFigureOut">
               <a:rPr lang="ko-KR" altLang="en-US" smtClean="0"/>
-              <a:t>2020-10-10</a:t>
+              <a:t>2023-05-05</a:t>
             </a:fld>
             <a:endParaRPr lang="ko-KR" altLang="en-US"/>
           </a:p>
@@ -1152,7 +1154,7 @@
           <a:p>
             <a:fld id="{926C6624-517B-483E-A64D-9C8CB655B369}" type="datetimeFigureOut">
               <a:rPr lang="ko-KR" altLang="en-US" smtClean="0"/>
-              <a:t>2020-10-10</a:t>
+              <a:t>2023-05-05</a:t>
             </a:fld>
             <a:endParaRPr lang="ko-KR" altLang="en-US"/>
           </a:p>
@@ -1417,7 +1419,7 @@
           <a:p>
             <a:fld id="{926C6624-517B-483E-A64D-9C8CB655B369}" type="datetimeFigureOut">
               <a:rPr lang="ko-KR" altLang="en-US" smtClean="0"/>
-              <a:t>2020-10-10</a:t>
+              <a:t>2023-05-05</a:t>
             </a:fld>
             <a:endParaRPr lang="ko-KR" altLang="en-US"/>
           </a:p>
@@ -1829,7 +1831,7 @@
           <a:p>
             <a:fld id="{926C6624-517B-483E-A64D-9C8CB655B369}" type="datetimeFigureOut">
               <a:rPr lang="ko-KR" altLang="en-US" smtClean="0"/>
-              <a:t>2020-10-10</a:t>
+              <a:t>2023-05-05</a:t>
             </a:fld>
             <a:endParaRPr lang="ko-KR" altLang="en-US"/>
           </a:p>
@@ -1970,7 +1972,7 @@
           <a:p>
             <a:fld id="{926C6624-517B-483E-A64D-9C8CB655B369}" type="datetimeFigureOut">
               <a:rPr lang="ko-KR" altLang="en-US" smtClean="0"/>
-              <a:t>2020-10-10</a:t>
+              <a:t>2023-05-05</a:t>
             </a:fld>
             <a:endParaRPr lang="ko-KR" altLang="en-US"/>
           </a:p>
@@ -2083,7 +2085,7 @@
           <a:p>
             <a:fld id="{926C6624-517B-483E-A64D-9C8CB655B369}" type="datetimeFigureOut">
               <a:rPr lang="ko-KR" altLang="en-US" smtClean="0"/>
-              <a:t>2020-10-10</a:t>
+              <a:t>2023-05-05</a:t>
             </a:fld>
             <a:endParaRPr lang="ko-KR" altLang="en-US"/>
           </a:p>
@@ -2394,7 +2396,7 @@
           <a:p>
             <a:fld id="{926C6624-517B-483E-A64D-9C8CB655B369}" type="datetimeFigureOut">
               <a:rPr lang="ko-KR" altLang="en-US" smtClean="0"/>
-              <a:t>2020-10-10</a:t>
+              <a:t>2023-05-05</a:t>
             </a:fld>
             <a:endParaRPr lang="ko-KR" altLang="en-US"/>
           </a:p>
@@ -2682,7 +2684,7 @@
           <a:p>
             <a:fld id="{926C6624-517B-483E-A64D-9C8CB655B369}" type="datetimeFigureOut">
               <a:rPr lang="ko-KR" altLang="en-US" smtClean="0"/>
-              <a:t>2020-10-10</a:t>
+              <a:t>2023-05-05</a:t>
             </a:fld>
             <a:endParaRPr lang="ko-KR" altLang="en-US"/>
           </a:p>
@@ -2923,7 +2925,7 @@
           <a:p>
             <a:fld id="{926C6624-517B-483E-A64D-9C8CB655B369}" type="datetimeFigureOut">
               <a:rPr lang="ko-KR" altLang="en-US" smtClean="0"/>
-              <a:t>2020-10-10</a:t>
+              <a:t>2023-05-05</a:t>
             </a:fld>
             <a:endParaRPr lang="ko-KR" altLang="en-US"/>
           </a:p>
@@ -4360,6 +4362,372 @@
           <a:chExt cx="0" cy="0"/>
         </a:xfrm>
       </p:grpSpPr>
+      <p:pic>
+        <p:nvPicPr>
+          <p:cNvPr id="1026" name="Picture 2"/>
+          <p:cNvPicPr>
+            <a:picLocks noChangeAspect="1" noChangeArrowheads="1"/>
+          </p:cNvPicPr>
+          <p:nvPr/>
+        </p:nvPicPr>
+        <p:blipFill>
+          <a:blip r:embed="rId2">
+            <a:extLst>
+              <a:ext uri="{28A0092B-C50C-407E-A947-70E740481C1C}">
+                <a14:useLocalDpi xmlns:a14="http://schemas.microsoft.com/office/drawing/2010/main" val="0"/>
+              </a:ext>
+            </a:extLst>
+          </a:blip>
+          <a:srcRect/>
+          <a:stretch>
+            <a:fillRect/>
+          </a:stretch>
+        </p:blipFill>
+        <p:spPr bwMode="auto">
+          <a:xfrm>
+            <a:off x="3432175" y="1433513"/>
+            <a:ext cx="5324475" cy="3990975"/>
+          </a:xfrm>
+          <a:prstGeom prst="rect">
+            <a:avLst/>
+          </a:prstGeom>
+          <a:noFill/>
+          <a:ln>
+            <a:noFill/>
+          </a:ln>
+          <a:effectLst/>
+          <a:extLst>
+            <a:ext uri="{909E8E84-426E-40DD-AFC4-6F175D3DCCD1}">
+              <a14:hiddenFill xmlns:a14="http://schemas.microsoft.com/office/drawing/2010/main">
+                <a:solidFill>
+                  <a:schemeClr val="accent1"/>
+                </a:solidFill>
+              </a14:hiddenFill>
+            </a:ext>
+            <a:ext uri="{91240B29-F687-4F45-9708-019B960494DF}">
+              <a14:hiddenLine xmlns:a14="http://schemas.microsoft.com/office/drawing/2010/main" w="9525">
+                <a:solidFill>
+                  <a:schemeClr val="tx1"/>
+                </a:solidFill>
+                <a:miter lim="800000"/>
+                <a:headEnd/>
+                <a:tailEnd/>
+              </a14:hiddenLine>
+            </a:ext>
+            <a:ext uri="{AF507438-7753-43E0-B8FC-AC1667EBCBE1}">
+              <a14:hiddenEffects xmlns:a14="http://schemas.microsoft.com/office/drawing/2010/main">
+                <a:effectLst>
+                  <a:outerShdw dist="35921" dir="2700000" algn="ctr" rotWithShape="0">
+                    <a:schemeClr val="bg2"/>
+                  </a:outerShdw>
+                </a:effectLst>
+              </a14:hiddenEffects>
+            </a:ext>
+          </a:extLst>
+        </p:spPr>
+      </p:pic>
+      <p:sp>
+        <p:nvSpPr>
+          <p:cNvPr id="2" name="Rectangle 1">
+            <a:extLst>
+              <a:ext uri="{FF2B5EF4-FFF2-40B4-BE49-F238E27FC236}">
+                <a16:creationId xmlns:a16="http://schemas.microsoft.com/office/drawing/2014/main" id="{74566F03-5FBA-42FB-379E-084A9F102989}"/>
+              </a:ext>
+            </a:extLst>
+          </p:cNvPr>
+          <p:cNvSpPr/>
+          <p:nvPr/>
+        </p:nvSpPr>
+        <p:spPr>
+          <a:xfrm>
+            <a:off x="3581400" y="1333500"/>
+            <a:ext cx="4857750" cy="390525"/>
+          </a:xfrm>
+          <a:prstGeom prst="rect">
+            <a:avLst/>
+          </a:prstGeom>
+          <a:solidFill>
+            <a:schemeClr val="bg1"/>
+          </a:solidFill>
+          <a:ln>
+            <a:noFill/>
+          </a:ln>
+        </p:spPr>
+        <p:style>
+          <a:lnRef idx="2">
+            <a:schemeClr val="accent1">
+              <a:shade val="50000"/>
+            </a:schemeClr>
+          </a:lnRef>
+          <a:fillRef idx="1">
+            <a:schemeClr val="accent1"/>
+          </a:fillRef>
+          <a:effectRef idx="0">
+            <a:schemeClr val="accent1"/>
+          </a:effectRef>
+          <a:fontRef idx="minor">
+            <a:schemeClr val="lt1"/>
+          </a:fontRef>
+        </p:style>
+        <p:txBody>
+          <a:bodyPr rtlCol="0" anchor="ctr"/>
+          <a:lstStyle/>
+          <a:p>
+            <a:pPr algn="ctr"/>
+            <a:endParaRPr lang="en-US"/>
+          </a:p>
+        </p:txBody>
+      </p:sp>
+      <p:sp>
+        <p:nvSpPr>
+          <p:cNvPr id="3" name="TextBox 2">
+            <a:extLst>
+              <a:ext uri="{FF2B5EF4-FFF2-40B4-BE49-F238E27FC236}">
+                <a16:creationId xmlns:a16="http://schemas.microsoft.com/office/drawing/2014/main" id="{8AFE2E02-F32C-BDE0-9B81-3547ADAE4831}"/>
+              </a:ext>
+            </a:extLst>
+          </p:cNvPr>
+          <p:cNvSpPr txBox="1"/>
+          <p:nvPr/>
+        </p:nvSpPr>
+        <p:spPr>
+          <a:xfrm>
+            <a:off x="4133850" y="1110346"/>
+            <a:ext cx="4058740" cy="646331"/>
+          </a:xfrm>
+          <a:prstGeom prst="rect">
+            <a:avLst/>
+          </a:prstGeom>
+          <a:noFill/>
+        </p:spPr>
+        <p:txBody>
+          <a:bodyPr wrap="none" rtlCol="0">
+            <a:spAutoFit/>
+          </a:bodyPr>
+          <a:lstStyle/>
+          <a:p>
+            <a:pPr algn="ctr"/>
+            <a:r>
+              <a:rPr lang="en-US" dirty="0"/>
+              <a:t>probability distribution of </a:t>
+            </a:r>
+          </a:p>
+          <a:p>
+            <a:pPr algn="ctr"/>
+            <a:r>
+              <a:rPr lang="en-US" dirty="0"/>
+              <a:t>all kinds of nose shapes in the world</a:t>
+            </a:r>
+          </a:p>
+        </p:txBody>
+      </p:sp>
+      <p:sp>
+        <p:nvSpPr>
+          <p:cNvPr id="5" name="Rectangle 4">
+            <a:extLst>
+              <a:ext uri="{FF2B5EF4-FFF2-40B4-BE49-F238E27FC236}">
+                <a16:creationId xmlns:a16="http://schemas.microsoft.com/office/drawing/2014/main" id="{EBA60B05-71BA-FC4A-06AF-4417C5B59202}"/>
+              </a:ext>
+            </a:extLst>
+          </p:cNvPr>
+          <p:cNvSpPr/>
+          <p:nvPr/>
+        </p:nvSpPr>
+        <p:spPr>
+          <a:xfrm>
+            <a:off x="5534025" y="5133976"/>
+            <a:ext cx="1333500" cy="390524"/>
+          </a:xfrm>
+          <a:prstGeom prst="rect">
+            <a:avLst/>
+          </a:prstGeom>
+          <a:solidFill>
+            <a:schemeClr val="bg1"/>
+          </a:solidFill>
+          <a:ln>
+            <a:noFill/>
+          </a:ln>
+        </p:spPr>
+        <p:style>
+          <a:lnRef idx="2">
+            <a:schemeClr val="accent1">
+              <a:shade val="50000"/>
+            </a:schemeClr>
+          </a:lnRef>
+          <a:fillRef idx="1">
+            <a:schemeClr val="accent1"/>
+          </a:fillRef>
+          <a:effectRef idx="0">
+            <a:schemeClr val="accent1"/>
+          </a:effectRef>
+          <a:fontRef idx="minor">
+            <a:schemeClr val="lt1"/>
+          </a:fontRef>
+        </p:style>
+        <p:txBody>
+          <a:bodyPr rtlCol="0" anchor="ctr"/>
+          <a:lstStyle/>
+          <a:p>
+            <a:pPr algn="ctr"/>
+            <a:endParaRPr lang="en-US"/>
+          </a:p>
+        </p:txBody>
+      </p:sp>
+      <p:sp>
+        <p:nvSpPr>
+          <p:cNvPr id="4" name="TextBox 3">
+            <a:extLst>
+              <a:ext uri="{FF2B5EF4-FFF2-40B4-BE49-F238E27FC236}">
+                <a16:creationId xmlns:a16="http://schemas.microsoft.com/office/drawing/2014/main" id="{68B46332-798B-EB28-F03A-A8724EF0D011}"/>
+              </a:ext>
+            </a:extLst>
+          </p:cNvPr>
+          <p:cNvSpPr txBox="1"/>
+          <p:nvPr/>
+        </p:nvSpPr>
+        <p:spPr>
+          <a:xfrm>
+            <a:off x="5300554" y="5101324"/>
+            <a:ext cx="1762342" cy="369332"/>
+          </a:xfrm>
+          <a:prstGeom prst="rect">
+            <a:avLst/>
+          </a:prstGeom>
+          <a:noFill/>
+        </p:spPr>
+        <p:txBody>
+          <a:bodyPr wrap="none" rtlCol="0">
+            <a:spAutoFit/>
+          </a:bodyPr>
+          <a:lstStyle/>
+          <a:p>
+            <a:pPr algn="ctr"/>
+            <a:r>
+              <a:rPr lang="en-US" dirty="0"/>
+              <a:t>shapes of nose</a:t>
+            </a:r>
+          </a:p>
+        </p:txBody>
+      </p:sp>
+      <p:sp>
+        <p:nvSpPr>
+          <p:cNvPr id="6" name="Rectangle 5">
+            <a:extLst>
+              <a:ext uri="{FF2B5EF4-FFF2-40B4-BE49-F238E27FC236}">
+                <a16:creationId xmlns:a16="http://schemas.microsoft.com/office/drawing/2014/main" id="{E8210B72-34C4-2C37-35AA-C2931CBD29BD}"/>
+              </a:ext>
+            </a:extLst>
+          </p:cNvPr>
+          <p:cNvSpPr/>
+          <p:nvPr/>
+        </p:nvSpPr>
+        <p:spPr>
+          <a:xfrm>
+            <a:off x="3494723" y="2988470"/>
+            <a:ext cx="230505" cy="573880"/>
+          </a:xfrm>
+          <a:prstGeom prst="rect">
+            <a:avLst/>
+          </a:prstGeom>
+          <a:solidFill>
+            <a:schemeClr val="bg1"/>
+          </a:solidFill>
+          <a:ln>
+            <a:noFill/>
+          </a:ln>
+        </p:spPr>
+        <p:style>
+          <a:lnRef idx="2">
+            <a:schemeClr val="accent1">
+              <a:shade val="50000"/>
+            </a:schemeClr>
+          </a:lnRef>
+          <a:fillRef idx="1">
+            <a:schemeClr val="accent1"/>
+          </a:fillRef>
+          <a:effectRef idx="0">
+            <a:schemeClr val="accent1"/>
+          </a:effectRef>
+          <a:fontRef idx="minor">
+            <a:schemeClr val="lt1"/>
+          </a:fontRef>
+        </p:style>
+        <p:txBody>
+          <a:bodyPr rtlCol="0" anchor="ctr"/>
+          <a:lstStyle/>
+          <a:p>
+            <a:pPr algn="ctr"/>
+            <a:endParaRPr lang="en-US"/>
+          </a:p>
+        </p:txBody>
+      </p:sp>
+      <p:sp>
+        <p:nvSpPr>
+          <p:cNvPr id="7" name="TextBox 6">
+            <a:extLst>
+              <a:ext uri="{FF2B5EF4-FFF2-40B4-BE49-F238E27FC236}">
+                <a16:creationId xmlns:a16="http://schemas.microsoft.com/office/drawing/2014/main" id="{8B1B182F-B64F-A895-992A-020375CCC9DB}"/>
+              </a:ext>
+            </a:extLst>
+          </p:cNvPr>
+          <p:cNvSpPr txBox="1"/>
+          <p:nvPr/>
+        </p:nvSpPr>
+        <p:spPr>
+          <a:xfrm rot="16200000">
+            <a:off x="2896860" y="3090743"/>
+            <a:ext cx="1287405" cy="369332"/>
+          </a:xfrm>
+          <a:prstGeom prst="rect">
+            <a:avLst/>
+          </a:prstGeom>
+          <a:noFill/>
+        </p:spPr>
+        <p:txBody>
+          <a:bodyPr wrap="none" rtlCol="0">
+            <a:spAutoFit/>
+          </a:bodyPr>
+          <a:lstStyle/>
+          <a:p>
+            <a:pPr algn="ctr"/>
+            <a:r>
+              <a:rPr lang="en-US"/>
+              <a:t>Probability</a:t>
+            </a:r>
+            <a:endParaRPr lang="en-US" dirty="0"/>
+          </a:p>
+        </p:txBody>
+      </p:sp>
+    </p:spTree>
+    <p:extLst>
+      <p:ext uri="{BB962C8B-B14F-4D97-AF65-F5344CB8AC3E}">
+        <p14:creationId xmlns:p14="http://schemas.microsoft.com/office/powerpoint/2010/main" val="815161822"/>
+      </p:ext>
+    </p:extLst>
+  </p:cSld>
+  <p:clrMapOvr>
+    <a:masterClrMapping/>
+  </p:clrMapOvr>
+</p:sld>
+</file>
+
+<file path=ppt/slides/slide4.xml><?xml version="1.0" encoding="utf-8"?>
+<p:sld xmlns:a="http://schemas.openxmlformats.org/drawingml/2006/main" xmlns:r="http://schemas.openxmlformats.org/officeDocument/2006/relationships" xmlns:p="http://schemas.openxmlformats.org/presentationml/2006/main">
+  <p:cSld>
+    <p:spTree>
+      <p:nvGrpSpPr>
+        <p:cNvPr id="1" name=""/>
+        <p:cNvGrpSpPr/>
+        <p:nvPr/>
+      </p:nvGrpSpPr>
+      <p:grpSpPr>
+        <a:xfrm>
+          <a:off x="0" y="0"/>
+          <a:ext cx="0" cy="0"/>
+          <a:chOff x="0" y="0"/>
+          <a:chExt cx="0" cy="0"/>
+        </a:xfrm>
+      </p:grpSpPr>
       <p:sp>
         <p:nvSpPr>
           <p:cNvPr id="8" name="타원 7">
@@ -6867,7 +7235,2520 @@
 </p:sld>
 </file>
 
-<file path=ppt/slides/slide4.xml><?xml version="1.0" encoding="utf-8"?>
+<file path=ppt/slides/slide5.xml><?xml version="1.0" encoding="utf-8"?>
+<p:sld xmlns:a="http://schemas.openxmlformats.org/drawingml/2006/main" xmlns:r="http://schemas.openxmlformats.org/officeDocument/2006/relationships" xmlns:p="http://schemas.openxmlformats.org/presentationml/2006/main">
+  <p:cSld>
+    <p:spTree>
+      <p:nvGrpSpPr>
+        <p:cNvPr id="1" name=""/>
+        <p:cNvGrpSpPr/>
+        <p:nvPr/>
+      </p:nvGrpSpPr>
+      <p:grpSpPr>
+        <a:xfrm>
+          <a:off x="0" y="0"/>
+          <a:ext cx="0" cy="0"/>
+          <a:chOff x="0" y="0"/>
+          <a:chExt cx="0" cy="0"/>
+        </a:xfrm>
+      </p:grpSpPr>
+      <p:sp>
+        <p:nvSpPr>
+          <p:cNvPr id="8" name="타원 7">
+            <a:extLst>
+              <a:ext uri="{FF2B5EF4-FFF2-40B4-BE49-F238E27FC236}">
+                <a16:creationId xmlns:a16="http://schemas.microsoft.com/office/drawing/2014/main" id="{92C3CD46-A46D-4887-A6DE-0E34BA0D9FEE}"/>
+              </a:ext>
+            </a:extLst>
+          </p:cNvPr>
+          <p:cNvSpPr/>
+          <p:nvPr/>
+        </p:nvSpPr>
+        <p:spPr>
+          <a:xfrm>
+            <a:off x="1388797" y="1494971"/>
+            <a:ext cx="679509" cy="679509"/>
+          </a:xfrm>
+          <a:prstGeom prst="ellipse">
+            <a:avLst/>
+          </a:prstGeom>
+          <a:noFill/>
+          <a:ln>
+            <a:solidFill>
+              <a:schemeClr val="tx1"/>
+            </a:solidFill>
+          </a:ln>
+        </p:spPr>
+        <p:style>
+          <a:lnRef idx="2">
+            <a:schemeClr val="accent1">
+              <a:shade val="50000"/>
+            </a:schemeClr>
+          </a:lnRef>
+          <a:fillRef idx="1">
+            <a:schemeClr val="accent1"/>
+          </a:fillRef>
+          <a:effectRef idx="0">
+            <a:schemeClr val="accent1"/>
+          </a:effectRef>
+          <a:fontRef idx="minor">
+            <a:schemeClr val="lt1"/>
+          </a:fontRef>
+        </p:style>
+        <p:txBody>
+          <a:bodyPr rtlCol="0" anchor="ctr"/>
+          <a:lstStyle/>
+          <a:p>
+            <a:pPr algn="ctr"/>
+            <a:endParaRPr lang="ko-KR" altLang="en-US"/>
+          </a:p>
+        </p:txBody>
+      </p:sp>
+      <p:sp>
+        <p:nvSpPr>
+          <p:cNvPr id="9" name="타원 8">
+            <a:extLst>
+              <a:ext uri="{FF2B5EF4-FFF2-40B4-BE49-F238E27FC236}">
+                <a16:creationId xmlns:a16="http://schemas.microsoft.com/office/drawing/2014/main" id="{C9CC177B-FFE7-4882-89A1-9A2CB8361F85}"/>
+              </a:ext>
+            </a:extLst>
+          </p:cNvPr>
+          <p:cNvSpPr/>
+          <p:nvPr/>
+        </p:nvSpPr>
+        <p:spPr>
+          <a:xfrm>
+            <a:off x="2407360" y="1494971"/>
+            <a:ext cx="679509" cy="679509"/>
+          </a:xfrm>
+          <a:prstGeom prst="ellipse">
+            <a:avLst/>
+          </a:prstGeom>
+          <a:noFill/>
+          <a:ln>
+            <a:solidFill>
+              <a:schemeClr val="tx1"/>
+            </a:solidFill>
+          </a:ln>
+        </p:spPr>
+        <p:style>
+          <a:lnRef idx="2">
+            <a:schemeClr val="accent1">
+              <a:shade val="50000"/>
+            </a:schemeClr>
+          </a:lnRef>
+          <a:fillRef idx="1">
+            <a:schemeClr val="accent1"/>
+          </a:fillRef>
+          <a:effectRef idx="0">
+            <a:schemeClr val="accent1"/>
+          </a:effectRef>
+          <a:fontRef idx="minor">
+            <a:schemeClr val="lt1"/>
+          </a:fontRef>
+        </p:style>
+        <p:txBody>
+          <a:bodyPr rtlCol="0" anchor="ctr"/>
+          <a:lstStyle/>
+          <a:p>
+            <a:pPr algn="ctr"/>
+            <a:endParaRPr lang="ko-KR" altLang="en-US"/>
+          </a:p>
+        </p:txBody>
+      </p:sp>
+      <p:sp>
+        <p:nvSpPr>
+          <p:cNvPr id="10" name="타원 9">
+            <a:extLst>
+              <a:ext uri="{FF2B5EF4-FFF2-40B4-BE49-F238E27FC236}">
+                <a16:creationId xmlns:a16="http://schemas.microsoft.com/office/drawing/2014/main" id="{4796DA32-CB5E-42D7-B7A5-0E7ED29F856D}"/>
+              </a:ext>
+            </a:extLst>
+          </p:cNvPr>
+          <p:cNvSpPr/>
+          <p:nvPr/>
+        </p:nvSpPr>
+        <p:spPr>
+          <a:xfrm>
+            <a:off x="3425923" y="1494971"/>
+            <a:ext cx="679509" cy="679509"/>
+          </a:xfrm>
+          <a:prstGeom prst="ellipse">
+            <a:avLst/>
+          </a:prstGeom>
+          <a:noFill/>
+          <a:ln>
+            <a:solidFill>
+              <a:schemeClr val="tx1"/>
+            </a:solidFill>
+          </a:ln>
+        </p:spPr>
+        <p:style>
+          <a:lnRef idx="2">
+            <a:schemeClr val="accent1">
+              <a:shade val="50000"/>
+            </a:schemeClr>
+          </a:lnRef>
+          <a:fillRef idx="1">
+            <a:schemeClr val="accent1"/>
+          </a:fillRef>
+          <a:effectRef idx="0">
+            <a:schemeClr val="accent1"/>
+          </a:effectRef>
+          <a:fontRef idx="minor">
+            <a:schemeClr val="lt1"/>
+          </a:fontRef>
+        </p:style>
+        <p:txBody>
+          <a:bodyPr rtlCol="0" anchor="ctr"/>
+          <a:lstStyle/>
+          <a:p>
+            <a:pPr algn="ctr"/>
+            <a:endParaRPr lang="ko-KR" altLang="en-US"/>
+          </a:p>
+        </p:txBody>
+      </p:sp>
+      <p:sp>
+        <p:nvSpPr>
+          <p:cNvPr id="11" name="타원 10">
+            <a:extLst>
+              <a:ext uri="{FF2B5EF4-FFF2-40B4-BE49-F238E27FC236}">
+                <a16:creationId xmlns:a16="http://schemas.microsoft.com/office/drawing/2014/main" id="{28032613-F5FF-468E-9DDD-7B14BB38EE9A}"/>
+              </a:ext>
+            </a:extLst>
+          </p:cNvPr>
+          <p:cNvSpPr/>
+          <p:nvPr/>
+        </p:nvSpPr>
+        <p:spPr>
+          <a:xfrm>
+            <a:off x="4444487" y="1494971"/>
+            <a:ext cx="679509" cy="679509"/>
+          </a:xfrm>
+          <a:prstGeom prst="ellipse">
+            <a:avLst/>
+          </a:prstGeom>
+          <a:noFill/>
+          <a:ln>
+            <a:solidFill>
+              <a:schemeClr val="tx1"/>
+            </a:solidFill>
+          </a:ln>
+        </p:spPr>
+        <p:style>
+          <a:lnRef idx="2">
+            <a:schemeClr val="accent1">
+              <a:shade val="50000"/>
+            </a:schemeClr>
+          </a:lnRef>
+          <a:fillRef idx="1">
+            <a:schemeClr val="accent1"/>
+          </a:fillRef>
+          <a:effectRef idx="0">
+            <a:schemeClr val="accent1"/>
+          </a:effectRef>
+          <a:fontRef idx="minor">
+            <a:schemeClr val="lt1"/>
+          </a:fontRef>
+        </p:style>
+        <p:txBody>
+          <a:bodyPr rtlCol="0" anchor="ctr"/>
+          <a:lstStyle/>
+          <a:p>
+            <a:pPr algn="ctr"/>
+            <a:endParaRPr lang="ko-KR" altLang="en-US"/>
+          </a:p>
+        </p:txBody>
+      </p:sp>
+      <p:sp>
+        <p:nvSpPr>
+          <p:cNvPr id="15" name="타원 14">
+            <a:extLst>
+              <a:ext uri="{FF2B5EF4-FFF2-40B4-BE49-F238E27FC236}">
+                <a16:creationId xmlns:a16="http://schemas.microsoft.com/office/drawing/2014/main" id="{C198E1B8-43D8-46AF-876F-4C2DEB56CA3F}"/>
+              </a:ext>
+            </a:extLst>
+          </p:cNvPr>
+          <p:cNvSpPr/>
+          <p:nvPr/>
+        </p:nvSpPr>
+        <p:spPr>
+          <a:xfrm>
+            <a:off x="1728551" y="3420861"/>
+            <a:ext cx="679509" cy="679509"/>
+          </a:xfrm>
+          <a:prstGeom prst="ellipse">
+            <a:avLst/>
+          </a:prstGeom>
+          <a:noFill/>
+          <a:ln>
+            <a:solidFill>
+              <a:schemeClr val="tx1"/>
+            </a:solidFill>
+          </a:ln>
+        </p:spPr>
+        <p:style>
+          <a:lnRef idx="2">
+            <a:schemeClr val="accent1">
+              <a:shade val="50000"/>
+            </a:schemeClr>
+          </a:lnRef>
+          <a:fillRef idx="1">
+            <a:schemeClr val="accent1"/>
+          </a:fillRef>
+          <a:effectRef idx="0">
+            <a:schemeClr val="accent1"/>
+          </a:effectRef>
+          <a:fontRef idx="minor">
+            <a:schemeClr val="lt1"/>
+          </a:fontRef>
+        </p:style>
+        <p:txBody>
+          <a:bodyPr rtlCol="0" anchor="ctr"/>
+          <a:lstStyle/>
+          <a:p>
+            <a:pPr algn="ctr"/>
+            <a:endParaRPr lang="ko-KR" altLang="en-US"/>
+          </a:p>
+        </p:txBody>
+      </p:sp>
+      <p:sp>
+        <p:nvSpPr>
+          <p:cNvPr id="16" name="타원 15">
+            <a:extLst>
+              <a:ext uri="{FF2B5EF4-FFF2-40B4-BE49-F238E27FC236}">
+                <a16:creationId xmlns:a16="http://schemas.microsoft.com/office/drawing/2014/main" id="{9D488C00-2D66-4D29-A819-1816D66839DD}"/>
+              </a:ext>
+            </a:extLst>
+          </p:cNvPr>
+          <p:cNvSpPr/>
+          <p:nvPr/>
+        </p:nvSpPr>
+        <p:spPr>
+          <a:xfrm>
+            <a:off x="2859054" y="3420861"/>
+            <a:ext cx="679509" cy="679509"/>
+          </a:xfrm>
+          <a:prstGeom prst="ellipse">
+            <a:avLst/>
+          </a:prstGeom>
+          <a:noFill/>
+          <a:ln>
+            <a:solidFill>
+              <a:schemeClr val="tx1"/>
+            </a:solidFill>
+          </a:ln>
+        </p:spPr>
+        <p:style>
+          <a:lnRef idx="2">
+            <a:schemeClr val="accent1">
+              <a:shade val="50000"/>
+            </a:schemeClr>
+          </a:lnRef>
+          <a:fillRef idx="1">
+            <a:schemeClr val="accent1"/>
+          </a:fillRef>
+          <a:effectRef idx="0">
+            <a:schemeClr val="accent1"/>
+          </a:effectRef>
+          <a:fontRef idx="minor">
+            <a:schemeClr val="lt1"/>
+          </a:fontRef>
+        </p:style>
+        <p:txBody>
+          <a:bodyPr rtlCol="0" anchor="ctr"/>
+          <a:lstStyle/>
+          <a:p>
+            <a:pPr algn="ctr"/>
+            <a:endParaRPr lang="ko-KR" altLang="en-US"/>
+          </a:p>
+        </p:txBody>
+      </p:sp>
+      <p:sp>
+        <p:nvSpPr>
+          <p:cNvPr id="17" name="타원 16">
+            <a:extLst>
+              <a:ext uri="{FF2B5EF4-FFF2-40B4-BE49-F238E27FC236}">
+                <a16:creationId xmlns:a16="http://schemas.microsoft.com/office/drawing/2014/main" id="{BB543E5E-540E-4EBF-8757-33B19886D5DC}"/>
+              </a:ext>
+            </a:extLst>
+          </p:cNvPr>
+          <p:cNvSpPr/>
+          <p:nvPr/>
+        </p:nvSpPr>
+        <p:spPr>
+          <a:xfrm>
+            <a:off x="3989558" y="3420861"/>
+            <a:ext cx="679509" cy="679509"/>
+          </a:xfrm>
+          <a:prstGeom prst="ellipse">
+            <a:avLst/>
+          </a:prstGeom>
+          <a:noFill/>
+          <a:ln>
+            <a:solidFill>
+              <a:schemeClr val="tx1"/>
+            </a:solidFill>
+          </a:ln>
+        </p:spPr>
+        <p:style>
+          <a:lnRef idx="2">
+            <a:schemeClr val="accent1">
+              <a:shade val="50000"/>
+            </a:schemeClr>
+          </a:lnRef>
+          <a:fillRef idx="1">
+            <a:schemeClr val="accent1"/>
+          </a:fillRef>
+          <a:effectRef idx="0">
+            <a:schemeClr val="accent1"/>
+          </a:effectRef>
+          <a:fontRef idx="minor">
+            <a:schemeClr val="lt1"/>
+          </a:fontRef>
+        </p:style>
+        <p:txBody>
+          <a:bodyPr rtlCol="0" anchor="ctr"/>
+          <a:lstStyle/>
+          <a:p>
+            <a:pPr algn="ctr"/>
+            <a:endParaRPr lang="ko-KR" altLang="en-US"/>
+          </a:p>
+        </p:txBody>
+      </p:sp>
+      <p:sp>
+        <p:nvSpPr>
+          <p:cNvPr id="20" name="TextBox 19">
+            <a:extLst>
+              <a:ext uri="{FF2B5EF4-FFF2-40B4-BE49-F238E27FC236}">
+                <a16:creationId xmlns:a16="http://schemas.microsoft.com/office/drawing/2014/main" id="{0C4332E1-830C-448A-8F6A-47B9020657CF}"/>
+              </a:ext>
+            </a:extLst>
+          </p:cNvPr>
+          <p:cNvSpPr txBox="1"/>
+          <p:nvPr/>
+        </p:nvSpPr>
+        <p:spPr>
+          <a:xfrm>
+            <a:off x="705029" y="1573114"/>
+            <a:ext cx="429652" cy="523220"/>
+          </a:xfrm>
+          <a:prstGeom prst="rect">
+            <a:avLst/>
+          </a:prstGeom>
+          <a:noFill/>
+        </p:spPr>
+        <p:txBody>
+          <a:bodyPr wrap="square" rtlCol="0">
+            <a:spAutoFit/>
+          </a:bodyPr>
+          <a:lstStyle/>
+          <a:p>
+            <a:r>
+              <a:rPr lang="en-US" altLang="ko-KR" sz="2800" dirty="0"/>
+              <a:t>h</a:t>
+            </a:r>
+            <a:endParaRPr lang="ko-KR" altLang="en-US" sz="2800" dirty="0"/>
+          </a:p>
+        </p:txBody>
+      </p:sp>
+      <p:sp>
+        <p:nvSpPr>
+          <p:cNvPr id="21" name="TextBox 20">
+            <a:extLst>
+              <a:ext uri="{FF2B5EF4-FFF2-40B4-BE49-F238E27FC236}">
+                <a16:creationId xmlns:a16="http://schemas.microsoft.com/office/drawing/2014/main" id="{7F32DED0-834D-446E-A436-BFB74095C0A8}"/>
+              </a:ext>
+            </a:extLst>
+          </p:cNvPr>
+          <p:cNvSpPr txBox="1"/>
+          <p:nvPr/>
+        </p:nvSpPr>
+        <p:spPr>
+          <a:xfrm>
+            <a:off x="1201307" y="3507394"/>
+            <a:ext cx="346570" cy="523220"/>
+          </a:xfrm>
+          <a:prstGeom prst="rect">
+            <a:avLst/>
+          </a:prstGeom>
+          <a:noFill/>
+        </p:spPr>
+        <p:txBody>
+          <a:bodyPr wrap="none" rtlCol="0">
+            <a:spAutoFit/>
+          </a:bodyPr>
+          <a:lstStyle/>
+          <a:p>
+            <a:r>
+              <a:rPr lang="en-US" altLang="ko-KR" sz="2800" dirty="0"/>
+              <a:t>v</a:t>
+            </a:r>
+            <a:endParaRPr lang="ko-KR" altLang="en-US" sz="2800" dirty="0"/>
+          </a:p>
+        </p:txBody>
+      </p:sp>
+      <p:cxnSp>
+        <p:nvCxnSpPr>
+          <p:cNvPr id="36" name="직선 화살표 연결선 35">
+            <a:extLst>
+              <a:ext uri="{FF2B5EF4-FFF2-40B4-BE49-F238E27FC236}">
+                <a16:creationId xmlns:a16="http://schemas.microsoft.com/office/drawing/2014/main" id="{82B6F821-1AF2-413E-8B99-59C1D6413D0E}"/>
+              </a:ext>
+            </a:extLst>
+          </p:cNvPr>
+          <p:cNvCxnSpPr>
+            <a:stCxn id="16" idx="0"/>
+            <a:endCxn id="8" idx="4"/>
+          </p:cNvCxnSpPr>
+          <p:nvPr/>
+        </p:nvCxnSpPr>
+        <p:spPr>
+          <a:xfrm flipH="1" flipV="1">
+            <a:off x="1728552" y="2174480"/>
+            <a:ext cx="1470257" cy="1246381"/>
+          </a:xfrm>
+          <a:prstGeom prst="straightConnector1">
+            <a:avLst/>
+          </a:prstGeom>
+          <a:ln w="38100">
+            <a:solidFill>
+              <a:schemeClr val="accent4"/>
+            </a:solidFill>
+            <a:tailEnd type="triangle"/>
+          </a:ln>
+        </p:spPr>
+        <p:style>
+          <a:lnRef idx="1">
+            <a:schemeClr val="accent1"/>
+          </a:lnRef>
+          <a:fillRef idx="0">
+            <a:schemeClr val="accent1"/>
+          </a:fillRef>
+          <a:effectRef idx="0">
+            <a:schemeClr val="accent1"/>
+          </a:effectRef>
+          <a:fontRef idx="minor">
+            <a:schemeClr val="tx1"/>
+          </a:fontRef>
+        </p:style>
+      </p:cxnSp>
+      <p:cxnSp>
+        <p:nvCxnSpPr>
+          <p:cNvPr id="38" name="직선 화살표 연결선 37">
+            <a:extLst>
+              <a:ext uri="{FF2B5EF4-FFF2-40B4-BE49-F238E27FC236}">
+                <a16:creationId xmlns:a16="http://schemas.microsoft.com/office/drawing/2014/main" id="{1A0B8DEB-397F-4EC7-987D-0933A09D9282}"/>
+              </a:ext>
+            </a:extLst>
+          </p:cNvPr>
+          <p:cNvCxnSpPr>
+            <a:stCxn id="16" idx="0"/>
+            <a:endCxn id="9" idx="4"/>
+          </p:cNvCxnSpPr>
+          <p:nvPr/>
+        </p:nvCxnSpPr>
+        <p:spPr>
+          <a:xfrm flipH="1" flipV="1">
+            <a:off x="2747115" y="2174480"/>
+            <a:ext cx="451694" cy="1246381"/>
+          </a:xfrm>
+          <a:prstGeom prst="straightConnector1">
+            <a:avLst/>
+          </a:prstGeom>
+          <a:ln w="38100">
+            <a:solidFill>
+              <a:schemeClr val="accent4"/>
+            </a:solidFill>
+            <a:tailEnd type="triangle"/>
+          </a:ln>
+        </p:spPr>
+        <p:style>
+          <a:lnRef idx="1">
+            <a:schemeClr val="accent1"/>
+          </a:lnRef>
+          <a:fillRef idx="0">
+            <a:schemeClr val="accent1"/>
+          </a:fillRef>
+          <a:effectRef idx="0">
+            <a:schemeClr val="accent1"/>
+          </a:effectRef>
+          <a:fontRef idx="minor">
+            <a:schemeClr val="tx1"/>
+          </a:fontRef>
+        </p:style>
+      </p:cxnSp>
+      <p:cxnSp>
+        <p:nvCxnSpPr>
+          <p:cNvPr id="40" name="직선 화살표 연결선 39">
+            <a:extLst>
+              <a:ext uri="{FF2B5EF4-FFF2-40B4-BE49-F238E27FC236}">
+                <a16:creationId xmlns:a16="http://schemas.microsoft.com/office/drawing/2014/main" id="{4B3113FD-B88E-495F-B03F-4B68F987EE7D}"/>
+              </a:ext>
+            </a:extLst>
+          </p:cNvPr>
+          <p:cNvCxnSpPr>
+            <a:stCxn id="16" idx="0"/>
+            <a:endCxn id="10" idx="4"/>
+          </p:cNvCxnSpPr>
+          <p:nvPr/>
+        </p:nvCxnSpPr>
+        <p:spPr>
+          <a:xfrm flipV="1">
+            <a:off x="3198809" y="2174480"/>
+            <a:ext cx="566869" cy="1246381"/>
+          </a:xfrm>
+          <a:prstGeom prst="straightConnector1">
+            <a:avLst/>
+          </a:prstGeom>
+          <a:ln w="38100">
+            <a:solidFill>
+              <a:schemeClr val="accent4"/>
+            </a:solidFill>
+            <a:tailEnd type="triangle"/>
+          </a:ln>
+        </p:spPr>
+        <p:style>
+          <a:lnRef idx="1">
+            <a:schemeClr val="accent1"/>
+          </a:lnRef>
+          <a:fillRef idx="0">
+            <a:schemeClr val="accent1"/>
+          </a:fillRef>
+          <a:effectRef idx="0">
+            <a:schemeClr val="accent1"/>
+          </a:effectRef>
+          <a:fontRef idx="minor">
+            <a:schemeClr val="tx1"/>
+          </a:fontRef>
+        </p:style>
+      </p:cxnSp>
+      <p:cxnSp>
+        <p:nvCxnSpPr>
+          <p:cNvPr id="42" name="직선 화살표 연결선 41">
+            <a:extLst>
+              <a:ext uri="{FF2B5EF4-FFF2-40B4-BE49-F238E27FC236}">
+                <a16:creationId xmlns:a16="http://schemas.microsoft.com/office/drawing/2014/main" id="{C2F7EA43-0BDE-4728-9DC0-0819989F4340}"/>
+              </a:ext>
+            </a:extLst>
+          </p:cNvPr>
+          <p:cNvCxnSpPr>
+            <a:stCxn id="16" idx="0"/>
+            <a:endCxn id="11" idx="4"/>
+          </p:cNvCxnSpPr>
+          <p:nvPr/>
+        </p:nvCxnSpPr>
+        <p:spPr>
+          <a:xfrm flipV="1">
+            <a:off x="3198809" y="2174480"/>
+            <a:ext cx="1585433" cy="1246381"/>
+          </a:xfrm>
+          <a:prstGeom prst="straightConnector1">
+            <a:avLst/>
+          </a:prstGeom>
+          <a:ln w="38100">
+            <a:solidFill>
+              <a:schemeClr val="accent4"/>
+            </a:solidFill>
+            <a:tailEnd type="triangle"/>
+          </a:ln>
+        </p:spPr>
+        <p:style>
+          <a:lnRef idx="1">
+            <a:schemeClr val="accent1"/>
+          </a:lnRef>
+          <a:fillRef idx="0">
+            <a:schemeClr val="accent1"/>
+          </a:fillRef>
+          <a:effectRef idx="0">
+            <a:schemeClr val="accent1"/>
+          </a:effectRef>
+          <a:fontRef idx="minor">
+            <a:schemeClr val="tx1"/>
+          </a:fontRef>
+        </p:style>
+      </p:cxnSp>
+      <p:cxnSp>
+        <p:nvCxnSpPr>
+          <p:cNvPr id="44" name="직선 화살표 연결선 43">
+            <a:extLst>
+              <a:ext uri="{FF2B5EF4-FFF2-40B4-BE49-F238E27FC236}">
+                <a16:creationId xmlns:a16="http://schemas.microsoft.com/office/drawing/2014/main" id="{51E10913-C401-4231-885D-0F2605D4DD7A}"/>
+              </a:ext>
+            </a:extLst>
+          </p:cNvPr>
+          <p:cNvCxnSpPr>
+            <a:stCxn id="17" idx="0"/>
+            <a:endCxn id="8" idx="4"/>
+          </p:cNvCxnSpPr>
+          <p:nvPr/>
+        </p:nvCxnSpPr>
+        <p:spPr>
+          <a:xfrm flipH="1" flipV="1">
+            <a:off x="1728552" y="2174480"/>
+            <a:ext cx="2600761" cy="1246381"/>
+          </a:xfrm>
+          <a:prstGeom prst="straightConnector1">
+            <a:avLst/>
+          </a:prstGeom>
+          <a:ln w="28575">
+            <a:solidFill>
+              <a:schemeClr val="accent4"/>
+            </a:solidFill>
+            <a:tailEnd type="triangle"/>
+          </a:ln>
+        </p:spPr>
+        <p:style>
+          <a:lnRef idx="1">
+            <a:schemeClr val="accent1"/>
+          </a:lnRef>
+          <a:fillRef idx="0">
+            <a:schemeClr val="accent1"/>
+          </a:fillRef>
+          <a:effectRef idx="0">
+            <a:schemeClr val="accent1"/>
+          </a:effectRef>
+          <a:fontRef idx="minor">
+            <a:schemeClr val="tx1"/>
+          </a:fontRef>
+        </p:style>
+      </p:cxnSp>
+      <p:cxnSp>
+        <p:nvCxnSpPr>
+          <p:cNvPr id="46" name="직선 화살표 연결선 45">
+            <a:extLst>
+              <a:ext uri="{FF2B5EF4-FFF2-40B4-BE49-F238E27FC236}">
+                <a16:creationId xmlns:a16="http://schemas.microsoft.com/office/drawing/2014/main" id="{45D754E6-BE57-46D7-BFAC-93BB46FCAA91}"/>
+              </a:ext>
+            </a:extLst>
+          </p:cNvPr>
+          <p:cNvCxnSpPr>
+            <a:stCxn id="17" idx="0"/>
+            <a:endCxn id="9" idx="4"/>
+          </p:cNvCxnSpPr>
+          <p:nvPr/>
+        </p:nvCxnSpPr>
+        <p:spPr>
+          <a:xfrm flipH="1" flipV="1">
+            <a:off x="2747115" y="2174480"/>
+            <a:ext cx="1582198" cy="1246381"/>
+          </a:xfrm>
+          <a:prstGeom prst="straightConnector1">
+            <a:avLst/>
+          </a:prstGeom>
+          <a:ln w="28575">
+            <a:solidFill>
+              <a:schemeClr val="accent4"/>
+            </a:solidFill>
+            <a:tailEnd type="triangle"/>
+          </a:ln>
+        </p:spPr>
+        <p:style>
+          <a:lnRef idx="1">
+            <a:schemeClr val="accent1"/>
+          </a:lnRef>
+          <a:fillRef idx="0">
+            <a:schemeClr val="accent1"/>
+          </a:fillRef>
+          <a:effectRef idx="0">
+            <a:schemeClr val="accent1"/>
+          </a:effectRef>
+          <a:fontRef idx="minor">
+            <a:schemeClr val="tx1"/>
+          </a:fontRef>
+        </p:style>
+      </p:cxnSp>
+      <p:cxnSp>
+        <p:nvCxnSpPr>
+          <p:cNvPr id="48" name="직선 화살표 연결선 47">
+            <a:extLst>
+              <a:ext uri="{FF2B5EF4-FFF2-40B4-BE49-F238E27FC236}">
+                <a16:creationId xmlns:a16="http://schemas.microsoft.com/office/drawing/2014/main" id="{03C0FCC2-9D7C-4D7A-9151-5D680F3DD842}"/>
+              </a:ext>
+            </a:extLst>
+          </p:cNvPr>
+          <p:cNvCxnSpPr>
+            <a:stCxn id="17" idx="0"/>
+            <a:endCxn id="10" idx="4"/>
+          </p:cNvCxnSpPr>
+          <p:nvPr/>
+        </p:nvCxnSpPr>
+        <p:spPr>
+          <a:xfrm flipH="1" flipV="1">
+            <a:off x="3765678" y="2174480"/>
+            <a:ext cx="563635" cy="1246381"/>
+          </a:xfrm>
+          <a:prstGeom prst="straightConnector1">
+            <a:avLst/>
+          </a:prstGeom>
+          <a:ln w="28575">
+            <a:solidFill>
+              <a:schemeClr val="accent4"/>
+            </a:solidFill>
+            <a:tailEnd type="triangle"/>
+          </a:ln>
+        </p:spPr>
+        <p:style>
+          <a:lnRef idx="1">
+            <a:schemeClr val="accent1"/>
+          </a:lnRef>
+          <a:fillRef idx="0">
+            <a:schemeClr val="accent1"/>
+          </a:fillRef>
+          <a:effectRef idx="0">
+            <a:schemeClr val="accent1"/>
+          </a:effectRef>
+          <a:fontRef idx="minor">
+            <a:schemeClr val="tx1"/>
+          </a:fontRef>
+        </p:style>
+      </p:cxnSp>
+      <p:cxnSp>
+        <p:nvCxnSpPr>
+          <p:cNvPr id="50" name="직선 화살표 연결선 49">
+            <a:extLst>
+              <a:ext uri="{FF2B5EF4-FFF2-40B4-BE49-F238E27FC236}">
+                <a16:creationId xmlns:a16="http://schemas.microsoft.com/office/drawing/2014/main" id="{57B059A0-BE9B-48C3-99A4-A0C23233377E}"/>
+              </a:ext>
+            </a:extLst>
+          </p:cNvPr>
+          <p:cNvCxnSpPr>
+            <a:stCxn id="17" idx="0"/>
+            <a:endCxn id="11" idx="4"/>
+          </p:cNvCxnSpPr>
+          <p:nvPr/>
+        </p:nvCxnSpPr>
+        <p:spPr>
+          <a:xfrm flipV="1">
+            <a:off x="4329313" y="2174480"/>
+            <a:ext cx="454929" cy="1246381"/>
+          </a:xfrm>
+          <a:prstGeom prst="straightConnector1">
+            <a:avLst/>
+          </a:prstGeom>
+          <a:ln w="28575">
+            <a:solidFill>
+              <a:schemeClr val="accent4"/>
+            </a:solidFill>
+            <a:tailEnd type="triangle"/>
+          </a:ln>
+        </p:spPr>
+        <p:style>
+          <a:lnRef idx="1">
+            <a:schemeClr val="accent1"/>
+          </a:lnRef>
+          <a:fillRef idx="0">
+            <a:schemeClr val="accent1"/>
+          </a:fillRef>
+          <a:effectRef idx="0">
+            <a:schemeClr val="accent1"/>
+          </a:effectRef>
+          <a:fontRef idx="minor">
+            <a:schemeClr val="tx1"/>
+          </a:fontRef>
+        </p:style>
+      </p:cxnSp>
+      <p:cxnSp>
+        <p:nvCxnSpPr>
+          <p:cNvPr id="25" name="직선 화살표 연결선 24">
+            <a:extLst>
+              <a:ext uri="{FF2B5EF4-FFF2-40B4-BE49-F238E27FC236}">
+                <a16:creationId xmlns:a16="http://schemas.microsoft.com/office/drawing/2014/main" id="{3D0FA0AB-9D0A-439A-954C-633542A02FA3}"/>
+              </a:ext>
+            </a:extLst>
+          </p:cNvPr>
+          <p:cNvCxnSpPr>
+            <a:stCxn id="15" idx="0"/>
+            <a:endCxn id="8" idx="4"/>
+          </p:cNvCxnSpPr>
+          <p:nvPr/>
+        </p:nvCxnSpPr>
+        <p:spPr>
+          <a:xfrm flipH="1" flipV="1">
+            <a:off x="1728552" y="2174480"/>
+            <a:ext cx="339754" cy="1246381"/>
+          </a:xfrm>
+          <a:prstGeom prst="straightConnector1">
+            <a:avLst/>
+          </a:prstGeom>
+          <a:ln w="38100">
+            <a:solidFill>
+              <a:srgbClr val="FF0000"/>
+            </a:solidFill>
+            <a:tailEnd type="triangle"/>
+          </a:ln>
+        </p:spPr>
+        <p:style>
+          <a:lnRef idx="1">
+            <a:schemeClr val="accent1"/>
+          </a:lnRef>
+          <a:fillRef idx="0">
+            <a:schemeClr val="accent1"/>
+          </a:fillRef>
+          <a:effectRef idx="0">
+            <a:schemeClr val="accent1"/>
+          </a:effectRef>
+          <a:fontRef idx="minor">
+            <a:schemeClr val="tx1"/>
+          </a:fontRef>
+        </p:style>
+      </p:cxnSp>
+      <p:cxnSp>
+        <p:nvCxnSpPr>
+          <p:cNvPr id="27" name="직선 화살표 연결선 26">
+            <a:extLst>
+              <a:ext uri="{FF2B5EF4-FFF2-40B4-BE49-F238E27FC236}">
+                <a16:creationId xmlns:a16="http://schemas.microsoft.com/office/drawing/2014/main" id="{35C5980E-9DFF-45A1-AD35-7C3D18BF89AC}"/>
+              </a:ext>
+            </a:extLst>
+          </p:cNvPr>
+          <p:cNvCxnSpPr>
+            <a:stCxn id="15" idx="0"/>
+            <a:endCxn id="9" idx="4"/>
+          </p:cNvCxnSpPr>
+          <p:nvPr/>
+        </p:nvCxnSpPr>
+        <p:spPr>
+          <a:xfrm flipV="1">
+            <a:off x="2068306" y="2174480"/>
+            <a:ext cx="678809" cy="1246381"/>
+          </a:xfrm>
+          <a:prstGeom prst="straightConnector1">
+            <a:avLst/>
+          </a:prstGeom>
+          <a:ln w="38100">
+            <a:solidFill>
+              <a:srgbClr val="FF0000"/>
+            </a:solidFill>
+            <a:tailEnd type="triangle"/>
+          </a:ln>
+        </p:spPr>
+        <p:style>
+          <a:lnRef idx="1">
+            <a:schemeClr val="accent1"/>
+          </a:lnRef>
+          <a:fillRef idx="0">
+            <a:schemeClr val="accent1"/>
+          </a:fillRef>
+          <a:effectRef idx="0">
+            <a:schemeClr val="accent1"/>
+          </a:effectRef>
+          <a:fontRef idx="minor">
+            <a:schemeClr val="tx1"/>
+          </a:fontRef>
+        </p:style>
+      </p:cxnSp>
+      <p:cxnSp>
+        <p:nvCxnSpPr>
+          <p:cNvPr id="29" name="직선 화살표 연결선 28">
+            <a:extLst>
+              <a:ext uri="{FF2B5EF4-FFF2-40B4-BE49-F238E27FC236}">
+                <a16:creationId xmlns:a16="http://schemas.microsoft.com/office/drawing/2014/main" id="{75ADD8B4-CCE5-471E-A731-E4DBD53EA71A}"/>
+              </a:ext>
+            </a:extLst>
+          </p:cNvPr>
+          <p:cNvCxnSpPr>
+            <a:cxnSpLocks/>
+            <a:stCxn id="15" idx="0"/>
+            <a:endCxn id="10" idx="4"/>
+          </p:cNvCxnSpPr>
+          <p:nvPr/>
+        </p:nvCxnSpPr>
+        <p:spPr>
+          <a:xfrm flipV="1">
+            <a:off x="2068306" y="2174480"/>
+            <a:ext cx="1697372" cy="1246381"/>
+          </a:xfrm>
+          <a:prstGeom prst="straightConnector1">
+            <a:avLst/>
+          </a:prstGeom>
+          <a:ln w="38100">
+            <a:solidFill>
+              <a:srgbClr val="FF0000"/>
+            </a:solidFill>
+            <a:tailEnd type="triangle"/>
+          </a:ln>
+        </p:spPr>
+        <p:style>
+          <a:lnRef idx="1">
+            <a:schemeClr val="accent1"/>
+          </a:lnRef>
+          <a:fillRef idx="0">
+            <a:schemeClr val="accent1"/>
+          </a:fillRef>
+          <a:effectRef idx="0">
+            <a:schemeClr val="accent1"/>
+          </a:effectRef>
+          <a:fontRef idx="minor">
+            <a:schemeClr val="tx1"/>
+          </a:fontRef>
+        </p:style>
+      </p:cxnSp>
+      <p:cxnSp>
+        <p:nvCxnSpPr>
+          <p:cNvPr id="32" name="직선 화살표 연결선 31">
+            <a:extLst>
+              <a:ext uri="{FF2B5EF4-FFF2-40B4-BE49-F238E27FC236}">
+                <a16:creationId xmlns:a16="http://schemas.microsoft.com/office/drawing/2014/main" id="{4764F30C-9E64-4E98-874A-626C1E35A21B}"/>
+              </a:ext>
+            </a:extLst>
+          </p:cNvPr>
+          <p:cNvCxnSpPr>
+            <a:cxnSpLocks/>
+            <a:stCxn id="15" idx="0"/>
+            <a:endCxn id="11" idx="4"/>
+          </p:cNvCxnSpPr>
+          <p:nvPr/>
+        </p:nvCxnSpPr>
+        <p:spPr>
+          <a:xfrm flipV="1">
+            <a:off x="2068306" y="2174480"/>
+            <a:ext cx="2715936" cy="1246381"/>
+          </a:xfrm>
+          <a:prstGeom prst="straightConnector1">
+            <a:avLst/>
+          </a:prstGeom>
+          <a:ln w="38100">
+            <a:solidFill>
+              <a:srgbClr val="FF0000"/>
+            </a:solidFill>
+            <a:tailEnd type="triangle"/>
+          </a:ln>
+        </p:spPr>
+        <p:style>
+          <a:lnRef idx="1">
+            <a:schemeClr val="accent1"/>
+          </a:lnRef>
+          <a:fillRef idx="0">
+            <a:schemeClr val="accent1"/>
+          </a:fillRef>
+          <a:effectRef idx="0">
+            <a:schemeClr val="accent1"/>
+          </a:effectRef>
+          <a:fontRef idx="minor">
+            <a:schemeClr val="tx1"/>
+          </a:fontRef>
+        </p:style>
+      </p:cxnSp>
+      <p:sp>
+        <p:nvSpPr>
+          <p:cNvPr id="51" name="타원 50">
+            <a:extLst>
+              <a:ext uri="{FF2B5EF4-FFF2-40B4-BE49-F238E27FC236}">
+                <a16:creationId xmlns:a16="http://schemas.microsoft.com/office/drawing/2014/main" id="{55CF92B2-3003-4B95-A37C-9F66D17D6FCF}"/>
+              </a:ext>
+            </a:extLst>
+          </p:cNvPr>
+          <p:cNvSpPr/>
+          <p:nvPr/>
+        </p:nvSpPr>
+        <p:spPr>
+          <a:xfrm>
+            <a:off x="7532303" y="1494971"/>
+            <a:ext cx="679509" cy="679509"/>
+          </a:xfrm>
+          <a:prstGeom prst="ellipse">
+            <a:avLst/>
+          </a:prstGeom>
+          <a:noFill/>
+          <a:ln>
+            <a:solidFill>
+              <a:schemeClr val="tx1"/>
+            </a:solidFill>
+          </a:ln>
+        </p:spPr>
+        <p:style>
+          <a:lnRef idx="2">
+            <a:schemeClr val="accent1">
+              <a:shade val="50000"/>
+            </a:schemeClr>
+          </a:lnRef>
+          <a:fillRef idx="1">
+            <a:schemeClr val="accent1"/>
+          </a:fillRef>
+          <a:effectRef idx="0">
+            <a:schemeClr val="accent1"/>
+          </a:effectRef>
+          <a:fontRef idx="minor">
+            <a:schemeClr val="lt1"/>
+          </a:fontRef>
+        </p:style>
+        <p:txBody>
+          <a:bodyPr rtlCol="0" anchor="ctr"/>
+          <a:lstStyle/>
+          <a:p>
+            <a:pPr algn="ctr"/>
+            <a:endParaRPr lang="ko-KR" altLang="en-US"/>
+          </a:p>
+        </p:txBody>
+      </p:sp>
+      <p:sp>
+        <p:nvSpPr>
+          <p:cNvPr id="52" name="타원 51">
+            <a:extLst>
+              <a:ext uri="{FF2B5EF4-FFF2-40B4-BE49-F238E27FC236}">
+                <a16:creationId xmlns:a16="http://schemas.microsoft.com/office/drawing/2014/main" id="{25789C46-4166-40F2-909A-3B4BDB2A7380}"/>
+              </a:ext>
+            </a:extLst>
+          </p:cNvPr>
+          <p:cNvSpPr/>
+          <p:nvPr/>
+        </p:nvSpPr>
+        <p:spPr>
+          <a:xfrm>
+            <a:off x="8550866" y="1494971"/>
+            <a:ext cx="679509" cy="679509"/>
+          </a:xfrm>
+          <a:prstGeom prst="ellipse">
+            <a:avLst/>
+          </a:prstGeom>
+          <a:noFill/>
+          <a:ln>
+            <a:solidFill>
+              <a:schemeClr val="tx1"/>
+            </a:solidFill>
+          </a:ln>
+        </p:spPr>
+        <p:style>
+          <a:lnRef idx="2">
+            <a:schemeClr val="accent1">
+              <a:shade val="50000"/>
+            </a:schemeClr>
+          </a:lnRef>
+          <a:fillRef idx="1">
+            <a:schemeClr val="accent1"/>
+          </a:fillRef>
+          <a:effectRef idx="0">
+            <a:schemeClr val="accent1"/>
+          </a:effectRef>
+          <a:fontRef idx="minor">
+            <a:schemeClr val="lt1"/>
+          </a:fontRef>
+        </p:style>
+        <p:txBody>
+          <a:bodyPr rtlCol="0" anchor="ctr"/>
+          <a:lstStyle/>
+          <a:p>
+            <a:pPr algn="ctr"/>
+            <a:endParaRPr lang="ko-KR" altLang="en-US"/>
+          </a:p>
+        </p:txBody>
+      </p:sp>
+      <p:sp>
+        <p:nvSpPr>
+          <p:cNvPr id="53" name="타원 52">
+            <a:extLst>
+              <a:ext uri="{FF2B5EF4-FFF2-40B4-BE49-F238E27FC236}">
+                <a16:creationId xmlns:a16="http://schemas.microsoft.com/office/drawing/2014/main" id="{DEC20875-17E6-47CD-9EE9-04AF3E6B8D2B}"/>
+              </a:ext>
+            </a:extLst>
+          </p:cNvPr>
+          <p:cNvSpPr/>
+          <p:nvPr/>
+        </p:nvSpPr>
+        <p:spPr>
+          <a:xfrm>
+            <a:off x="9569429" y="1494971"/>
+            <a:ext cx="679509" cy="679509"/>
+          </a:xfrm>
+          <a:prstGeom prst="ellipse">
+            <a:avLst/>
+          </a:prstGeom>
+          <a:noFill/>
+          <a:ln>
+            <a:solidFill>
+              <a:schemeClr val="tx1"/>
+            </a:solidFill>
+          </a:ln>
+        </p:spPr>
+        <p:style>
+          <a:lnRef idx="2">
+            <a:schemeClr val="accent1">
+              <a:shade val="50000"/>
+            </a:schemeClr>
+          </a:lnRef>
+          <a:fillRef idx="1">
+            <a:schemeClr val="accent1"/>
+          </a:fillRef>
+          <a:effectRef idx="0">
+            <a:schemeClr val="accent1"/>
+          </a:effectRef>
+          <a:fontRef idx="minor">
+            <a:schemeClr val="lt1"/>
+          </a:fontRef>
+        </p:style>
+        <p:txBody>
+          <a:bodyPr rtlCol="0" anchor="ctr"/>
+          <a:lstStyle/>
+          <a:p>
+            <a:pPr algn="ctr"/>
+            <a:endParaRPr lang="ko-KR" altLang="en-US"/>
+          </a:p>
+        </p:txBody>
+      </p:sp>
+      <p:sp>
+        <p:nvSpPr>
+          <p:cNvPr id="54" name="타원 53">
+            <a:extLst>
+              <a:ext uri="{FF2B5EF4-FFF2-40B4-BE49-F238E27FC236}">
+                <a16:creationId xmlns:a16="http://schemas.microsoft.com/office/drawing/2014/main" id="{E38B5DDF-70F3-405B-8C2D-6726DCABB7A2}"/>
+              </a:ext>
+            </a:extLst>
+          </p:cNvPr>
+          <p:cNvSpPr/>
+          <p:nvPr/>
+        </p:nvSpPr>
+        <p:spPr>
+          <a:xfrm>
+            <a:off x="10587993" y="1494971"/>
+            <a:ext cx="679509" cy="679509"/>
+          </a:xfrm>
+          <a:prstGeom prst="ellipse">
+            <a:avLst/>
+          </a:prstGeom>
+          <a:noFill/>
+          <a:ln>
+            <a:solidFill>
+              <a:schemeClr val="tx1"/>
+            </a:solidFill>
+          </a:ln>
+        </p:spPr>
+        <p:style>
+          <a:lnRef idx="2">
+            <a:schemeClr val="accent1">
+              <a:shade val="50000"/>
+            </a:schemeClr>
+          </a:lnRef>
+          <a:fillRef idx="1">
+            <a:schemeClr val="accent1"/>
+          </a:fillRef>
+          <a:effectRef idx="0">
+            <a:schemeClr val="accent1"/>
+          </a:effectRef>
+          <a:fontRef idx="minor">
+            <a:schemeClr val="lt1"/>
+          </a:fontRef>
+        </p:style>
+        <p:txBody>
+          <a:bodyPr rtlCol="0" anchor="ctr"/>
+          <a:lstStyle/>
+          <a:p>
+            <a:pPr algn="ctr"/>
+            <a:endParaRPr lang="ko-KR" altLang="en-US"/>
+          </a:p>
+        </p:txBody>
+      </p:sp>
+      <p:sp>
+        <p:nvSpPr>
+          <p:cNvPr id="55" name="타원 54">
+            <a:extLst>
+              <a:ext uri="{FF2B5EF4-FFF2-40B4-BE49-F238E27FC236}">
+                <a16:creationId xmlns:a16="http://schemas.microsoft.com/office/drawing/2014/main" id="{559BEA0F-447F-463E-8041-F2D946390DFA}"/>
+              </a:ext>
+            </a:extLst>
+          </p:cNvPr>
+          <p:cNvSpPr/>
+          <p:nvPr/>
+        </p:nvSpPr>
+        <p:spPr>
+          <a:xfrm>
+            <a:off x="7872057" y="3420861"/>
+            <a:ext cx="679509" cy="679509"/>
+          </a:xfrm>
+          <a:prstGeom prst="ellipse">
+            <a:avLst/>
+          </a:prstGeom>
+          <a:noFill/>
+          <a:ln>
+            <a:solidFill>
+              <a:schemeClr val="tx1"/>
+            </a:solidFill>
+          </a:ln>
+        </p:spPr>
+        <p:style>
+          <a:lnRef idx="2">
+            <a:schemeClr val="accent1">
+              <a:shade val="50000"/>
+            </a:schemeClr>
+          </a:lnRef>
+          <a:fillRef idx="1">
+            <a:schemeClr val="accent1"/>
+          </a:fillRef>
+          <a:effectRef idx="0">
+            <a:schemeClr val="accent1"/>
+          </a:effectRef>
+          <a:fontRef idx="minor">
+            <a:schemeClr val="lt1"/>
+          </a:fontRef>
+        </p:style>
+        <p:txBody>
+          <a:bodyPr rtlCol="0" anchor="ctr"/>
+          <a:lstStyle/>
+          <a:p>
+            <a:pPr algn="ctr"/>
+            <a:endParaRPr lang="ko-KR" altLang="en-US"/>
+          </a:p>
+        </p:txBody>
+      </p:sp>
+      <p:sp>
+        <p:nvSpPr>
+          <p:cNvPr id="56" name="타원 55">
+            <a:extLst>
+              <a:ext uri="{FF2B5EF4-FFF2-40B4-BE49-F238E27FC236}">
+                <a16:creationId xmlns:a16="http://schemas.microsoft.com/office/drawing/2014/main" id="{083E2E59-08D5-4B51-9E9A-9FB30AC4E907}"/>
+              </a:ext>
+            </a:extLst>
+          </p:cNvPr>
+          <p:cNvSpPr/>
+          <p:nvPr/>
+        </p:nvSpPr>
+        <p:spPr>
+          <a:xfrm>
+            <a:off x="9002560" y="3420861"/>
+            <a:ext cx="679509" cy="679509"/>
+          </a:xfrm>
+          <a:prstGeom prst="ellipse">
+            <a:avLst/>
+          </a:prstGeom>
+          <a:noFill/>
+          <a:ln>
+            <a:solidFill>
+              <a:schemeClr val="tx1"/>
+            </a:solidFill>
+          </a:ln>
+        </p:spPr>
+        <p:style>
+          <a:lnRef idx="2">
+            <a:schemeClr val="accent1">
+              <a:shade val="50000"/>
+            </a:schemeClr>
+          </a:lnRef>
+          <a:fillRef idx="1">
+            <a:schemeClr val="accent1"/>
+          </a:fillRef>
+          <a:effectRef idx="0">
+            <a:schemeClr val="accent1"/>
+          </a:effectRef>
+          <a:fontRef idx="minor">
+            <a:schemeClr val="lt1"/>
+          </a:fontRef>
+        </p:style>
+        <p:txBody>
+          <a:bodyPr rtlCol="0" anchor="ctr"/>
+          <a:lstStyle/>
+          <a:p>
+            <a:pPr algn="ctr"/>
+            <a:endParaRPr lang="ko-KR" altLang="en-US"/>
+          </a:p>
+        </p:txBody>
+      </p:sp>
+      <p:sp>
+        <p:nvSpPr>
+          <p:cNvPr id="57" name="타원 56">
+            <a:extLst>
+              <a:ext uri="{FF2B5EF4-FFF2-40B4-BE49-F238E27FC236}">
+                <a16:creationId xmlns:a16="http://schemas.microsoft.com/office/drawing/2014/main" id="{44FD43DC-A21B-4132-AF4B-680B18D8ED46}"/>
+              </a:ext>
+            </a:extLst>
+          </p:cNvPr>
+          <p:cNvSpPr/>
+          <p:nvPr/>
+        </p:nvSpPr>
+        <p:spPr>
+          <a:xfrm>
+            <a:off x="10133064" y="3420861"/>
+            <a:ext cx="679509" cy="679509"/>
+          </a:xfrm>
+          <a:prstGeom prst="ellipse">
+            <a:avLst/>
+          </a:prstGeom>
+          <a:noFill/>
+          <a:ln>
+            <a:solidFill>
+              <a:schemeClr val="tx1"/>
+            </a:solidFill>
+          </a:ln>
+        </p:spPr>
+        <p:style>
+          <a:lnRef idx="2">
+            <a:schemeClr val="accent1">
+              <a:shade val="50000"/>
+            </a:schemeClr>
+          </a:lnRef>
+          <a:fillRef idx="1">
+            <a:schemeClr val="accent1"/>
+          </a:fillRef>
+          <a:effectRef idx="0">
+            <a:schemeClr val="accent1"/>
+          </a:effectRef>
+          <a:fontRef idx="minor">
+            <a:schemeClr val="lt1"/>
+          </a:fontRef>
+        </p:style>
+        <p:txBody>
+          <a:bodyPr rtlCol="0" anchor="ctr"/>
+          <a:lstStyle/>
+          <a:p>
+            <a:pPr algn="ctr"/>
+            <a:endParaRPr lang="ko-KR" altLang="en-US"/>
+          </a:p>
+        </p:txBody>
+      </p:sp>
+      <p:sp>
+        <p:nvSpPr>
+          <p:cNvPr id="58" name="TextBox 57">
+            <a:extLst>
+              <a:ext uri="{FF2B5EF4-FFF2-40B4-BE49-F238E27FC236}">
+                <a16:creationId xmlns:a16="http://schemas.microsoft.com/office/drawing/2014/main" id="{299ECB3C-EB27-403F-B3BA-E9D81E79E2E5}"/>
+              </a:ext>
+            </a:extLst>
+          </p:cNvPr>
+          <p:cNvSpPr txBox="1"/>
+          <p:nvPr/>
+        </p:nvSpPr>
+        <p:spPr>
+          <a:xfrm>
+            <a:off x="6848535" y="1573114"/>
+            <a:ext cx="429652" cy="523220"/>
+          </a:xfrm>
+          <a:prstGeom prst="rect">
+            <a:avLst/>
+          </a:prstGeom>
+          <a:noFill/>
+        </p:spPr>
+        <p:txBody>
+          <a:bodyPr wrap="square" rtlCol="0">
+            <a:spAutoFit/>
+          </a:bodyPr>
+          <a:lstStyle/>
+          <a:p>
+            <a:r>
+              <a:rPr lang="en-US" altLang="ko-KR" sz="2800" dirty="0"/>
+              <a:t>h</a:t>
+            </a:r>
+            <a:endParaRPr lang="ko-KR" altLang="en-US" sz="2800" dirty="0"/>
+          </a:p>
+        </p:txBody>
+      </p:sp>
+      <p:sp>
+        <p:nvSpPr>
+          <p:cNvPr id="59" name="TextBox 58">
+            <a:extLst>
+              <a:ext uri="{FF2B5EF4-FFF2-40B4-BE49-F238E27FC236}">
+                <a16:creationId xmlns:a16="http://schemas.microsoft.com/office/drawing/2014/main" id="{1896B397-BE21-4709-A484-68FDC64E1316}"/>
+              </a:ext>
+            </a:extLst>
+          </p:cNvPr>
+          <p:cNvSpPr txBox="1"/>
+          <p:nvPr/>
+        </p:nvSpPr>
+        <p:spPr>
+          <a:xfrm>
+            <a:off x="7344813" y="3507394"/>
+            <a:ext cx="346570" cy="523220"/>
+          </a:xfrm>
+          <a:prstGeom prst="rect">
+            <a:avLst/>
+          </a:prstGeom>
+          <a:noFill/>
+        </p:spPr>
+        <p:txBody>
+          <a:bodyPr wrap="none" rtlCol="0">
+            <a:spAutoFit/>
+          </a:bodyPr>
+          <a:lstStyle/>
+          <a:p>
+            <a:r>
+              <a:rPr lang="en-US" altLang="ko-KR" sz="2800" dirty="0"/>
+              <a:t>v</a:t>
+            </a:r>
+            <a:endParaRPr lang="ko-KR" altLang="en-US" sz="2800" dirty="0"/>
+          </a:p>
+        </p:txBody>
+      </p:sp>
+      <p:cxnSp>
+        <p:nvCxnSpPr>
+          <p:cNvPr id="60" name="직선 화살표 연결선 59">
+            <a:extLst>
+              <a:ext uri="{FF2B5EF4-FFF2-40B4-BE49-F238E27FC236}">
+                <a16:creationId xmlns:a16="http://schemas.microsoft.com/office/drawing/2014/main" id="{40F68FCF-4639-4007-AE33-24D2795412F2}"/>
+              </a:ext>
+            </a:extLst>
+          </p:cNvPr>
+          <p:cNvCxnSpPr>
+            <a:cxnSpLocks/>
+            <a:endCxn id="51" idx="4"/>
+          </p:cNvCxnSpPr>
+          <p:nvPr/>
+        </p:nvCxnSpPr>
+        <p:spPr>
+          <a:xfrm flipH="1" flipV="1">
+            <a:off x="7872058" y="2174480"/>
+            <a:ext cx="1308562" cy="1246381"/>
+          </a:xfrm>
+          <a:prstGeom prst="straightConnector1">
+            <a:avLst/>
+          </a:prstGeom>
+          <a:ln w="38100">
+            <a:solidFill>
+              <a:schemeClr val="accent6"/>
+            </a:solidFill>
+            <a:headEnd type="triangle" w="med" len="med"/>
+            <a:tailEnd type="none" w="med" len="med"/>
+          </a:ln>
+        </p:spPr>
+        <p:style>
+          <a:lnRef idx="1">
+            <a:schemeClr val="accent1"/>
+          </a:lnRef>
+          <a:fillRef idx="0">
+            <a:schemeClr val="accent1"/>
+          </a:fillRef>
+          <a:effectRef idx="0">
+            <a:schemeClr val="accent1"/>
+          </a:effectRef>
+          <a:fontRef idx="minor">
+            <a:schemeClr val="tx1"/>
+          </a:fontRef>
+        </p:style>
+      </p:cxnSp>
+      <p:cxnSp>
+        <p:nvCxnSpPr>
+          <p:cNvPr id="61" name="직선 화살표 연결선 60">
+            <a:extLst>
+              <a:ext uri="{FF2B5EF4-FFF2-40B4-BE49-F238E27FC236}">
+                <a16:creationId xmlns:a16="http://schemas.microsoft.com/office/drawing/2014/main" id="{44C8DB64-BC20-41E0-9A0D-81B12785E27B}"/>
+              </a:ext>
+            </a:extLst>
+          </p:cNvPr>
+          <p:cNvCxnSpPr>
+            <a:cxnSpLocks/>
+            <a:endCxn id="52" idx="4"/>
+          </p:cNvCxnSpPr>
+          <p:nvPr/>
+        </p:nvCxnSpPr>
+        <p:spPr>
+          <a:xfrm flipH="1" flipV="1">
+            <a:off x="8890621" y="2174480"/>
+            <a:ext cx="388810" cy="1199112"/>
+          </a:xfrm>
+          <a:prstGeom prst="straightConnector1">
+            <a:avLst/>
+          </a:prstGeom>
+          <a:ln w="28575">
+            <a:solidFill>
+              <a:schemeClr val="accent5">
+                <a:lumMod val="40000"/>
+                <a:lumOff val="60000"/>
+              </a:schemeClr>
+            </a:solidFill>
+            <a:headEnd type="triangle" w="med" len="med"/>
+            <a:tailEnd type="none" w="med" len="med"/>
+          </a:ln>
+        </p:spPr>
+        <p:style>
+          <a:lnRef idx="1">
+            <a:schemeClr val="accent1"/>
+          </a:lnRef>
+          <a:fillRef idx="0">
+            <a:schemeClr val="accent1"/>
+          </a:fillRef>
+          <a:effectRef idx="0">
+            <a:schemeClr val="accent1"/>
+          </a:effectRef>
+          <a:fontRef idx="minor">
+            <a:schemeClr val="tx1"/>
+          </a:fontRef>
+        </p:style>
+      </p:cxnSp>
+      <p:cxnSp>
+        <p:nvCxnSpPr>
+          <p:cNvPr id="62" name="직선 화살표 연결선 61">
+            <a:extLst>
+              <a:ext uri="{FF2B5EF4-FFF2-40B4-BE49-F238E27FC236}">
+                <a16:creationId xmlns:a16="http://schemas.microsoft.com/office/drawing/2014/main" id="{EC45E839-076A-4BC8-9865-EED70428039A}"/>
+              </a:ext>
+            </a:extLst>
+          </p:cNvPr>
+          <p:cNvCxnSpPr>
+            <a:cxnSpLocks/>
+            <a:endCxn id="53" idx="4"/>
+          </p:cNvCxnSpPr>
+          <p:nvPr/>
+        </p:nvCxnSpPr>
+        <p:spPr>
+          <a:xfrm flipV="1">
+            <a:off x="9404500" y="2174480"/>
+            <a:ext cx="504684" cy="1199112"/>
+          </a:xfrm>
+          <a:prstGeom prst="straightConnector1">
+            <a:avLst/>
+          </a:prstGeom>
+          <a:ln w="28575">
+            <a:solidFill>
+              <a:schemeClr val="accent5">
+                <a:lumMod val="40000"/>
+                <a:lumOff val="60000"/>
+              </a:schemeClr>
+            </a:solidFill>
+            <a:headEnd type="triangle" w="med" len="med"/>
+            <a:tailEnd type="none" w="med" len="med"/>
+          </a:ln>
+        </p:spPr>
+        <p:style>
+          <a:lnRef idx="1">
+            <a:schemeClr val="accent1"/>
+          </a:lnRef>
+          <a:fillRef idx="0">
+            <a:schemeClr val="accent1"/>
+          </a:fillRef>
+          <a:effectRef idx="0">
+            <a:schemeClr val="accent1"/>
+          </a:effectRef>
+          <a:fontRef idx="minor">
+            <a:schemeClr val="tx1"/>
+          </a:fontRef>
+        </p:style>
+      </p:cxnSp>
+      <p:cxnSp>
+        <p:nvCxnSpPr>
+          <p:cNvPr id="63" name="직선 화살표 연결선 62">
+            <a:extLst>
+              <a:ext uri="{FF2B5EF4-FFF2-40B4-BE49-F238E27FC236}">
+                <a16:creationId xmlns:a16="http://schemas.microsoft.com/office/drawing/2014/main" id="{B4478FBF-58B7-413E-A7AB-AB6DEB14F9F3}"/>
+              </a:ext>
+            </a:extLst>
+          </p:cNvPr>
+          <p:cNvCxnSpPr>
+            <a:cxnSpLocks/>
+            <a:endCxn id="54" idx="4"/>
+          </p:cNvCxnSpPr>
+          <p:nvPr/>
+        </p:nvCxnSpPr>
+        <p:spPr>
+          <a:xfrm flipV="1">
+            <a:off x="9519674" y="2174480"/>
+            <a:ext cx="1408074" cy="1246381"/>
+          </a:xfrm>
+          <a:prstGeom prst="straightConnector1">
+            <a:avLst/>
+          </a:prstGeom>
+          <a:ln w="28575">
+            <a:solidFill>
+              <a:schemeClr val="accent5">
+                <a:lumMod val="40000"/>
+                <a:lumOff val="60000"/>
+              </a:schemeClr>
+            </a:solidFill>
+            <a:headEnd type="triangle" w="med" len="med"/>
+            <a:tailEnd type="none" w="med" len="med"/>
+          </a:ln>
+        </p:spPr>
+        <p:style>
+          <a:lnRef idx="1">
+            <a:schemeClr val="accent1"/>
+          </a:lnRef>
+          <a:fillRef idx="0">
+            <a:schemeClr val="accent1"/>
+          </a:fillRef>
+          <a:effectRef idx="0">
+            <a:schemeClr val="accent1"/>
+          </a:effectRef>
+          <a:fontRef idx="minor">
+            <a:schemeClr val="tx1"/>
+          </a:fontRef>
+        </p:style>
+      </p:cxnSp>
+      <p:cxnSp>
+        <p:nvCxnSpPr>
+          <p:cNvPr id="64" name="직선 화살표 연결선 63">
+            <a:extLst>
+              <a:ext uri="{FF2B5EF4-FFF2-40B4-BE49-F238E27FC236}">
+                <a16:creationId xmlns:a16="http://schemas.microsoft.com/office/drawing/2014/main" id="{6A8DB242-9214-4B14-AC1B-58EA04F4468E}"/>
+              </a:ext>
+            </a:extLst>
+          </p:cNvPr>
+          <p:cNvCxnSpPr>
+            <a:cxnSpLocks/>
+            <a:endCxn id="51" idx="4"/>
+          </p:cNvCxnSpPr>
+          <p:nvPr/>
+        </p:nvCxnSpPr>
+        <p:spPr>
+          <a:xfrm flipH="1" flipV="1">
+            <a:off x="7872058" y="2174480"/>
+            <a:ext cx="2455186" cy="1246381"/>
+          </a:xfrm>
+          <a:prstGeom prst="straightConnector1">
+            <a:avLst/>
+          </a:prstGeom>
+          <a:ln w="38100">
+            <a:solidFill>
+              <a:schemeClr val="accent6"/>
+            </a:solidFill>
+            <a:headEnd type="triangle" w="med" len="med"/>
+            <a:tailEnd type="none" w="med" len="med"/>
+          </a:ln>
+        </p:spPr>
+        <p:style>
+          <a:lnRef idx="1">
+            <a:schemeClr val="accent1"/>
+          </a:lnRef>
+          <a:fillRef idx="0">
+            <a:schemeClr val="accent1"/>
+          </a:fillRef>
+          <a:effectRef idx="0">
+            <a:schemeClr val="accent1"/>
+          </a:effectRef>
+          <a:fontRef idx="minor">
+            <a:schemeClr val="tx1"/>
+          </a:fontRef>
+        </p:style>
+      </p:cxnSp>
+      <p:cxnSp>
+        <p:nvCxnSpPr>
+          <p:cNvPr id="65" name="직선 화살표 연결선 64">
+            <a:extLst>
+              <a:ext uri="{FF2B5EF4-FFF2-40B4-BE49-F238E27FC236}">
+                <a16:creationId xmlns:a16="http://schemas.microsoft.com/office/drawing/2014/main" id="{0815E55E-449A-4E70-84CA-5688ECDBC220}"/>
+              </a:ext>
+            </a:extLst>
+          </p:cNvPr>
+          <p:cNvCxnSpPr>
+            <a:cxnSpLocks/>
+            <a:endCxn id="52" idx="4"/>
+          </p:cNvCxnSpPr>
+          <p:nvPr/>
+        </p:nvCxnSpPr>
+        <p:spPr>
+          <a:xfrm flipH="1" flipV="1">
+            <a:off x="8890621" y="2174480"/>
+            <a:ext cx="1516633" cy="1199112"/>
+          </a:xfrm>
+          <a:prstGeom prst="straightConnector1">
+            <a:avLst/>
+          </a:prstGeom>
+          <a:ln w="28575">
+            <a:solidFill>
+              <a:schemeClr val="accent5">
+                <a:lumMod val="40000"/>
+                <a:lumOff val="60000"/>
+              </a:schemeClr>
+            </a:solidFill>
+            <a:headEnd type="triangle" w="med" len="med"/>
+            <a:tailEnd type="none" w="med" len="med"/>
+          </a:ln>
+        </p:spPr>
+        <p:style>
+          <a:lnRef idx="1">
+            <a:schemeClr val="accent1"/>
+          </a:lnRef>
+          <a:fillRef idx="0">
+            <a:schemeClr val="accent1"/>
+          </a:fillRef>
+          <a:effectRef idx="0">
+            <a:schemeClr val="accent1"/>
+          </a:effectRef>
+          <a:fontRef idx="minor">
+            <a:schemeClr val="tx1"/>
+          </a:fontRef>
+        </p:style>
+      </p:cxnSp>
+      <p:cxnSp>
+        <p:nvCxnSpPr>
+          <p:cNvPr id="66" name="직선 화살표 연결선 65">
+            <a:extLst>
+              <a:ext uri="{FF2B5EF4-FFF2-40B4-BE49-F238E27FC236}">
+                <a16:creationId xmlns:a16="http://schemas.microsoft.com/office/drawing/2014/main" id="{7C6BB657-A8B9-445A-993A-A43D2C480F1C}"/>
+              </a:ext>
+            </a:extLst>
+          </p:cNvPr>
+          <p:cNvCxnSpPr>
+            <a:cxnSpLocks/>
+            <a:endCxn id="53" idx="4"/>
+          </p:cNvCxnSpPr>
+          <p:nvPr/>
+        </p:nvCxnSpPr>
+        <p:spPr>
+          <a:xfrm flipH="1" flipV="1">
+            <a:off x="9909184" y="2174480"/>
+            <a:ext cx="579996" cy="1199112"/>
+          </a:xfrm>
+          <a:prstGeom prst="straightConnector1">
+            <a:avLst/>
+          </a:prstGeom>
+          <a:ln w="28575">
+            <a:solidFill>
+              <a:schemeClr val="accent5">
+                <a:lumMod val="40000"/>
+                <a:lumOff val="60000"/>
+              </a:schemeClr>
+            </a:solidFill>
+            <a:headEnd type="triangle" w="med" len="med"/>
+            <a:tailEnd type="none" w="med" len="med"/>
+          </a:ln>
+        </p:spPr>
+        <p:style>
+          <a:lnRef idx="1">
+            <a:schemeClr val="accent1"/>
+          </a:lnRef>
+          <a:fillRef idx="0">
+            <a:schemeClr val="accent1"/>
+          </a:fillRef>
+          <a:effectRef idx="0">
+            <a:schemeClr val="accent1"/>
+          </a:effectRef>
+          <a:fontRef idx="minor">
+            <a:schemeClr val="tx1"/>
+          </a:fontRef>
+        </p:style>
+      </p:cxnSp>
+      <p:cxnSp>
+        <p:nvCxnSpPr>
+          <p:cNvPr id="67" name="직선 화살표 연결선 66">
+            <a:extLst>
+              <a:ext uri="{FF2B5EF4-FFF2-40B4-BE49-F238E27FC236}">
+                <a16:creationId xmlns:a16="http://schemas.microsoft.com/office/drawing/2014/main" id="{1839876D-C0A5-4C64-A2D3-D8453419F0DE}"/>
+              </a:ext>
+            </a:extLst>
+          </p:cNvPr>
+          <p:cNvCxnSpPr>
+            <a:cxnSpLocks/>
+            <a:endCxn id="54" idx="4"/>
+          </p:cNvCxnSpPr>
+          <p:nvPr/>
+        </p:nvCxnSpPr>
+        <p:spPr>
+          <a:xfrm flipV="1">
+            <a:off x="10551124" y="2174480"/>
+            <a:ext cx="376624" cy="1212447"/>
+          </a:xfrm>
+          <a:prstGeom prst="straightConnector1">
+            <a:avLst/>
+          </a:prstGeom>
+          <a:ln w="28575">
+            <a:solidFill>
+              <a:schemeClr val="accent5">
+                <a:lumMod val="40000"/>
+                <a:lumOff val="60000"/>
+              </a:schemeClr>
+            </a:solidFill>
+            <a:headEnd type="triangle" w="med" len="med"/>
+            <a:tailEnd type="none" w="med" len="med"/>
+          </a:ln>
+        </p:spPr>
+        <p:style>
+          <a:lnRef idx="1">
+            <a:schemeClr val="accent1"/>
+          </a:lnRef>
+          <a:fillRef idx="0">
+            <a:schemeClr val="accent1"/>
+          </a:fillRef>
+          <a:effectRef idx="0">
+            <a:schemeClr val="accent1"/>
+          </a:effectRef>
+          <a:fontRef idx="minor">
+            <a:schemeClr val="tx1"/>
+          </a:fontRef>
+        </p:style>
+      </p:cxnSp>
+      <p:cxnSp>
+        <p:nvCxnSpPr>
+          <p:cNvPr id="68" name="직선 화살표 연결선 67">
+            <a:extLst>
+              <a:ext uri="{FF2B5EF4-FFF2-40B4-BE49-F238E27FC236}">
+                <a16:creationId xmlns:a16="http://schemas.microsoft.com/office/drawing/2014/main" id="{FD429C9B-9089-43F6-9C1A-0269CCABF236}"/>
+              </a:ext>
+            </a:extLst>
+          </p:cNvPr>
+          <p:cNvCxnSpPr>
+            <a:cxnSpLocks/>
+            <a:endCxn id="51" idx="4"/>
+          </p:cNvCxnSpPr>
+          <p:nvPr/>
+        </p:nvCxnSpPr>
+        <p:spPr>
+          <a:xfrm flipH="1" flipV="1">
+            <a:off x="7872058" y="2174480"/>
+            <a:ext cx="224230" cy="1246381"/>
+          </a:xfrm>
+          <a:prstGeom prst="straightConnector1">
+            <a:avLst/>
+          </a:prstGeom>
+          <a:ln w="38100">
+            <a:solidFill>
+              <a:schemeClr val="accent6"/>
+            </a:solidFill>
+            <a:headEnd type="triangle" w="med" len="med"/>
+            <a:tailEnd type="none" w="med" len="med"/>
+          </a:ln>
+        </p:spPr>
+        <p:style>
+          <a:lnRef idx="1">
+            <a:schemeClr val="accent1"/>
+          </a:lnRef>
+          <a:fillRef idx="0">
+            <a:schemeClr val="accent1"/>
+          </a:fillRef>
+          <a:effectRef idx="0">
+            <a:schemeClr val="accent1"/>
+          </a:effectRef>
+          <a:fontRef idx="minor">
+            <a:schemeClr val="tx1"/>
+          </a:fontRef>
+        </p:style>
+      </p:cxnSp>
+      <p:cxnSp>
+        <p:nvCxnSpPr>
+          <p:cNvPr id="69" name="직선 화살표 연결선 68">
+            <a:extLst>
+              <a:ext uri="{FF2B5EF4-FFF2-40B4-BE49-F238E27FC236}">
+                <a16:creationId xmlns:a16="http://schemas.microsoft.com/office/drawing/2014/main" id="{45DC3BA0-F3B4-4FCB-A53C-69392FED7F4E}"/>
+              </a:ext>
+            </a:extLst>
+          </p:cNvPr>
+          <p:cNvCxnSpPr>
+            <a:cxnSpLocks/>
+            <a:endCxn id="52" idx="4"/>
+          </p:cNvCxnSpPr>
+          <p:nvPr/>
+        </p:nvCxnSpPr>
+        <p:spPr>
+          <a:xfrm flipV="1">
+            <a:off x="8221357" y="2174480"/>
+            <a:ext cx="669264" cy="1199112"/>
+          </a:xfrm>
+          <a:prstGeom prst="straightConnector1">
+            <a:avLst/>
+          </a:prstGeom>
+          <a:ln w="28575">
+            <a:solidFill>
+              <a:schemeClr val="accent5">
+                <a:lumMod val="40000"/>
+                <a:lumOff val="60000"/>
+              </a:schemeClr>
+            </a:solidFill>
+            <a:headEnd type="triangle" w="med" len="med"/>
+            <a:tailEnd type="none" w="med" len="med"/>
+          </a:ln>
+        </p:spPr>
+        <p:style>
+          <a:lnRef idx="1">
+            <a:schemeClr val="accent1"/>
+          </a:lnRef>
+          <a:fillRef idx="0">
+            <a:schemeClr val="accent1"/>
+          </a:fillRef>
+          <a:effectRef idx="0">
+            <a:schemeClr val="accent1"/>
+          </a:effectRef>
+          <a:fontRef idx="minor">
+            <a:schemeClr val="tx1"/>
+          </a:fontRef>
+        </p:style>
+      </p:cxnSp>
+      <p:cxnSp>
+        <p:nvCxnSpPr>
+          <p:cNvPr id="70" name="직선 화살표 연결선 69">
+            <a:extLst>
+              <a:ext uri="{FF2B5EF4-FFF2-40B4-BE49-F238E27FC236}">
+                <a16:creationId xmlns:a16="http://schemas.microsoft.com/office/drawing/2014/main" id="{7974E787-7F94-49DF-B8C2-CF236F022205}"/>
+              </a:ext>
+            </a:extLst>
+          </p:cNvPr>
+          <p:cNvCxnSpPr>
+            <a:cxnSpLocks/>
+            <a:endCxn id="53" idx="4"/>
+          </p:cNvCxnSpPr>
+          <p:nvPr/>
+        </p:nvCxnSpPr>
+        <p:spPr>
+          <a:xfrm flipV="1">
+            <a:off x="8323752" y="2174480"/>
+            <a:ext cx="1585432" cy="1246381"/>
+          </a:xfrm>
+          <a:prstGeom prst="straightConnector1">
+            <a:avLst/>
+          </a:prstGeom>
+          <a:ln w="28575">
+            <a:solidFill>
+              <a:schemeClr val="accent5">
+                <a:lumMod val="40000"/>
+                <a:lumOff val="60000"/>
+              </a:schemeClr>
+            </a:solidFill>
+            <a:headEnd type="triangle" w="med" len="med"/>
+            <a:tailEnd type="none" w="med" len="med"/>
+          </a:ln>
+        </p:spPr>
+        <p:style>
+          <a:lnRef idx="1">
+            <a:schemeClr val="accent1"/>
+          </a:lnRef>
+          <a:fillRef idx="0">
+            <a:schemeClr val="accent1"/>
+          </a:fillRef>
+          <a:effectRef idx="0">
+            <a:schemeClr val="accent1"/>
+          </a:effectRef>
+          <a:fontRef idx="minor">
+            <a:schemeClr val="tx1"/>
+          </a:fontRef>
+        </p:style>
+      </p:cxnSp>
+      <p:cxnSp>
+        <p:nvCxnSpPr>
+          <p:cNvPr id="71" name="직선 화살표 연결선 70">
+            <a:extLst>
+              <a:ext uri="{FF2B5EF4-FFF2-40B4-BE49-F238E27FC236}">
+                <a16:creationId xmlns:a16="http://schemas.microsoft.com/office/drawing/2014/main" id="{9163B53F-B8C6-44A1-B39D-CBB70A902D24}"/>
+              </a:ext>
+            </a:extLst>
+          </p:cNvPr>
+          <p:cNvCxnSpPr>
+            <a:cxnSpLocks/>
+            <a:stCxn id="55" idx="7"/>
+            <a:endCxn id="54" idx="4"/>
+          </p:cNvCxnSpPr>
+          <p:nvPr/>
+        </p:nvCxnSpPr>
+        <p:spPr>
+          <a:xfrm flipV="1">
+            <a:off x="8452054" y="2174480"/>
+            <a:ext cx="2475694" cy="1345893"/>
+          </a:xfrm>
+          <a:prstGeom prst="straightConnector1">
+            <a:avLst/>
+          </a:prstGeom>
+          <a:ln w="28575">
+            <a:solidFill>
+              <a:schemeClr val="accent5">
+                <a:lumMod val="40000"/>
+                <a:lumOff val="60000"/>
+              </a:schemeClr>
+            </a:solidFill>
+            <a:headEnd type="triangle" w="med" len="med"/>
+            <a:tailEnd type="none" w="med" len="med"/>
+          </a:ln>
+        </p:spPr>
+        <p:style>
+          <a:lnRef idx="1">
+            <a:schemeClr val="accent1"/>
+          </a:lnRef>
+          <a:fillRef idx="0">
+            <a:schemeClr val="accent1"/>
+          </a:fillRef>
+          <a:effectRef idx="0">
+            <a:schemeClr val="accent1"/>
+          </a:effectRef>
+          <a:fontRef idx="minor">
+            <a:schemeClr val="tx1"/>
+          </a:fontRef>
+        </p:style>
+      </p:cxnSp>
+      <p:sp>
+        <p:nvSpPr>
+          <p:cNvPr id="100" name="직사각형 99">
+            <a:extLst>
+              <a:ext uri="{FF2B5EF4-FFF2-40B4-BE49-F238E27FC236}">
+                <a16:creationId xmlns:a16="http://schemas.microsoft.com/office/drawing/2014/main" id="{D4AEBDB9-BE0E-4A11-AB54-1A6CE0E19871}"/>
+              </a:ext>
+            </a:extLst>
+          </p:cNvPr>
+          <p:cNvSpPr/>
+          <p:nvPr/>
+        </p:nvSpPr>
+        <p:spPr>
+          <a:xfrm>
+            <a:off x="326153" y="1029429"/>
+            <a:ext cx="5426550" cy="3426107"/>
+          </a:xfrm>
+          <a:prstGeom prst="rect">
+            <a:avLst/>
+          </a:prstGeom>
+          <a:noFill/>
+          <a:ln w="38100">
+            <a:solidFill>
+              <a:schemeClr val="tx1"/>
+            </a:solidFill>
+          </a:ln>
+        </p:spPr>
+        <p:style>
+          <a:lnRef idx="2">
+            <a:schemeClr val="accent1">
+              <a:shade val="50000"/>
+            </a:schemeClr>
+          </a:lnRef>
+          <a:fillRef idx="1">
+            <a:schemeClr val="accent1"/>
+          </a:fillRef>
+          <a:effectRef idx="0">
+            <a:schemeClr val="accent1"/>
+          </a:effectRef>
+          <a:fontRef idx="minor">
+            <a:schemeClr val="lt1"/>
+          </a:fontRef>
+        </p:style>
+        <p:txBody>
+          <a:bodyPr rtlCol="0" anchor="ctr"/>
+          <a:lstStyle/>
+          <a:p>
+            <a:pPr algn="ctr"/>
+            <a:endParaRPr lang="ko-KR" altLang="en-US"/>
+          </a:p>
+        </p:txBody>
+      </p:sp>
+      <p:sp>
+        <p:nvSpPr>
+          <p:cNvPr id="101" name="직사각형 100">
+            <a:extLst>
+              <a:ext uri="{FF2B5EF4-FFF2-40B4-BE49-F238E27FC236}">
+                <a16:creationId xmlns:a16="http://schemas.microsoft.com/office/drawing/2014/main" id="{5F9D68D5-B403-4778-B03D-578DF50DBAD7}"/>
+              </a:ext>
+            </a:extLst>
+          </p:cNvPr>
+          <p:cNvSpPr/>
+          <p:nvPr/>
+        </p:nvSpPr>
+        <p:spPr>
+          <a:xfrm>
+            <a:off x="6439297" y="1029429"/>
+            <a:ext cx="5426550" cy="3426107"/>
+          </a:xfrm>
+          <a:prstGeom prst="rect">
+            <a:avLst/>
+          </a:prstGeom>
+          <a:noFill/>
+          <a:ln w="38100">
+            <a:solidFill>
+              <a:schemeClr val="tx1"/>
+            </a:solidFill>
+          </a:ln>
+        </p:spPr>
+        <p:style>
+          <a:lnRef idx="2">
+            <a:schemeClr val="accent1">
+              <a:shade val="50000"/>
+            </a:schemeClr>
+          </a:lnRef>
+          <a:fillRef idx="1">
+            <a:schemeClr val="accent1"/>
+          </a:fillRef>
+          <a:effectRef idx="0">
+            <a:schemeClr val="accent1"/>
+          </a:effectRef>
+          <a:fontRef idx="minor">
+            <a:schemeClr val="lt1"/>
+          </a:fontRef>
+        </p:style>
+        <p:txBody>
+          <a:bodyPr rtlCol="0" anchor="ctr"/>
+          <a:lstStyle/>
+          <a:p>
+            <a:pPr algn="ctr"/>
+            <a:endParaRPr lang="ko-KR" altLang="en-US"/>
+          </a:p>
+        </p:txBody>
+      </p:sp>
+      <p:sp>
+        <p:nvSpPr>
+          <p:cNvPr id="102" name="TextBox 101">
+            <a:extLst>
+              <a:ext uri="{FF2B5EF4-FFF2-40B4-BE49-F238E27FC236}">
+                <a16:creationId xmlns:a16="http://schemas.microsoft.com/office/drawing/2014/main" id="{2484FC47-6926-4B76-B829-35A47F3199ED}"/>
+              </a:ext>
+            </a:extLst>
+          </p:cNvPr>
+          <p:cNvSpPr txBox="1"/>
+          <p:nvPr/>
+        </p:nvSpPr>
+        <p:spPr>
+          <a:xfrm>
+            <a:off x="2231790" y="488945"/>
+            <a:ext cx="1594283" cy="523220"/>
+          </a:xfrm>
+          <a:prstGeom prst="rect">
+            <a:avLst/>
+          </a:prstGeom>
+          <a:noFill/>
+        </p:spPr>
+        <p:txBody>
+          <a:bodyPr wrap="none" rtlCol="0">
+            <a:spAutoFit/>
+          </a:bodyPr>
+          <a:lstStyle/>
+          <a:p>
+            <a:r>
+              <a:rPr lang="en-US" altLang="ko-KR" sz="2800" b="1"/>
+              <a:t>Forward</a:t>
+            </a:r>
+            <a:endParaRPr lang="ko-KR" altLang="en-US" sz="2800" b="1" dirty="0"/>
+          </a:p>
+        </p:txBody>
+      </p:sp>
+      <p:sp>
+        <p:nvSpPr>
+          <p:cNvPr id="103" name="TextBox 102">
+            <a:extLst>
+              <a:ext uri="{FF2B5EF4-FFF2-40B4-BE49-F238E27FC236}">
+                <a16:creationId xmlns:a16="http://schemas.microsoft.com/office/drawing/2014/main" id="{17ABABB3-95D0-4FAC-A78E-FDD153F274BD}"/>
+              </a:ext>
+            </a:extLst>
+          </p:cNvPr>
+          <p:cNvSpPr txBox="1"/>
+          <p:nvPr/>
+        </p:nvSpPr>
+        <p:spPr>
+          <a:xfrm>
+            <a:off x="8355430" y="488945"/>
+            <a:ext cx="1827616" cy="523220"/>
+          </a:xfrm>
+          <a:prstGeom prst="rect">
+            <a:avLst/>
+          </a:prstGeom>
+          <a:noFill/>
+        </p:spPr>
+        <p:txBody>
+          <a:bodyPr wrap="none" rtlCol="0">
+            <a:spAutoFit/>
+          </a:bodyPr>
+          <a:lstStyle/>
+          <a:p>
+            <a:r>
+              <a:rPr lang="en-US" altLang="ko-KR" sz="2800" b="1"/>
+              <a:t>Backward</a:t>
+            </a:r>
+            <a:endParaRPr lang="ko-KR" altLang="en-US" sz="2800" b="1" dirty="0"/>
+          </a:p>
+        </p:txBody>
+      </p:sp>
+      <p:sp>
+        <p:nvSpPr>
+          <p:cNvPr id="106" name="직사각형 105">
+            <a:extLst>
+              <a:ext uri="{FF2B5EF4-FFF2-40B4-BE49-F238E27FC236}">
+                <a16:creationId xmlns:a16="http://schemas.microsoft.com/office/drawing/2014/main" id="{8EF9DA3E-E2A6-4A5D-8106-B3891ADBE03B}"/>
+              </a:ext>
+            </a:extLst>
+          </p:cNvPr>
+          <p:cNvSpPr/>
+          <p:nvPr/>
+        </p:nvSpPr>
+        <p:spPr>
+          <a:xfrm>
+            <a:off x="1007535" y="3264076"/>
+            <a:ext cx="4158668" cy="987616"/>
+          </a:xfrm>
+          <a:prstGeom prst="rect">
+            <a:avLst/>
+          </a:prstGeom>
+          <a:noFill/>
+          <a:ln w="57150">
+            <a:solidFill>
+              <a:schemeClr val="accent1"/>
+            </a:solidFill>
+          </a:ln>
+        </p:spPr>
+        <p:style>
+          <a:lnRef idx="2">
+            <a:schemeClr val="accent1">
+              <a:shade val="50000"/>
+            </a:schemeClr>
+          </a:lnRef>
+          <a:fillRef idx="1">
+            <a:schemeClr val="accent1"/>
+          </a:fillRef>
+          <a:effectRef idx="0">
+            <a:schemeClr val="accent1"/>
+          </a:effectRef>
+          <a:fontRef idx="minor">
+            <a:schemeClr val="lt1"/>
+          </a:fontRef>
+        </p:style>
+        <p:txBody>
+          <a:bodyPr rtlCol="0" anchor="ctr"/>
+          <a:lstStyle/>
+          <a:p>
+            <a:pPr algn="ctr"/>
+            <a:endParaRPr lang="ko-KR" altLang="en-US"/>
+          </a:p>
+        </p:txBody>
+      </p:sp>
+      <p:sp>
+        <p:nvSpPr>
+          <p:cNvPr id="107" name="직사각형 106">
+            <a:extLst>
+              <a:ext uri="{FF2B5EF4-FFF2-40B4-BE49-F238E27FC236}">
+                <a16:creationId xmlns:a16="http://schemas.microsoft.com/office/drawing/2014/main" id="{9F7FE6E1-DCE4-41E9-AA4B-BC59387570B5}"/>
+              </a:ext>
+            </a:extLst>
+          </p:cNvPr>
+          <p:cNvSpPr/>
+          <p:nvPr/>
+        </p:nvSpPr>
+        <p:spPr>
+          <a:xfrm>
+            <a:off x="7043163" y="3264076"/>
+            <a:ext cx="4158668" cy="987616"/>
+          </a:xfrm>
+          <a:prstGeom prst="rect">
+            <a:avLst/>
+          </a:prstGeom>
+          <a:noFill/>
+          <a:ln w="57150">
+            <a:solidFill>
+              <a:schemeClr val="accent1"/>
+            </a:solidFill>
+          </a:ln>
+        </p:spPr>
+        <p:style>
+          <a:lnRef idx="2">
+            <a:schemeClr val="accent1">
+              <a:shade val="50000"/>
+            </a:schemeClr>
+          </a:lnRef>
+          <a:fillRef idx="1">
+            <a:schemeClr val="accent1"/>
+          </a:fillRef>
+          <a:effectRef idx="0">
+            <a:schemeClr val="accent1"/>
+          </a:effectRef>
+          <a:fontRef idx="minor">
+            <a:schemeClr val="lt1"/>
+          </a:fontRef>
+        </p:style>
+        <p:txBody>
+          <a:bodyPr rtlCol="0" anchor="ctr"/>
+          <a:lstStyle/>
+          <a:p>
+            <a:pPr algn="ctr"/>
+            <a:endParaRPr lang="ko-KR" altLang="en-US"/>
+          </a:p>
+        </p:txBody>
+      </p:sp>
+      <p:cxnSp>
+        <p:nvCxnSpPr>
+          <p:cNvPr id="109" name="직선 화살표 연결선 108">
+            <a:extLst>
+              <a:ext uri="{FF2B5EF4-FFF2-40B4-BE49-F238E27FC236}">
+                <a16:creationId xmlns:a16="http://schemas.microsoft.com/office/drawing/2014/main" id="{27269B99-A155-44D7-A465-BFDBFBCFE25D}"/>
+              </a:ext>
+            </a:extLst>
+          </p:cNvPr>
+          <p:cNvCxnSpPr/>
+          <p:nvPr/>
+        </p:nvCxnSpPr>
+        <p:spPr>
+          <a:xfrm>
+            <a:off x="5752703" y="2096334"/>
+            <a:ext cx="686594" cy="0"/>
+          </a:xfrm>
+          <a:prstGeom prst="straightConnector1">
+            <a:avLst/>
+          </a:prstGeom>
+          <a:ln w="57150">
+            <a:solidFill>
+              <a:schemeClr val="tx1"/>
+            </a:solidFill>
+            <a:tailEnd type="triangle"/>
+          </a:ln>
+        </p:spPr>
+        <p:style>
+          <a:lnRef idx="1">
+            <a:schemeClr val="accent1"/>
+          </a:lnRef>
+          <a:fillRef idx="0">
+            <a:schemeClr val="accent1"/>
+          </a:fillRef>
+          <a:effectRef idx="0">
+            <a:schemeClr val="accent1"/>
+          </a:effectRef>
+          <a:fontRef idx="minor">
+            <a:schemeClr val="tx1"/>
+          </a:fontRef>
+        </p:style>
+      </p:cxnSp>
+      <p:cxnSp>
+        <p:nvCxnSpPr>
+          <p:cNvPr id="110" name="직선 화살표 연결선 109">
+            <a:extLst>
+              <a:ext uri="{FF2B5EF4-FFF2-40B4-BE49-F238E27FC236}">
+                <a16:creationId xmlns:a16="http://schemas.microsoft.com/office/drawing/2014/main" id="{F4D4AEED-5356-4D74-9FCE-BD4CCBEE1EE6}"/>
+              </a:ext>
+            </a:extLst>
+          </p:cNvPr>
+          <p:cNvCxnSpPr/>
+          <p:nvPr/>
+        </p:nvCxnSpPr>
+        <p:spPr>
+          <a:xfrm>
+            <a:off x="5752703" y="3264076"/>
+            <a:ext cx="686594" cy="0"/>
+          </a:xfrm>
+          <a:prstGeom prst="straightConnector1">
+            <a:avLst/>
+          </a:prstGeom>
+          <a:ln w="57150">
+            <a:solidFill>
+              <a:schemeClr val="tx1"/>
+            </a:solidFill>
+            <a:headEnd type="triangle" w="med" len="med"/>
+            <a:tailEnd type="none" w="med" len="med"/>
+          </a:ln>
+        </p:spPr>
+        <p:style>
+          <a:lnRef idx="1">
+            <a:schemeClr val="accent1"/>
+          </a:lnRef>
+          <a:fillRef idx="0">
+            <a:schemeClr val="accent1"/>
+          </a:fillRef>
+          <a:effectRef idx="0">
+            <a:schemeClr val="accent1"/>
+          </a:effectRef>
+          <a:fontRef idx="minor">
+            <a:schemeClr val="tx1"/>
+          </a:fontRef>
+        </p:style>
+      </p:cxnSp>
+      <p:cxnSp>
+        <p:nvCxnSpPr>
+          <p:cNvPr id="112" name="직선 화살표 연결선 111">
+            <a:extLst>
+              <a:ext uri="{FF2B5EF4-FFF2-40B4-BE49-F238E27FC236}">
+                <a16:creationId xmlns:a16="http://schemas.microsoft.com/office/drawing/2014/main" id="{495BD73B-7AB8-47BD-A960-E642817C3EB4}"/>
+              </a:ext>
+            </a:extLst>
+          </p:cNvPr>
+          <p:cNvCxnSpPr/>
+          <p:nvPr/>
+        </p:nvCxnSpPr>
+        <p:spPr>
+          <a:xfrm flipH="1" flipV="1">
+            <a:off x="3989558" y="4251692"/>
+            <a:ext cx="679509" cy="1199266"/>
+          </a:xfrm>
+          <a:prstGeom prst="straightConnector1">
+            <a:avLst/>
+          </a:prstGeom>
+          <a:ln w="57150">
+            <a:tailEnd type="triangle"/>
+          </a:ln>
+        </p:spPr>
+        <p:style>
+          <a:lnRef idx="1">
+            <a:schemeClr val="accent1"/>
+          </a:lnRef>
+          <a:fillRef idx="0">
+            <a:schemeClr val="accent1"/>
+          </a:fillRef>
+          <a:effectRef idx="0">
+            <a:schemeClr val="accent1"/>
+          </a:effectRef>
+          <a:fontRef idx="minor">
+            <a:schemeClr val="tx1"/>
+          </a:fontRef>
+        </p:style>
+      </p:cxnSp>
+      <p:sp>
+        <p:nvSpPr>
+          <p:cNvPr id="115" name="TextBox 114">
+            <a:extLst>
+              <a:ext uri="{FF2B5EF4-FFF2-40B4-BE49-F238E27FC236}">
+                <a16:creationId xmlns:a16="http://schemas.microsoft.com/office/drawing/2014/main" id="{F3277161-0A60-40C2-817E-3695F03620D8}"/>
+              </a:ext>
+            </a:extLst>
+          </p:cNvPr>
+          <p:cNvSpPr txBox="1"/>
+          <p:nvPr/>
+        </p:nvSpPr>
+        <p:spPr>
+          <a:xfrm>
+            <a:off x="1484641" y="5538058"/>
+            <a:ext cx="9222718" cy="830997"/>
+          </a:xfrm>
+          <a:prstGeom prst="rect">
+            <a:avLst/>
+          </a:prstGeom>
+          <a:noFill/>
+        </p:spPr>
+        <p:txBody>
+          <a:bodyPr wrap="none" rtlCol="0">
+            <a:spAutoFit/>
+          </a:bodyPr>
+          <a:lstStyle/>
+          <a:p>
+            <a:pPr algn="ctr"/>
+            <a:r>
+              <a:rPr lang="en-US" altLang="ko-KR" sz="2400" dirty="0"/>
+              <a:t>To manipulate weight, bias by repeating forward &lt;--&gt; Backward</a:t>
+            </a:r>
+          </a:p>
+          <a:p>
+            <a:pPr algn="ctr"/>
+            <a:r>
+              <a:rPr lang="en-US" altLang="ko-KR" sz="2400" dirty="0"/>
+              <a:t>until these two values get same</a:t>
+            </a:r>
+            <a:endParaRPr lang="ko-KR" altLang="en-US" sz="2400" dirty="0"/>
+          </a:p>
+        </p:txBody>
+      </p:sp>
+      <p:cxnSp>
+        <p:nvCxnSpPr>
+          <p:cNvPr id="116" name="직선 화살표 연결선 115">
+            <a:extLst>
+              <a:ext uri="{FF2B5EF4-FFF2-40B4-BE49-F238E27FC236}">
+                <a16:creationId xmlns:a16="http://schemas.microsoft.com/office/drawing/2014/main" id="{20DEDE60-4685-4C35-A12E-25F49829F0B5}"/>
+              </a:ext>
+            </a:extLst>
+          </p:cNvPr>
+          <p:cNvCxnSpPr>
+            <a:cxnSpLocks/>
+          </p:cNvCxnSpPr>
+          <p:nvPr/>
+        </p:nvCxnSpPr>
+        <p:spPr>
+          <a:xfrm flipV="1">
+            <a:off x="6978807" y="4251692"/>
+            <a:ext cx="679509" cy="1199266"/>
+          </a:xfrm>
+          <a:prstGeom prst="straightConnector1">
+            <a:avLst/>
+          </a:prstGeom>
+          <a:ln w="57150">
+            <a:tailEnd type="triangle"/>
+          </a:ln>
+        </p:spPr>
+        <p:style>
+          <a:lnRef idx="1">
+            <a:schemeClr val="accent1"/>
+          </a:lnRef>
+          <a:fillRef idx="0">
+            <a:schemeClr val="accent1"/>
+          </a:fillRef>
+          <a:effectRef idx="0">
+            <a:schemeClr val="accent1"/>
+          </a:effectRef>
+          <a:fontRef idx="minor">
+            <a:schemeClr val="tx1"/>
+          </a:fontRef>
+        </p:style>
+      </p:cxnSp>
+    </p:spTree>
+    <p:extLst>
+      <p:ext uri="{BB962C8B-B14F-4D97-AF65-F5344CB8AC3E}">
+        <p14:creationId xmlns:p14="http://schemas.microsoft.com/office/powerpoint/2010/main" val="3368974786"/>
+      </p:ext>
+    </p:extLst>
+  </p:cSld>
+  <p:clrMapOvr>
+    <a:masterClrMapping/>
+  </p:clrMapOvr>
+</p:sld>
+</file>
+
+<file path=ppt/slides/slide6.xml><?xml version="1.0" encoding="utf-8"?>
 <p:sld xmlns:a="http://schemas.openxmlformats.org/drawingml/2006/main" xmlns:r="http://schemas.openxmlformats.org/officeDocument/2006/relationships" xmlns:p="http://schemas.openxmlformats.org/presentationml/2006/main">
   <p:cSld>
     <p:spTree>
